--- a/Карелия_2022_Верт-Миллер.pptx
+++ b/Карелия_2022_Верт-Миллер.pptx
@@ -8,11 +8,13 @@
     <p:sldId id="256" r:id="rId2"/>
     <p:sldId id="257" r:id="rId3"/>
     <p:sldId id="265" r:id="rId4"/>
-    <p:sldId id="269" r:id="rId5"/>
-    <p:sldId id="267" r:id="rId6"/>
-    <p:sldId id="259" r:id="rId7"/>
-    <p:sldId id="268" r:id="rId8"/>
-    <p:sldId id="261" r:id="rId9"/>
+    <p:sldId id="259" r:id="rId5"/>
+    <p:sldId id="271" r:id="rId6"/>
+    <p:sldId id="272" r:id="rId7"/>
+    <p:sldId id="269" r:id="rId8"/>
+    <p:sldId id="270" r:id="rId9"/>
+    <p:sldId id="267" r:id="rId10"/>
+    <p:sldId id="261" r:id="rId11"/>
   </p:sldIdLst>
   <p:sldSz cx="12192000" cy="6858000"/>
   <p:notesSz cx="6858000" cy="9144000"/>
@@ -113,7 +115,7 @@
   </p:defaultTextStyle>
   <p:extLst>
     <p:ext uri="{521415D9-36F7-43E2-AB2F-B90AF26B5E84}">
-      <p14:sectionLst xmlns:p14="http://schemas.microsoft.com/office/powerpoint/2010/main" xmlns="">
+      <p14:sectionLst xmlns="" xmlns:p14="http://schemas.microsoft.com/office/powerpoint/2010/main">
         <p14:section name="Раздел по умолчанию" id="{BD5C6BC8-79BA-43F2-AADE-73938FAF4224}">
           <p14:sldIdLst>
             <p14:sldId id="256"/>
@@ -137,7 +139,7 @@
       </p14:sectionLst>
     </p:ext>
     <p:ext uri="{EFAFB233-063F-42B5-8137-9DF3F51BA10A}">
-      <p15:sldGuideLst xmlns:p15="http://schemas.microsoft.com/office/powerpoint/2012/main" xmlns=""/>
+      <p15:sldGuideLst xmlns="" xmlns:p15="http://schemas.microsoft.com/office/powerpoint/2012/main"/>
     </p:ext>
   </p:extLst>
 </p:presentation>
@@ -165,7 +167,7 @@
           <p:cNvPr id="2" name="Заголовок 1">
             <a:extLst>
               <a:ext uri="{FF2B5EF4-FFF2-40B4-BE49-F238E27FC236}">
-                <a16:creationId xmlns="" xmlns:a16="http://schemas.microsoft.com/office/drawing/2014/main" id="{1DB5EE12-12DA-3950-B62D-D33374B0BE7E}"/>
+                <a16:creationId xmlns:a16="http://schemas.microsoft.com/office/drawing/2014/main" xmlns="" id="{1DB5EE12-12DA-3950-B62D-D33374B0BE7E}"/>
               </a:ext>
             </a:extLst>
           </p:cNvPr>
@@ -202,7 +204,7 @@
           <p:cNvPr id="3" name="Подзаголовок 2">
             <a:extLst>
               <a:ext uri="{FF2B5EF4-FFF2-40B4-BE49-F238E27FC236}">
-                <a16:creationId xmlns="" xmlns:a16="http://schemas.microsoft.com/office/drawing/2014/main" id="{9310A401-7D92-8873-4E08-D3550F252F8E}"/>
+                <a16:creationId xmlns:a16="http://schemas.microsoft.com/office/drawing/2014/main" xmlns="" id="{9310A401-7D92-8873-4E08-D3550F252F8E}"/>
               </a:ext>
             </a:extLst>
           </p:cNvPr>
@@ -272,7 +274,7 @@
           <p:cNvPr id="4" name="Дата 3">
             <a:extLst>
               <a:ext uri="{FF2B5EF4-FFF2-40B4-BE49-F238E27FC236}">
-                <a16:creationId xmlns="" xmlns:a16="http://schemas.microsoft.com/office/drawing/2014/main" id="{7D4058E0-2DEC-5116-B051-18E7D32D043B}"/>
+                <a16:creationId xmlns:a16="http://schemas.microsoft.com/office/drawing/2014/main" xmlns="" id="{7D4058E0-2DEC-5116-B051-18E7D32D043B}"/>
               </a:ext>
             </a:extLst>
           </p:cNvPr>
@@ -291,7 +293,7 @@
             <a:fld id="{ADA5A899-FE04-4992-84F0-79F7315CE005}" type="datetimeFigureOut">
               <a:rPr lang="ru-RU" smtClean="0"/>
               <a:pPr/>
-              <a:t>15.09.2022</a:t>
+              <a:t>16.09.2022</a:t>
             </a:fld>
             <a:endParaRPr lang="ru-RU"/>
           </a:p>
@@ -302,7 +304,7 @@
           <p:cNvPr id="5" name="Нижний колонтитул 4">
             <a:extLst>
               <a:ext uri="{FF2B5EF4-FFF2-40B4-BE49-F238E27FC236}">
-                <a16:creationId xmlns="" xmlns:a16="http://schemas.microsoft.com/office/drawing/2014/main" id="{27055A46-0CF7-C563-8CF1-66264A6FC0B4}"/>
+                <a16:creationId xmlns:a16="http://schemas.microsoft.com/office/drawing/2014/main" xmlns="" id="{27055A46-0CF7-C563-8CF1-66264A6FC0B4}"/>
               </a:ext>
             </a:extLst>
           </p:cNvPr>
@@ -327,7 +329,7 @@
           <p:cNvPr id="6" name="Номер слайда 5">
             <a:extLst>
               <a:ext uri="{FF2B5EF4-FFF2-40B4-BE49-F238E27FC236}">
-                <a16:creationId xmlns="" xmlns:a16="http://schemas.microsoft.com/office/drawing/2014/main" id="{14B98F1C-93D4-DA7E-C8FA-D797ED731D6E}"/>
+                <a16:creationId xmlns:a16="http://schemas.microsoft.com/office/drawing/2014/main" xmlns="" id="{14B98F1C-93D4-DA7E-C8FA-D797ED731D6E}"/>
               </a:ext>
             </a:extLst>
           </p:cNvPr>
@@ -355,7 +357,7 @@
     </p:spTree>
     <p:extLst>
       <p:ext uri="{BB962C8B-B14F-4D97-AF65-F5344CB8AC3E}">
-        <p14:creationId xmlns:p14="http://schemas.microsoft.com/office/powerpoint/2010/main" xmlns="" val="128424399"/>
+        <p14:creationId xmlns="" xmlns:p14="http://schemas.microsoft.com/office/powerpoint/2010/main" val="128424399"/>
       </p:ext>
     </p:extLst>
   </p:cSld>
@@ -387,7 +389,7 @@
           <p:cNvPr id="2" name="Заголовок 1">
             <a:extLst>
               <a:ext uri="{FF2B5EF4-FFF2-40B4-BE49-F238E27FC236}">
-                <a16:creationId xmlns="" xmlns:a16="http://schemas.microsoft.com/office/drawing/2014/main" id="{A10B2CFF-AB82-03C3-F32F-6161409FDE6C}"/>
+                <a16:creationId xmlns:a16="http://schemas.microsoft.com/office/drawing/2014/main" xmlns="" id="{A10B2CFF-AB82-03C3-F32F-6161409FDE6C}"/>
               </a:ext>
             </a:extLst>
           </p:cNvPr>
@@ -415,7 +417,7 @@
           <p:cNvPr id="3" name="Вертикальный текст 2">
             <a:extLst>
               <a:ext uri="{FF2B5EF4-FFF2-40B4-BE49-F238E27FC236}">
-                <a16:creationId xmlns="" xmlns:a16="http://schemas.microsoft.com/office/drawing/2014/main" id="{DE258D6E-E014-7A7F-FD4B-E03DBF7CD9B2}"/>
+                <a16:creationId xmlns:a16="http://schemas.microsoft.com/office/drawing/2014/main" xmlns="" id="{DE258D6E-E014-7A7F-FD4B-E03DBF7CD9B2}"/>
               </a:ext>
             </a:extLst>
           </p:cNvPr>
@@ -472,7 +474,7 @@
           <p:cNvPr id="4" name="Дата 3">
             <a:extLst>
               <a:ext uri="{FF2B5EF4-FFF2-40B4-BE49-F238E27FC236}">
-                <a16:creationId xmlns="" xmlns:a16="http://schemas.microsoft.com/office/drawing/2014/main" id="{71A21FF6-D17C-D67C-DA6E-A2281068FF1B}"/>
+                <a16:creationId xmlns:a16="http://schemas.microsoft.com/office/drawing/2014/main" xmlns="" id="{71A21FF6-D17C-D67C-DA6E-A2281068FF1B}"/>
               </a:ext>
             </a:extLst>
           </p:cNvPr>
@@ -491,7 +493,7 @@
             <a:fld id="{ADA5A899-FE04-4992-84F0-79F7315CE005}" type="datetimeFigureOut">
               <a:rPr lang="ru-RU" smtClean="0"/>
               <a:pPr/>
-              <a:t>15.09.2022</a:t>
+              <a:t>16.09.2022</a:t>
             </a:fld>
             <a:endParaRPr lang="ru-RU"/>
           </a:p>
@@ -502,7 +504,7 @@
           <p:cNvPr id="5" name="Нижний колонтитул 4">
             <a:extLst>
               <a:ext uri="{FF2B5EF4-FFF2-40B4-BE49-F238E27FC236}">
-                <a16:creationId xmlns="" xmlns:a16="http://schemas.microsoft.com/office/drawing/2014/main" id="{2F51315D-3A0E-2099-9673-471C8D297185}"/>
+                <a16:creationId xmlns:a16="http://schemas.microsoft.com/office/drawing/2014/main" xmlns="" id="{2F51315D-3A0E-2099-9673-471C8D297185}"/>
               </a:ext>
             </a:extLst>
           </p:cNvPr>
@@ -527,7 +529,7 @@
           <p:cNvPr id="6" name="Номер слайда 5">
             <a:extLst>
               <a:ext uri="{FF2B5EF4-FFF2-40B4-BE49-F238E27FC236}">
-                <a16:creationId xmlns="" xmlns:a16="http://schemas.microsoft.com/office/drawing/2014/main" id="{86D72241-8282-AC00-E3C4-1EC726D41963}"/>
+                <a16:creationId xmlns:a16="http://schemas.microsoft.com/office/drawing/2014/main" xmlns="" id="{86D72241-8282-AC00-E3C4-1EC726D41963}"/>
               </a:ext>
             </a:extLst>
           </p:cNvPr>
@@ -555,7 +557,7 @@
     </p:spTree>
     <p:extLst>
       <p:ext uri="{BB962C8B-B14F-4D97-AF65-F5344CB8AC3E}">
-        <p14:creationId xmlns:p14="http://schemas.microsoft.com/office/powerpoint/2010/main" xmlns="" val="476647262"/>
+        <p14:creationId xmlns="" xmlns:p14="http://schemas.microsoft.com/office/powerpoint/2010/main" val="476647262"/>
       </p:ext>
     </p:extLst>
   </p:cSld>
@@ -587,7 +589,7 @@
           <p:cNvPr id="2" name="Вертикальный заголовок 1">
             <a:extLst>
               <a:ext uri="{FF2B5EF4-FFF2-40B4-BE49-F238E27FC236}">
-                <a16:creationId xmlns="" xmlns:a16="http://schemas.microsoft.com/office/drawing/2014/main" id="{C74891AD-0420-D0C7-3DA8-8163EE207834}"/>
+                <a16:creationId xmlns:a16="http://schemas.microsoft.com/office/drawing/2014/main" xmlns="" id="{C74891AD-0420-D0C7-3DA8-8163EE207834}"/>
               </a:ext>
             </a:extLst>
           </p:cNvPr>
@@ -620,7 +622,7 @@
           <p:cNvPr id="3" name="Вертикальный текст 2">
             <a:extLst>
               <a:ext uri="{FF2B5EF4-FFF2-40B4-BE49-F238E27FC236}">
-                <a16:creationId xmlns="" xmlns:a16="http://schemas.microsoft.com/office/drawing/2014/main" id="{BA2096B8-E349-969E-D59E-00F39D708BB2}"/>
+                <a16:creationId xmlns:a16="http://schemas.microsoft.com/office/drawing/2014/main" xmlns="" id="{BA2096B8-E349-969E-D59E-00F39D708BB2}"/>
               </a:ext>
             </a:extLst>
           </p:cNvPr>
@@ -682,7 +684,7 @@
           <p:cNvPr id="4" name="Дата 3">
             <a:extLst>
               <a:ext uri="{FF2B5EF4-FFF2-40B4-BE49-F238E27FC236}">
-                <a16:creationId xmlns="" xmlns:a16="http://schemas.microsoft.com/office/drawing/2014/main" id="{69C25D58-31DE-8BEE-84F5-205F0D8220DA}"/>
+                <a16:creationId xmlns:a16="http://schemas.microsoft.com/office/drawing/2014/main" xmlns="" id="{69C25D58-31DE-8BEE-84F5-205F0D8220DA}"/>
               </a:ext>
             </a:extLst>
           </p:cNvPr>
@@ -701,7 +703,7 @@
             <a:fld id="{ADA5A899-FE04-4992-84F0-79F7315CE005}" type="datetimeFigureOut">
               <a:rPr lang="ru-RU" smtClean="0"/>
               <a:pPr/>
-              <a:t>15.09.2022</a:t>
+              <a:t>16.09.2022</a:t>
             </a:fld>
             <a:endParaRPr lang="ru-RU"/>
           </a:p>
@@ -712,7 +714,7 @@
           <p:cNvPr id="5" name="Нижний колонтитул 4">
             <a:extLst>
               <a:ext uri="{FF2B5EF4-FFF2-40B4-BE49-F238E27FC236}">
-                <a16:creationId xmlns="" xmlns:a16="http://schemas.microsoft.com/office/drawing/2014/main" id="{1200D78E-3621-B5A0-296F-3AE6064C881B}"/>
+                <a16:creationId xmlns:a16="http://schemas.microsoft.com/office/drawing/2014/main" xmlns="" id="{1200D78E-3621-B5A0-296F-3AE6064C881B}"/>
               </a:ext>
             </a:extLst>
           </p:cNvPr>
@@ -737,7 +739,7 @@
           <p:cNvPr id="6" name="Номер слайда 5">
             <a:extLst>
               <a:ext uri="{FF2B5EF4-FFF2-40B4-BE49-F238E27FC236}">
-                <a16:creationId xmlns="" xmlns:a16="http://schemas.microsoft.com/office/drawing/2014/main" id="{22801EF9-AD0E-9305-7A5F-BA5D57BAF8CD}"/>
+                <a16:creationId xmlns:a16="http://schemas.microsoft.com/office/drawing/2014/main" xmlns="" id="{22801EF9-AD0E-9305-7A5F-BA5D57BAF8CD}"/>
               </a:ext>
             </a:extLst>
           </p:cNvPr>
@@ -765,7 +767,7 @@
     </p:spTree>
     <p:extLst>
       <p:ext uri="{BB962C8B-B14F-4D97-AF65-F5344CB8AC3E}">
-        <p14:creationId xmlns:p14="http://schemas.microsoft.com/office/powerpoint/2010/main" xmlns="" val="4201004194"/>
+        <p14:creationId xmlns="" xmlns:p14="http://schemas.microsoft.com/office/powerpoint/2010/main" val="4201004194"/>
       </p:ext>
     </p:extLst>
   </p:cSld>
@@ -797,7 +799,7 @@
           <p:cNvPr id="2" name="Заголовок 1">
             <a:extLst>
               <a:ext uri="{FF2B5EF4-FFF2-40B4-BE49-F238E27FC236}">
-                <a16:creationId xmlns="" xmlns:a16="http://schemas.microsoft.com/office/drawing/2014/main" id="{9679A5A8-87F3-2FE7-AA0B-006AD31849FC}"/>
+                <a16:creationId xmlns:a16="http://schemas.microsoft.com/office/drawing/2014/main" xmlns="" id="{9679A5A8-87F3-2FE7-AA0B-006AD31849FC}"/>
               </a:ext>
             </a:extLst>
           </p:cNvPr>
@@ -825,7 +827,7 @@
           <p:cNvPr id="3" name="Объект 2">
             <a:extLst>
               <a:ext uri="{FF2B5EF4-FFF2-40B4-BE49-F238E27FC236}">
-                <a16:creationId xmlns="" xmlns:a16="http://schemas.microsoft.com/office/drawing/2014/main" id="{901121FF-5217-AE0C-0534-37B1E320A9BE}"/>
+                <a16:creationId xmlns:a16="http://schemas.microsoft.com/office/drawing/2014/main" xmlns="" id="{901121FF-5217-AE0C-0534-37B1E320A9BE}"/>
               </a:ext>
             </a:extLst>
           </p:cNvPr>
@@ -882,7 +884,7 @@
           <p:cNvPr id="4" name="Дата 3">
             <a:extLst>
               <a:ext uri="{FF2B5EF4-FFF2-40B4-BE49-F238E27FC236}">
-                <a16:creationId xmlns="" xmlns:a16="http://schemas.microsoft.com/office/drawing/2014/main" id="{A5F63383-F5DA-10B2-E837-68D33D937299}"/>
+                <a16:creationId xmlns:a16="http://schemas.microsoft.com/office/drawing/2014/main" xmlns="" id="{A5F63383-F5DA-10B2-E837-68D33D937299}"/>
               </a:ext>
             </a:extLst>
           </p:cNvPr>
@@ -901,7 +903,7 @@
             <a:fld id="{ADA5A899-FE04-4992-84F0-79F7315CE005}" type="datetimeFigureOut">
               <a:rPr lang="ru-RU" smtClean="0"/>
               <a:pPr/>
-              <a:t>15.09.2022</a:t>
+              <a:t>16.09.2022</a:t>
             </a:fld>
             <a:endParaRPr lang="ru-RU"/>
           </a:p>
@@ -912,7 +914,7 @@
           <p:cNvPr id="5" name="Нижний колонтитул 4">
             <a:extLst>
               <a:ext uri="{FF2B5EF4-FFF2-40B4-BE49-F238E27FC236}">
-                <a16:creationId xmlns="" xmlns:a16="http://schemas.microsoft.com/office/drawing/2014/main" id="{6D2AC90C-BB10-94E4-E96D-5926EDFBDE10}"/>
+                <a16:creationId xmlns:a16="http://schemas.microsoft.com/office/drawing/2014/main" xmlns="" id="{6D2AC90C-BB10-94E4-E96D-5926EDFBDE10}"/>
               </a:ext>
             </a:extLst>
           </p:cNvPr>
@@ -937,7 +939,7 @@
           <p:cNvPr id="6" name="Номер слайда 5">
             <a:extLst>
               <a:ext uri="{FF2B5EF4-FFF2-40B4-BE49-F238E27FC236}">
-                <a16:creationId xmlns="" xmlns:a16="http://schemas.microsoft.com/office/drawing/2014/main" id="{A0DB5FF3-27E5-ECD7-6065-7E94E6A8555F}"/>
+                <a16:creationId xmlns:a16="http://schemas.microsoft.com/office/drawing/2014/main" xmlns="" id="{A0DB5FF3-27E5-ECD7-6065-7E94E6A8555F}"/>
               </a:ext>
             </a:extLst>
           </p:cNvPr>
@@ -965,7 +967,7 @@
     </p:spTree>
     <p:extLst>
       <p:ext uri="{BB962C8B-B14F-4D97-AF65-F5344CB8AC3E}">
-        <p14:creationId xmlns:p14="http://schemas.microsoft.com/office/powerpoint/2010/main" xmlns="" val="3663878534"/>
+        <p14:creationId xmlns="" xmlns:p14="http://schemas.microsoft.com/office/powerpoint/2010/main" val="3663878534"/>
       </p:ext>
     </p:extLst>
   </p:cSld>
@@ -997,7 +999,7 @@
           <p:cNvPr id="2" name="Заголовок 1">
             <a:extLst>
               <a:ext uri="{FF2B5EF4-FFF2-40B4-BE49-F238E27FC236}">
-                <a16:creationId xmlns="" xmlns:a16="http://schemas.microsoft.com/office/drawing/2014/main" id="{DD557F2C-9CD1-EEE2-EFD8-CA5356037721}"/>
+                <a16:creationId xmlns:a16="http://schemas.microsoft.com/office/drawing/2014/main" xmlns="" id="{DD557F2C-9CD1-EEE2-EFD8-CA5356037721}"/>
               </a:ext>
             </a:extLst>
           </p:cNvPr>
@@ -1034,7 +1036,7 @@
           <p:cNvPr id="3" name="Текст 2">
             <a:extLst>
               <a:ext uri="{FF2B5EF4-FFF2-40B4-BE49-F238E27FC236}">
-                <a16:creationId xmlns="" xmlns:a16="http://schemas.microsoft.com/office/drawing/2014/main" id="{D8950F90-CBA5-D33D-3E59-064DB5E54181}"/>
+                <a16:creationId xmlns:a16="http://schemas.microsoft.com/office/drawing/2014/main" xmlns="" id="{D8950F90-CBA5-D33D-3E59-064DB5E54181}"/>
               </a:ext>
             </a:extLst>
           </p:cNvPr>
@@ -1159,7 +1161,7 @@
           <p:cNvPr id="4" name="Дата 3">
             <a:extLst>
               <a:ext uri="{FF2B5EF4-FFF2-40B4-BE49-F238E27FC236}">
-                <a16:creationId xmlns="" xmlns:a16="http://schemas.microsoft.com/office/drawing/2014/main" id="{766500B9-25A6-8354-307A-5965FAC6FB3D}"/>
+                <a16:creationId xmlns:a16="http://schemas.microsoft.com/office/drawing/2014/main" xmlns="" id="{766500B9-25A6-8354-307A-5965FAC6FB3D}"/>
               </a:ext>
             </a:extLst>
           </p:cNvPr>
@@ -1178,7 +1180,7 @@
             <a:fld id="{ADA5A899-FE04-4992-84F0-79F7315CE005}" type="datetimeFigureOut">
               <a:rPr lang="ru-RU" smtClean="0"/>
               <a:pPr/>
-              <a:t>15.09.2022</a:t>
+              <a:t>16.09.2022</a:t>
             </a:fld>
             <a:endParaRPr lang="ru-RU"/>
           </a:p>
@@ -1189,7 +1191,7 @@
           <p:cNvPr id="5" name="Нижний колонтитул 4">
             <a:extLst>
               <a:ext uri="{FF2B5EF4-FFF2-40B4-BE49-F238E27FC236}">
-                <a16:creationId xmlns="" xmlns:a16="http://schemas.microsoft.com/office/drawing/2014/main" id="{EE82C732-66F5-ED99-E2D5-88A275B2C8F4}"/>
+                <a16:creationId xmlns:a16="http://schemas.microsoft.com/office/drawing/2014/main" xmlns="" id="{EE82C732-66F5-ED99-E2D5-88A275B2C8F4}"/>
               </a:ext>
             </a:extLst>
           </p:cNvPr>
@@ -1214,7 +1216,7 @@
           <p:cNvPr id="6" name="Номер слайда 5">
             <a:extLst>
               <a:ext uri="{FF2B5EF4-FFF2-40B4-BE49-F238E27FC236}">
-                <a16:creationId xmlns="" xmlns:a16="http://schemas.microsoft.com/office/drawing/2014/main" id="{205C899B-F1AC-1E34-CEFB-AAD93600D48D}"/>
+                <a16:creationId xmlns:a16="http://schemas.microsoft.com/office/drawing/2014/main" xmlns="" id="{205C899B-F1AC-1E34-CEFB-AAD93600D48D}"/>
               </a:ext>
             </a:extLst>
           </p:cNvPr>
@@ -1242,7 +1244,7 @@
     </p:spTree>
     <p:extLst>
       <p:ext uri="{BB962C8B-B14F-4D97-AF65-F5344CB8AC3E}">
-        <p14:creationId xmlns:p14="http://schemas.microsoft.com/office/powerpoint/2010/main" xmlns="" val="2414508979"/>
+        <p14:creationId xmlns="" xmlns:p14="http://schemas.microsoft.com/office/powerpoint/2010/main" val="2414508979"/>
       </p:ext>
     </p:extLst>
   </p:cSld>
@@ -1274,7 +1276,7 @@
           <p:cNvPr id="2" name="Заголовок 1">
             <a:extLst>
               <a:ext uri="{FF2B5EF4-FFF2-40B4-BE49-F238E27FC236}">
-                <a16:creationId xmlns="" xmlns:a16="http://schemas.microsoft.com/office/drawing/2014/main" id="{0E5C556E-5BA4-25DC-98DE-0A4949E29549}"/>
+                <a16:creationId xmlns:a16="http://schemas.microsoft.com/office/drawing/2014/main" xmlns="" id="{0E5C556E-5BA4-25DC-98DE-0A4949E29549}"/>
               </a:ext>
             </a:extLst>
           </p:cNvPr>
@@ -1302,7 +1304,7 @@
           <p:cNvPr id="3" name="Объект 2">
             <a:extLst>
               <a:ext uri="{FF2B5EF4-FFF2-40B4-BE49-F238E27FC236}">
-                <a16:creationId xmlns="" xmlns:a16="http://schemas.microsoft.com/office/drawing/2014/main" id="{7425C5BE-6896-0A4D-5AFA-1FAE69A97CAD}"/>
+                <a16:creationId xmlns:a16="http://schemas.microsoft.com/office/drawing/2014/main" xmlns="" id="{7425C5BE-6896-0A4D-5AFA-1FAE69A97CAD}"/>
               </a:ext>
             </a:extLst>
           </p:cNvPr>
@@ -1364,7 +1366,7 @@
           <p:cNvPr id="4" name="Объект 3">
             <a:extLst>
               <a:ext uri="{FF2B5EF4-FFF2-40B4-BE49-F238E27FC236}">
-                <a16:creationId xmlns="" xmlns:a16="http://schemas.microsoft.com/office/drawing/2014/main" id="{31C00418-E37A-2786-C67B-B50C3CE53231}"/>
+                <a16:creationId xmlns:a16="http://schemas.microsoft.com/office/drawing/2014/main" xmlns="" id="{31C00418-E37A-2786-C67B-B50C3CE53231}"/>
               </a:ext>
             </a:extLst>
           </p:cNvPr>
@@ -1426,7 +1428,7 @@
           <p:cNvPr id="5" name="Дата 4">
             <a:extLst>
               <a:ext uri="{FF2B5EF4-FFF2-40B4-BE49-F238E27FC236}">
-                <a16:creationId xmlns="" xmlns:a16="http://schemas.microsoft.com/office/drawing/2014/main" id="{82311B34-B094-DEA9-0487-CCE77AB53978}"/>
+                <a16:creationId xmlns:a16="http://schemas.microsoft.com/office/drawing/2014/main" xmlns="" id="{82311B34-B094-DEA9-0487-CCE77AB53978}"/>
               </a:ext>
             </a:extLst>
           </p:cNvPr>
@@ -1445,7 +1447,7 @@
             <a:fld id="{ADA5A899-FE04-4992-84F0-79F7315CE005}" type="datetimeFigureOut">
               <a:rPr lang="ru-RU" smtClean="0"/>
               <a:pPr/>
-              <a:t>15.09.2022</a:t>
+              <a:t>16.09.2022</a:t>
             </a:fld>
             <a:endParaRPr lang="ru-RU"/>
           </a:p>
@@ -1456,7 +1458,7 @@
           <p:cNvPr id="6" name="Нижний колонтитул 5">
             <a:extLst>
               <a:ext uri="{FF2B5EF4-FFF2-40B4-BE49-F238E27FC236}">
-                <a16:creationId xmlns="" xmlns:a16="http://schemas.microsoft.com/office/drawing/2014/main" id="{EA3A2682-2931-8785-4E08-0C676B293946}"/>
+                <a16:creationId xmlns:a16="http://schemas.microsoft.com/office/drawing/2014/main" xmlns="" id="{EA3A2682-2931-8785-4E08-0C676B293946}"/>
               </a:ext>
             </a:extLst>
           </p:cNvPr>
@@ -1481,7 +1483,7 @@
           <p:cNvPr id="7" name="Номер слайда 6">
             <a:extLst>
               <a:ext uri="{FF2B5EF4-FFF2-40B4-BE49-F238E27FC236}">
-                <a16:creationId xmlns="" xmlns:a16="http://schemas.microsoft.com/office/drawing/2014/main" id="{EE8B88A0-DA0B-ECEB-086B-CAD2B03B2577}"/>
+                <a16:creationId xmlns:a16="http://schemas.microsoft.com/office/drawing/2014/main" xmlns="" id="{EE8B88A0-DA0B-ECEB-086B-CAD2B03B2577}"/>
               </a:ext>
             </a:extLst>
           </p:cNvPr>
@@ -1509,7 +1511,7 @@
     </p:spTree>
     <p:extLst>
       <p:ext uri="{BB962C8B-B14F-4D97-AF65-F5344CB8AC3E}">
-        <p14:creationId xmlns:p14="http://schemas.microsoft.com/office/powerpoint/2010/main" xmlns="" val="2371532081"/>
+        <p14:creationId xmlns="" xmlns:p14="http://schemas.microsoft.com/office/powerpoint/2010/main" val="2371532081"/>
       </p:ext>
     </p:extLst>
   </p:cSld>
@@ -1541,7 +1543,7 @@
           <p:cNvPr id="2" name="Заголовок 1">
             <a:extLst>
               <a:ext uri="{FF2B5EF4-FFF2-40B4-BE49-F238E27FC236}">
-                <a16:creationId xmlns="" xmlns:a16="http://schemas.microsoft.com/office/drawing/2014/main" id="{A20B92AA-AEE3-B9EB-BFB8-CD638D676C96}"/>
+                <a16:creationId xmlns:a16="http://schemas.microsoft.com/office/drawing/2014/main" xmlns="" id="{A20B92AA-AEE3-B9EB-BFB8-CD638D676C96}"/>
               </a:ext>
             </a:extLst>
           </p:cNvPr>
@@ -1574,7 +1576,7 @@
           <p:cNvPr id="3" name="Текст 2">
             <a:extLst>
               <a:ext uri="{FF2B5EF4-FFF2-40B4-BE49-F238E27FC236}">
-                <a16:creationId xmlns="" xmlns:a16="http://schemas.microsoft.com/office/drawing/2014/main" id="{11896D86-1039-0B56-5FF6-1FD7F4DD5606}"/>
+                <a16:creationId xmlns:a16="http://schemas.microsoft.com/office/drawing/2014/main" xmlns="" id="{11896D86-1039-0B56-5FF6-1FD7F4DD5606}"/>
               </a:ext>
             </a:extLst>
           </p:cNvPr>
@@ -1645,7 +1647,7 @@
           <p:cNvPr id="4" name="Объект 3">
             <a:extLst>
               <a:ext uri="{FF2B5EF4-FFF2-40B4-BE49-F238E27FC236}">
-                <a16:creationId xmlns="" xmlns:a16="http://schemas.microsoft.com/office/drawing/2014/main" id="{288A1A6F-EBB8-8F7C-E989-86CCB98DDD97}"/>
+                <a16:creationId xmlns:a16="http://schemas.microsoft.com/office/drawing/2014/main" xmlns="" id="{288A1A6F-EBB8-8F7C-E989-86CCB98DDD97}"/>
               </a:ext>
             </a:extLst>
           </p:cNvPr>
@@ -1707,7 +1709,7 @@
           <p:cNvPr id="5" name="Текст 4">
             <a:extLst>
               <a:ext uri="{FF2B5EF4-FFF2-40B4-BE49-F238E27FC236}">
-                <a16:creationId xmlns="" xmlns:a16="http://schemas.microsoft.com/office/drawing/2014/main" id="{EF2A3D12-F19B-6769-DEC7-374A6840A3F8}"/>
+                <a16:creationId xmlns:a16="http://schemas.microsoft.com/office/drawing/2014/main" xmlns="" id="{EF2A3D12-F19B-6769-DEC7-374A6840A3F8}"/>
               </a:ext>
             </a:extLst>
           </p:cNvPr>
@@ -1778,7 +1780,7 @@
           <p:cNvPr id="6" name="Объект 5">
             <a:extLst>
               <a:ext uri="{FF2B5EF4-FFF2-40B4-BE49-F238E27FC236}">
-                <a16:creationId xmlns="" xmlns:a16="http://schemas.microsoft.com/office/drawing/2014/main" id="{F54F1F2F-BAD1-F721-B349-E472E8069CD0}"/>
+                <a16:creationId xmlns:a16="http://schemas.microsoft.com/office/drawing/2014/main" xmlns="" id="{F54F1F2F-BAD1-F721-B349-E472E8069CD0}"/>
               </a:ext>
             </a:extLst>
           </p:cNvPr>
@@ -1840,7 +1842,7 @@
           <p:cNvPr id="7" name="Дата 6">
             <a:extLst>
               <a:ext uri="{FF2B5EF4-FFF2-40B4-BE49-F238E27FC236}">
-                <a16:creationId xmlns="" xmlns:a16="http://schemas.microsoft.com/office/drawing/2014/main" id="{5BC14E07-3A8B-0586-4379-E86ADCA9223B}"/>
+                <a16:creationId xmlns:a16="http://schemas.microsoft.com/office/drawing/2014/main" xmlns="" id="{5BC14E07-3A8B-0586-4379-E86ADCA9223B}"/>
               </a:ext>
             </a:extLst>
           </p:cNvPr>
@@ -1859,7 +1861,7 @@
             <a:fld id="{ADA5A899-FE04-4992-84F0-79F7315CE005}" type="datetimeFigureOut">
               <a:rPr lang="ru-RU" smtClean="0"/>
               <a:pPr/>
-              <a:t>15.09.2022</a:t>
+              <a:t>16.09.2022</a:t>
             </a:fld>
             <a:endParaRPr lang="ru-RU"/>
           </a:p>
@@ -1870,7 +1872,7 @@
           <p:cNvPr id="8" name="Нижний колонтитул 7">
             <a:extLst>
               <a:ext uri="{FF2B5EF4-FFF2-40B4-BE49-F238E27FC236}">
-                <a16:creationId xmlns="" xmlns:a16="http://schemas.microsoft.com/office/drawing/2014/main" id="{8EA34202-CDA7-C42D-ED34-D1C59CE37313}"/>
+                <a16:creationId xmlns:a16="http://schemas.microsoft.com/office/drawing/2014/main" xmlns="" id="{8EA34202-CDA7-C42D-ED34-D1C59CE37313}"/>
               </a:ext>
             </a:extLst>
           </p:cNvPr>
@@ -1895,7 +1897,7 @@
           <p:cNvPr id="9" name="Номер слайда 8">
             <a:extLst>
               <a:ext uri="{FF2B5EF4-FFF2-40B4-BE49-F238E27FC236}">
-                <a16:creationId xmlns="" xmlns:a16="http://schemas.microsoft.com/office/drawing/2014/main" id="{21DEB446-9600-8D80-DFE6-ACB940F82EFF}"/>
+                <a16:creationId xmlns:a16="http://schemas.microsoft.com/office/drawing/2014/main" xmlns="" id="{21DEB446-9600-8D80-DFE6-ACB940F82EFF}"/>
               </a:ext>
             </a:extLst>
           </p:cNvPr>
@@ -1923,7 +1925,7 @@
     </p:spTree>
     <p:extLst>
       <p:ext uri="{BB962C8B-B14F-4D97-AF65-F5344CB8AC3E}">
-        <p14:creationId xmlns:p14="http://schemas.microsoft.com/office/powerpoint/2010/main" xmlns="" val="2086624801"/>
+        <p14:creationId xmlns="" xmlns:p14="http://schemas.microsoft.com/office/powerpoint/2010/main" val="2086624801"/>
       </p:ext>
     </p:extLst>
   </p:cSld>
@@ -1955,7 +1957,7 @@
           <p:cNvPr id="2" name="Заголовок 1">
             <a:extLst>
               <a:ext uri="{FF2B5EF4-FFF2-40B4-BE49-F238E27FC236}">
-                <a16:creationId xmlns="" xmlns:a16="http://schemas.microsoft.com/office/drawing/2014/main" id="{09F191D6-FC8F-4122-1E7A-CB7D91B594FA}"/>
+                <a16:creationId xmlns:a16="http://schemas.microsoft.com/office/drawing/2014/main" xmlns="" id="{09F191D6-FC8F-4122-1E7A-CB7D91B594FA}"/>
               </a:ext>
             </a:extLst>
           </p:cNvPr>
@@ -1983,7 +1985,7 @@
           <p:cNvPr id="3" name="Дата 2">
             <a:extLst>
               <a:ext uri="{FF2B5EF4-FFF2-40B4-BE49-F238E27FC236}">
-                <a16:creationId xmlns="" xmlns:a16="http://schemas.microsoft.com/office/drawing/2014/main" id="{B61B76AB-16A2-E802-C3FC-9FA43AF95803}"/>
+                <a16:creationId xmlns:a16="http://schemas.microsoft.com/office/drawing/2014/main" xmlns="" id="{B61B76AB-16A2-E802-C3FC-9FA43AF95803}"/>
               </a:ext>
             </a:extLst>
           </p:cNvPr>
@@ -2002,7 +2004,7 @@
             <a:fld id="{ADA5A899-FE04-4992-84F0-79F7315CE005}" type="datetimeFigureOut">
               <a:rPr lang="ru-RU" smtClean="0"/>
               <a:pPr/>
-              <a:t>15.09.2022</a:t>
+              <a:t>16.09.2022</a:t>
             </a:fld>
             <a:endParaRPr lang="ru-RU"/>
           </a:p>
@@ -2013,7 +2015,7 @@
           <p:cNvPr id="4" name="Нижний колонтитул 3">
             <a:extLst>
               <a:ext uri="{FF2B5EF4-FFF2-40B4-BE49-F238E27FC236}">
-                <a16:creationId xmlns="" xmlns:a16="http://schemas.microsoft.com/office/drawing/2014/main" id="{9F128097-44C9-BE96-6E6C-9F666CECC82E}"/>
+                <a16:creationId xmlns:a16="http://schemas.microsoft.com/office/drawing/2014/main" xmlns="" id="{9F128097-44C9-BE96-6E6C-9F666CECC82E}"/>
               </a:ext>
             </a:extLst>
           </p:cNvPr>
@@ -2038,7 +2040,7 @@
           <p:cNvPr id="5" name="Номер слайда 4">
             <a:extLst>
               <a:ext uri="{FF2B5EF4-FFF2-40B4-BE49-F238E27FC236}">
-                <a16:creationId xmlns="" xmlns:a16="http://schemas.microsoft.com/office/drawing/2014/main" id="{14EB260B-B2AF-E4CB-3F5F-CED1D6DBC088}"/>
+                <a16:creationId xmlns:a16="http://schemas.microsoft.com/office/drawing/2014/main" xmlns="" id="{14EB260B-B2AF-E4CB-3F5F-CED1D6DBC088}"/>
               </a:ext>
             </a:extLst>
           </p:cNvPr>
@@ -2066,7 +2068,7 @@
     </p:spTree>
     <p:extLst>
       <p:ext uri="{BB962C8B-B14F-4D97-AF65-F5344CB8AC3E}">
-        <p14:creationId xmlns:p14="http://schemas.microsoft.com/office/powerpoint/2010/main" xmlns="" val="1452925811"/>
+        <p14:creationId xmlns="" xmlns:p14="http://schemas.microsoft.com/office/powerpoint/2010/main" val="1452925811"/>
       </p:ext>
     </p:extLst>
   </p:cSld>
@@ -2098,7 +2100,7 @@
           <p:cNvPr id="2" name="Дата 1">
             <a:extLst>
               <a:ext uri="{FF2B5EF4-FFF2-40B4-BE49-F238E27FC236}">
-                <a16:creationId xmlns="" xmlns:a16="http://schemas.microsoft.com/office/drawing/2014/main" id="{C08BA097-9465-E7D4-8D20-56FBD4D856B4}"/>
+                <a16:creationId xmlns:a16="http://schemas.microsoft.com/office/drawing/2014/main" xmlns="" id="{C08BA097-9465-E7D4-8D20-56FBD4D856B4}"/>
               </a:ext>
             </a:extLst>
           </p:cNvPr>
@@ -2117,7 +2119,7 @@
             <a:fld id="{ADA5A899-FE04-4992-84F0-79F7315CE005}" type="datetimeFigureOut">
               <a:rPr lang="ru-RU" smtClean="0"/>
               <a:pPr/>
-              <a:t>15.09.2022</a:t>
+              <a:t>16.09.2022</a:t>
             </a:fld>
             <a:endParaRPr lang="ru-RU"/>
           </a:p>
@@ -2128,7 +2130,7 @@
           <p:cNvPr id="3" name="Нижний колонтитул 2">
             <a:extLst>
               <a:ext uri="{FF2B5EF4-FFF2-40B4-BE49-F238E27FC236}">
-                <a16:creationId xmlns="" xmlns:a16="http://schemas.microsoft.com/office/drawing/2014/main" id="{F1BA0DE9-56D7-206B-FC56-55D7F09F814C}"/>
+                <a16:creationId xmlns:a16="http://schemas.microsoft.com/office/drawing/2014/main" xmlns="" id="{F1BA0DE9-56D7-206B-FC56-55D7F09F814C}"/>
               </a:ext>
             </a:extLst>
           </p:cNvPr>
@@ -2153,7 +2155,7 @@
           <p:cNvPr id="4" name="Номер слайда 3">
             <a:extLst>
               <a:ext uri="{FF2B5EF4-FFF2-40B4-BE49-F238E27FC236}">
-                <a16:creationId xmlns="" xmlns:a16="http://schemas.microsoft.com/office/drawing/2014/main" id="{6771ACC4-5A37-479E-C3D9-3A5BFD7CFF40}"/>
+                <a16:creationId xmlns:a16="http://schemas.microsoft.com/office/drawing/2014/main" xmlns="" id="{6771ACC4-5A37-479E-C3D9-3A5BFD7CFF40}"/>
               </a:ext>
             </a:extLst>
           </p:cNvPr>
@@ -2181,7 +2183,7 @@
     </p:spTree>
     <p:extLst>
       <p:ext uri="{BB962C8B-B14F-4D97-AF65-F5344CB8AC3E}">
-        <p14:creationId xmlns:p14="http://schemas.microsoft.com/office/powerpoint/2010/main" xmlns="" val="414686634"/>
+        <p14:creationId xmlns="" xmlns:p14="http://schemas.microsoft.com/office/powerpoint/2010/main" val="414686634"/>
       </p:ext>
     </p:extLst>
   </p:cSld>
@@ -2213,7 +2215,7 @@
           <p:cNvPr id="2" name="Заголовок 1">
             <a:extLst>
               <a:ext uri="{FF2B5EF4-FFF2-40B4-BE49-F238E27FC236}">
-                <a16:creationId xmlns="" xmlns:a16="http://schemas.microsoft.com/office/drawing/2014/main" id="{8A29A7F3-D292-947B-9F72-953419EA0BE6}"/>
+                <a16:creationId xmlns:a16="http://schemas.microsoft.com/office/drawing/2014/main" xmlns="" id="{8A29A7F3-D292-947B-9F72-953419EA0BE6}"/>
               </a:ext>
             </a:extLst>
           </p:cNvPr>
@@ -2250,7 +2252,7 @@
           <p:cNvPr id="3" name="Объект 2">
             <a:extLst>
               <a:ext uri="{FF2B5EF4-FFF2-40B4-BE49-F238E27FC236}">
-                <a16:creationId xmlns="" xmlns:a16="http://schemas.microsoft.com/office/drawing/2014/main" id="{F93BD3E1-5A95-6E75-9C35-48B0178D0CE0}"/>
+                <a16:creationId xmlns:a16="http://schemas.microsoft.com/office/drawing/2014/main" xmlns="" id="{F93BD3E1-5A95-6E75-9C35-48B0178D0CE0}"/>
               </a:ext>
             </a:extLst>
           </p:cNvPr>
@@ -2340,7 +2342,7 @@
           <p:cNvPr id="4" name="Текст 3">
             <a:extLst>
               <a:ext uri="{FF2B5EF4-FFF2-40B4-BE49-F238E27FC236}">
-                <a16:creationId xmlns="" xmlns:a16="http://schemas.microsoft.com/office/drawing/2014/main" id="{F05B45C3-0F25-CDA6-E26C-437063A8C9B6}"/>
+                <a16:creationId xmlns:a16="http://schemas.microsoft.com/office/drawing/2014/main" xmlns="" id="{F05B45C3-0F25-CDA6-E26C-437063A8C9B6}"/>
               </a:ext>
             </a:extLst>
           </p:cNvPr>
@@ -2411,7 +2413,7 @@
           <p:cNvPr id="5" name="Дата 4">
             <a:extLst>
               <a:ext uri="{FF2B5EF4-FFF2-40B4-BE49-F238E27FC236}">
-                <a16:creationId xmlns="" xmlns:a16="http://schemas.microsoft.com/office/drawing/2014/main" id="{DFF78B1B-E2D0-5CC5-67A8-D0DBA9D4F69B}"/>
+                <a16:creationId xmlns:a16="http://schemas.microsoft.com/office/drawing/2014/main" xmlns="" id="{DFF78B1B-E2D0-5CC5-67A8-D0DBA9D4F69B}"/>
               </a:ext>
             </a:extLst>
           </p:cNvPr>
@@ -2430,7 +2432,7 @@
             <a:fld id="{ADA5A899-FE04-4992-84F0-79F7315CE005}" type="datetimeFigureOut">
               <a:rPr lang="ru-RU" smtClean="0"/>
               <a:pPr/>
-              <a:t>15.09.2022</a:t>
+              <a:t>16.09.2022</a:t>
             </a:fld>
             <a:endParaRPr lang="ru-RU"/>
           </a:p>
@@ -2441,7 +2443,7 @@
           <p:cNvPr id="6" name="Нижний колонтитул 5">
             <a:extLst>
               <a:ext uri="{FF2B5EF4-FFF2-40B4-BE49-F238E27FC236}">
-                <a16:creationId xmlns="" xmlns:a16="http://schemas.microsoft.com/office/drawing/2014/main" id="{DB59C205-F0AD-394B-8EFF-A63FB72ABA42}"/>
+                <a16:creationId xmlns:a16="http://schemas.microsoft.com/office/drawing/2014/main" xmlns="" id="{DB59C205-F0AD-394B-8EFF-A63FB72ABA42}"/>
               </a:ext>
             </a:extLst>
           </p:cNvPr>
@@ -2466,7 +2468,7 @@
           <p:cNvPr id="7" name="Номер слайда 6">
             <a:extLst>
               <a:ext uri="{FF2B5EF4-FFF2-40B4-BE49-F238E27FC236}">
-                <a16:creationId xmlns="" xmlns:a16="http://schemas.microsoft.com/office/drawing/2014/main" id="{AE043324-0615-A5FD-3FB7-0C8F9AA11EAB}"/>
+                <a16:creationId xmlns:a16="http://schemas.microsoft.com/office/drawing/2014/main" xmlns="" id="{AE043324-0615-A5FD-3FB7-0C8F9AA11EAB}"/>
               </a:ext>
             </a:extLst>
           </p:cNvPr>
@@ -2494,7 +2496,7 @@
     </p:spTree>
     <p:extLst>
       <p:ext uri="{BB962C8B-B14F-4D97-AF65-F5344CB8AC3E}">
-        <p14:creationId xmlns:p14="http://schemas.microsoft.com/office/powerpoint/2010/main" xmlns="" val="793283567"/>
+        <p14:creationId xmlns="" xmlns:p14="http://schemas.microsoft.com/office/powerpoint/2010/main" val="793283567"/>
       </p:ext>
     </p:extLst>
   </p:cSld>
@@ -2526,7 +2528,7 @@
           <p:cNvPr id="2" name="Заголовок 1">
             <a:extLst>
               <a:ext uri="{FF2B5EF4-FFF2-40B4-BE49-F238E27FC236}">
-                <a16:creationId xmlns="" xmlns:a16="http://schemas.microsoft.com/office/drawing/2014/main" id="{926A9D1B-012A-23C3-8320-8BFC69088265}"/>
+                <a16:creationId xmlns:a16="http://schemas.microsoft.com/office/drawing/2014/main" xmlns="" id="{926A9D1B-012A-23C3-8320-8BFC69088265}"/>
               </a:ext>
             </a:extLst>
           </p:cNvPr>
@@ -2563,7 +2565,7 @@
           <p:cNvPr id="3" name="Рисунок 2">
             <a:extLst>
               <a:ext uri="{FF2B5EF4-FFF2-40B4-BE49-F238E27FC236}">
-                <a16:creationId xmlns="" xmlns:a16="http://schemas.microsoft.com/office/drawing/2014/main" id="{9B7AA942-B3C9-D02D-42BE-A72809FBFC51}"/>
+                <a16:creationId xmlns:a16="http://schemas.microsoft.com/office/drawing/2014/main" xmlns="" id="{9B7AA942-B3C9-D02D-42BE-A72809FBFC51}"/>
               </a:ext>
             </a:extLst>
           </p:cNvPr>
@@ -2630,7 +2632,7 @@
           <p:cNvPr id="4" name="Текст 3">
             <a:extLst>
               <a:ext uri="{FF2B5EF4-FFF2-40B4-BE49-F238E27FC236}">
-                <a16:creationId xmlns="" xmlns:a16="http://schemas.microsoft.com/office/drawing/2014/main" id="{A173F51B-6622-77A6-AF90-3C6D2AB7AB9C}"/>
+                <a16:creationId xmlns:a16="http://schemas.microsoft.com/office/drawing/2014/main" xmlns="" id="{A173F51B-6622-77A6-AF90-3C6D2AB7AB9C}"/>
               </a:ext>
             </a:extLst>
           </p:cNvPr>
@@ -2701,7 +2703,7 @@
           <p:cNvPr id="5" name="Дата 4">
             <a:extLst>
               <a:ext uri="{FF2B5EF4-FFF2-40B4-BE49-F238E27FC236}">
-                <a16:creationId xmlns="" xmlns:a16="http://schemas.microsoft.com/office/drawing/2014/main" id="{325C1C5E-0053-54FB-A9CD-F501F889E70A}"/>
+                <a16:creationId xmlns:a16="http://schemas.microsoft.com/office/drawing/2014/main" xmlns="" id="{325C1C5E-0053-54FB-A9CD-F501F889E70A}"/>
               </a:ext>
             </a:extLst>
           </p:cNvPr>
@@ -2720,7 +2722,7 @@
             <a:fld id="{ADA5A899-FE04-4992-84F0-79F7315CE005}" type="datetimeFigureOut">
               <a:rPr lang="ru-RU" smtClean="0"/>
               <a:pPr/>
-              <a:t>15.09.2022</a:t>
+              <a:t>16.09.2022</a:t>
             </a:fld>
             <a:endParaRPr lang="ru-RU"/>
           </a:p>
@@ -2731,7 +2733,7 @@
           <p:cNvPr id="6" name="Нижний колонтитул 5">
             <a:extLst>
               <a:ext uri="{FF2B5EF4-FFF2-40B4-BE49-F238E27FC236}">
-                <a16:creationId xmlns="" xmlns:a16="http://schemas.microsoft.com/office/drawing/2014/main" id="{FBCD383E-F890-98A9-53F7-253522A76720}"/>
+                <a16:creationId xmlns:a16="http://schemas.microsoft.com/office/drawing/2014/main" xmlns="" id="{FBCD383E-F890-98A9-53F7-253522A76720}"/>
               </a:ext>
             </a:extLst>
           </p:cNvPr>
@@ -2756,7 +2758,7 @@
           <p:cNvPr id="7" name="Номер слайда 6">
             <a:extLst>
               <a:ext uri="{FF2B5EF4-FFF2-40B4-BE49-F238E27FC236}">
-                <a16:creationId xmlns="" xmlns:a16="http://schemas.microsoft.com/office/drawing/2014/main" id="{5F1C23E7-F475-FA57-9415-53B0F0516F16}"/>
+                <a16:creationId xmlns:a16="http://schemas.microsoft.com/office/drawing/2014/main" xmlns="" id="{5F1C23E7-F475-FA57-9415-53B0F0516F16}"/>
               </a:ext>
             </a:extLst>
           </p:cNvPr>
@@ -2784,7 +2786,7 @@
     </p:spTree>
     <p:extLst>
       <p:ext uri="{BB962C8B-B14F-4D97-AF65-F5344CB8AC3E}">
-        <p14:creationId xmlns:p14="http://schemas.microsoft.com/office/powerpoint/2010/main" xmlns="" val="2120612975"/>
+        <p14:creationId xmlns="" xmlns:p14="http://schemas.microsoft.com/office/powerpoint/2010/main" val="2120612975"/>
       </p:ext>
     </p:extLst>
   </p:cSld>
@@ -2821,7 +2823,7 @@
           <p:cNvPr id="2" name="Заголовок 1">
             <a:extLst>
               <a:ext uri="{FF2B5EF4-FFF2-40B4-BE49-F238E27FC236}">
-                <a16:creationId xmlns="" xmlns:a16="http://schemas.microsoft.com/office/drawing/2014/main" id="{6C768094-A90C-1C5F-6A20-08C258C4E5A0}"/>
+                <a16:creationId xmlns:a16="http://schemas.microsoft.com/office/drawing/2014/main" xmlns="" id="{6C768094-A90C-1C5F-6A20-08C258C4E5A0}"/>
               </a:ext>
             </a:extLst>
           </p:cNvPr>
@@ -2859,7 +2861,7 @@
           <p:cNvPr id="3" name="Текст 2">
             <a:extLst>
               <a:ext uri="{FF2B5EF4-FFF2-40B4-BE49-F238E27FC236}">
-                <a16:creationId xmlns="" xmlns:a16="http://schemas.microsoft.com/office/drawing/2014/main" id="{24B73A0C-C8E0-B34A-43C1-01FA2E140F51}"/>
+                <a16:creationId xmlns:a16="http://schemas.microsoft.com/office/drawing/2014/main" xmlns="" id="{24B73A0C-C8E0-B34A-43C1-01FA2E140F51}"/>
               </a:ext>
             </a:extLst>
           </p:cNvPr>
@@ -2926,7 +2928,7 @@
           <p:cNvPr id="4" name="Дата 3">
             <a:extLst>
               <a:ext uri="{FF2B5EF4-FFF2-40B4-BE49-F238E27FC236}">
-                <a16:creationId xmlns="" xmlns:a16="http://schemas.microsoft.com/office/drawing/2014/main" id="{FEA15550-9607-CAEA-366D-A6E55E89959A}"/>
+                <a16:creationId xmlns:a16="http://schemas.microsoft.com/office/drawing/2014/main" xmlns="" id="{FEA15550-9607-CAEA-366D-A6E55E89959A}"/>
               </a:ext>
             </a:extLst>
           </p:cNvPr>
@@ -2963,7 +2965,7 @@
             <a:fld id="{ADA5A899-FE04-4992-84F0-79F7315CE005}" type="datetimeFigureOut">
               <a:rPr lang="ru-RU" smtClean="0"/>
               <a:pPr/>
-              <a:t>15.09.2022</a:t>
+              <a:t>16.09.2022</a:t>
             </a:fld>
             <a:endParaRPr lang="ru-RU"/>
           </a:p>
@@ -2974,7 +2976,7 @@
           <p:cNvPr id="5" name="Нижний колонтитул 4">
             <a:extLst>
               <a:ext uri="{FF2B5EF4-FFF2-40B4-BE49-F238E27FC236}">
-                <a16:creationId xmlns="" xmlns:a16="http://schemas.microsoft.com/office/drawing/2014/main" id="{52C41BF5-131F-90F3-4AFF-6F80EB5D8CA4}"/>
+                <a16:creationId xmlns:a16="http://schemas.microsoft.com/office/drawing/2014/main" xmlns="" id="{52C41BF5-131F-90F3-4AFF-6F80EB5D8CA4}"/>
               </a:ext>
             </a:extLst>
           </p:cNvPr>
@@ -3017,7 +3019,7 @@
           <p:cNvPr id="6" name="Номер слайда 5">
             <a:extLst>
               <a:ext uri="{FF2B5EF4-FFF2-40B4-BE49-F238E27FC236}">
-                <a16:creationId xmlns="" xmlns:a16="http://schemas.microsoft.com/office/drawing/2014/main" id="{AF233121-A605-8E49-6A5A-3AD66077721D}"/>
+                <a16:creationId xmlns:a16="http://schemas.microsoft.com/office/drawing/2014/main" xmlns="" id="{AF233121-A605-8E49-6A5A-3AD66077721D}"/>
               </a:ext>
             </a:extLst>
           </p:cNvPr>
@@ -3063,7 +3065,7 @@
     </p:spTree>
     <p:extLst>
       <p:ext uri="{BB962C8B-B14F-4D97-AF65-F5344CB8AC3E}">
-        <p14:creationId xmlns:p14="http://schemas.microsoft.com/office/powerpoint/2010/main" xmlns="" val="2861233511"/>
+        <p14:creationId xmlns="" xmlns:p14="http://schemas.microsoft.com/office/powerpoint/2010/main" val="2861233511"/>
       </p:ext>
     </p:extLst>
   </p:cSld>
@@ -3417,7 +3419,7 @@
           <p:cNvPr id="2" name="Заголовок 1">
             <a:extLst>
               <a:ext uri="{FF2B5EF4-FFF2-40B4-BE49-F238E27FC236}">
-                <a16:creationId xmlns="" xmlns:a16="http://schemas.microsoft.com/office/drawing/2014/main" id="{7B21A4E4-2468-71F3-B3A2-6146175C7296}"/>
+                <a16:creationId xmlns:a16="http://schemas.microsoft.com/office/drawing/2014/main" xmlns="" id="{7B21A4E4-2468-71F3-B3A2-6146175C7296}"/>
               </a:ext>
             </a:extLst>
           </p:cNvPr>
@@ -3480,7 +3482,7 @@
           <p:cNvPr id="3" name="Подзаголовок 2">
             <a:extLst>
               <a:ext uri="{FF2B5EF4-FFF2-40B4-BE49-F238E27FC236}">
-                <a16:creationId xmlns="" xmlns:a16="http://schemas.microsoft.com/office/drawing/2014/main" id="{D0332376-343F-6982-64BD-324B4A47A20E}"/>
+                <a16:creationId xmlns:a16="http://schemas.microsoft.com/office/drawing/2014/main" xmlns="" id="{D0332376-343F-6982-64BD-324B4A47A20E}"/>
               </a:ext>
             </a:extLst>
           </p:cNvPr>
@@ -3546,7 +3548,7 @@
           <p:cNvPr id="4" name="Подзаголовок 2">
             <a:extLst>
               <a:ext uri="{FF2B5EF4-FFF2-40B4-BE49-F238E27FC236}">
-                <a16:creationId xmlns="" xmlns:a16="http://schemas.microsoft.com/office/drawing/2014/main" id="{6956DD50-2BBF-1F65-EEDD-FC462F117DA4}"/>
+                <a16:creationId xmlns:a16="http://schemas.microsoft.com/office/drawing/2014/main" xmlns="" id="{6956DD50-2BBF-1F65-EEDD-FC462F117DA4}"/>
               </a:ext>
             </a:extLst>
           </p:cNvPr>
@@ -3855,7 +3857,386 @@
     </p:spTree>
     <p:extLst>
       <p:ext uri="{BB962C8B-B14F-4D97-AF65-F5344CB8AC3E}">
-        <p14:creationId xmlns:p14="http://schemas.microsoft.com/office/powerpoint/2010/main" xmlns="" val="1553003342"/>
+        <p14:creationId xmlns="" xmlns:p14="http://schemas.microsoft.com/office/powerpoint/2010/main" val="1553003342"/>
+      </p:ext>
+    </p:extLst>
+  </p:cSld>
+  <p:clrMapOvr>
+    <a:masterClrMapping/>
+  </p:clrMapOvr>
+  <p:timing>
+    <p:tnLst>
+      <p:par>
+        <p:cTn id="1" dur="indefinite" restart="never" nodeType="tmRoot"/>
+      </p:par>
+    </p:tnLst>
+  </p:timing>
+</p:sld>
+</file>
+
+<file path=ppt/slides/slide10.xml><?xml version="1.0" encoding="utf-8"?>
+<p:sld xmlns:a="http://schemas.openxmlformats.org/drawingml/2006/main" xmlns:r="http://schemas.openxmlformats.org/officeDocument/2006/relationships" xmlns:p="http://schemas.openxmlformats.org/presentationml/2006/main">
+  <p:cSld>
+    <p:bg>
+      <p:bgPr>
+        <a:gradFill>
+          <a:gsLst>
+            <a:gs pos="0">
+              <a:schemeClr val="bg1"/>
+            </a:gs>
+            <a:gs pos="74000">
+              <a:schemeClr val="accent1">
+                <a:lumMod val="45000"/>
+                <a:lumOff val="55000"/>
+              </a:schemeClr>
+            </a:gs>
+            <a:gs pos="83000">
+              <a:schemeClr val="accent1">
+                <a:lumMod val="45000"/>
+                <a:lumOff val="55000"/>
+              </a:schemeClr>
+            </a:gs>
+            <a:gs pos="100000">
+              <a:schemeClr val="accent1">
+                <a:lumMod val="30000"/>
+                <a:lumOff val="70000"/>
+              </a:schemeClr>
+            </a:gs>
+          </a:gsLst>
+          <a:lin ang="5400000" scaled="1"/>
+        </a:gradFill>
+        <a:effectLst/>
+      </p:bgPr>
+    </p:bg>
+    <p:spTree>
+      <p:nvGrpSpPr>
+        <p:cNvPr id="1" name=""/>
+        <p:cNvGrpSpPr/>
+        <p:nvPr/>
+      </p:nvGrpSpPr>
+      <p:grpSpPr>
+        <a:xfrm>
+          <a:off x="0" y="0"/>
+          <a:ext cx="0" cy="0"/>
+          <a:chOff x="0" y="0"/>
+          <a:chExt cx="0" cy="0"/>
+        </a:xfrm>
+      </p:grpSpPr>
+      <p:sp>
+        <p:nvSpPr>
+          <p:cNvPr id="2" name="Заголовок 1">
+            <a:extLst>
+              <a:ext uri="{FF2B5EF4-FFF2-40B4-BE49-F238E27FC236}">
+                <a16:creationId xmlns:a16="http://schemas.microsoft.com/office/drawing/2014/main" xmlns="" id="{2E9213E6-749D-9992-D519-94F289222BF0}"/>
+              </a:ext>
+            </a:extLst>
+          </p:cNvPr>
+          <p:cNvSpPr>
+            <a:spLocks noGrp="1"/>
+          </p:cNvSpPr>
+          <p:nvPr>
+            <p:ph type="title"/>
+          </p:nvPr>
+        </p:nvSpPr>
+        <p:spPr>
+          <a:xfrm>
+            <a:off x="838200" y="365125"/>
+            <a:ext cx="10515600" cy="1036955"/>
+          </a:xfrm>
+        </p:spPr>
+        <p:txBody>
+          <a:bodyPr>
+            <a:normAutofit/>
+          </a:bodyPr>
+          <a:lstStyle/>
+          <a:p>
+            <a:r>
+              <a:rPr lang="ru-RU" sz="4800" dirty="0"/>
+              <a:t>	</a:t>
+            </a:r>
+            <a:r>
+              <a:rPr lang="ru-RU" sz="4800" b="1" dirty="0" smtClean="0">
+                <a:solidFill>
+                  <a:schemeClr val="accent1">
+                    <a:lumMod val="50000"/>
+                  </a:schemeClr>
+                </a:solidFill>
+              </a:rPr>
+              <a:t>Контакты</a:t>
+            </a:r>
+            <a:endParaRPr lang="ru-RU" sz="4800" b="1" dirty="0"/>
+          </a:p>
+        </p:txBody>
+      </p:sp>
+      <p:sp>
+        <p:nvSpPr>
+          <p:cNvPr id="5" name="Объект 4">
+            <a:extLst>
+              <a:ext uri="{FF2B5EF4-FFF2-40B4-BE49-F238E27FC236}">
+                <a16:creationId xmlns:a16="http://schemas.microsoft.com/office/drawing/2014/main" xmlns="" id="{7C76C821-45B2-DFFE-8A53-0CD78B84D34D}"/>
+              </a:ext>
+            </a:extLst>
+          </p:cNvPr>
+          <p:cNvSpPr>
+            <a:spLocks noGrp="1"/>
+          </p:cNvSpPr>
+          <p:nvPr>
+            <p:ph idx="1"/>
+          </p:nvPr>
+        </p:nvSpPr>
+        <p:spPr>
+          <a:xfrm>
+            <a:off x="810904" y="1596788"/>
+            <a:ext cx="10927080" cy="4572000"/>
+          </a:xfrm>
+          <a:noFill/>
+        </p:spPr>
+        <p:txBody>
+          <a:bodyPr>
+            <a:normAutofit/>
+          </a:bodyPr>
+          <a:lstStyle/>
+          <a:p>
+            <a:pPr marL="457200" lvl="2" indent="-457200" algn="just"/>
+            <a:r>
+              <a:rPr lang="en-US" sz="3200" b="1" dirty="0" smtClean="0">
+                <a:solidFill>
+                  <a:schemeClr val="accent4">
+                    <a:lumMod val="50000"/>
+                  </a:schemeClr>
+                </a:solidFill>
+                <a:latin typeface="+mj-lt"/>
+              </a:rPr>
+              <a:t>Data Scientist: </a:t>
+            </a:r>
+            <a:r>
+              <a:rPr lang="ru-RU" sz="3200" b="1" dirty="0" smtClean="0">
+                <a:solidFill>
+                  <a:schemeClr val="accent1">
+                    <a:lumMod val="50000"/>
+                  </a:schemeClr>
+                </a:solidFill>
+                <a:latin typeface="+mj-lt"/>
+              </a:rPr>
+              <a:t>Алексей</a:t>
+            </a:r>
+            <a:r>
+              <a:rPr lang="en-US" sz="3200" b="1" dirty="0" smtClean="0">
+                <a:solidFill>
+                  <a:schemeClr val="accent1">
+                    <a:lumMod val="50000"/>
+                  </a:schemeClr>
+                </a:solidFill>
+                <a:latin typeface="+mj-lt"/>
+              </a:rPr>
+              <a:t> </a:t>
+            </a:r>
+            <a:r>
+              <a:rPr lang="ru-RU" sz="3200" b="1" dirty="0" err="1" smtClean="0">
+                <a:solidFill>
+                  <a:schemeClr val="accent1">
+                    <a:lumMod val="50000"/>
+                  </a:schemeClr>
+                </a:solidFill>
+                <a:latin typeface="+mj-lt"/>
+              </a:rPr>
+              <a:t>Верт-Миллер</a:t>
+            </a:r>
+            <a:endParaRPr lang="en-US" sz="3200" b="1" dirty="0" smtClean="0">
+              <a:solidFill>
+                <a:schemeClr val="accent1">
+                  <a:lumMod val="50000"/>
+                </a:schemeClr>
+              </a:solidFill>
+              <a:latin typeface="+mj-lt"/>
+            </a:endParaRPr>
+          </a:p>
+          <a:p>
+            <a:pPr marL="0" lvl="2" indent="0" algn="just">
+              <a:buNone/>
+            </a:pPr>
+            <a:r>
+              <a:rPr lang="en-US" sz="3200" b="1" dirty="0">
+                <a:solidFill>
+                  <a:schemeClr val="accent1">
+                    <a:lumMod val="50000"/>
+                  </a:schemeClr>
+                </a:solidFill>
+                <a:latin typeface="+mj-lt"/>
+              </a:rPr>
+              <a:t>	</a:t>
+            </a:r>
+            <a:r>
+              <a:rPr lang="en-US" sz="3200" b="1" dirty="0" smtClean="0">
+                <a:solidFill>
+                  <a:schemeClr val="accent1">
+                    <a:lumMod val="50000"/>
+                  </a:schemeClr>
+                </a:solidFill>
+                <a:latin typeface="+mj-lt"/>
+              </a:rPr>
+              <a:t> alexwert3</a:t>
+            </a:r>
+            <a:endParaRPr lang="ru-RU" sz="3200" b="1" dirty="0" smtClean="0">
+              <a:solidFill>
+                <a:schemeClr val="accent1">
+                  <a:lumMod val="50000"/>
+                </a:schemeClr>
+              </a:solidFill>
+              <a:latin typeface="+mj-lt"/>
+            </a:endParaRPr>
+          </a:p>
+          <a:p>
+            <a:pPr marL="0" lvl="2" indent="0" algn="just">
+              <a:buNone/>
+            </a:pPr>
+            <a:r>
+              <a:rPr lang="ru-RU" sz="3200" b="1" dirty="0" smtClean="0">
+                <a:solidFill>
+                  <a:schemeClr val="accent1">
+                    <a:lumMod val="50000"/>
+                  </a:schemeClr>
+                </a:solidFill>
+                <a:latin typeface="+mj-lt"/>
+              </a:rPr>
+              <a:t>       тел: +7-921-295-4272</a:t>
+            </a:r>
+          </a:p>
+          <a:p>
+            <a:pPr marL="0" lvl="2" indent="0" algn="just">
+              <a:buNone/>
+            </a:pPr>
+            <a:r>
+              <a:rPr lang="ru-RU" sz="3200" b="1" dirty="0" smtClean="0">
+                <a:solidFill>
+                  <a:schemeClr val="accent1">
+                    <a:lumMod val="50000"/>
+                  </a:schemeClr>
+                </a:solidFill>
+                <a:latin typeface="+mj-lt"/>
+              </a:rPr>
+              <a:t>       </a:t>
+            </a:r>
+            <a:r>
+              <a:rPr lang="en-US" sz="3200" b="1" dirty="0" smtClean="0">
+                <a:solidFill>
+                  <a:schemeClr val="accent1">
+                    <a:lumMod val="50000"/>
+                  </a:schemeClr>
+                </a:solidFill>
+                <a:latin typeface="+mj-lt"/>
+              </a:rPr>
+              <a:t>email: astroytechnology@mail.ru</a:t>
+            </a:r>
+            <a:endParaRPr lang="ru-RU" sz="3200" b="1" dirty="0" smtClean="0">
+              <a:solidFill>
+                <a:schemeClr val="accent1">
+                  <a:lumMod val="50000"/>
+                </a:schemeClr>
+              </a:solidFill>
+              <a:latin typeface="+mj-lt"/>
+            </a:endParaRPr>
+          </a:p>
+          <a:p>
+            <a:pPr marL="0" lvl="2" indent="0" algn="just">
+              <a:buNone/>
+            </a:pPr>
+            <a:r>
+              <a:rPr lang="ru-RU" sz="3200" b="1" dirty="0" smtClean="0">
+                <a:solidFill>
+                  <a:schemeClr val="accent1">
+                    <a:lumMod val="50000"/>
+                  </a:schemeClr>
+                </a:solidFill>
+                <a:latin typeface="+mj-lt"/>
+              </a:rPr>
+              <a:t>       г.Архангельск</a:t>
+            </a:r>
+          </a:p>
+          <a:p>
+            <a:pPr marL="0" lvl="2" indent="0" algn="just">
+              <a:buNone/>
+            </a:pPr>
+            <a:endParaRPr lang="ru-RU" sz="3200" dirty="0" smtClean="0">
+              <a:solidFill>
+                <a:schemeClr val="accent1">
+                  <a:lumMod val="50000"/>
+                </a:schemeClr>
+              </a:solidFill>
+            </a:endParaRPr>
+          </a:p>
+        </p:txBody>
+      </p:sp>
+      <p:pic>
+        <p:nvPicPr>
+          <p:cNvPr id="3074" name="Picture 2"/>
+          <p:cNvPicPr>
+            <a:picLocks noChangeAspect="1" noChangeArrowheads="1"/>
+          </p:cNvPicPr>
+          <p:nvPr/>
+        </p:nvPicPr>
+        <p:blipFill>
+          <a:blip r:embed="rId2" cstate="print"/>
+          <a:srcRect/>
+          <a:stretch>
+            <a:fillRect/>
+          </a:stretch>
+        </p:blipFill>
+        <p:spPr bwMode="auto">
+          <a:xfrm>
+            <a:off x="8230742" y="1692321"/>
+            <a:ext cx="1854953" cy="2265529"/>
+          </a:xfrm>
+          <a:prstGeom prst="rect">
+            <a:avLst/>
+          </a:prstGeom>
+          <a:noFill/>
+          <a:ln w="9525">
+            <a:noFill/>
+            <a:miter lim="800000"/>
+            <a:headEnd/>
+            <a:tailEnd/>
+          </a:ln>
+          <a:effectLst/>
+        </p:spPr>
+      </p:pic>
+      <p:pic>
+        <p:nvPicPr>
+          <p:cNvPr id="14" name="Picture 4"/>
+          <p:cNvPicPr>
+            <a:picLocks noChangeAspect="1" noChangeArrowheads="1"/>
+          </p:cNvPicPr>
+          <p:nvPr/>
+        </p:nvPicPr>
+        <p:blipFill>
+          <a:blip r:embed="rId3" cstate="print"/>
+          <a:srcRect/>
+          <a:stretch>
+            <a:fillRect/>
+          </a:stretch>
+        </p:blipFill>
+        <p:spPr bwMode="auto">
+          <a:xfrm>
+            <a:off x="1440104" y="2158624"/>
+            <a:ext cx="386159" cy="392894"/>
+          </a:xfrm>
+          <a:prstGeom prst="rect">
+            <a:avLst/>
+          </a:prstGeom>
+          <a:noFill/>
+          <a:ln w="9525">
+            <a:noFill/>
+            <a:miter lim="800000"/>
+            <a:headEnd/>
+            <a:tailEnd/>
+          </a:ln>
+          <a:effectLst/>
+        </p:spPr>
+      </p:pic>
+    </p:spTree>
+    <p:extLst>
+      <p:ext uri="{BB962C8B-B14F-4D97-AF65-F5344CB8AC3E}">
+        <p14:creationId xmlns="" xmlns:p14="http://schemas.microsoft.com/office/powerpoint/2010/main" val="1949184756"/>
       </p:ext>
     </p:extLst>
   </p:cSld>
@@ -3951,7 +4332,7 @@
           <p:cNvPr id="2" name="Заголовок 1">
             <a:extLst>
               <a:ext uri="{FF2B5EF4-FFF2-40B4-BE49-F238E27FC236}">
-                <a16:creationId xmlns="" xmlns:a16="http://schemas.microsoft.com/office/drawing/2014/main" id="{2E9213E6-749D-9992-D519-94F289222BF0}"/>
+                <a16:creationId xmlns:a16="http://schemas.microsoft.com/office/drawing/2014/main" xmlns="" id="{2E9213E6-749D-9992-D519-94F289222BF0}"/>
               </a:ext>
             </a:extLst>
           </p:cNvPr>
@@ -3979,25 +4360,20 @@
               <a:t>	</a:t>
             </a:r>
             <a:r>
-              <a:rPr lang="ru-RU" sz="4800" dirty="0" smtClean="0">
+              <a:rPr lang="ru-RU" sz="4800" b="1" dirty="0" smtClean="0">
                 <a:solidFill>
                   <a:schemeClr val="accent1">
                     <a:lumMod val="50000"/>
                   </a:schemeClr>
                 </a:solidFill>
-                <a:latin typeface="+mn-lt"/>
               </a:rPr>
               <a:t>Проблематика:  «Кто может уйти?»</a:t>
             </a:r>
             <a:r>
-              <a:rPr lang="ru-RU" sz="4800" dirty="0" smtClean="0">
-                <a:latin typeface="+mn-lt"/>
-              </a:rPr>
+              <a:rPr lang="ru-RU" sz="4800" b="1" dirty="0" smtClean="0"/>
               <a:t> </a:t>
             </a:r>
-            <a:endParaRPr lang="ru-RU" sz="4800" dirty="0">
-              <a:latin typeface="+mn-lt"/>
-            </a:endParaRPr>
+            <a:endParaRPr lang="ru-RU" sz="4800" b="1" dirty="0"/>
           </a:p>
         </p:txBody>
       </p:sp>
@@ -4006,7 +4382,7 @@
           <p:cNvPr id="5" name="Объект 4">
             <a:extLst>
               <a:ext uri="{FF2B5EF4-FFF2-40B4-BE49-F238E27FC236}">
-                <a16:creationId xmlns="" xmlns:a16="http://schemas.microsoft.com/office/drawing/2014/main" id="{7C76C821-45B2-DFFE-8A53-0CD78B84D34D}"/>
+                <a16:creationId xmlns:a16="http://schemas.microsoft.com/office/drawing/2014/main" xmlns="" id="{7C76C821-45B2-DFFE-8A53-0CD78B84D34D}"/>
               </a:ext>
             </a:extLst>
           </p:cNvPr>
@@ -4130,7 +4506,7 @@
     </p:spTree>
     <p:extLst>
       <p:ext uri="{BB962C8B-B14F-4D97-AF65-F5344CB8AC3E}">
-        <p14:creationId xmlns:p14="http://schemas.microsoft.com/office/powerpoint/2010/main" xmlns="" val="940757705"/>
+        <p14:creationId xmlns="" xmlns:p14="http://schemas.microsoft.com/office/powerpoint/2010/main" val="940757705"/>
       </p:ext>
     </p:extLst>
   </p:cSld>
@@ -4200,7 +4576,7 @@
           <p:cNvPr id="2" name="Заголовок 1">
             <a:extLst>
               <a:ext uri="{FF2B5EF4-FFF2-40B4-BE49-F238E27FC236}">
-                <a16:creationId xmlns="" xmlns:a16="http://schemas.microsoft.com/office/drawing/2014/main" id="{2E9213E6-749D-9992-D519-94F289222BF0}"/>
+                <a16:creationId xmlns:a16="http://schemas.microsoft.com/office/drawing/2014/main" xmlns="" id="{2E9213E6-749D-9992-D519-94F289222BF0}"/>
               </a:ext>
             </a:extLst>
           </p:cNvPr>
@@ -4224,7 +4600,7 @@
           <a:lstStyle/>
           <a:p>
             <a:r>
-              <a:rPr lang="ru-RU" sz="4800" b="1" dirty="0" smtClean="0">
+              <a:rPr lang="ru-RU" sz="5300" b="1" dirty="0" smtClean="0">
                 <a:solidFill>
                   <a:srgbClr val="002060"/>
                 </a:solidFill>
@@ -4232,7 +4608,7 @@
               <a:t>Решение</a:t>
             </a:r>
             <a:r>
-              <a:rPr lang="en-US" sz="4800" b="1" dirty="0" smtClean="0">
+              <a:rPr lang="en-US" sz="5300" b="1" dirty="0" smtClean="0">
                 <a:solidFill>
                   <a:srgbClr val="002060"/>
                 </a:solidFill>
@@ -4240,7 +4616,7 @@
               <a:t> - </a:t>
             </a:r>
             <a:r>
-              <a:rPr lang="ru-RU" sz="4800" b="1" dirty="0" smtClean="0">
+              <a:rPr lang="ru-RU" sz="5300" b="1" dirty="0" smtClean="0">
                 <a:solidFill>
                   <a:srgbClr val="002060"/>
                 </a:solidFill>
@@ -4355,7 +4731,7 @@
           <p:cNvPr id="13" name="Заголовок 1">
             <a:extLst>
               <a:ext uri="{FF2B5EF4-FFF2-40B4-BE49-F238E27FC236}">
-                <a16:creationId xmlns="" xmlns:a16="http://schemas.microsoft.com/office/drawing/2014/main" id="{2E9213E6-749D-9992-D519-94F289222BF0}"/>
+                <a16:creationId xmlns:a16="http://schemas.microsoft.com/office/drawing/2014/main" xmlns="" id="{2E9213E6-749D-9992-D519-94F289222BF0}"/>
               </a:ext>
             </a:extLst>
           </p:cNvPr>
@@ -4381,312 +4757,349 @@
           <a:p>
             <a:pPr lvl="0"/>
             <a:r>
-              <a:rPr lang="en-US" sz="2000" dirty="0" smtClean="0">
-                <a:solidFill>
-                  <a:srgbClr val="002060"/>
-                </a:solidFill>
+              <a:rPr lang="en-US" sz="2800" b="1" dirty="0" smtClean="0">
+                <a:solidFill>
+                  <a:srgbClr val="002060"/>
+                </a:solidFill>
+                <a:latin typeface="+mj-lt"/>
               </a:rPr>
               <a:t> </a:t>
             </a:r>
             <a:r>
-              <a:rPr lang="ru-RU" sz="2800" dirty="0" smtClean="0">
-                <a:solidFill>
-                  <a:srgbClr val="002060"/>
-                </a:solidFill>
+              <a:rPr lang="ru-RU" sz="2800" b="1" dirty="0" smtClean="0">
+                <a:solidFill>
+                  <a:srgbClr val="002060"/>
+                </a:solidFill>
+                <a:latin typeface="+mj-lt"/>
               </a:rPr>
               <a:t>1. Обзор и анализ предоставленных данных.</a:t>
             </a:r>
           </a:p>
           <a:p>
             <a:pPr lvl="0"/>
-            <a:endParaRPr lang="ru-RU" sz="2800" dirty="0" smtClean="0">
+            <a:endParaRPr lang="ru-RU" sz="2800" b="1" dirty="0" smtClean="0">
               <a:solidFill>
                 <a:srgbClr val="002060"/>
               </a:solidFill>
+              <a:latin typeface="+mj-lt"/>
             </a:endParaRPr>
           </a:p>
           <a:p>
             <a:pPr lvl="0"/>
             <a:r>
-              <a:rPr lang="en-US" sz="2800" dirty="0" smtClean="0">
-                <a:solidFill>
-                  <a:srgbClr val="002060"/>
-                </a:solidFill>
+              <a:rPr lang="en-US" sz="2800" b="1" dirty="0" smtClean="0">
+                <a:solidFill>
+                  <a:srgbClr val="002060"/>
+                </a:solidFill>
+                <a:latin typeface="+mj-lt"/>
               </a:rPr>
               <a:t>2. </a:t>
             </a:r>
             <a:r>
-              <a:rPr lang="ru-RU" sz="2800" dirty="0" smtClean="0">
-                <a:solidFill>
-                  <a:srgbClr val="002060"/>
-                </a:solidFill>
+              <a:rPr lang="ru-RU" sz="2800" b="1" dirty="0" smtClean="0">
+                <a:solidFill>
+                  <a:srgbClr val="002060"/>
+                </a:solidFill>
+                <a:latin typeface="+mj-lt"/>
               </a:rPr>
               <a:t>Алгоритмы  формирования признаков  (</a:t>
             </a:r>
             <a:r>
-              <a:rPr lang="en-US" sz="2800" dirty="0" smtClean="0">
-                <a:solidFill>
-                  <a:srgbClr val="002060"/>
-                </a:solidFill>
+              <a:rPr lang="en-US" sz="2800" b="1" dirty="0" smtClean="0">
+                <a:solidFill>
+                  <a:srgbClr val="002060"/>
+                </a:solidFill>
+                <a:latin typeface="+mj-lt"/>
               </a:rPr>
               <a:t>F</a:t>
             </a:r>
             <a:r>
-              <a:rPr lang="ru-RU" sz="2800" dirty="0" err="1" smtClean="0">
-                <a:solidFill>
-                  <a:srgbClr val="002060"/>
-                </a:solidFill>
+              <a:rPr lang="ru-RU" sz="2800" b="1" dirty="0" err="1" smtClean="0">
+                <a:solidFill>
+                  <a:srgbClr val="002060"/>
+                </a:solidFill>
+                <a:latin typeface="+mj-lt"/>
               </a:rPr>
               <a:t>eature</a:t>
             </a:r>
             <a:r>
-              <a:rPr lang="ru-RU" sz="2800" dirty="0" smtClean="0">
-                <a:solidFill>
-                  <a:srgbClr val="002060"/>
-                </a:solidFill>
+              <a:rPr lang="ru-RU" sz="2800" b="1" dirty="0" smtClean="0">
+                <a:solidFill>
+                  <a:srgbClr val="002060"/>
+                </a:solidFill>
+                <a:latin typeface="+mj-lt"/>
               </a:rPr>
               <a:t> </a:t>
             </a:r>
             <a:r>
-              <a:rPr lang="ru-RU" sz="2800" dirty="0" err="1" smtClean="0">
-                <a:solidFill>
-                  <a:srgbClr val="002060"/>
-                </a:solidFill>
+              <a:rPr lang="ru-RU" sz="2800" b="1" dirty="0" err="1" smtClean="0">
+                <a:solidFill>
+                  <a:srgbClr val="002060"/>
+                </a:solidFill>
+                <a:latin typeface="+mj-lt"/>
               </a:rPr>
               <a:t>engineering</a:t>
             </a:r>
             <a:r>
-              <a:rPr lang="ru-RU" sz="2800" dirty="0" smtClean="0">
-                <a:solidFill>
-                  <a:srgbClr val="002060"/>
-                </a:solidFill>
+              <a:rPr lang="ru-RU" sz="2800" b="1" dirty="0" smtClean="0">
+                <a:solidFill>
+                  <a:srgbClr val="002060"/>
+                </a:solidFill>
+                <a:latin typeface="+mj-lt"/>
               </a:rPr>
               <a:t>).</a:t>
             </a:r>
           </a:p>
           <a:p>
             <a:pPr lvl="0"/>
-            <a:endParaRPr lang="ru-RU" sz="2800" dirty="0" smtClean="0">
+            <a:endParaRPr lang="ru-RU" sz="2800" b="1" dirty="0" smtClean="0">
               <a:solidFill>
                 <a:srgbClr val="002060"/>
               </a:solidFill>
+              <a:latin typeface="+mj-lt"/>
             </a:endParaRPr>
           </a:p>
           <a:p>
             <a:pPr lvl="0"/>
             <a:r>
-              <a:rPr lang="en-US" sz="2800" dirty="0" smtClean="0">
-                <a:solidFill>
-                  <a:srgbClr val="002060"/>
-                </a:solidFill>
+              <a:rPr lang="en-US" sz="2800" b="1" dirty="0" smtClean="0">
+                <a:solidFill>
+                  <a:srgbClr val="002060"/>
+                </a:solidFill>
+                <a:latin typeface="+mj-lt"/>
               </a:rPr>
               <a:t>3. </a:t>
             </a:r>
             <a:r>
-              <a:rPr lang="ru-RU" sz="2800" dirty="0" smtClean="0">
-                <a:solidFill>
-                  <a:srgbClr val="002060"/>
-                </a:solidFill>
+              <a:rPr lang="ru-RU" sz="2800" b="1" dirty="0" smtClean="0">
+                <a:solidFill>
+                  <a:srgbClr val="002060"/>
+                </a:solidFill>
+                <a:latin typeface="+mj-lt"/>
               </a:rPr>
               <a:t>Минимизация дисбаланса  классов (</a:t>
             </a:r>
             <a:r>
-              <a:rPr lang="en-US" sz="2800" dirty="0" smtClean="0">
-                <a:solidFill>
-                  <a:srgbClr val="002060"/>
-                </a:solidFill>
+              <a:rPr lang="en-US" sz="2800" b="1" dirty="0" smtClean="0">
+                <a:solidFill>
+                  <a:srgbClr val="002060"/>
+                </a:solidFill>
+                <a:latin typeface="+mj-lt"/>
               </a:rPr>
               <a:t>O</a:t>
             </a:r>
             <a:r>
-              <a:rPr lang="ru-RU" sz="2800" dirty="0" err="1" smtClean="0">
-                <a:solidFill>
-                  <a:srgbClr val="002060"/>
-                </a:solidFill>
+              <a:rPr lang="ru-RU" sz="2800" b="1" dirty="0" err="1" smtClean="0">
+                <a:solidFill>
+                  <a:srgbClr val="002060"/>
+                </a:solidFill>
+                <a:latin typeface="+mj-lt"/>
               </a:rPr>
               <a:t>versampling</a:t>
             </a:r>
             <a:r>
-              <a:rPr lang="ru-RU" sz="2800" dirty="0" smtClean="0">
-                <a:solidFill>
-                  <a:srgbClr val="002060"/>
-                </a:solidFill>
+              <a:rPr lang="ru-RU" sz="2800" b="1" dirty="0" smtClean="0">
+                <a:solidFill>
+                  <a:srgbClr val="002060"/>
+                </a:solidFill>
+                <a:latin typeface="+mj-lt"/>
               </a:rPr>
               <a:t>)</a:t>
             </a:r>
           </a:p>
           <a:p>
             <a:pPr lvl="0"/>
-            <a:endParaRPr lang="ru-RU" sz="2800" dirty="0" smtClean="0">
+            <a:endParaRPr lang="ru-RU" sz="2800" b="1" dirty="0" smtClean="0">
               <a:solidFill>
                 <a:srgbClr val="002060"/>
               </a:solidFill>
+              <a:latin typeface="+mj-lt"/>
             </a:endParaRPr>
           </a:p>
           <a:p>
             <a:pPr lvl="0"/>
             <a:r>
-              <a:rPr lang="en-US" sz="2800" dirty="0" smtClean="0">
-                <a:solidFill>
-                  <a:srgbClr val="002060"/>
-                </a:solidFill>
+              <a:rPr lang="en-US" sz="2800" b="1" dirty="0" smtClean="0">
+                <a:solidFill>
+                  <a:srgbClr val="002060"/>
+                </a:solidFill>
+                <a:latin typeface="+mj-lt"/>
               </a:rPr>
               <a:t>4. </a:t>
             </a:r>
             <a:r>
-              <a:rPr lang="ru-RU" sz="2800" dirty="0" smtClean="0">
-                <a:solidFill>
-                  <a:srgbClr val="002060"/>
-                </a:solidFill>
+              <a:rPr lang="ru-RU" sz="2800" b="1" dirty="0" smtClean="0">
+                <a:solidFill>
+                  <a:srgbClr val="002060"/>
+                </a:solidFill>
+                <a:latin typeface="+mj-lt"/>
               </a:rPr>
               <a:t>Выбор  лучшей модели – </a:t>
             </a:r>
             <a:r>
-              <a:rPr lang="ru-RU" sz="2800" dirty="0" err="1" smtClean="0">
-                <a:solidFill>
-                  <a:srgbClr val="002060"/>
-                </a:solidFill>
+              <a:rPr lang="ru-RU" sz="2800" b="1" dirty="0" err="1" smtClean="0">
+                <a:solidFill>
+                  <a:srgbClr val="002060"/>
+                </a:solidFill>
+                <a:latin typeface="+mj-lt"/>
               </a:rPr>
               <a:t>кросс-валидация</a:t>
             </a:r>
             <a:r>
-              <a:rPr lang="ru-RU" sz="2800" dirty="0" smtClean="0">
-                <a:solidFill>
-                  <a:srgbClr val="002060"/>
-                </a:solidFill>
+              <a:rPr lang="ru-RU" sz="2800" b="1" dirty="0" smtClean="0">
+                <a:solidFill>
+                  <a:srgbClr val="002060"/>
+                </a:solidFill>
+                <a:latin typeface="+mj-lt"/>
               </a:rPr>
               <a:t> (</a:t>
             </a:r>
             <a:r>
-              <a:rPr lang="en-US" sz="2800" dirty="0" smtClean="0">
-                <a:solidFill>
-                  <a:srgbClr val="002060"/>
-                </a:solidFill>
+              <a:rPr lang="en-US" sz="2800" b="1" dirty="0" smtClean="0">
+                <a:solidFill>
+                  <a:srgbClr val="002060"/>
+                </a:solidFill>
+                <a:latin typeface="+mj-lt"/>
               </a:rPr>
               <a:t>M</a:t>
             </a:r>
             <a:r>
-              <a:rPr lang="ru-RU" sz="2800" dirty="0" err="1" smtClean="0">
-                <a:solidFill>
-                  <a:srgbClr val="002060"/>
-                </a:solidFill>
+              <a:rPr lang="ru-RU" sz="2800" b="1" dirty="0" err="1" smtClean="0">
+                <a:solidFill>
+                  <a:srgbClr val="002060"/>
+                </a:solidFill>
+                <a:latin typeface="+mj-lt"/>
               </a:rPr>
               <a:t>achine</a:t>
             </a:r>
             <a:r>
-              <a:rPr lang="ru-RU" sz="2800" dirty="0" smtClean="0">
-                <a:solidFill>
-                  <a:srgbClr val="002060"/>
-                </a:solidFill>
+              <a:rPr lang="ru-RU" sz="2800" b="1" dirty="0" smtClean="0">
+                <a:solidFill>
+                  <a:srgbClr val="002060"/>
+                </a:solidFill>
+                <a:latin typeface="+mj-lt"/>
               </a:rPr>
               <a:t> </a:t>
             </a:r>
             <a:r>
-              <a:rPr lang="en-US" sz="2800" dirty="0" smtClean="0">
-                <a:solidFill>
-                  <a:srgbClr val="002060"/>
-                </a:solidFill>
+              <a:rPr lang="en-US" sz="2800" b="1" dirty="0" smtClean="0">
+                <a:solidFill>
+                  <a:srgbClr val="002060"/>
+                </a:solidFill>
+                <a:latin typeface="+mj-lt"/>
               </a:rPr>
               <a:t>L</a:t>
             </a:r>
             <a:r>
-              <a:rPr lang="ru-RU" sz="2800" dirty="0" err="1" smtClean="0">
-                <a:solidFill>
-                  <a:srgbClr val="002060"/>
-                </a:solidFill>
+              <a:rPr lang="ru-RU" sz="2800" b="1" dirty="0" err="1" smtClean="0">
+                <a:solidFill>
+                  <a:srgbClr val="002060"/>
+                </a:solidFill>
+                <a:latin typeface="+mj-lt"/>
               </a:rPr>
               <a:t>earning</a:t>
             </a:r>
             <a:r>
-              <a:rPr lang="ru-RU" sz="2800" dirty="0" smtClean="0">
-                <a:solidFill>
-                  <a:srgbClr val="002060"/>
-                </a:solidFill>
+              <a:rPr lang="ru-RU" sz="2800" b="1" dirty="0" smtClean="0">
+                <a:solidFill>
+                  <a:srgbClr val="002060"/>
+                </a:solidFill>
+                <a:latin typeface="+mj-lt"/>
               </a:rPr>
               <a:t>).</a:t>
             </a:r>
           </a:p>
           <a:p>
             <a:pPr lvl="0"/>
-            <a:endParaRPr lang="ru-RU" sz="2800" dirty="0" smtClean="0">
+            <a:endParaRPr lang="ru-RU" sz="2800" b="1" dirty="0" smtClean="0">
               <a:solidFill>
                 <a:srgbClr val="002060"/>
               </a:solidFill>
+              <a:latin typeface="+mj-lt"/>
             </a:endParaRPr>
           </a:p>
           <a:p>
             <a:pPr lvl="0"/>
             <a:r>
-              <a:rPr lang="en-US" sz="2800" dirty="0" smtClean="0">
-                <a:solidFill>
-                  <a:srgbClr val="002060"/>
-                </a:solidFill>
+              <a:rPr lang="en-US" sz="2800" b="1" dirty="0" smtClean="0">
+                <a:solidFill>
+                  <a:srgbClr val="002060"/>
+                </a:solidFill>
+                <a:latin typeface="+mj-lt"/>
               </a:rPr>
               <a:t>5. </a:t>
             </a:r>
             <a:r>
-              <a:rPr lang="ru-RU" sz="2800" dirty="0" smtClean="0">
-                <a:solidFill>
-                  <a:srgbClr val="002060"/>
-                </a:solidFill>
+              <a:rPr lang="ru-RU" sz="2800" b="1" dirty="0" smtClean="0">
+                <a:solidFill>
+                  <a:srgbClr val="002060"/>
+                </a:solidFill>
+                <a:latin typeface="+mj-lt"/>
               </a:rPr>
               <a:t>Обучение итоговой модели на основе градиентного бустинга (</a:t>
             </a:r>
             <a:r>
-              <a:rPr lang="ru-RU" sz="2800" dirty="0" err="1" smtClean="0">
-                <a:solidFill>
-                  <a:srgbClr val="002060"/>
-                </a:solidFill>
+              <a:rPr lang="ru-RU" sz="2800" b="1" dirty="0" err="1" smtClean="0">
+                <a:solidFill>
+                  <a:srgbClr val="002060"/>
+                </a:solidFill>
+                <a:latin typeface="+mj-lt"/>
               </a:rPr>
               <a:t>CatBoost</a:t>
             </a:r>
             <a:r>
-              <a:rPr lang="ru-RU" sz="2800" dirty="0" smtClean="0">
-                <a:solidFill>
-                  <a:srgbClr val="002060"/>
-                </a:solidFill>
+              <a:rPr lang="ru-RU" sz="2800" b="1" dirty="0" smtClean="0">
+                <a:solidFill>
+                  <a:srgbClr val="002060"/>
+                </a:solidFill>
+                <a:latin typeface="+mj-lt"/>
               </a:rPr>
               <a:t>).</a:t>
             </a:r>
           </a:p>
           <a:p>
             <a:pPr lvl="0"/>
-            <a:endParaRPr lang="ru-RU" sz="2800" dirty="0" smtClean="0">
+            <a:endParaRPr lang="ru-RU" sz="2800" b="1" dirty="0" smtClean="0">
               <a:solidFill>
                 <a:srgbClr val="002060"/>
               </a:solidFill>
+              <a:latin typeface="+mj-lt"/>
             </a:endParaRPr>
           </a:p>
           <a:p>
             <a:pPr lvl="0"/>
             <a:r>
-              <a:rPr lang="en-US" sz="2800" dirty="0" smtClean="0">
-                <a:solidFill>
-                  <a:srgbClr val="002060"/>
-                </a:solidFill>
+              <a:rPr lang="en-US" sz="2800" b="1" dirty="0" smtClean="0">
+                <a:solidFill>
+                  <a:srgbClr val="002060"/>
+                </a:solidFill>
+                <a:latin typeface="+mj-lt"/>
               </a:rPr>
               <a:t>6. </a:t>
             </a:r>
             <a:r>
-              <a:rPr lang="ru-RU" sz="2800" dirty="0" smtClean="0">
-                <a:solidFill>
-                  <a:srgbClr val="002060"/>
-                </a:solidFill>
+              <a:rPr lang="ru-RU" sz="2800" b="1" dirty="0" smtClean="0">
+                <a:solidFill>
+                  <a:srgbClr val="002060"/>
+                </a:solidFill>
+                <a:latin typeface="+mj-lt"/>
               </a:rPr>
               <a:t>Формирование и направление результата</a:t>
             </a:r>
             <a:r>
-              <a:rPr lang="en-US" sz="2800" dirty="0" smtClean="0">
-                <a:solidFill>
-                  <a:srgbClr val="002060"/>
-                </a:solidFill>
+              <a:rPr lang="en-US" sz="2800" b="1" dirty="0" smtClean="0">
+                <a:solidFill>
+                  <a:srgbClr val="002060"/>
+                </a:solidFill>
+                <a:latin typeface="+mj-lt"/>
               </a:rPr>
               <a:t> (Submit)</a:t>
             </a:r>
-            <a:endParaRPr lang="ru-RU" sz="2800" dirty="0" smtClean="0">
+            <a:endParaRPr lang="ru-RU" sz="2800" b="1" dirty="0" smtClean="0">
               <a:solidFill>
                 <a:srgbClr val="002060"/>
               </a:solidFill>
+              <a:latin typeface="+mj-lt"/>
             </a:endParaRPr>
           </a:p>
           <a:p>
@@ -4725,7 +5138,7 @@
     </p:spTree>
     <p:extLst>
       <p:ext uri="{BB962C8B-B14F-4D97-AF65-F5344CB8AC3E}">
-        <p14:creationId xmlns:p14="http://schemas.microsoft.com/office/powerpoint/2010/main" xmlns="" val="261818918"/>
+        <p14:creationId xmlns="" xmlns:p14="http://schemas.microsoft.com/office/powerpoint/2010/main" val="261818918"/>
       </p:ext>
     </p:extLst>
   </p:cSld>
@@ -4795,897 +5208,7 @@
           <p:cNvPr id="2" name="Заголовок 1">
             <a:extLst>
               <a:ext uri="{FF2B5EF4-FFF2-40B4-BE49-F238E27FC236}">
-                <a16:creationId xmlns="" xmlns:a16="http://schemas.microsoft.com/office/drawing/2014/main" id="{2E9213E6-749D-9992-D519-94F289222BF0}"/>
-              </a:ext>
-            </a:extLst>
-          </p:cNvPr>
-          <p:cNvSpPr>
-            <a:spLocks noGrp="1"/>
-          </p:cNvSpPr>
-          <p:nvPr>
-            <p:ph type="title"/>
-          </p:nvPr>
-        </p:nvSpPr>
-        <p:spPr>
-          <a:xfrm>
-            <a:off x="838200" y="365125"/>
-            <a:ext cx="10515600" cy="1177072"/>
-          </a:xfrm>
-        </p:spPr>
-        <p:txBody>
-          <a:bodyPr>
-            <a:normAutofit/>
-          </a:bodyPr>
-          <a:lstStyle/>
-          <a:p>
-            <a:r>
-              <a:rPr lang="ru-RU" sz="6000" dirty="0" smtClean="0">
-                <a:solidFill>
-                  <a:schemeClr val="accent1">
-                    <a:lumMod val="50000"/>
-                  </a:schemeClr>
-                </a:solidFill>
-                <a:latin typeface="+mn-lt"/>
-              </a:rPr>
-              <a:t>Выбор модели</a:t>
-            </a:r>
-            <a:endParaRPr lang="ru-RU" sz="6000" dirty="0">
-              <a:solidFill>
-                <a:schemeClr val="accent1">
-                  <a:lumMod val="50000"/>
-                </a:schemeClr>
-              </a:solidFill>
-              <a:latin typeface="+mn-lt"/>
-            </a:endParaRPr>
-          </a:p>
-        </p:txBody>
-      </p:sp>
-      <p:sp>
-        <p:nvSpPr>
-          <p:cNvPr id="5" name="Объект 4">
-            <a:extLst>
-              <a:ext uri="{FF2B5EF4-FFF2-40B4-BE49-F238E27FC236}">
-                <a16:creationId xmlns="" xmlns:a16="http://schemas.microsoft.com/office/drawing/2014/main" id="{7C76C821-45B2-DFFE-8A53-0CD78B84D34D}"/>
-              </a:ext>
-            </a:extLst>
-          </p:cNvPr>
-          <p:cNvSpPr>
-            <a:spLocks noGrp="1"/>
-          </p:cNvSpPr>
-          <p:nvPr>
-            <p:ph idx="1"/>
-          </p:nvPr>
-        </p:nvSpPr>
-        <p:spPr>
-          <a:xfrm>
-            <a:off x="4415491" y="6162576"/>
-            <a:ext cx="7867044" cy="3329986"/>
-          </a:xfrm>
-          <a:noFill/>
-        </p:spPr>
-        <p:txBody>
-          <a:bodyPr>
-            <a:noAutofit/>
-          </a:bodyPr>
-          <a:lstStyle/>
-          <a:p>
-            <a:pPr marL="0" indent="0" algn="just">
-              <a:buNone/>
-            </a:pPr>
-            <a:r>
-              <a:rPr lang="ru-RU" sz="3200" dirty="0">
-                <a:solidFill>
-                  <a:schemeClr val="accent1">
-                    <a:lumMod val="50000"/>
-                  </a:schemeClr>
-                </a:solidFill>
-              </a:rPr>
-              <a:t>	</a:t>
-            </a:r>
-          </a:p>
-          <a:p>
-            <a:pPr marL="0" indent="0" algn="just">
-              <a:buNone/>
-            </a:pPr>
-            <a:r>
-              <a:rPr lang="ru-RU" sz="3200" dirty="0">
-                <a:solidFill>
-                  <a:schemeClr val="accent1">
-                    <a:lumMod val="50000"/>
-                  </a:schemeClr>
-                </a:solidFill>
-              </a:rPr>
-              <a:t>	</a:t>
-            </a:r>
-          </a:p>
-        </p:txBody>
-      </p:sp>
-      <p:sp>
-        <p:nvSpPr>
-          <p:cNvPr id="7" name="Заголовок 1">
-            <a:extLst>
-              <a:ext uri="{FF2B5EF4-FFF2-40B4-BE49-F238E27FC236}">
-                <a16:creationId xmlns="" xmlns:a16="http://schemas.microsoft.com/office/drawing/2014/main" id="{2E9213E6-749D-9992-D519-94F289222BF0}"/>
-              </a:ext>
-            </a:extLst>
-          </p:cNvPr>
-          <p:cNvSpPr txBox="1">
-            <a:spLocks/>
-          </p:cNvSpPr>
-          <p:nvPr/>
-        </p:nvSpPr>
-        <p:spPr>
-          <a:xfrm>
-            <a:off x="2388360" y="2060811"/>
-            <a:ext cx="7246959" cy="2197290"/>
-          </a:xfrm>
-          <a:prstGeom prst="rect">
-            <a:avLst/>
-          </a:prstGeom>
-        </p:spPr>
-        <p:txBody>
-          <a:bodyPr vert="horz" lIns="91440" tIns="45720" rIns="91440" bIns="45720" rtlCol="0" anchor="ctr">
-            <a:noAutofit/>
-          </a:bodyPr>
-          <a:lstStyle/>
-          <a:p>
-            <a:pPr algn="just" fontAlgn="ctr"/>
-            <a:r>
-              <a:rPr lang="ru-RU" sz="4000" dirty="0" smtClean="0">
-                <a:solidFill>
-                  <a:srgbClr val="002060"/>
-                </a:solidFill>
-                <a:ea typeface="+mj-ea"/>
-                <a:cs typeface="+mj-cs"/>
-              </a:rPr>
-              <a:t>             показал результат на </a:t>
-            </a:r>
-            <a:r>
-              <a:rPr lang="ru-RU" sz="4000" dirty="0" err="1" smtClean="0">
-                <a:solidFill>
-                  <a:srgbClr val="002060"/>
-                </a:solidFill>
-                <a:ea typeface="+mj-ea"/>
-                <a:cs typeface="+mj-cs"/>
-              </a:rPr>
-              <a:t>валидации</a:t>
-            </a:r>
-            <a:r>
-              <a:rPr lang="ru-RU" sz="4000" dirty="0" smtClean="0">
-                <a:solidFill>
-                  <a:srgbClr val="002060"/>
-                </a:solidFill>
-                <a:ea typeface="+mj-ea"/>
-                <a:cs typeface="+mj-cs"/>
-              </a:rPr>
-              <a:t> лучше в 1,3 раза чем </a:t>
-            </a:r>
-            <a:endParaRPr kumimoji="0" lang="ru-RU" sz="4000" b="0" i="0" u="none" strike="noStrike" kern="1200" cap="none" spc="0" normalizeH="0" baseline="0" noProof="0" dirty="0">
-              <a:ln>
-                <a:noFill/>
-              </a:ln>
-              <a:solidFill>
-                <a:srgbClr val="002060"/>
-              </a:solidFill>
-              <a:effectLst/>
-              <a:uLnTx/>
-              <a:uFillTx/>
-              <a:latin typeface="+mn-lt"/>
-              <a:ea typeface="+mj-ea"/>
-              <a:cs typeface="+mj-cs"/>
-            </a:endParaRPr>
-          </a:p>
-        </p:txBody>
-      </p:sp>
-      <p:pic>
-        <p:nvPicPr>
-          <p:cNvPr id="6146" name="Picture 2" descr="https://cdn-images-1.medium.com/fit/t/1600/480/1*yhE3CBwTrlXcAIvNJNTQiA.png"/>
-          <p:cNvPicPr>
-            <a:picLocks noChangeAspect="1" noChangeArrowheads="1"/>
-          </p:cNvPicPr>
-          <p:nvPr/>
-        </p:nvPicPr>
-        <p:blipFill>
-          <a:blip r:embed="rId2" cstate="print"/>
-          <a:srcRect/>
-          <a:stretch>
-            <a:fillRect/>
-          </a:stretch>
-        </p:blipFill>
-        <p:spPr bwMode="auto">
-          <a:xfrm>
-            <a:off x="8982662" y="2906973"/>
-            <a:ext cx="2922735" cy="958707"/>
-          </a:xfrm>
-          <a:prstGeom prst="rect">
-            <a:avLst/>
-          </a:prstGeom>
-          <a:noFill/>
-        </p:spPr>
-      </p:pic>
-      <p:pic>
-        <p:nvPicPr>
-          <p:cNvPr id="6150" name="Picture 6" descr="https://mljar.com/images/machine-learning/catboost.png"/>
-          <p:cNvPicPr>
-            <a:picLocks noChangeAspect="1" noChangeArrowheads="1"/>
-          </p:cNvPicPr>
-          <p:nvPr/>
-        </p:nvPicPr>
-        <p:blipFill>
-          <a:blip r:embed="rId3"/>
-          <a:srcRect/>
-          <a:stretch>
-            <a:fillRect/>
-          </a:stretch>
-        </p:blipFill>
-        <p:spPr bwMode="auto">
-          <a:xfrm>
-            <a:off x="163772" y="1682111"/>
-            <a:ext cx="4394579" cy="2238376"/>
-          </a:xfrm>
-          <a:prstGeom prst="rect">
-            <a:avLst/>
-          </a:prstGeom>
-          <a:noFill/>
-        </p:spPr>
-      </p:pic>
-      <p:sp>
-        <p:nvSpPr>
-          <p:cNvPr id="11" name="Заголовок 1">
-            <a:extLst>
-              <a:ext uri="{FF2B5EF4-FFF2-40B4-BE49-F238E27FC236}">
-                <a16:creationId xmlns="" xmlns:a16="http://schemas.microsoft.com/office/drawing/2014/main" id="{2E9213E6-749D-9992-D519-94F289222BF0}"/>
-              </a:ext>
-            </a:extLst>
-          </p:cNvPr>
-          <p:cNvSpPr txBox="1">
-            <a:spLocks/>
-          </p:cNvSpPr>
-          <p:nvPr/>
-        </p:nvSpPr>
-        <p:spPr>
-          <a:xfrm>
-            <a:off x="1672989" y="1895949"/>
-            <a:ext cx="2175680" cy="819956"/>
-          </a:xfrm>
-          <a:prstGeom prst="rect">
-            <a:avLst/>
-          </a:prstGeom>
-        </p:spPr>
-        <p:txBody>
-          <a:bodyPr vert="horz" lIns="91440" tIns="45720" rIns="91440" bIns="45720" rtlCol="0" anchor="ctr">
-            <a:normAutofit/>
-          </a:bodyPr>
-          <a:lstStyle/>
-          <a:p>
-            <a:pPr marL="0" marR="0" lvl="0" indent="0" algn="l" defTabSz="914400" rtl="0" eaLnBrk="1" fontAlgn="auto" latinLnBrk="0" hangingPunct="1">
-              <a:lnSpc>
-                <a:spcPct val="90000"/>
-              </a:lnSpc>
-              <a:spcBef>
-                <a:spcPct val="0"/>
-              </a:spcBef>
-              <a:spcAft>
-                <a:spcPts val="0"/>
-              </a:spcAft>
-              <a:buClrTx/>
-              <a:buSzTx/>
-              <a:buFontTx/>
-              <a:buNone/>
-              <a:tabLst/>
-              <a:defRPr/>
-            </a:pPr>
-            <a:r>
-              <a:rPr lang="en-US" sz="2800" b="1" dirty="0" smtClean="0">
-                <a:solidFill>
-                  <a:srgbClr val="7030A0"/>
-                </a:solidFill>
-                <a:ea typeface="+mj-ea"/>
-                <a:cs typeface="+mj-cs"/>
-              </a:rPr>
-              <a:t>Recall ~0.83 </a:t>
-            </a:r>
-            <a:endParaRPr kumimoji="0" lang="ru-RU" sz="2800" b="1" i="0" u="none" strike="noStrike" kern="1200" cap="none" spc="0" normalizeH="0" baseline="0" noProof="0" dirty="0">
-              <a:ln>
-                <a:noFill/>
-              </a:ln>
-              <a:solidFill>
-                <a:srgbClr val="7030A0"/>
-              </a:solidFill>
-              <a:effectLst/>
-              <a:uLnTx/>
-              <a:uFillTx/>
-              <a:latin typeface="+mn-lt"/>
-              <a:ea typeface="+mj-ea"/>
-              <a:cs typeface="+mj-cs"/>
-            </a:endParaRPr>
-          </a:p>
-        </p:txBody>
-      </p:sp>
-      <p:sp>
-        <p:nvSpPr>
-          <p:cNvPr id="12" name="Заголовок 1">
-            <a:extLst>
-              <a:ext uri="{FF2B5EF4-FFF2-40B4-BE49-F238E27FC236}">
-                <a16:creationId xmlns="" xmlns:a16="http://schemas.microsoft.com/office/drawing/2014/main" id="{2E9213E6-749D-9992-D519-94F289222BF0}"/>
-              </a:ext>
-            </a:extLst>
-          </p:cNvPr>
-          <p:cNvSpPr txBox="1">
-            <a:spLocks/>
-          </p:cNvSpPr>
-          <p:nvPr/>
-        </p:nvSpPr>
-        <p:spPr>
-          <a:xfrm>
-            <a:off x="10016320" y="2635203"/>
-            <a:ext cx="2175680" cy="819956"/>
-          </a:xfrm>
-          <a:prstGeom prst="rect">
-            <a:avLst/>
-          </a:prstGeom>
-        </p:spPr>
-        <p:txBody>
-          <a:bodyPr vert="horz" lIns="91440" tIns="45720" rIns="91440" bIns="45720" rtlCol="0" anchor="ctr">
-            <a:normAutofit/>
-          </a:bodyPr>
-          <a:lstStyle/>
-          <a:p>
-            <a:pPr marL="0" marR="0" lvl="0" indent="0" algn="l" defTabSz="914400" rtl="0" eaLnBrk="1" fontAlgn="auto" latinLnBrk="0" hangingPunct="1">
-              <a:lnSpc>
-                <a:spcPct val="90000"/>
-              </a:lnSpc>
-              <a:spcBef>
-                <a:spcPct val="0"/>
-              </a:spcBef>
-              <a:spcAft>
-                <a:spcPts val="0"/>
-              </a:spcAft>
-              <a:buClrTx/>
-              <a:buSzTx/>
-              <a:buFontTx/>
-              <a:buNone/>
-              <a:tabLst/>
-              <a:defRPr/>
-            </a:pPr>
-            <a:r>
-              <a:rPr lang="en-US" sz="2800" b="1" dirty="0" smtClean="0">
-                <a:solidFill>
-                  <a:srgbClr val="7030A0"/>
-                </a:solidFill>
-                <a:ea typeface="+mj-ea"/>
-                <a:cs typeface="+mj-cs"/>
-              </a:rPr>
-              <a:t>Recall ~0.</a:t>
-            </a:r>
-            <a:r>
-              <a:rPr lang="ru-RU" sz="2800" b="1" dirty="0" smtClean="0">
-                <a:solidFill>
-                  <a:srgbClr val="7030A0"/>
-                </a:solidFill>
-                <a:ea typeface="+mj-ea"/>
-                <a:cs typeface="+mj-cs"/>
-              </a:rPr>
-              <a:t>64</a:t>
-            </a:r>
-            <a:r>
-              <a:rPr lang="en-US" sz="2800" b="1" dirty="0" smtClean="0">
-                <a:solidFill>
-                  <a:srgbClr val="7030A0"/>
-                </a:solidFill>
-                <a:ea typeface="+mj-ea"/>
-                <a:cs typeface="+mj-cs"/>
-              </a:rPr>
-              <a:t> </a:t>
-            </a:r>
-            <a:endParaRPr kumimoji="0" lang="ru-RU" sz="2800" b="1" i="0" u="none" strike="noStrike" kern="1200" cap="none" spc="0" normalizeH="0" baseline="0" noProof="0" dirty="0">
-              <a:ln>
-                <a:noFill/>
-              </a:ln>
-              <a:solidFill>
-                <a:srgbClr val="7030A0"/>
-              </a:solidFill>
-              <a:effectLst/>
-              <a:uLnTx/>
-              <a:uFillTx/>
-              <a:latin typeface="+mn-lt"/>
-              <a:ea typeface="+mj-ea"/>
-              <a:cs typeface="+mj-cs"/>
-            </a:endParaRPr>
-          </a:p>
-        </p:txBody>
-      </p:sp>
-    </p:spTree>
-    <p:extLst>
-      <p:ext uri="{BB962C8B-B14F-4D97-AF65-F5344CB8AC3E}">
-        <p14:creationId xmlns:p14="http://schemas.microsoft.com/office/powerpoint/2010/main" xmlns="" val="2209134722"/>
-      </p:ext>
-    </p:extLst>
-  </p:cSld>
-  <p:clrMapOvr>
-    <a:masterClrMapping/>
-  </p:clrMapOvr>
-  <p:timing>
-    <p:tnLst>
-      <p:par>
-        <p:cTn id="1" dur="indefinite" restart="never" nodeType="tmRoot"/>
-      </p:par>
-    </p:tnLst>
-  </p:timing>
-</p:sld>
-</file>
-
-<file path=ppt/slides/slide5.xml><?xml version="1.0" encoding="utf-8"?>
-<p:sld xmlns:a="http://schemas.openxmlformats.org/drawingml/2006/main" xmlns:r="http://schemas.openxmlformats.org/officeDocument/2006/relationships" xmlns:p="http://schemas.openxmlformats.org/presentationml/2006/main">
-  <p:cSld>
-    <p:bg>
-      <p:bgPr>
-        <a:gradFill>
-          <a:gsLst>
-            <a:gs pos="0">
-              <a:schemeClr val="bg1"/>
-            </a:gs>
-            <a:gs pos="74000">
-              <a:schemeClr val="accent1">
-                <a:lumMod val="45000"/>
-                <a:lumOff val="55000"/>
-              </a:schemeClr>
-            </a:gs>
-            <a:gs pos="83000">
-              <a:schemeClr val="accent1">
-                <a:lumMod val="45000"/>
-                <a:lumOff val="55000"/>
-              </a:schemeClr>
-            </a:gs>
-            <a:gs pos="100000">
-              <a:schemeClr val="accent1">
-                <a:lumMod val="30000"/>
-                <a:lumOff val="70000"/>
-              </a:schemeClr>
-            </a:gs>
-          </a:gsLst>
-          <a:lin ang="5400000" scaled="1"/>
-        </a:gradFill>
-        <a:effectLst/>
-      </p:bgPr>
-    </p:bg>
-    <p:spTree>
-      <p:nvGrpSpPr>
-        <p:cNvPr id="1" name=""/>
-        <p:cNvGrpSpPr/>
-        <p:nvPr/>
-      </p:nvGrpSpPr>
-      <p:grpSpPr>
-        <a:xfrm>
-          <a:off x="0" y="0"/>
-          <a:ext cx="0" cy="0"/>
-          <a:chOff x="0" y="0"/>
-          <a:chExt cx="0" cy="0"/>
-        </a:xfrm>
-      </p:grpSpPr>
-      <p:sp>
-        <p:nvSpPr>
-          <p:cNvPr id="2" name="Заголовок 1">
-            <a:extLst>
-              <a:ext uri="{FF2B5EF4-FFF2-40B4-BE49-F238E27FC236}">
-                <a16:creationId xmlns="" xmlns:a16="http://schemas.microsoft.com/office/drawing/2014/main" id="{2E9213E6-749D-9992-D519-94F289222BF0}"/>
-              </a:ext>
-            </a:extLst>
-          </p:cNvPr>
-          <p:cNvSpPr>
-            <a:spLocks noGrp="1"/>
-          </p:cNvSpPr>
-          <p:nvPr>
-            <p:ph type="title"/>
-          </p:nvPr>
-        </p:nvSpPr>
-        <p:spPr>
-          <a:xfrm>
-            <a:off x="838200" y="365125"/>
-            <a:ext cx="10515600" cy="1036955"/>
-          </a:xfrm>
-        </p:spPr>
-        <p:txBody>
-          <a:bodyPr>
-            <a:normAutofit fontScale="90000"/>
-          </a:bodyPr>
-          <a:lstStyle/>
-          <a:p>
-            <a:r>
-              <a:rPr lang="ru-RU" sz="4800" dirty="0" smtClean="0">
-                <a:solidFill>
-                  <a:schemeClr val="accent1">
-                    <a:lumMod val="50000"/>
-                  </a:schemeClr>
-                </a:solidFill>
-                <a:latin typeface="+mn-lt"/>
-              </a:rPr>
-              <a:t>Выводы по результатам работы с данными</a:t>
-            </a:r>
-            <a:endParaRPr lang="ru-RU" sz="4800" dirty="0">
-              <a:solidFill>
-                <a:schemeClr val="accent1">
-                  <a:lumMod val="50000"/>
-                </a:schemeClr>
-              </a:solidFill>
-              <a:latin typeface="+mn-lt"/>
-            </a:endParaRPr>
-          </a:p>
-        </p:txBody>
-      </p:sp>
-      <p:sp>
-        <p:nvSpPr>
-          <p:cNvPr id="5" name="Объект 4">
-            <a:extLst>
-              <a:ext uri="{FF2B5EF4-FFF2-40B4-BE49-F238E27FC236}">
-                <a16:creationId xmlns="" xmlns:a16="http://schemas.microsoft.com/office/drawing/2014/main" id="{7C76C821-45B2-DFFE-8A53-0CD78B84D34D}"/>
-              </a:ext>
-            </a:extLst>
-          </p:cNvPr>
-          <p:cNvSpPr>
-            <a:spLocks noGrp="1"/>
-          </p:cNvSpPr>
-          <p:nvPr>
-            <p:ph idx="1"/>
-          </p:nvPr>
-        </p:nvSpPr>
-        <p:spPr>
-          <a:xfrm>
-            <a:off x="4415491" y="6162576"/>
-            <a:ext cx="7867044" cy="3329986"/>
-          </a:xfrm>
-          <a:noFill/>
-        </p:spPr>
-        <p:txBody>
-          <a:bodyPr>
-            <a:noAutofit/>
-          </a:bodyPr>
-          <a:lstStyle/>
-          <a:p>
-            <a:pPr marL="0" indent="0" algn="just">
-              <a:buNone/>
-            </a:pPr>
-            <a:r>
-              <a:rPr lang="ru-RU" sz="3200" dirty="0">
-                <a:solidFill>
-                  <a:schemeClr val="accent1">
-                    <a:lumMod val="50000"/>
-                  </a:schemeClr>
-                </a:solidFill>
-              </a:rPr>
-              <a:t>	</a:t>
-            </a:r>
-          </a:p>
-          <a:p>
-            <a:pPr marL="0" indent="0" algn="just">
-              <a:buNone/>
-            </a:pPr>
-            <a:r>
-              <a:rPr lang="ru-RU" sz="3200" dirty="0">
-                <a:solidFill>
-                  <a:schemeClr val="accent1">
-                    <a:lumMod val="50000"/>
-                  </a:schemeClr>
-                </a:solidFill>
-              </a:rPr>
-              <a:t>	</a:t>
-            </a:r>
-          </a:p>
-        </p:txBody>
-      </p:sp>
-      <p:sp>
-        <p:nvSpPr>
-          <p:cNvPr id="9" name="Заголовок 1">
-            <a:extLst>
-              <a:ext uri="{FF2B5EF4-FFF2-40B4-BE49-F238E27FC236}">
-                <a16:creationId xmlns="" xmlns:a16="http://schemas.microsoft.com/office/drawing/2014/main" id="{2E9213E6-749D-9992-D519-94F289222BF0}"/>
-              </a:ext>
-            </a:extLst>
-          </p:cNvPr>
-          <p:cNvSpPr txBox="1">
-            <a:spLocks/>
-          </p:cNvSpPr>
-          <p:nvPr/>
-        </p:nvSpPr>
-        <p:spPr>
-          <a:xfrm>
-            <a:off x="791570" y="1310185"/>
-            <a:ext cx="11013744" cy="4981433"/>
-          </a:xfrm>
-          <a:prstGeom prst="rect">
-            <a:avLst/>
-          </a:prstGeom>
-        </p:spPr>
-        <p:txBody>
-          <a:bodyPr vert="horz" lIns="91440" tIns="45720" rIns="91440" bIns="45720" rtlCol="0" anchor="ctr">
-            <a:noAutofit/>
-          </a:bodyPr>
-          <a:lstStyle/>
-          <a:p>
-            <a:pPr marL="0" marR="0" lvl="0" indent="0" algn="just" defTabSz="914400" rtl="0" eaLnBrk="1" fontAlgn="auto" latinLnBrk="0" hangingPunct="1">
-              <a:lnSpc>
-                <a:spcPct val="90000"/>
-              </a:lnSpc>
-              <a:spcBef>
-                <a:spcPct val="0"/>
-              </a:spcBef>
-              <a:spcAft>
-                <a:spcPts val="0"/>
-              </a:spcAft>
-              <a:buClrTx/>
-              <a:buSzTx/>
-              <a:buFontTx/>
-              <a:buNone/>
-              <a:tabLst/>
-              <a:defRPr/>
-            </a:pPr>
-            <a:endParaRPr lang="ru-RU" sz="2800" dirty="0" smtClean="0">
-              <a:solidFill>
-                <a:schemeClr val="accent1">
-                  <a:lumMod val="50000"/>
-                </a:schemeClr>
-              </a:solidFill>
-              <a:ea typeface="+mj-ea"/>
-              <a:cs typeface="+mj-cs"/>
-            </a:endParaRPr>
-          </a:p>
-          <a:p>
-            <a:pPr marL="514350" marR="0" lvl="0" indent="-514350" algn="just" defTabSz="914400" rtl="0" eaLnBrk="1" fontAlgn="auto" latinLnBrk="0" hangingPunct="1">
-              <a:lnSpc>
-                <a:spcPct val="90000"/>
-              </a:lnSpc>
-              <a:spcBef>
-                <a:spcPct val="0"/>
-              </a:spcBef>
-              <a:spcAft>
-                <a:spcPts val="0"/>
-              </a:spcAft>
-              <a:buClrTx/>
-              <a:buSzTx/>
-              <a:buFontTx/>
-              <a:buAutoNum type="arabicPeriod"/>
-              <a:tabLst/>
-              <a:defRPr/>
-            </a:pPr>
-            <a:r>
-              <a:rPr lang="ru-RU" sz="2800" dirty="0" err="1" smtClean="0">
-                <a:solidFill>
-                  <a:schemeClr val="accent1">
-                    <a:lumMod val="50000"/>
-                  </a:schemeClr>
-                </a:solidFill>
-                <a:ea typeface="+mj-ea"/>
-                <a:cs typeface="+mj-cs"/>
-              </a:rPr>
-              <a:t>Днс-запросы</a:t>
-            </a:r>
-            <a:r>
-              <a:rPr lang="ru-RU" sz="2800" dirty="0" smtClean="0">
-                <a:solidFill>
-                  <a:schemeClr val="accent1">
-                    <a:lumMod val="50000"/>
-                  </a:schemeClr>
-                </a:solidFill>
-                <a:ea typeface="+mj-ea"/>
-                <a:cs typeface="+mj-cs"/>
-              </a:rPr>
-              <a:t> к сайтам конкурентов целесообразно разбить на две категории (посещали ушедшие или нет) .</a:t>
-            </a:r>
-          </a:p>
-          <a:p>
-            <a:pPr marL="514350" lvl="0" indent="-514350" algn="just">
-              <a:lnSpc>
-                <a:spcPct val="90000"/>
-              </a:lnSpc>
-              <a:spcBef>
-                <a:spcPct val="0"/>
-              </a:spcBef>
-              <a:buAutoNum type="arabicPeriod" startAt="2"/>
-              <a:defRPr/>
-            </a:pPr>
-            <a:r>
-              <a:rPr lang="ru-RU" sz="2800" dirty="0" smtClean="0">
-                <a:solidFill>
-                  <a:schemeClr val="accent1">
-                    <a:lumMod val="50000"/>
-                  </a:schemeClr>
-                </a:solidFill>
-                <a:ea typeface="+mj-ea"/>
-                <a:cs typeface="+mj-cs"/>
-              </a:rPr>
-              <a:t>Признаки по количеству </a:t>
-            </a:r>
-            <a:r>
-              <a:rPr lang="ru-RU" sz="2800" dirty="0" err="1" smtClean="0">
-                <a:solidFill>
-                  <a:schemeClr val="accent1">
-                    <a:lumMod val="50000"/>
-                  </a:schemeClr>
-                </a:solidFill>
-                <a:ea typeface="+mj-ea"/>
-                <a:cs typeface="+mj-cs"/>
-              </a:rPr>
-              <a:t>днс-запросов</a:t>
-            </a:r>
-            <a:r>
-              <a:rPr lang="ru-RU" sz="2800" dirty="0" smtClean="0">
-                <a:solidFill>
-                  <a:schemeClr val="accent1">
-                    <a:lumMod val="50000"/>
-                  </a:schemeClr>
-                </a:solidFill>
-                <a:ea typeface="+mj-ea"/>
-                <a:cs typeface="+mj-cs"/>
-              </a:rPr>
-              <a:t> </a:t>
-            </a:r>
-            <a:r>
-              <a:rPr lang="ru-RU" sz="2800" dirty="0" smtClean="0">
-                <a:solidFill>
-                  <a:schemeClr val="accent1">
-                    <a:lumMod val="50000"/>
-                  </a:schemeClr>
-                </a:solidFill>
-              </a:rPr>
-              <a:t>целесообразно разделить на двухнедельные периоды. </a:t>
-            </a:r>
-            <a:endParaRPr lang="ru-RU" sz="2800" dirty="0" smtClean="0">
-              <a:solidFill>
-                <a:schemeClr val="accent1">
-                  <a:lumMod val="50000"/>
-                </a:schemeClr>
-              </a:solidFill>
-              <a:ea typeface="+mj-ea"/>
-              <a:cs typeface="+mj-cs"/>
-            </a:endParaRPr>
-          </a:p>
-          <a:p>
-            <a:pPr lvl="0" algn="just">
-              <a:lnSpc>
-                <a:spcPct val="90000"/>
-              </a:lnSpc>
-              <a:spcBef>
-                <a:spcPct val="0"/>
-              </a:spcBef>
-              <a:defRPr/>
-            </a:pPr>
-            <a:r>
-              <a:rPr lang="ru-RU" sz="2800" dirty="0" smtClean="0">
-                <a:solidFill>
-                  <a:schemeClr val="accent1">
-                    <a:lumMod val="50000"/>
-                  </a:schemeClr>
-                </a:solidFill>
-                <a:ea typeface="+mj-ea"/>
-                <a:cs typeface="+mj-cs"/>
-              </a:rPr>
-              <a:t>3. Типы обращений </a:t>
-            </a:r>
-            <a:r>
-              <a:rPr lang="ru-RU" sz="2800" dirty="0" smtClean="0">
-                <a:solidFill>
-                  <a:schemeClr val="accent1">
-                    <a:lumMod val="50000"/>
-                  </a:schemeClr>
-                </a:solidFill>
-              </a:rPr>
-              <a:t>целесообразно разбить на три категории, в зависимости от частоты обращений ушедших. Пороговые значения для разбивки необходимо подбирать с помощью дополнительного анализа в зависимости от набора исходных данных.</a:t>
-            </a:r>
-          </a:p>
-          <a:p>
-            <a:pPr lvl="0" algn="just">
-              <a:lnSpc>
-                <a:spcPct val="90000"/>
-              </a:lnSpc>
-              <a:spcBef>
-                <a:spcPct val="0"/>
-              </a:spcBef>
-              <a:defRPr/>
-            </a:pPr>
-            <a:r>
-              <a:rPr lang="ru-RU" sz="2800" dirty="0" smtClean="0">
-                <a:solidFill>
-                  <a:schemeClr val="accent1">
-                    <a:lumMod val="50000"/>
-                  </a:schemeClr>
-                </a:solidFill>
-              </a:rPr>
-              <a:t>4. Признаки по количеству типов обращений на периоде менее двух месяцев по периодам разбивать не целесообразно.</a:t>
-            </a:r>
-            <a:endParaRPr lang="ru-RU" sz="2800" dirty="0" smtClean="0">
-              <a:solidFill>
-                <a:schemeClr val="accent1">
-                  <a:lumMod val="50000"/>
-                </a:schemeClr>
-              </a:solidFill>
-              <a:ea typeface="+mj-ea"/>
-              <a:cs typeface="+mj-cs"/>
-            </a:endParaRPr>
-          </a:p>
-          <a:p>
-            <a:pPr lvl="0" algn="just">
-              <a:lnSpc>
-                <a:spcPct val="90000"/>
-              </a:lnSpc>
-              <a:spcBef>
-                <a:spcPct val="0"/>
-              </a:spcBef>
-              <a:defRPr/>
-            </a:pPr>
-            <a:endParaRPr lang="ru-RU" sz="2800" dirty="0" smtClean="0">
-              <a:ea typeface="+mj-ea"/>
-              <a:cs typeface="+mj-cs"/>
-            </a:endParaRPr>
-          </a:p>
-        </p:txBody>
-      </p:sp>
-    </p:spTree>
-    <p:extLst>
-      <p:ext uri="{BB962C8B-B14F-4D97-AF65-F5344CB8AC3E}">
-        <p14:creationId xmlns:p14="http://schemas.microsoft.com/office/powerpoint/2010/main" xmlns="" val="1444225727"/>
-      </p:ext>
-    </p:extLst>
-  </p:cSld>
-  <p:clrMapOvr>
-    <a:masterClrMapping/>
-  </p:clrMapOvr>
-</p:sld>
-</file>
-
-<file path=ppt/slides/slide6.xml><?xml version="1.0" encoding="utf-8"?>
-<p:sld xmlns:a="http://schemas.openxmlformats.org/drawingml/2006/main" xmlns:r="http://schemas.openxmlformats.org/officeDocument/2006/relationships" xmlns:p="http://schemas.openxmlformats.org/presentationml/2006/main">
-  <p:cSld>
-    <p:bg>
-      <p:bgPr>
-        <a:gradFill>
-          <a:gsLst>
-            <a:gs pos="0">
-              <a:schemeClr val="bg1"/>
-            </a:gs>
-            <a:gs pos="74000">
-              <a:schemeClr val="accent1">
-                <a:lumMod val="45000"/>
-                <a:lumOff val="55000"/>
-              </a:schemeClr>
-            </a:gs>
-            <a:gs pos="83000">
-              <a:schemeClr val="accent1">
-                <a:lumMod val="45000"/>
-                <a:lumOff val="55000"/>
-              </a:schemeClr>
-            </a:gs>
-            <a:gs pos="100000">
-              <a:schemeClr val="accent1">
-                <a:lumMod val="30000"/>
-                <a:lumOff val="70000"/>
-              </a:schemeClr>
-            </a:gs>
-          </a:gsLst>
-          <a:lin ang="5400000" scaled="1"/>
-        </a:gradFill>
-        <a:effectLst/>
-      </p:bgPr>
-    </p:bg>
-    <p:spTree>
-      <p:nvGrpSpPr>
-        <p:cNvPr id="1" name=""/>
-        <p:cNvGrpSpPr/>
-        <p:nvPr/>
-      </p:nvGrpSpPr>
-      <p:grpSpPr>
-        <a:xfrm>
-          <a:off x="0" y="0"/>
-          <a:ext cx="0" cy="0"/>
-          <a:chOff x="0" y="0"/>
-          <a:chExt cx="0" cy="0"/>
-        </a:xfrm>
-      </p:grpSpPr>
-      <p:sp>
-        <p:nvSpPr>
-          <p:cNvPr id="2" name="Заголовок 1">
-            <a:extLst>
-              <a:ext uri="{FF2B5EF4-FFF2-40B4-BE49-F238E27FC236}">
-                <a16:creationId xmlns="" xmlns:a16="http://schemas.microsoft.com/office/drawing/2014/main" id="{2E9213E6-749D-9992-D519-94F289222BF0}"/>
+                <a16:creationId xmlns:a16="http://schemas.microsoft.com/office/drawing/2014/main" xmlns="" id="{2E9213E6-749D-9992-D519-94F289222BF0}"/>
               </a:ext>
             </a:extLst>
           </p:cNvPr>
@@ -5954,7 +5477,1040 @@
     </p:spTree>
     <p:extLst>
       <p:ext uri="{BB962C8B-B14F-4D97-AF65-F5344CB8AC3E}">
-        <p14:creationId xmlns:p14="http://schemas.microsoft.com/office/powerpoint/2010/main" xmlns="" val="550409415"/>
+        <p14:creationId xmlns="" xmlns:p14="http://schemas.microsoft.com/office/powerpoint/2010/main" val="550409415"/>
+      </p:ext>
+    </p:extLst>
+  </p:cSld>
+  <p:clrMapOvr>
+    <a:masterClrMapping/>
+  </p:clrMapOvr>
+  <p:timing>
+    <p:tnLst>
+      <p:par>
+        <p:cTn id="1" dur="indefinite" restart="never" nodeType="tmRoot"/>
+      </p:par>
+    </p:tnLst>
+  </p:timing>
+</p:sld>
+</file>
+
+<file path=ppt/slides/slide5.xml><?xml version="1.0" encoding="utf-8"?>
+<p:sld xmlns:a="http://schemas.openxmlformats.org/drawingml/2006/main" xmlns:r="http://schemas.openxmlformats.org/officeDocument/2006/relationships" xmlns:p="http://schemas.openxmlformats.org/presentationml/2006/main">
+  <p:cSld>
+    <p:bg>
+      <p:bgPr>
+        <a:gradFill>
+          <a:gsLst>
+            <a:gs pos="0">
+              <a:schemeClr val="bg1"/>
+            </a:gs>
+            <a:gs pos="74000">
+              <a:schemeClr val="accent1">
+                <a:lumMod val="45000"/>
+                <a:lumOff val="55000"/>
+              </a:schemeClr>
+            </a:gs>
+            <a:gs pos="83000">
+              <a:schemeClr val="accent1">
+                <a:lumMod val="45000"/>
+                <a:lumOff val="55000"/>
+              </a:schemeClr>
+            </a:gs>
+            <a:gs pos="100000">
+              <a:schemeClr val="accent1">
+                <a:lumMod val="30000"/>
+                <a:lumOff val="70000"/>
+              </a:schemeClr>
+            </a:gs>
+          </a:gsLst>
+          <a:lin ang="5400000" scaled="1"/>
+        </a:gradFill>
+        <a:effectLst/>
+      </p:bgPr>
+    </p:bg>
+    <p:spTree>
+      <p:nvGrpSpPr>
+        <p:cNvPr id="1" name=""/>
+        <p:cNvGrpSpPr/>
+        <p:nvPr/>
+      </p:nvGrpSpPr>
+      <p:grpSpPr>
+        <a:xfrm>
+          <a:off x="0" y="0"/>
+          <a:ext cx="0" cy="0"/>
+          <a:chOff x="0" y="0"/>
+          <a:chExt cx="0" cy="0"/>
+        </a:xfrm>
+      </p:grpSpPr>
+      <p:sp>
+        <p:nvSpPr>
+          <p:cNvPr id="2" name="Заголовок 1">
+            <a:extLst>
+              <a:ext uri="{FF2B5EF4-FFF2-40B4-BE49-F238E27FC236}">
+                <a16:creationId xmlns:a16="http://schemas.microsoft.com/office/drawing/2014/main" xmlns="" id="{2E9213E6-749D-9992-D519-94F289222BF0}"/>
+              </a:ext>
+            </a:extLst>
+          </p:cNvPr>
+          <p:cNvSpPr>
+            <a:spLocks noGrp="1"/>
+          </p:cNvSpPr>
+          <p:nvPr>
+            <p:ph type="title"/>
+          </p:nvPr>
+        </p:nvSpPr>
+        <p:spPr>
+          <a:xfrm>
+            <a:off x="696036" y="296886"/>
+            <a:ext cx="10959152" cy="1036955"/>
+          </a:xfrm>
+        </p:spPr>
+        <p:txBody>
+          <a:bodyPr>
+            <a:noAutofit/>
+          </a:bodyPr>
+          <a:lstStyle/>
+          <a:p>
+            <a:r>
+              <a:rPr lang="ru-RU" sz="4800" b="1" dirty="0" smtClean="0">
+                <a:solidFill>
+                  <a:srgbClr val="002060"/>
+                </a:solidFill>
+              </a:rPr>
+              <a:t>Признаки  (</a:t>
+            </a:r>
+            <a:r>
+              <a:rPr lang="en-US" sz="4800" b="1" dirty="0" smtClean="0">
+                <a:solidFill>
+                  <a:srgbClr val="002060"/>
+                </a:solidFill>
+              </a:rPr>
+              <a:t>f</a:t>
+            </a:r>
+            <a:r>
+              <a:rPr lang="ru-RU" sz="4800" b="1" dirty="0" err="1" smtClean="0">
+                <a:solidFill>
+                  <a:srgbClr val="002060"/>
+                </a:solidFill>
+              </a:rPr>
+              <a:t>eature</a:t>
+            </a:r>
+            <a:r>
+              <a:rPr lang="ru-RU" sz="4800" b="1" dirty="0" smtClean="0">
+                <a:solidFill>
+                  <a:srgbClr val="002060"/>
+                </a:solidFill>
+              </a:rPr>
+              <a:t> </a:t>
+            </a:r>
+            <a:r>
+              <a:rPr lang="ru-RU" sz="4800" b="1" dirty="0" err="1" smtClean="0">
+                <a:solidFill>
+                  <a:srgbClr val="002060"/>
+                </a:solidFill>
+              </a:rPr>
+              <a:t>engineering</a:t>
+            </a:r>
+            <a:r>
+              <a:rPr lang="ru-RU" sz="4800" b="1" dirty="0" smtClean="0">
+                <a:solidFill>
+                  <a:srgbClr val="002060"/>
+                </a:solidFill>
+              </a:rPr>
+              <a:t>)</a:t>
+            </a:r>
+            <a:endParaRPr lang="ru-RU" b="1" dirty="0">
+              <a:solidFill>
+                <a:srgbClr val="002060"/>
+              </a:solidFill>
+            </a:endParaRPr>
+          </a:p>
+        </p:txBody>
+      </p:sp>
+      <p:sp>
+        <p:nvSpPr>
+          <p:cNvPr id="5" name="Объект 4">
+            <a:extLst>
+              <a:ext uri="{FF2B5EF4-FFF2-40B4-BE49-F238E27FC236}">
+                <a16:creationId xmlns:a16="http://schemas.microsoft.com/office/drawing/2014/main" xmlns="" id="{7C76C821-45B2-DFFE-8A53-0CD78B84D34D}"/>
+              </a:ext>
+            </a:extLst>
+          </p:cNvPr>
+          <p:cNvSpPr>
+            <a:spLocks noGrp="1"/>
+          </p:cNvSpPr>
+          <p:nvPr>
+            <p:ph idx="1"/>
+          </p:nvPr>
+        </p:nvSpPr>
+        <p:spPr>
+          <a:xfrm>
+            <a:off x="4415491" y="6162576"/>
+            <a:ext cx="7867044" cy="3329986"/>
+          </a:xfrm>
+          <a:noFill/>
+        </p:spPr>
+        <p:txBody>
+          <a:bodyPr>
+            <a:noAutofit/>
+          </a:bodyPr>
+          <a:lstStyle/>
+          <a:p>
+            <a:pPr marL="0" indent="0" algn="just">
+              <a:buNone/>
+            </a:pPr>
+            <a:r>
+              <a:rPr lang="ru-RU" sz="3200" dirty="0">
+                <a:solidFill>
+                  <a:schemeClr val="accent1">
+                    <a:lumMod val="50000"/>
+                  </a:schemeClr>
+                </a:solidFill>
+              </a:rPr>
+              <a:t>	</a:t>
+            </a:r>
+          </a:p>
+          <a:p>
+            <a:pPr marL="0" indent="0" algn="just">
+              <a:buNone/>
+            </a:pPr>
+            <a:r>
+              <a:rPr lang="ru-RU" sz="3200" dirty="0">
+                <a:solidFill>
+                  <a:schemeClr val="accent1">
+                    <a:lumMod val="50000"/>
+                  </a:schemeClr>
+                </a:solidFill>
+              </a:rPr>
+              <a:t>	</a:t>
+            </a:r>
+          </a:p>
+        </p:txBody>
+      </p:sp>
+      <p:sp>
+        <p:nvSpPr>
+          <p:cNvPr id="9" name="Заголовок 1">
+            <a:extLst>
+              <a:ext uri="{FF2B5EF4-FFF2-40B4-BE49-F238E27FC236}">
+                <a16:creationId xmlns:a16="http://schemas.microsoft.com/office/drawing/2014/main" xmlns="" id="{2E9213E6-749D-9992-D519-94F289222BF0}"/>
+              </a:ext>
+            </a:extLst>
+          </p:cNvPr>
+          <p:cNvSpPr txBox="1">
+            <a:spLocks/>
+          </p:cNvSpPr>
+          <p:nvPr/>
+        </p:nvSpPr>
+        <p:spPr>
+          <a:xfrm>
+            <a:off x="736980" y="1351128"/>
+            <a:ext cx="11013744" cy="4981433"/>
+          </a:xfrm>
+          <a:prstGeom prst="rect">
+            <a:avLst/>
+          </a:prstGeom>
+        </p:spPr>
+        <p:txBody>
+          <a:bodyPr vert="horz" lIns="91440" tIns="45720" rIns="91440" bIns="45720" rtlCol="0" anchor="ctr">
+            <a:noAutofit/>
+          </a:bodyPr>
+          <a:lstStyle/>
+          <a:p>
+            <a:pPr marL="0" marR="0" lvl="0" indent="0" algn="just" defTabSz="914400" rtl="0" eaLnBrk="1" fontAlgn="auto" latinLnBrk="0" hangingPunct="1">
+              <a:lnSpc>
+                <a:spcPct val="90000"/>
+              </a:lnSpc>
+              <a:spcBef>
+                <a:spcPct val="0"/>
+              </a:spcBef>
+              <a:spcAft>
+                <a:spcPts val="0"/>
+              </a:spcAft>
+              <a:buClrTx/>
+              <a:buSzTx/>
+              <a:buFontTx/>
+              <a:buNone/>
+              <a:tabLst/>
+              <a:defRPr/>
+            </a:pPr>
+            <a:endParaRPr lang="ru-RU" sz="2800" dirty="0" smtClean="0">
+              <a:solidFill>
+                <a:schemeClr val="accent1">
+                  <a:lumMod val="50000"/>
+                </a:schemeClr>
+              </a:solidFill>
+              <a:ea typeface="+mj-ea"/>
+              <a:cs typeface="+mj-cs"/>
+            </a:endParaRPr>
+          </a:p>
+          <a:p>
+            <a:pPr lvl="0" algn="just">
+              <a:lnSpc>
+                <a:spcPct val="90000"/>
+              </a:lnSpc>
+              <a:spcBef>
+                <a:spcPct val="0"/>
+              </a:spcBef>
+              <a:defRPr/>
+            </a:pPr>
+            <a:endParaRPr lang="ru-RU" sz="2800" dirty="0" smtClean="0">
+              <a:solidFill>
+                <a:schemeClr val="accent1">
+                  <a:lumMod val="50000"/>
+                </a:schemeClr>
+              </a:solidFill>
+            </a:endParaRPr>
+          </a:p>
+          <a:p>
+            <a:pPr lvl="0" algn="just">
+              <a:lnSpc>
+                <a:spcPct val="90000"/>
+              </a:lnSpc>
+              <a:spcBef>
+                <a:spcPct val="0"/>
+              </a:spcBef>
+              <a:defRPr/>
+            </a:pPr>
+            <a:endParaRPr lang="ru-RU" sz="2800" dirty="0" smtClean="0">
+              <a:ea typeface="+mj-ea"/>
+              <a:cs typeface="+mj-cs"/>
+            </a:endParaRPr>
+          </a:p>
+        </p:txBody>
+      </p:sp>
+      <p:sp>
+        <p:nvSpPr>
+          <p:cNvPr id="6" name="Заголовок 1">
+            <a:extLst>
+              <a:ext uri="{FF2B5EF4-FFF2-40B4-BE49-F238E27FC236}">
+                <a16:creationId xmlns:a16="http://schemas.microsoft.com/office/drawing/2014/main" xmlns="" id="{2E9213E6-749D-9992-D519-94F289222BF0}"/>
+              </a:ext>
+            </a:extLst>
+          </p:cNvPr>
+          <p:cNvSpPr txBox="1">
+            <a:spLocks/>
+          </p:cNvSpPr>
+          <p:nvPr/>
+        </p:nvSpPr>
+        <p:spPr>
+          <a:xfrm>
+            <a:off x="698310" y="1377334"/>
+            <a:ext cx="10959152" cy="4955227"/>
+          </a:xfrm>
+          <a:prstGeom prst="rect">
+            <a:avLst/>
+          </a:prstGeom>
+        </p:spPr>
+        <p:txBody>
+          <a:bodyPr vert="horz" lIns="91440" tIns="45720" rIns="91440" bIns="45720" rtlCol="0" anchor="ctr">
+            <a:noAutofit/>
+          </a:bodyPr>
+          <a:lstStyle/>
+          <a:p>
+            <a:pPr marL="0" marR="0" lvl="0" indent="0" algn="l" defTabSz="914400" rtl="0" eaLnBrk="1" fontAlgn="auto" latinLnBrk="0" hangingPunct="1">
+              <a:lnSpc>
+                <a:spcPct val="90000"/>
+              </a:lnSpc>
+              <a:spcBef>
+                <a:spcPct val="0"/>
+              </a:spcBef>
+              <a:spcAft>
+                <a:spcPts val="0"/>
+              </a:spcAft>
+              <a:buClrTx/>
+              <a:buSzTx/>
+              <a:buFontTx/>
+              <a:buNone/>
+              <a:tabLst/>
+              <a:defRPr/>
+            </a:pPr>
+            <a:r>
+              <a:rPr kumimoji="0" lang="ru-RU" sz="3600" b="1" i="0" u="none" strike="noStrike" kern="1200" cap="none" spc="0" normalizeH="0" baseline="0" noProof="0" dirty="0" smtClean="0">
+                <a:ln>
+                  <a:noFill/>
+                </a:ln>
+                <a:solidFill>
+                  <a:srgbClr val="002060"/>
+                </a:solidFill>
+                <a:effectLst/>
+                <a:uLnTx/>
+                <a:uFillTx/>
+                <a:latin typeface="+mj-lt"/>
+                <a:ea typeface="+mj-ea"/>
+                <a:cs typeface="+mj-cs"/>
+              </a:rPr>
+              <a:t>Сформировано 6 признаков для обучающей выборки:</a:t>
+            </a:r>
+          </a:p>
+          <a:p>
+            <a:pPr marL="0" marR="0" lvl="0" indent="0" algn="l" defTabSz="914400" rtl="0" eaLnBrk="1" fontAlgn="auto" latinLnBrk="0" hangingPunct="1">
+              <a:lnSpc>
+                <a:spcPct val="90000"/>
+              </a:lnSpc>
+              <a:spcBef>
+                <a:spcPct val="0"/>
+              </a:spcBef>
+              <a:spcAft>
+                <a:spcPts val="0"/>
+              </a:spcAft>
+              <a:buClrTx/>
+              <a:buSzTx/>
+              <a:buFontTx/>
+              <a:buNone/>
+              <a:tabLst/>
+              <a:defRPr/>
+            </a:pPr>
+            <a:endParaRPr kumimoji="0" lang="ru-RU" sz="3600" b="1" i="0" u="none" strike="noStrike" kern="1200" cap="none" spc="0" normalizeH="0" baseline="0" noProof="0" dirty="0" smtClean="0">
+              <a:ln>
+                <a:noFill/>
+              </a:ln>
+              <a:solidFill>
+                <a:srgbClr val="002060"/>
+              </a:solidFill>
+              <a:effectLst/>
+              <a:uLnTx/>
+              <a:uFillTx/>
+              <a:latin typeface="+mj-lt"/>
+              <a:ea typeface="+mj-ea"/>
+              <a:cs typeface="+mj-cs"/>
+            </a:endParaRPr>
+          </a:p>
+          <a:p>
+            <a:pPr marL="514350" marR="0" lvl="0" indent="-514350" algn="just" defTabSz="914400" rtl="0" eaLnBrk="1" fontAlgn="auto" latinLnBrk="0" hangingPunct="1">
+              <a:lnSpc>
+                <a:spcPct val="90000"/>
+              </a:lnSpc>
+              <a:spcBef>
+                <a:spcPct val="0"/>
+              </a:spcBef>
+              <a:spcAft>
+                <a:spcPts val="0"/>
+              </a:spcAft>
+              <a:buClrTx/>
+              <a:buSzTx/>
+              <a:tabLst/>
+              <a:defRPr/>
+            </a:pPr>
+            <a:r>
+              <a:rPr kumimoji="0" lang="ru-RU" sz="2800" b="1" i="0" u="none" strike="noStrike" kern="1200" cap="none" spc="0" normalizeH="0" noProof="0" dirty="0" smtClean="0">
+                <a:ln>
+                  <a:noFill/>
+                </a:ln>
+                <a:solidFill>
+                  <a:srgbClr val="002060"/>
+                </a:solidFill>
+                <a:effectLst/>
+                <a:uLnTx/>
+                <a:uFillTx/>
+                <a:latin typeface="+mj-lt"/>
+                <a:ea typeface="+mj-ea"/>
+                <a:cs typeface="+mj-cs"/>
+              </a:rPr>
+              <a:t>Признак 1 :  списание платы  1– посуточная,  0 – помесячная</a:t>
+            </a:r>
+          </a:p>
+          <a:p>
+            <a:pPr marL="514350" marR="0" lvl="0" indent="-514350" algn="just" defTabSz="914400" rtl="0" eaLnBrk="1" fontAlgn="auto" latinLnBrk="0" hangingPunct="1">
+              <a:lnSpc>
+                <a:spcPct val="90000"/>
+              </a:lnSpc>
+              <a:spcBef>
+                <a:spcPct val="0"/>
+              </a:spcBef>
+              <a:spcAft>
+                <a:spcPts val="0"/>
+              </a:spcAft>
+              <a:buClrTx/>
+              <a:buSzTx/>
+              <a:tabLst/>
+              <a:defRPr/>
+            </a:pPr>
+            <a:endParaRPr lang="ru-RU" sz="2800" b="1" dirty="0">
+              <a:solidFill>
+                <a:srgbClr val="002060"/>
+              </a:solidFill>
+              <a:latin typeface="+mj-lt"/>
+              <a:ea typeface="+mj-ea"/>
+              <a:cs typeface="+mj-cs"/>
+            </a:endParaRPr>
+          </a:p>
+          <a:p>
+            <a:pPr lvl="0" indent="-514350" algn="just">
+              <a:lnSpc>
+                <a:spcPct val="90000"/>
+              </a:lnSpc>
+              <a:spcBef>
+                <a:spcPct val="0"/>
+              </a:spcBef>
+            </a:pPr>
+            <a:r>
+              <a:rPr kumimoji="0" lang="ru-RU" sz="2800" b="1" i="0" u="none" strike="noStrike" kern="1200" cap="none" spc="0" normalizeH="0" noProof="0" dirty="0" smtClean="0">
+                <a:ln>
+                  <a:noFill/>
+                </a:ln>
+                <a:solidFill>
+                  <a:srgbClr val="002060"/>
+                </a:solidFill>
+                <a:effectLst/>
+                <a:uLnTx/>
+                <a:uFillTx/>
+                <a:latin typeface="+mj-lt"/>
+                <a:ea typeface="+mj-ea"/>
+                <a:cs typeface="+mj-cs"/>
+              </a:rPr>
+              <a:t>Признаки 2, 3 и 4: количество </a:t>
+            </a:r>
+            <a:r>
+              <a:rPr kumimoji="0" lang="ru-RU" sz="2800" b="1" i="0" u="none" strike="noStrike" kern="1200" cap="none" spc="0" normalizeH="0" noProof="0" dirty="0" err="1" smtClean="0">
+                <a:ln>
+                  <a:noFill/>
+                </a:ln>
+                <a:solidFill>
+                  <a:srgbClr val="002060"/>
+                </a:solidFill>
+                <a:effectLst/>
+                <a:uLnTx/>
+                <a:uFillTx/>
+                <a:latin typeface="+mj-lt"/>
+                <a:ea typeface="+mj-ea"/>
+                <a:cs typeface="+mj-cs"/>
+              </a:rPr>
+              <a:t>Днс</a:t>
+            </a:r>
+            <a:r>
+              <a:rPr kumimoji="0" lang="ru-RU" sz="2800" b="1" i="0" u="none" strike="noStrike" kern="1200" cap="none" spc="0" normalizeH="0" noProof="0" dirty="0" smtClean="0">
+                <a:ln>
+                  <a:noFill/>
+                </a:ln>
+                <a:solidFill>
+                  <a:srgbClr val="002060"/>
+                </a:solidFill>
+                <a:effectLst/>
+                <a:uLnTx/>
+                <a:uFillTx/>
+                <a:latin typeface="+mj-lt"/>
+                <a:ea typeface="+mj-ea"/>
+                <a:cs typeface="+mj-cs"/>
+              </a:rPr>
+              <a:t> </a:t>
+            </a:r>
+            <a:r>
+              <a:rPr kumimoji="0" lang="ru-RU" sz="2800" b="1" i="0" u="none" strike="noStrike" kern="1200" cap="none" spc="0" normalizeH="0" noProof="0" dirty="0" smtClean="0">
+                <a:ln>
+                  <a:noFill/>
+                </a:ln>
+                <a:solidFill>
+                  <a:srgbClr val="002060"/>
+                </a:solidFill>
+                <a:effectLst/>
+                <a:uLnTx/>
+                <a:uFillTx/>
+                <a:latin typeface="+mj-lt"/>
+                <a:ea typeface="+mj-ea"/>
+                <a:cs typeface="+mj-cs"/>
+              </a:rPr>
+              <a:t>– запросов пользователя в соответствующем двухнедельном периоде  к </a:t>
+            </a:r>
+            <a:r>
+              <a:rPr lang="ru-RU" sz="2800" b="1" dirty="0" smtClean="0">
+                <a:solidFill>
+                  <a:srgbClr val="002060"/>
+                </a:solidFill>
+                <a:latin typeface="+mj-lt"/>
+                <a:ea typeface="+mj-ea"/>
+                <a:cs typeface="+mj-cs"/>
+              </a:rPr>
+              <a:t>сайтам  первой категории (</a:t>
+            </a:r>
+            <a:r>
+              <a:rPr kumimoji="0" lang="ru-RU" sz="2800" b="1" i="0" u="none" strike="noStrike" kern="1200" cap="none" spc="0" normalizeH="0" noProof="0" dirty="0" smtClean="0">
+                <a:ln>
+                  <a:noFill/>
+                </a:ln>
+                <a:solidFill>
+                  <a:srgbClr val="002060"/>
+                </a:solidFill>
+                <a:effectLst/>
+                <a:uLnTx/>
+                <a:uFillTx/>
+                <a:latin typeface="+mj-lt"/>
+                <a:ea typeface="+mj-ea"/>
+                <a:cs typeface="+mj-cs"/>
+              </a:rPr>
+              <a:t>категория определена в соответствии с анализом данных) </a:t>
+            </a:r>
+          </a:p>
+          <a:p>
+            <a:pPr lvl="0" indent="-514350" algn="just">
+              <a:lnSpc>
+                <a:spcPct val="90000"/>
+              </a:lnSpc>
+              <a:spcBef>
+                <a:spcPct val="0"/>
+              </a:spcBef>
+            </a:pPr>
+            <a:endParaRPr lang="ru-RU" sz="2800" b="1" dirty="0" smtClean="0">
+              <a:solidFill>
+                <a:srgbClr val="002060"/>
+              </a:solidFill>
+              <a:latin typeface="+mj-lt"/>
+              <a:ea typeface="+mj-ea"/>
+              <a:cs typeface="+mj-cs"/>
+            </a:endParaRPr>
+          </a:p>
+          <a:p>
+            <a:pPr lvl="0" indent="-514350" algn="just">
+              <a:lnSpc>
+                <a:spcPct val="90000"/>
+              </a:lnSpc>
+              <a:spcBef>
+                <a:spcPct val="0"/>
+              </a:spcBef>
+            </a:pPr>
+            <a:r>
+              <a:rPr kumimoji="0" lang="ru-RU" sz="2800" b="1" i="0" u="none" strike="noStrike" kern="1200" cap="none" spc="0" normalizeH="0" noProof="0" dirty="0" smtClean="0">
+                <a:ln>
+                  <a:noFill/>
+                </a:ln>
+                <a:solidFill>
+                  <a:srgbClr val="002060"/>
+                </a:solidFill>
+                <a:effectLst/>
+                <a:uLnTx/>
+                <a:uFillTx/>
+                <a:latin typeface="+mj-lt"/>
+                <a:ea typeface="+mj-ea"/>
+                <a:cs typeface="+mj-cs"/>
+              </a:rPr>
+              <a:t>Признаки 5 и 6: количество обращений пользователя за весь период по категориям обращений 1 и 2 (</a:t>
+            </a:r>
+            <a:r>
+              <a:rPr lang="ru-RU" sz="2800" b="1" dirty="0" smtClean="0">
+                <a:solidFill>
+                  <a:srgbClr val="002060"/>
+                </a:solidFill>
+                <a:latin typeface="+mj-lt"/>
+              </a:rPr>
+              <a:t>категории определены в соответствии с анализом данных).</a:t>
+            </a:r>
+            <a:endParaRPr kumimoji="0" lang="ru-RU" sz="2800" b="1" i="0" u="none" strike="noStrike" kern="1200" cap="none" spc="0" normalizeH="0" noProof="0" dirty="0" smtClean="0">
+              <a:ln>
+                <a:noFill/>
+              </a:ln>
+              <a:solidFill>
+                <a:srgbClr val="002060"/>
+              </a:solidFill>
+              <a:effectLst/>
+              <a:uLnTx/>
+              <a:uFillTx/>
+              <a:latin typeface="+mj-lt"/>
+              <a:ea typeface="+mj-ea"/>
+              <a:cs typeface="+mj-cs"/>
+            </a:endParaRPr>
+          </a:p>
+        </p:txBody>
+      </p:sp>
+    </p:spTree>
+    <p:extLst>
+      <p:ext uri="{BB962C8B-B14F-4D97-AF65-F5344CB8AC3E}">
+        <p14:creationId xmlns="" xmlns:p14="http://schemas.microsoft.com/office/powerpoint/2010/main" val="1444225727"/>
+      </p:ext>
+    </p:extLst>
+  </p:cSld>
+  <p:clrMapOvr>
+    <a:masterClrMapping/>
+  </p:clrMapOvr>
+  <p:timing>
+    <p:tnLst>
+      <p:par>
+        <p:cTn id="1" dur="indefinite" restart="never" nodeType="tmRoot"/>
+      </p:par>
+    </p:tnLst>
+  </p:timing>
+</p:sld>
+</file>
+
+<file path=ppt/slides/slide6.xml><?xml version="1.0" encoding="utf-8"?>
+<p:sld xmlns:a="http://schemas.openxmlformats.org/drawingml/2006/main" xmlns:r="http://schemas.openxmlformats.org/officeDocument/2006/relationships" xmlns:p="http://schemas.openxmlformats.org/presentationml/2006/main">
+  <p:cSld>
+    <p:bg>
+      <p:bgPr>
+        <a:gradFill>
+          <a:gsLst>
+            <a:gs pos="0">
+              <a:schemeClr val="accent1">
+                <a:tint val="66000"/>
+                <a:satMod val="160000"/>
+              </a:schemeClr>
+            </a:gs>
+            <a:gs pos="50000">
+              <a:schemeClr val="accent1">
+                <a:tint val="44500"/>
+                <a:satMod val="160000"/>
+              </a:schemeClr>
+            </a:gs>
+            <a:gs pos="100000">
+              <a:schemeClr val="accent1">
+                <a:tint val="23500"/>
+                <a:satMod val="160000"/>
+              </a:schemeClr>
+            </a:gs>
+          </a:gsLst>
+          <a:lin ang="5400000" scaled="0"/>
+        </a:gradFill>
+        <a:effectLst/>
+      </p:bgPr>
+    </p:bg>
+    <p:spTree>
+      <p:nvGrpSpPr>
+        <p:cNvPr id="1" name=""/>
+        <p:cNvGrpSpPr/>
+        <p:nvPr/>
+      </p:nvGrpSpPr>
+      <p:grpSpPr>
+        <a:xfrm>
+          <a:off x="0" y="0"/>
+          <a:ext cx="0" cy="0"/>
+          <a:chOff x="0" y="0"/>
+          <a:chExt cx="0" cy="0"/>
+        </a:xfrm>
+      </p:grpSpPr>
+      <p:sp>
+        <p:nvSpPr>
+          <p:cNvPr id="2" name="Заголовок 1">
+            <a:extLst>
+              <a:ext uri="{FF2B5EF4-FFF2-40B4-BE49-F238E27FC236}">
+                <a16:creationId xmlns:a16="http://schemas.microsoft.com/office/drawing/2014/main" xmlns="" id="{2E9213E6-749D-9992-D519-94F289222BF0}"/>
+              </a:ext>
+            </a:extLst>
+          </p:cNvPr>
+          <p:cNvSpPr>
+            <a:spLocks noGrp="1"/>
+          </p:cNvSpPr>
+          <p:nvPr>
+            <p:ph type="title"/>
+          </p:nvPr>
+        </p:nvSpPr>
+        <p:spPr>
+          <a:xfrm>
+            <a:off x="368488" y="351477"/>
+            <a:ext cx="10918209" cy="1013300"/>
+          </a:xfrm>
+        </p:spPr>
+        <p:txBody>
+          <a:bodyPr>
+            <a:noAutofit/>
+          </a:bodyPr>
+          <a:lstStyle/>
+          <a:p>
+            <a:r>
+              <a:rPr lang="en-US" sz="4800" b="1" dirty="0" smtClean="0">
+                <a:solidFill>
+                  <a:srgbClr val="002060"/>
+                </a:solidFill>
+              </a:rPr>
+              <a:t>O</a:t>
+            </a:r>
+            <a:r>
+              <a:rPr lang="ru-RU" sz="4800" b="1" dirty="0" smtClean="0">
+                <a:solidFill>
+                  <a:srgbClr val="002060"/>
+                </a:solidFill>
+              </a:rPr>
+              <a:t>versampling  </a:t>
+            </a:r>
+            <a:r>
+              <a:rPr lang="ru-RU" sz="3600" b="1" dirty="0" smtClean="0">
+                <a:solidFill>
+                  <a:srgbClr val="002060"/>
+                </a:solidFill>
+              </a:rPr>
+              <a:t>(минимизация </a:t>
+            </a:r>
+            <a:r>
+              <a:rPr lang="ru-RU" sz="3600" b="1" dirty="0" smtClean="0">
+                <a:solidFill>
+                  <a:srgbClr val="002060"/>
+                </a:solidFill>
+              </a:rPr>
+              <a:t>дисбаланса  классов </a:t>
+            </a:r>
+            <a:r>
+              <a:rPr lang="ru-RU" sz="3600" b="1" dirty="0" smtClean="0">
+                <a:solidFill>
+                  <a:srgbClr val="002060"/>
+                </a:solidFill>
+              </a:rPr>
+              <a:t>)</a:t>
+            </a:r>
+            <a:r>
+              <a:rPr lang="ru-RU" sz="4800" b="1" dirty="0" smtClean="0">
+                <a:solidFill>
+                  <a:schemeClr val="accent1">
+                    <a:lumMod val="50000"/>
+                  </a:schemeClr>
+                </a:solidFill>
+              </a:rPr>
+              <a:t/>
+            </a:r>
+            <a:br>
+              <a:rPr lang="ru-RU" sz="4800" b="1" dirty="0" smtClean="0">
+                <a:solidFill>
+                  <a:schemeClr val="accent1">
+                    <a:lumMod val="50000"/>
+                  </a:schemeClr>
+                </a:solidFill>
+              </a:rPr>
+            </a:br>
+            <a:endParaRPr lang="ru-RU" sz="4800" b="1" dirty="0">
+              <a:latin typeface="+mn-lt"/>
+            </a:endParaRPr>
+          </a:p>
+        </p:txBody>
+      </p:sp>
+      <p:sp>
+        <p:nvSpPr>
+          <p:cNvPr id="11266" name="AutoShape 2" descr="data:image/png;base64,iVBORw0KGgoAAAANSUhEUgAAAjQAAAFECAYAAAAwQaRfAAAAAXNSR0IArs4c6QAAAgB0RVh0bXhmaWxlACUzQ214R3JhcGhNb2RlbCUzRSUzQ3Jvb3QlM0UlM0NteENlbGwlMjBpZCUzRCUyMjAlMjIlMkYlM0UlM0NteENlbGwlMjBpZCUzRCUyMjElMjIlMjBwYXJlbnQlM0QlMjIwJTIyJTJGJTNFJTNDbXhDZWxsJTIwaWQlM0QlMjIyJTIyJTIwdmFsdWUlM0QlMjIlRDAlOTglRDElODElRDElODUlRDAlQkUlRDAlQjQlRDAlQkQlRDElOEIlRDAlQjklMjAlRDAlQjQlRDAlQjAlRDElODIlRDAlQjAlRDElODElRDAlQjUlRDElODIlMjIlMjBzdHlsZSUzRCUyMnJvdW5kZWQlM0QxJTNCd2hpdGVTcGFjZSUzRHdyYXAlM0JodG1sJTNEMSUzQiUyMiUyMHZlcnRleCUzRCUyMjElMjIlMjBwYXJlbnQlM0QlMjIxJTIyJTNFJTNDbXhHZW9tZXRyeSUyMHglM0QlMjI3MCUyMiUyMHklM0QlMjIxNzAlMjIlMjB3aWR0aCUzRCUyMjEyMCUyMiUyMGhlaWdodCUzRCUyMjYwJTIyJTIwYXMlM0QlMjJnZW9tZXRyeSUyMiUyRiUzRSUzQyUyRm14Q2VsbCUzRSUzQyUyRnJvb3QlM0UlM0MlMkZteEdyYXBoTW9kZWwlM0VMJz2EAAAgAElEQVR4Xu3de9QVVf3H8S+WCOatDMJcZS5lqT8Ba8nFQLsoWIB4wUo0L6CmpWUCWQmFCxPMCjBTSlNBIcRMvAIJqJVCcrES8KemLtOVSZilaYKsgt/6TM7zm2eYOWfmPPvs5+zzvGct/5DnnD17XrPPnM/Ze/aeTsaGAAIIIIAAAggELtAp8PpTfQQQQAABBBBAwAg0NAIEEEAAAQQQCF6AQBP8KeQAEEAAAQQQQIBAQxtAAAEEEEAAgeAFCDTBn0IOAAEEEEAAAQQINLQBBBBAAAEEEAhegEAT/CnkABBAAAEEEECAQEMbQAABBBBAAIHgBQg0wZ9CDgABBBBAAAEECDS0AQQQQAABBBAIXoBAE/wp5AAQQAABBBBAgEBDG0AAAQQQQACB4AUINMGfQg4AAQQQQAABBAg0tAEEEEAAAQQQCF6AQBP8KeQAEEAAAQQQQIBAQxtAAAEEEEAAgeAFCDTBn0IOAAEEEEAAAQQINLQBBBBAAAEEEAhegEAT/CnkABBAAAEEEECAQEMbQAABBBBAAIHgBQg0wZ9CDgABBBBAAAEECDS0AQQQQAABBBAIXoBAE/wp5AAQQAABBBBAgEBDG0AAAQQQQACB4AUINMGfQg4AAQQQQAABBAg0tAEEEEAAAQQQCF6AQBP8KeQAEEAAAQQQQIBAQxtAAAEEEEAAgeAFCDTBn0IOAAEEEEAAAQQINLQBBBBAAAEEEAhegEAT/CnkABBAAAEEEECAQEMbQAABBBBAAIHgBQg0wZ9CDgABBBBAAAEECDS0AQQQQAABBBAIXoBAE/wp5AAQQAABBBBAgEBDG0AAAQQQQACB4AUINMGfQg4AAQQQQAABBAg0tAEEEEAAAQQQCF6AQBP8KeQAEEAAAQQQQIBAk90GdjGz/mbWx8wOMrN9zWxvM+tmZrua2U5mhh2fHwQQQACBeghsM7O3zOx1M3vZzF40s+fM7AkzW2tmq8zsjXrsOOQy+VL+/7M3yMyGmdlRZjYg5JNK3RFAAAEEml5gpZndb2aLzGx50x9tgQPs6IHmADM73cxOMrP9CnjxEgQQQAABBBpN4Fkzu9XMbjazpxqtcr7q01EDzZFmdr6ZjfQFzX4QQAABBBDwILDAzK4xswc87KuhdtHRAo2GlS42s+HVzkKvXr2sb9++1rt3b+vZs6fts88+1r17d9t9992tS5cu1qlTR6OrJsbfEUAAAQRcCGzbts02b95sr732mm3cuNGef/55e/rpp23dunW2Zs0aW79+fZHdLDSzyzvScFRH+Vbe08ymmtk5ea2gc+fONnLkSBs+fLgNHjzYevToUaTB8BoEEEAAAQS8CmzYsMGWLVtmCxcutAULFtiWLVsq7f86M5tgZq94rWQ77KwjBJpTzWz62zOUtiMeOHCgnXnmmXbKKadY165d2+EUsEsEEEAAAQRqE9i0aZPNmzfPbrzxRluxYkVeIZopNc7M5ta2lzDe1eyB5tq8XpmhQ4fa2LFjbciQIWGcKWqJAAIIIIBABYGlS5fajBkzbPHixXmvUm/Nuc2K2KyBRrOXbsqafn3ooYfaJZdcYiNGjGjWc8pxIYAAAgh0YIF77rnHJk+ebI8++miWgqZ7n9GMs6GaMdBoBtP8rCGmKVOm2IQJGkpkQwABBBBAoLkFpk6dahMnTsw6SA1BjWq2mVDNFmiOM7M70qv4qldm5syZ1r+/Fv9lQwABBBBAoGMIrFq1ys4777ys3hqtRnyCmd3VLBLNFGgUZu5Mn5jRo0dHN0sxzbpZmizHgQACCCBQRkDTwDX5Zfbs2VlvO75ZQk2zBBoNMy1L98xMmjQpGkdkQwABBBBAoKML6P7RSy+9NM2gnprBzTD81AyBRjcAP5S+Z2batGk2bpxmqbEhgAACCCCAgASmT59u48ePT2PonpojQr9RuBkCzSPp2UyEGT64CCCAAAIIZAvkhBrNfjosZLPQA81268wwzBRyc6TuCCCAAAI+BHKGn4JepybkQKMVgOckT7xuAJ41a5aPtsA+EEAAAQQQCFpgzJgxWTcKnxbqisKhBho9m+mJ5H0zmpq9evVqZjMF/fGi8ggggAACvgQ0+6lfv37pKd26n+agEJ/9FGqg2W6oaeXKlawz4+tTwH4QQAABBJpCQOvUDBgwIH0sQQ49hRhoBpnZw0l9VgBuis8VB4EAAggg0A4COSsKH25my9uhOjXvMsRAc6+ZDY+PWENNa9asqRmANyKAAAIIINDRBfr27ZseelpoZseE5BJaoNECevcnge+++24eNBlSi6OuCCCAAAINJ6AHWh577LHpeh0V0oJ7oQWa281sZCw+dOhQW7RoUcM1DCqEAAIIIIBAaALDhg2zxYsXJ6u9wMxODOU4Qgo0WhH4ySTskiVLbMiQIaFYU08EEEAAAQQaVmDp0qV29NFHp+t3YCgrCIcUaKaY2YRYeuDAgbZ8eVD3KzVsI6ZiCCCAAAIISGDQoEG2YsWKJMZUM5sYgk5IgeYZM9svRr3++uvtrLPOCsGYOiKAAAIIIBCEwA033GBnn312sq7Pmtn+IVQ+lEDTaqp2586d7dVXX7WuXbuGYEwdEUAAAQQQCEJg06ZNtscee9iWLVuS9Q1iCncogabVcNOoUaPslltuCaJxUEkEEEAAAQRCEjj55JNt/vz5wQ07hRJoWj1Re86cOXbqqXqUExsCCCCAAAIIuBSYO3eunXaaHunUsgXxJO4QAs0uZvZ6Uvall16yHj16uDx/lIUAAggggAACZrZhwwbba6+90ha7mtkbjQwUQqBptZher169bN26dY1sSt0QQAABBBAIWqB37962fv365DE0/CJ7IQSaC81sRqw6evRomzVrVtANhcojgAACCCDQyAJjxoyx2bNnJ6s41syubOQ6hxBoWj1Ze9q0aTZu3LhGNqVuCCCAAAIIBC0wffp0Gz9+fPIYGv4J3CEEmiVm1rIcMM9uCvozQuURQAABBAIQyHi201Iz224Z4UY6lBACzeNm9j8x2mOPPWZ9+vRpJEPqggACCCCAQFMJrF271g455JDkMf2vmR3cyAcZQqDZaGbdYkRmODVyc6JuCCCAAALNIJAx0+llM+veyMcWQqDZZGZdYsQ333yTFYIbuUVRNwQQQACB4AW0YvDOO++cPI7NZtbQy/OHEGi2mllLPbdu3WqdOoVQ7eDbMweAAAIIINBBBbZt22Y77LBD8ui3mVmrf2g0mhCSgRBbNiGzIYAAAggggEB9BTI6Dxo6MzR05d4+VQSa+rZZSkcAAQQQQGA7AQKN+0ZBoHFvSokIIIAAAghUFCDQuG8gBBr3ppSIAAIIIIAAgcZzGyDQeAZndwgggAACCNBD474NEGjcm1IiAggggAAC9NB4bgMEGs/g7A4BBBBAAAF6aNy3AQKNe1NKRAABBBBAgB4az22AQOMZnN0hgAACCCBAD437NkCgcW9KiQgggAACCNBD47kNEGg8g7M7BBBAAAEE6KFx3wYINO5NKREBBBBAAAF6aDy3AQKNZ3B2hwACCCCAAD007tsAgca9KSUigAACCCBAD43nNkCg8QzO7hBAAAEEEKCHxn0bINC4N6VEBBBAAAEE6KHx3AYINJ7B2R0CCCCAAAL00LhvAwQa96aUiAACCCCAAD00ntsAgcYzOLtDAAEEEECAHhr3bYBA496UEhFAAAEEEKCHxnMbINB4Bmd3CCCAAAII0EPjvg0QaNybUiICCCCAAAL00HhuAwQaz+DsDgEEEEAAAXpo3LcBAo17U0pEAAEEEECAHhrPbYBA4xmc3SGAAAIIIEAPjfs2QKBxb0qJCCCAAAII0EPjuQ0QaDyDszsEEEAAAQTooXHfBgg07k0pEQEEEEAAAXpoPLcBAo1ncHaHAAIIIIAAPTTu2wCBxr0pJSKAAAIIIEAPjec2QKDxDM7uEEAAAQQQoIfGfRsg0Lg3pUQEEEAAAQToofHcBgg0nsHZHQIIIIAAAvTQuG8DBBr3ppSIAAIIIIAAPTSe2wCBxjM4u0MAAQQQQIAeGvdtgEDj3pQSEUAAAQQQoIfGcxsg0HgGZ3cIIIAAAgjQQ+O+DRBo3JtSIgIIIIAAAvTQeG4DBBrP4OwOAQQQQAABemjctwECjXtTSkQAAQQQQIAeGs9tgEDjGZzdIYAAAgggQA+N+zZAoHFvSokIIIAAAgjQQ+O5DRBoPIOzOwQQQAABBOihcd8GCDTuTSkRAQQQQAABemg8twECjWdwdocAAggggAA9NO7bAIHGvSklIoAAAgggQA+N5zZAoPEMzu4QQAABBBCgh8Z9GyDQuDelRAQQQAABBOih8dwGCDSewdkdAggggAAC9NC4bwMEGvemlIgAAggggAA9NJ7bAIHGMzi7QwABBBBAgB4a922AQOPelBIRQAABBBCgh8ZzGyDQeAZndwgggAACCNBD474NEGjcm1IiAggggAAC9NB4bgMEGs/g7A4BBBBAAAF6aNy3AQKNe1NKRAABBBBAgB4az22AQOMZnN0hgAACCCBAD437NkCgcW9KiQgggAACCNBD47kNEGg8g7M7BBBAAAEE6KFx3wYINO5NKREBBBBAAAF6aDy3AQKNZ3B2hwACCCCAAD007tsAgca9KSUigAACCCBAD43nNkCg8QzO7hBAAAEEEKCHxn0baMhAs2nTJhs7dqxde+210REfcsghduutt9oBBxzQJgGV+/Wvf92uvvrqlnJcld2mivFmBEoILF261I4++ujoHT/5yU/s3HPPzXz3tm3bbMaMGTZ+/HjbddddbcmSJXbYYYeV2BMvRQCBegkQaNzLdqhAM3/+fDvnnHPs9ddfJ9C4b0uU6EngqaeespNOOskee+wxGz58uF1//fXWo0eP7fb+4osv2mmnnWYPPvigDRw40ObNm2f77LOPp1qyGwQQqCRAoHHfPjpMoHn66aeji/vKlStbKdJD475RUWJ9Bd566y2bOHGiTZs2LdrRySefbJdddpntu+++poukemaee+45+9a3vmW33HJL9Jpvf/vbdskll9g73vGO+laO0hFAoJAAgaYQU6kXdYhAkzXUFCsRaEq1F17cIAJPPPGEjRkzplVAV++LQs3atWvt73//e0tNBwwYYHPmzLGePXs2SO2pBgIIEGjct4EOEWjuuuuuqHcmOdREoHHfmCjRr8AjjzxiF1xwga1evTp3x4MGDYruRTv44IP9Vo69IYBARQECjfsG0vSB5k9/+pOdeuqptnz58kw9emjcNypK9Cfwr3/9yxTYNbS0YsWKqGdGPTXqlTnhhBNsxIgR9q53vctfhdgTAggUEiDQFGIq9aKmDjTpew2yZAg0pdoLL0YAAQQQcCBAoHGAmCqiqQNN1lCTprv+9a9/jWaIaCPQuG9UlIgAAgggUFmAQOO+hTRtoMkaalJ4+dGPfmRTpkyx++67j0Djvj1RIgIIIIBAAQECTQGkki9pykDz73//O5qiOnXq1FYcmunx6U9/Orqnpi2BZuPGjfbAAw9EZain5/e//320Hy3895GPfMQGDx4c3bvQvXv3zNORNetKC59dd911NmrUqKqnUNNytfaI1tSJN71fi6xpCm/GB6Xldf/85z/toYcesl/84het6v6e97zH+vXrZ7qJ9Pjjj7eDDjrI3vnOd1atS/oF3/nOd2zSpEml35d8w6WXXhpNM87aXnnlFfv85z9f8/kr837dd3X44Ye3VEML2Gmhuq5du7bp+PTm9OKR+reHH3448k9vZeqcVTEtqPeZz3ym1U3xc+fOjRzrsf3sZz+LPmNt2cpa6zP/xz/+0e6///7oXiKt1RN/LlUP3VekG6O1sKCuAfqc5rVvF224aHvW61zWvYh5W69f1faRd43ROdCPyk9+8pPRNUb/n3etSn/2qu2z2t8/9alPmdrlnnvuWe2l3v5OoHFP3ZSBJusC/oUvfCH6Mtq8eXPNX4gvv/yyXXnllVFwSE6LzTotCgjnn3++XXTRRdEqrekta10cfZnpi+ZDH/pQxTOtabkKPpq6G29f/vKX7Xvf+17ul63qrtkuMqhWd5V5xBFHRMHkyCOPtB122KFwy3PxZUCgac3dlkDzj3/8I1pJ+LbbbmtVaLMEGt0nd++999oVV1xRcbZXugErvOsHT1b7dtGGiwSaetS90gfV5fUraz+6QV0/yrQmUpFrzOmnn26TJ0/OvN4RaApfcr29sJO3PdW+o6YLNMnVUWMW9TZoleA+ffpYLV8O6hH59a9/bV/84hejX35lNq3kes0112Su0Jq1cvGECROiD3ner0f9+vnKV75iN998c0s19ItHvU977713ZtV+97vfRdN782Z65R2PgpgeFaGl84v2Srj4MiDQuAk0WT15ccnNEGj0Ba22qbZfy6b2rZ5APWYl+Xlz0YarBZp61T3LoV7Xr+S+nnzySfvqV78aPV6jzKZemunTp0cz8pI9FgSaMop+XkugqdG51mc55Q016VfD2WefHX1gagk0CjNnnHGGPf/8862OSL0wRx11lH34wx+OVmBVj8mvfvWr7V6nD6t6R7p169bq/VmzsPbaa6+ol0a/HNObLkxXXXWVXXjhhS1/qvR6vSiv7rqYq0dIS+J37tzZXnjhhai7Piuw6UKl+46KTP9NfhmofHXv77jjjhVbwvr166NjjjcCjZtAU2nJAl+BRj8mPve5z1UNxH/+859bPWOt2pCTegMUtmfOnNkKS+1an0cNLcXDC/rMa5hV6/akN31+9MPiYx/7WMufFi5caGqTedtvfvMbW7RoUcufhw0b1ur96ff16tUrekRFvNWz7ll1rtf1K95X1iKP+puuj7q+9O/fP7rG6DwsW7as1VCgXpc1XK4e7AULFuSeg3R7qdbOdt9992gYdJdddqnxW8n92xhycm/aVD00WUNN6tbUjcC77bZbpFc20GQNDemDqmXlzzrrrJZy41OjLv4f/OAH0T6TC/lpqEq9JOlGnPWlkxeA1qxZE90LkQxW3/3ud6NfqVk9Oll118VDv0hVl/R48tatW6N7g9RLlF6sTcNZ48aNq7p0fjLQVPtSis3S91wQaNoeaPLCfVyyr0BT9N6FsvcrZd2n87WvfS1qowopWZtCu4K5fuAkN30W1L532mmnQlfYdA9OpfaaVaDPutf7+qUZo/qca0ZpvFW6Puoaox5jPboj2Zujnhq5ZN1DlmWYbi9F21mhE+zpRQQa99BNE2g2bNgQ9cLo11W8JYea4n8rE2j+85//RMM/uoDFmz54N954Y3RjW94Nbfoy0XN2vvnNb7a8TwudafEzLU2f3rKml6cDkLqodeG44447Wt6eF3z0gqzen7zu3XR9srrD9V7dSNy3b9/cVigvdeFffvnl0WsUnBS49Ous0kag+a+Oy5uCs8Jv8hzUM9CoN1LDs9oUwHUDu34hV9rKBBr9aNCPieRnodpQbbxvfS70mY7bqP79E5/4RPRl+v73v7/QFbYtgcZn3et9/VL5CoKyL3N91Gt1j42ujz/96U9b3pv+8VmmvRBoCjXdNr2IIaca+coOOSlA6IszPTMmOdQUV6VMoNED/jRrKPlAS43Xa3ZIpZlE2pdmEuhG5LvvvrtFQRd2XYjTW1b4SIYxXTg0zqwu9uSFo1LAePzxx+2zn/1sqxuHszzyTlHWvUjqCdIv3LxfsunzVvSXK4HGbaBJ32elYdEuXbq0Cvv1DDS19NKVCTSPPvpoNIvwpZdeiuAq/VjIat+6qV5BS70X2nr37m0///nP7cADDyx0xWpLoPFZ93pfv9LlF51pGSOnrzF6v0Kq2mu1jR6aakLu/06gqdG0bKDRMInGR+MLnHabl/bLBJr0F+2xxx4b/aLIm46dPtwbbrgh6jWKt/POOy/qudGXS3rLChDxzCV10SpEJYeaqgUrzWZS93u8qTdH9Xn3u99d+KxoDPvEE09seX21RQgJNIVp6zptO9njpy+Jm266KZrmrp6TeAs50DzzzDN2zz33RA/hfPbZZ6MZeQrPRZ8knr4GyCSvdyzrjLYl0Pise72vX+nrW5keltg1XUbRXl0CTfFrjatXEmhqlCwTaIoONcVVKRpotmzZEnWJKhjEm8KIPnDVemfi1+uCqxtqe/ToEa17ceihh0brmuT1cKTvAdKXke7F0RdUsntdwUhdvXk36ereHU0ZT87+0FRzDVmV2f7yl79EQUo3Oseb6qJgl7WpO10PAY2H/Yp+adJD819NF0NO6c+DetV0v8LFF1/sJdBoWQTtM75Zt2gvXZkemjJtOOu17RlofNW93tevrHWUin7ekwbp3rKiw38Emra2pPLvJ9CUN4veUTTQZN2rovfn3YCrvxUNNOkvZ71XswWSsyFqPLzct1W7kVNvVPf6rFmzooXv8jb9CtQ6Nere1qabJPWLVoGqzJZ1Uaz0BaV7b0455ZRoJoM2zR456aSTqu6SQOMm0KRnwcXDlj179oyCuI8emjfffDMK8Rpe1aa1XhSmqm0EmmpC//170TBW7+tX+seOfnzpB5lml5XZ0teMotcqAk0ZZTevJdDU6Fg00GRNR9R9I7pw5w2tFA00mr6sL+P4mU9lx9lrPHTLGnqKyyq6mnB6nF5TJ+fNm5e5Fk61eiZv8NRrK81cSpsV7cYn0LgJNJo+q3u+4jYbB3v1mvgKNOnPV9Ff7fUONPqxoKm+mr6toVQtUZCchVi0repMtWXIqdrnLevvtdS93tevdM+Kgoh6ZzXDqcyma73uX0ouEqpgNGTIkIrFEGjKKLt5LYGmRscigSZrumCRmThFA40WitL6GevWrYuOQr0b6nHYf//9azyq4m/LuidI7y46k8Plhz0dNioFGq3zoYd/6ouiTABsS6Aprpr9ykr3BZVd3Eu/TrXKswKkHn+hR2HkrbLs+tEH6RvLte6Jekk03OlqeKCIdbp3sGivpotAox4q3RCt3gP9py913Ryve9Cy1qBJHk97BxrXda/39avsZ6NI24lfUyQEu7zGlamby9cybdul5n/LCnLadi1DTTFd0UDTnh8YfQHpPoQf//jHrc64FvMaOnRo1Vbgsu7psFFpeqRmdB133HFR/YqOheu1zRJo0iem0uMjXAeaZAhWT57un4rPhc9Ak+wd1FCXZuJphe5qW62BRtcCzULUMKyGOtOLX1bbb/z39gg09ay7y2tAliGBpmjLyn8dgabthukSggw0+jClZ/1UG2oKKdBkLRCo+ld7xEF8jC4vZumwoW5lPcoh6/lUyZlVlV6XboTNGmji49SjKjTdPWnmMtCkn9cUP7csvmncZ6CpNdSWDTTq0dDDJ/UQWj3Lqeimc6CVa9WTlAw/PgONj7q7vAYQaIq2rnKvI9CU8yry6uACTdYCc0WGmsoGmvQYsa8hp0r30OgYigw7ubyYFR1ySs9u0ReN/isyI6wtgabs2H16zL7MkFOlRznoBmoNbehegKzHR6QfHuoq0OjLUX4KkNqyPgs+A40WrIsXWtOSBT/84Q9t5513rnotKhNodMya9adlCSr1yOh+Dp1fLQapxyFopuF+++0XDYkmn9iuyvkKNL7qXu/rl8trTNXGkfGC9t5/LXVOv4dA40KxdRlBBRrdv5JeYE6HU2lWU5qs6JBTvW+qyzqVWbOcPvCBD5ie/RI/vTY9nJBVjsubgtPr2eStpZOe9VBkHDyue1sCTbW1cWo9/3pfmS/ZeD/6wtKCY3o0hlaGjrf0omGuAk360Rm6YVXLDSQfheEr0KSXC1BdNGW8SKgtY52++VnG8j3mmGOixSQVXnTvUN4DVYvOFMq73LblpmBfda/39St5v5ycfP3gi88JgcZ9GKhWIjcFVxPK+XveTcF/+9vfah5qKttDk55OqPcXvcEx3peOQ8+X0UVMU2gVyDRzKm+J9fRQk3ofZs+ebatWrWq1CrJ6ChQYdANq1qZfrZo+vWLFiujPtU6pTPe6qKy8abiq4/HHHx8tblh06mUzBpr4mLJuWk8uGuYi0Ki3IblCdl678BVo0ivHVlqzKN1uiwaarOX8dfO11ln6+Mc/Xig8tVeg8Vn3el+/0jd/6xqzePHiws9iqvGroeVtBJq2CpZ/P4GmvFn0jqxAowXm1FuQXGCu7APNVHbRHpqsL3P1DulLqeiW7rWodJNk1kMq41/b+nLUkMKDDz7YsutKjyFoj4X1kj05esK2bkp973vfW4iqmXpokgecPi7NPJKLlhRwEWh0npMPK81bPdpXoEneP1O256xooMla7LHMIz10ftIzgPRvPoacfNa93tev1157LVoFXTd9x1vZhUf1PoXgM888M+pR1JCgfqRpdfL3ve99Fa8dBJpCl1anLyLQ1MiZvgBrCrAukOqVSG5FnwCdfE/RQKP3pJflLvv4AK11offE613kPagv61lO6RuA0w+wrDb0lB4qKvvYBh1/+gs570sq/cA9PVNL988UXYq+WQNNpYtuWwONeu7UKxEvllfppngfgUZtWM8au+qqq6KP2+jRo+3qq6/OXc261h6arPVPyi4amX6kh69A47vu9bx+aWhV1xj9sIq3opMW4terDC0tcM4557SUUXTNLAJNjV+ubXgbgaZGvKwLcLqoSk+arrTbMoEm6wGP1Z6hFO876xjyfsEUCSsqT18Y+pKIt0pDT/V4OOUFF1wQPXIh/eiGZHAr84C5+DiaNdAkeyx0rC57aPQr9vvf/34UljXEp7B/5JFHZjZ9H4Em3d7yHsSa99ks2kOTvj+s7HBq3k33PnpofNe93tevrCe6awhUISd5D1feOdfDQdXznHz4r65x6pnu3LkzPTQ1fn/W620EmhplqwWaWoaa4qqUCTRZY97atx72p/H6vG3r1q3Ryry6gTbuncnr3cgaakrPiIn3k3VDYd5rs3p9NOtDU651H0+lGzU1/q6LUvJZUHnm6V/mZXuxsnqCKj1eocz5yzo/Zd5f9Es2az+vvvqqKVubxsIAABNHSURBVAAmDV3dQ5PeX9mnoOv9ZW7arvYxTv9aL/v0a5Vf1Dp974bem3UjdFadFWZ0Dm677bbt/lzm/rhabwr2Xfd6X7+yrjEKmOq5OeOMMyqGGl0Xv/GNb7Raa6vMbFV6aKp9Kt3/nUBTo2m1QFPLUFMtgUbvyQoc+uBddtll0VhveiaFVirVVNX413O836yZWFkXhErPasrqoq30OISsX0B6vYKWvgS7devW6gwpiOmXqqbd6oKR3PJ+eaVXNS77y7zZAo1mqml9FIWy5PooLmc5Jc+LgrJmU1V6tle9e2jSQbvskGOZQKMZfwrxGnKLN9lOmjTJvvSlL2UOcekzefvtt9sVV1yROaW+bMCrNdC0R93ref2SW9Y1Rv+u4HjhhRfaBz/4wVbXkUpr8JTp3SHQ1Pjl2oa3EWhqxKsUaGodaqo10Oh9Wc+M0r8r2GhFXH2Z6NfQH/7wh+gZMfEU63ifeU/H1qMUNH6cfKZMtSEtXZy1UNvNN9/coqsQpPfppuP0lld3fQloyEpj1urefeGFF6K6Z62hkq6/nuisuutBhEuXLm15Gnf37t2jLuR0UKrWDNavX9/q/qhhw4a1PAR05MiRrY6rTA9L1n7LvD990ay0Do3KVRe8nqOUPv+qh8t1aJLHVWTJgnoEmjfeeCM6Z7o5VFN477zzzpZq6fEY++67b7XT3urves5SejhVN5fvuOOOUW9o8qGHeQtP6vOoz4JCnu7f0udKddMMvORnTLOiVL9f/vKXLXVQr+vpp59eqM61BhoV3h51r9f1K8bKK19/17k7/PDDo5mWOgdazTk5xBSXoR4dDcnvueeehc4BgaYQk9MXEWhq5MwLNG0ZampLoNF7f/vb30a/AOMH/xU9NK3aql8e6Ye2Zf2y0QVVs7l22223isVnjV3nDT2pIF3UNfyxevXqotWOXqeLkJ6crHVN4lVn9e/pNS5KFVryxel7G8oEEteBpmTVW16uG3Z1XpMzN9pyU3BccNEbvesRaLKmPtfqU+196eEx9YJpWEPBIhlUqpWjv2utGvWe6nOsJ9LHW5mFINsSaNqr7q6vX2nrWstXOfoRpDBT5ocQgaZIa3f7GgJNjZ55gaZMl2Tertvyhah7S/TBmzlzZtULqX4Fqhtcw1Lpm2izbvAtM36s3qD0AoPVnsStuuvXvGbGZPUgpL104dfQk34Zp++3IdAUa9gKseeff75ddNFF2z0qoq2Bptost2QNmy3Q6NgUDHQvzOTJk3OHkZIG/fr1i+7ZULvW5zF9g26ZpQbaEmjas+6url95rb/sNabSNbLaJ4xAU03I/d8JNDWaZl2A9aA9TVGttj5BtV22JdDEZW/cuNE0VVTdp7pfIh6m0Qf0ox/9qGnIRA9xzOtpyRpqKjJ0kDw2DftoHYiFCxe2/HOl+2+Sddd9L/fdd1/0K1X116ZApa56Tb1U3Ss9KZpAk93KFDK0Sq0WvJOhZh1pGC5ra2ugqfTU8/T+mjHQxMeoIVi1ZT24NdmeFSYVYuJhQq1xkpx5k15qQOdOa6roafHVtrYGmvasu/bd1utXNR/Z6tqoc6I1f+InncefD50L3Tqg61Xeas7V9kGgqSbk/u8EGvemlNgAAulAU2bKa7Xq17Psavvm78UF0j8MXM6aqmfZxY+QVyJQXwGe5eTetyGf5eT+MCnRpUA9Q0c9y3Zp0NHLqmfoqGfZHf28cfyNI0CgcX8uCDTuTZu+xHqGjnqW3fQnxuMB1jN01LNsj0TsCoGKAgQa9w2EQOPetOlLrGfoqGfZTX9iPB5gPUNHPcv2SMSuECDQeG4DBBrP4M2wu3qGjnqW3Qz2jXIM9Qwd9Sy7UfyoBwL00LhvAwQa96ZNX2I9Q0c9y276E+PxAOsZOupZtkcidoUAPTSe2wCBxjN4M+yunqGjnmU3g32jHEM9Q0c9y24UP+qBAD007tsAgca9KSUigAACCCBAD43nNkCg8QzO7hBAAAEEEKCHxn0bINC4N6VEBBBAAAEE6KHx3AYINJ7B2R0CCCCAAAL00LhvAwQa96aUiAACCCCAAD00ntsAgcYzOLtDAAEEEECAHhr3bYBA496UEhFAAAEEEKCHxnMbINB4Bmd3CCCAAAII0EPjvg0QaNybUiICCCCAAAL00HhuAwQaz+DsDgEEEEAAAXpo3LcBAo17U0pEAAEEEECAHhrPbYBA4xmc3SGAAAIIIEAPjfs2QKBxb0qJCCCAAAII0EPjuQ0QaDyDszsEEEAAAQTooXHfBgg07k0pEQEEEEAAAXpoPLcBAo1ncHaHAAIIIIAAPTTu2wCBxr0pJSKAAAIIIEAPjec2QKDxDM7uEEAAAQQQoIfGfRsg0Lg3pUQEEEAAAQToofHcBgg0nsHZHQIIIIAAAvTQuG8DBBr3ppSIAAIIIIAAPTSe2wCBxjM4u0MAAQQQQIAeGvdtgEDj3pQSEUAAAQQQoIfGcxsg0HgGZ3cIIIAAAgjQQ+O+DRBo3JtSIgIIIIAAAvTQeG4DBBrP4OwOAQQQQAABemjctwECjXtTSkQAAQQQQIAeGs9tgEDjGZzdIYAAAgggQA+N+zZAoHFvSokIIIAAAgjQQ+O5DRBoPIOzOwQQQAABBOihcd8GCDTuTSkRAQQQQAABemg8twECjWdwdocAAggggAA9NO7bAIHGvSklIoAAAgggQA+N5zZAoPEMzu4QQAABBBCgh8Z9GyDQuDelRAQQQAABBOih8dwGCDSewdkdAggggAAC9NC4bwMEGvemlIgAAggggAA9NJ7bAIHGMzi7QwABBBBAgB4a922AQOPelBIRQAABBBCgh8ZzGyDQeAZndwgggAACCNBD474NEGjcm1IiAggggAAC9NB4bgMEGs/g7A4BBBBAAAF6aNy3AQKNe1NKRAABBBBAgB4az22AQOMZnN0hgAACCCBAD437NkCgcW9KiQgggAACCNBD47kNEGg8g7M7BBBAAAEE6KFx3wYINO5NKREBBBBAAAF6aDy3AQKNZ3B2hwACCCCAAD007tsAgca9KSUigAACCCBAD43nNkCg8QzO7hBAAAEEEKCHxn0bINC4N6VEBBBAAAEE6KHx3AYINJ7B2R0CCCCAAAL00LhvAwQa96aUiAACCCCAAD00ntsAgcYzOLtDAAEEEECAHhr3bYBA496UEhFAAAEEEKCHxnMbINB4Bmd3CCCAAAII0EPjvg0QaNybUiICCCCAAAL00HhuAwQaz+DsDgEEEEAAAXpo3LcBAo17U0pEAAEEEECAHhrPbYBA4xmc3SGAAAIIIEAPjfs2QKBxb0qJCCCAAAII0EPjuQ0QaDyDszsEEEAAAQTooXHfBgg07k0pEQEEEEAAAXpoPLeBrWbWKd7n1q1bLSM1eq4Su0MAAQQQQKB5BbZt22Y77LBD8gDVudDqHxrt6FuCQqNVLFGfTWbWJf7/N99807p27drA1aVqCCCAAAIIhC2wadMm23nnnZMHsdnMGvrLN4RAs9HMusWqL730kvXo0SPslkLtEUAAAQQQaGCBDRs22F577ZWs4ctm1r2Bq/z/QzkNXMnHzex/4vo99thj1qdPnwauLlVDAAEEEEAgbIG1a9faIYcckjyI/zWzgxv5qELooVliZkNixLvvvttGjBjRyKbUDQEEEEAAgaAF7rnnHjv22GOTx7DUzI5u5IMKIdBca2bnxIjTpk2zcePGNbIpdUMAAQQQQCBogenTp9v48eOTx3CdmZ3byAcVQqC50MxmxIijR4+2WbNmNbIpdUMAAQQQQCBogTFjxtjs2bOTxzDWzK5s5IMKIdAcaWb3x4i9evWydevWNbIpdUMAAQQQQCBogd69e9v69euTx3CUmT3QyAcVQqDZxcxeTyIy06mRmxR1QwABBBAIWSBjhpMOZ1cze6ORjyuEQCO/R8xsQAw5Z84cO/XUUxvZlbohgAACCCAQpMDcuXPttNNOS9Z9pZkd1ugHE0qgmWJmE2LMUaNG2S233NLottQPAQQQQACB4AROPvlkmz9/frLeU81sYqMfSCiBZpCZPRxjdu7c2V599VVWDG701kX9EEAAAQSCEtAKwXvssYdt2bIlWe/DzWx5ox9IKIFGjs+Y2X4x6PXXX29nnXVWo/tSPwQQQAABBIIRuOGGG+zss89O1vdZM9s/hAMIKdC0GnYaOHCgLV/e8IExhDZAHRFAAAEEEIgEBg0aZCtWrEhqBDHcpAqHFGgOMLMnk8pLliyxIUNaFhGmOSKAAAIIIIBAjQJLly61o4/ebjHgA83sqRqL9Pq2kAKNYG43s5Gx0NChQ23RokVewdgZAggggAACzSgwbNgwW7x4cfLQFpjZiaEca2iBptUie0Lm2U6hNDXqiQACCCDQqAIZz25SVRt+Mb2kZ2iBRnW/18yGxwdx6KGH2po1axq1jVAvBBBAAAEEGl6gb9++9uijjybrudDMjmn4iicqGGKgaTWFW8cyZcoUmzChZZmakPypKwIIIIAAAu0qMHXqVJs4cbtlZoKYqh16D43q3+oJ3PqHlStXWv/+/du1UbBzBBBAAAEEQhJYtWqVDRjQshB/XPWGf7J2lnGIPTQ6jj3N7Akz6xYflIaeVq9ebZ06hXpIIX0EqCsCCCCAQOgC27Zts379+qWHml42s4PM7JXQji/kb389zGlOEnz06NE2a9as0M4B9UUAAQQQQMC7wJgxY2z27Nnp/eohTnO9V8bBDkMONDr87YaeJk2aZJMnT3ZAQxEIIIAAAgg0p8All1xil156afrgghxqig8i9ECj42j1JG79w7Rp02zcuHHN2Qo5KgQQQAABBNogMH36dBs/fny6hCCeqF3psJsh0GgF4YeS99MQatrQ0nkrAggggEDTCuSEGd03c0QoKwLnnZxmCDQ6Ni24tyz9KAeGn5r2M8mBIYAAAgiUFMgZZtpmZoPN7IGSxTXcy5sl0Aj2ODO7My2sG4VvvPFGZj81XNOjQggggAACPgQ0m+nMM8/MugFYuz/ezO7yUY9676OZAk0cau5I99RoSvfMmTNZp6berYnyEUAAAQQaSkDrzJx33nnpqdmqo3pmTmiWMKMDarZAEw8/zU/fU6M/sKJwQ33OqAwCCCCAQB0FclYA1h51z8yoZhhmSvI1Y6DR8elG4ZvMbLvlD9Vbo3HEESNG1LEZUTQCCCCAAALtI6AHTWr5ktSzmeLKaDbTGaHfAJwl26yBJj7W7dapif8wdOhQGzt2rA0ZMqR9Whx7RQABBBBAwKHA0qVLbcaMGbZ48eK8UoNeZ6YaVbMHGh2/VhSenjUEpT8OHDgwulnqlFNOsa5du1bz4u8IIIAAAgg0jMCmTZts3rx50eSXFStW5NVLQ0xanC3IFYCLYneEQCMLPftpqpmdkwfTuXNnGzlypA0fPtwGDx5sPXr0KGrI6xBAAAEEEPAmsGHDBlu2bJktXLjQFixYYFu2bKm0b/XKTAjx2UxlQTtKoIldBpnZxWY2vBpUr169rG/fvta7d2/r2bOn7bPPPta9e3fbfffdrUuXLkwDrwbI3xFAAAEEahLQNOvNmzfba6+9Zhs3brTnn3/enn76aVu3bp2tWbPG1q9fX6TchWZ2uZktL/LiZnhNRws08TnTQnznm9nIZjiJHAMCCCCAAAJvCywws2uabQZTkbPbUQNNbKPZUKeb2Ulmtl8RMF6DAAIIIIBAgwk8a2a3mtnNzTh7qah1Rw80SScNRw0zs6OypnsXBeV1CCCAAAIIeBDQ9Ov7zWxRRxpWquRKoMnW2cXM+ptZHzM7yMz2NbO9354ptauZ7dSkixJ6+AyyCwQQQACBKgJaxfctM3v97UXwXjSz58zsCTNba2arzOwNFFsLEGhoEQgggAACCCAQvACBJvhTyAEggAACCCCAAIGGNoAAAggggAACwQsQaII/hRwAAggggAACCBBoaAMIIIAAAgggELwAgSb4U8gBIIAAAggggACBhjaAAAIIIIAAAsELEGiCP4UcAAIIIIAAAggQaGgDCCCAAAIIIBC8AIEm+FPIASCAAAIIIIAAgYY2gAACCCCAAALBCxBogj+FHAACCCCAAAIIEGhoAwgggAACCCAQvACBJvhTyAEggAACCCCAAIGGNoAAAggggAACwQsQaII/hRwAAggggAACCBBoaAMIIIAAAgggELwAgSb4U8gBIIAAAggggACBhjaAAAIIIIAAAsELEGiCP4UcAAIIIIAAAggQaGgDCCCAAAIIIBC8AIEm+FPIASCAAAIIIIAAgYY2gAACCCCAAALBCxBogj+FHAACCCCAAAIIEGhoAwgggAACCCAQvACBJvhTyAEggAACCCCAAIGGNoAAAggggAACwQsQaII/hRwAAggggAACCBBoaAMIIIAAAgggELwAgSb4U8gBIIAAAggggACBhjaAAAIIIIAAAsELEGiCP4UcAAIIIIAAAggQaGgDCCCAAAIIIBC8AIEm+FPIASCAAAIIIIAAgYY2gAACCCCAAALBCxBogj+FHAACCCCAAAIIEGhoAwgggAACCCAQvACBJvhTyAEggAACCCCAAIGGNoAAAggggAACwQsQaII/hRwAAggggAACCPwfLUKCB4dtVj4AAAAASUVORK5CYII="/>
+          <p:cNvSpPr>
+            <a:spLocks noChangeAspect="1" noChangeArrowheads="1"/>
+          </p:cNvSpPr>
+          <p:nvPr/>
+        </p:nvSpPr>
+        <p:spPr bwMode="auto">
+          <a:xfrm>
+            <a:off x="155575" y="-365125"/>
+            <a:ext cx="1343025" cy="771525"/>
+          </a:xfrm>
+          <a:prstGeom prst="rect">
+            <a:avLst/>
+          </a:prstGeom>
+          <a:noFill/>
+        </p:spPr>
+        <p:txBody>
+          <a:bodyPr vert="horz" wrap="square" lIns="91440" tIns="45720" rIns="91440" bIns="45720" numCol="1" anchor="t" anchorCtr="0" compatLnSpc="1">
+            <a:prstTxWarp prst="textNoShape">
+              <a:avLst/>
+            </a:prstTxWarp>
+          </a:bodyPr>
+          <a:lstStyle/>
+          <a:p>
+            <a:endParaRPr lang="ru-RU"/>
+          </a:p>
+        </p:txBody>
+      </p:sp>
+      <p:sp>
+        <p:nvSpPr>
+          <p:cNvPr id="11268" name="AutoShape 4" descr="data:image/png;base64,iVBORw0KGgoAAAANSUhEUgAAAjQAAAFECAYAAAAwQaRfAAAAAXNSR0IArs4c6QAAAgB0RVh0bXhmaWxlACUzQ214R3JhcGhNb2RlbCUzRSUzQ3Jvb3QlM0UlM0NteENlbGwlMjBpZCUzRCUyMjAlMjIlMkYlM0UlM0NteENlbGwlMjBpZCUzRCUyMjElMjIlMjBwYXJlbnQlM0QlMjIwJTIyJTJGJTNFJTNDbXhDZWxsJTIwaWQlM0QlMjIyJTIyJTIwdmFsdWUlM0QlMjIlRDAlOTglRDElODElRDElODUlRDAlQkUlRDAlQjQlRDAlQkQlRDElOEIlRDAlQjklMjAlRDAlQjQlRDAlQjAlRDElODIlRDAlQjAlRDElODElRDAlQjUlRDElODIlMjIlMjBzdHlsZSUzRCUyMnJvdW5kZWQlM0QxJTNCd2hpdGVTcGFjZSUzRHdyYXAlM0JodG1sJTNEMSUzQiUyMiUyMHZlcnRleCUzRCUyMjElMjIlMjBwYXJlbnQlM0QlMjIxJTIyJTNFJTNDbXhHZW9tZXRyeSUyMHglM0QlMjI3MCUyMiUyMHklM0QlMjIxNzAlMjIlMjB3aWR0aCUzRCUyMjEyMCUyMiUyMGhlaWdodCUzRCUyMjYwJTIyJTIwYXMlM0QlMjJnZW9tZXRyeSUyMiUyRiUzRSUzQyUyRm14Q2VsbCUzRSUzQyUyRnJvb3QlM0UlM0MlMkZteEdyYXBoTW9kZWwlM0VMJz2EAAAgAElEQVR4Xu3de9QVVf3H8S+WCOatDMJcZS5lqT8Ba8nFQLsoWIB4wUo0L6CmpWUCWQmFCxPMCjBTSlNBIcRMvAIJqJVCcrES8KemLtOVSZilaYKsgt/6TM7zm2eYOWfmPPvs5+zzvGct/5DnnD17XrPPnM/Ze/aeTsaGAAIIIIAAAggELtAp8PpTfQQQQAABBBBAwAg0NAIEEEAAAQQQCF6AQBP8KeQAEEAAAQQQQIBAQxtAAAEEEEAAgeAFCDTBn0IOAAEEEEAAAQQINLQBBBBAAAEEEAhegEAT/CnkABBAAAEEEECAQEMbQAABBBBAAIHgBQg0wZ9CDgABBBBAAAEECDS0AQQQQAABBBAIXoBAE/wp5AAQQAABBBBAgEBDG0AAAQQQQACB4AUINMGfQg4AAQQQQAABBAg0tAEEEEAAAQQQCF6AQBP8KeQAEEAAAQQQQIBAQxtAAAEEEEAAgeAFCDTBn0IOAAEEEEAAAQQINLQBBBBAAAEEEAhegEAT/CnkABBAAAEEEECAQEMbQAABBBBAAIHgBQg0wZ9CDgABBBBAAAEECDS0AQQQQAABBBAIXoBAE/wp5AAQQAABBBBAgEBDG0AAAQQQQACB4AUINMGfQg4AAQQQQAABBAg0tAEEEEAAAQQQCF6AQBP8KeQAEEAAAQQQQIBAQxtAAAEEEEAAgeAFCDTBn0IOAAEEEEAAAQQINLQBBBBAAAEEEAhegEAT/CnkABBAAAEEEECAQEMbQAABBBBAAIHgBQg0wZ9CDgABBBBAAAEECDS0AQQQQAABBBAIXoBAE/wp5AAQQAABBBBAgEBDG0AAAQQQQACB4AUINMGfQg4AAQQQQAABBAg0tAEEEEAAAQQQCF6AQBP8KeQAEEAAAQQQQIBAk90GdjGz/mbWx8wOMrN9zWxvM+tmZrua2U5mhh2fHwQQQACBeghsM7O3zOx1M3vZzF40s+fM7AkzW2tmq8zsjXrsOOQy+VL+/7M3yMyGmdlRZjYg5JNK3RFAAAEEml5gpZndb2aLzGx50x9tgQPs6IHmADM73cxOMrP9CnjxEgQQQAABBBpN4Fkzu9XMbjazpxqtcr7q01EDzZFmdr6ZjfQFzX4QQAABBBDwILDAzK4xswc87KuhdtHRAo2GlS42s+HVzkKvXr2sb9++1rt3b+vZs6fts88+1r17d9t9992tS5cu1qlTR6OrJsbfEUAAAQRcCGzbts02b95sr732mm3cuNGef/55e/rpp23dunW2Zs0aW79+fZHdLDSzyzvScFRH+Vbe08ymmtk5ea2gc+fONnLkSBs+fLgNHjzYevToUaTB8BoEEEAAAQS8CmzYsMGWLVtmCxcutAULFtiWLVsq7f86M5tgZq94rWQ77KwjBJpTzWz62zOUtiMeOHCgnXnmmXbKKadY165d2+EUsEsEEEAAAQRqE9i0aZPNmzfPbrzxRluxYkVeIZopNc7M5ta2lzDe1eyB5tq8XpmhQ4fa2LFjbciQIWGcKWqJAAIIIIBABYGlS5fajBkzbPHixXmvUm/Nuc2K2KyBRrOXbsqafn3ooYfaJZdcYiNGjGjWc8pxIYAAAgh0YIF77rnHJk+ebI8++miWgqZ7n9GMs6GaMdBoBtP8rCGmKVOm2IQJGkpkQwABBBBAoLkFpk6dahMnTsw6SA1BjWq2mVDNFmiOM7M70qv4qldm5syZ1r+/Fv9lQwABBBBAoGMIrFq1ys4777ys3hqtRnyCmd3VLBLNFGgUZu5Mn5jRo0dHN0sxzbpZmizHgQACCCBQRkDTwDX5Zfbs2VlvO75ZQk2zBBoNMy1L98xMmjQpGkdkQwABBBBAoKML6P7RSy+9NM2gnprBzTD81AyBRjcAP5S+Z2batGk2bpxmqbEhgAACCCCAgASmT59u48ePT2PonpojQr9RuBkCzSPp2UyEGT64CCCAAAIIZAvkhBrNfjosZLPQA81268wwzBRyc6TuCCCAAAI+BHKGn4JepybkQKMVgOckT7xuAJ41a5aPtsA+EEAAAQQQCFpgzJgxWTcKnxbqisKhBho9m+mJ5H0zmpq9evVqZjMF/fGi8ggggAACvgQ0+6lfv37pKd26n+agEJ/9FGqg2W6oaeXKlawz4+tTwH4QQAABBJpCQOvUDBgwIH0sQQ49hRhoBpnZw0l9VgBuis8VB4EAAggg0A4COSsKH25my9uhOjXvMsRAc6+ZDY+PWENNa9asqRmANyKAAAIIINDRBfr27ZseelpoZseE5BJaoNECevcnge+++24eNBlSi6OuCCCAAAINJ6AHWh577LHpeh0V0oJ7oQWa281sZCw+dOhQW7RoUcM1DCqEAAIIIIBAaALDhg2zxYsXJ6u9wMxODOU4Qgo0WhH4ySTskiVLbMiQIaFYU08EEEAAAQQaVmDp0qV29NFHp+t3YCgrCIcUaKaY2YRYeuDAgbZ8eVD3KzVsI6ZiCCCAAAIISGDQoEG2YsWKJMZUM5sYgk5IgeYZM9svRr3++uvtrLPOCsGYOiKAAAIIIBCEwA033GBnn312sq7Pmtn+IVQ+lEDTaqp2586d7dVXX7WuXbuGYEwdEUAAAQQQCEJg06ZNtscee9iWLVuS9Q1iCncogabVcNOoUaPslltuCaJxUEkEEEAAAQRCEjj55JNt/vz5wQ07hRJoWj1Re86cOXbqqXqUExsCCCCAAAIIuBSYO3eunXaaHunUsgXxJO4QAs0uZvZ6Uvall16yHj16uDx/lIUAAggggAACZrZhwwbba6+90ha7mtkbjQwUQqBptZher169bN26dY1sSt0QQAABBBAIWqB37962fv365DE0/CJ7IQSaC81sRqw6evRomzVrVtANhcojgAACCCDQyAJjxoyx2bNnJ6s41syubOQ6hxBoWj1Ze9q0aTZu3LhGNqVuCCCAAAIIBC0wffp0Gz9+fPIYGv4J3CEEmiVm1rIcMM9uCvozQuURQAABBAIQyHi201Iz224Z4UY6lBACzeNm9j8x2mOPPWZ9+vRpJEPqggACCCCAQFMJrF271g455JDkMf2vmR3cyAcZQqDZaGbdYkRmODVyc6JuCCCAAALNIJAx0+llM+veyMcWQqDZZGZdYsQ333yTFYIbuUVRNwQQQACB4AW0YvDOO++cPI7NZtbQy/OHEGi2mllLPbdu3WqdOoVQ7eDbMweAAAIIINBBBbZt22Y77LBD8ui3mVmrf2g0mhCSgRBbNiGzIYAAAggggEB9BTI6Dxo6MzR05d4+VQSa+rZZSkcAAQQQQGA7AQKN+0ZBoHFvSokIIIAAAghUFCDQuG8gBBr3ppSIAAIIIIAAgcZzGyDQeAZndwgggAACCNBD474NEGjcm1IiAggggAAC9NB4bgMEGs/g7A4BBBBAAAF6aNy3AQKNe1NKRAABBBBAgB4az22AQOMZnN0hgAACCCBAD437NkCgcW9KiQgggAACCNBD47kNEGg8g7M7BBBAAAEE6KFx3wYINO5NKREBBBBAAAF6aDy3AQKNZ3B2hwACCCCAAD007tsAgca9KSUigAACCCBAD43nNkCg8QzO7hBAAAEEEKCHxn0bINC4N6VEBBBAAAEE6KHx3AYINJ7B2R0CCCCAAAL00LhvAwQa96aUiAACCCCAAD00ntsAgcYzOLtDAAEEEECAHhr3bYBA496UEhFAAAEEEKCHxnMbINB4Bmd3CCCAAAII0EPjvg0QaNybUiICCCCAAAL00HhuAwQaz+DsDgEEEEAAAXpo3LcBAo17U0pEAAEEEECAHhrPbYBA4xmc3SGAAAIIIEAPjfs2QKBxb0qJCCCAAAII0EPjuQ0QaDyDszsEEEAAAQTooXHfBgg07k0pEQEEEEAAAXpoPLcBAo1ncHaHAAIIIIAAPTTu2wCBxr0pJSKAAAIIIEAPjec2QKDxDM7uEEAAAQQQoIfGfRsg0Lg3pUQEEEAAAQToofHcBgg0nsHZHQIIIIAAAvTQuG8DBBr3ppSIAAIIIIAAPTSe2wCBxjM4u0MAAQQQQIAeGvdtgEDj3pQSEUAAAQQQoIfGcxsg0HgGZ3cIIIAAAgjQQ+O+DRBo3JtSIgIIIIAAAvTQeG4DBBrP4OwOAQQQQAABemjctwECjXtTSkQAAQQQQIAeGs9tgEDjGZzdIYAAAgggQA+N+zZAoHFvSokIIIAAAgjQQ+O5DRBoPIOzOwQQQAABBOihcd8GCDTuTSkRAQQQQAABemg8twECjWdwdocAAggggAA9NO7bAIHGvSklIoAAAgggQA+N5zZAoPEMzu4QQAABBBCgh8Z9GyDQuDelRAQQQAABBOih8dwGCDSewdkdAggggAAC9NC4bwMEGvemlIgAAggggAA9NJ7bAIHGMzi7QwABBBBAgB4a922AQOPelBIRQAABBBCgh8ZzGyDQeAZndwgggAACCNBD474NEGjcm1IiAggggAAC9NB4bgMEGs/g7A4BBBBAAAF6aNy3AQKNe1NKRAABBBBAgB4az22AQOMZnN0hgAACCCBAD437NkCgcW9KiQgggAACCNBD47kNEGg8g7M7BBBAAAEE6KFx3wYINO5NKREBBBBAAAF6aDy3AQKNZ3B2hwACCCCAAD007tsAgca9KSUigAACCCBAD43nNkCg8QzO7hBAAAEEEKCHxn0baMhAs2nTJhs7dqxde+210REfcsghduutt9oBBxzQJgGV+/Wvf92uvvrqlnJcld2mivFmBEoILF261I4++ujoHT/5yU/s3HPPzXz3tm3bbMaMGTZ+/HjbddddbcmSJXbYYYeV2BMvRQCBegkQaNzLdqhAM3/+fDvnnHPs9ddfJ9C4b0uU6EngqaeespNOOskee+wxGz58uF1//fXWo0eP7fb+4osv2mmnnWYPPvigDRw40ObNm2f77LOPp1qyGwQQqCRAoHHfPjpMoHn66aeji/vKlStbKdJD475RUWJ9Bd566y2bOHGiTZs2LdrRySefbJdddpntu+++poukemaee+45+9a3vmW33HJL9Jpvf/vbdskll9g73vGO+laO0hFAoJAAgaYQU6kXdYhAkzXUFCsRaEq1F17cIAJPPPGEjRkzplVAV++LQs3atWvt73//e0tNBwwYYHPmzLGePXs2SO2pBgIIEGjct4EOEWjuuuuuqHcmOdREoHHfmCjRr8AjjzxiF1xwga1evTp3x4MGDYruRTv44IP9Vo69IYBARQECjfsG0vSB5k9/+pOdeuqptnz58kw9emjcNypK9Cfwr3/9yxTYNbS0YsWKqGdGPTXqlTnhhBNsxIgR9q53vctfhdgTAggUEiDQFGIq9aKmDjTpew2yZAg0pdoLL0YAAQQQcCBAoHGAmCqiqQNN1lCTprv+9a9/jWaIaCPQuG9UlIgAAgggUFmAQOO+hTRtoMkaalJ4+dGPfmRTpkyx++67j0Djvj1RIgIIIIBAAQECTQGkki9pykDz73//O5qiOnXq1FYcmunx6U9/Orqnpi2BZuPGjfbAAw9EZain5/e//320Hy3895GPfMQGDx4c3bvQvXv3zNORNetKC59dd911NmrUqKqnUNNytfaI1tSJN71fi6xpCm/GB6Xldf/85z/toYcesl/84het6v6e97zH+vXrZ7qJ9Pjjj7eDDjrI3vnOd1atS/oF3/nOd2zSpEml35d8w6WXXhpNM87aXnnlFfv85z9f8/kr837dd3X44Ye3VEML2Gmhuq5du7bp+PTm9OKR+reHH3448k9vZeqcVTEtqPeZz3ym1U3xc+fOjRzrsf3sZz+LPmNt2cpa6zP/xz/+0e6///7oXiKt1RN/LlUP3VekG6O1sKCuAfqc5rVvF224aHvW61zWvYh5W69f1faRd43ROdCPyk9+8pPRNUb/n3etSn/2qu2z2t8/9alPmdrlnnvuWe2l3v5OoHFP3ZSBJusC/oUvfCH6Mtq8eXPNX4gvv/yyXXnllVFwSE6LzTotCgjnn3++XXTRRdEqrekta10cfZnpi+ZDH/pQxTOtabkKPpq6G29f/vKX7Xvf+17ul63qrtkuMqhWd5V5xBFHRMHkyCOPtB122KFwy3PxZUCgac3dlkDzj3/8I1pJ+LbbbmtVaLMEGt0nd++999oVV1xRcbZXugErvOsHT1b7dtGGiwSaetS90gfV5fUraz+6QV0/yrQmUpFrzOmnn26TJ0/OvN4RaApfcr29sJO3PdW+o6YLNMnVUWMW9TZoleA+ffpYLV8O6hH59a9/bV/84hejX35lNq3kes0112Su0Jq1cvGECROiD3ner0f9+vnKV75iN998c0s19ItHvU977713ZtV+97vfRdN782Z65R2PgpgeFaGl84v2Srj4MiDQuAk0WT15ccnNEGj0Ba22qbZfy6b2rZ5APWYl+Xlz0YarBZp61T3LoV7Xr+S+nnzySfvqV78aPV6jzKZemunTp0cz8pI9FgSaMop+XkugqdG51mc55Q016VfD2WefHX1gagk0CjNnnHGGPf/8862OSL0wRx11lH34wx+OVmBVj8mvfvWr7V6nD6t6R7p169bq/VmzsPbaa6+ol0a/HNObLkxXXXWVXXjhhS1/qvR6vSiv7rqYq0dIS+J37tzZXnjhhai7Piuw6UKl+46KTP9NfhmofHXv77jjjhVbwvr166NjjjcCjZtAU2nJAl+BRj8mPve5z1UNxH/+859bPWOt2pCTegMUtmfOnNkKS+1an0cNLcXDC/rMa5hV6/akN31+9MPiYx/7WMufFi5caGqTedtvfvMbW7RoUcufhw0b1ur96ff16tUrekRFvNWz7ll1rtf1K95X1iKP+puuj7q+9O/fP7rG6DwsW7as1VCgXpc1XK4e7AULFuSeg3R7qdbOdt9992gYdJdddqnxW8n92xhycm/aVD00WUNN6tbUjcC77bZbpFc20GQNDemDqmXlzzrrrJZy41OjLv4f/OAH0T6TC/lpqEq9JOlGnPWlkxeA1qxZE90LkQxW3/3ud6NfqVk9Oll118VDv0hVl/R48tatW6N7g9RLlF6sTcNZ48aNq7p0fjLQVPtSis3S91wQaNoeaPLCfVyyr0BT9N6FsvcrZd2n87WvfS1qowopWZtCu4K5fuAkN30W1L532mmnQlfYdA9OpfaaVaDPutf7+qUZo/qca0ZpvFW6Puoaox5jPboj2Zujnhq5ZN1DlmWYbi9F21mhE+zpRQQa99BNE2g2bNgQ9cLo11W8JYea4n8rE2j+85//RMM/uoDFmz54N954Y3RjW94Nbfoy0XN2vvnNb7a8TwudafEzLU2f3rKml6cDkLqodeG44447Wt6eF3z0gqzen7zu3XR9srrD9V7dSNy3b9/cVigvdeFffvnl0WsUnBS49Ous0kag+a+Oy5uCs8Jv8hzUM9CoN1LDs9oUwHUDu34hV9rKBBr9aNCPieRnodpQbbxvfS70mY7bqP79E5/4RPRl+v73v7/QFbYtgcZn3et9/VL5CoKyL3N91Gt1j42ujz/96U9b3pv+8VmmvRBoCjXdNr2IIaca+coOOSlA6IszPTMmOdQUV6VMoNED/jRrKPlAS43Xa3ZIpZlE2pdmEuhG5LvvvrtFQRd2XYjTW1b4SIYxXTg0zqwu9uSFo1LAePzxx+2zn/1sqxuHszzyTlHWvUjqCdIv3LxfsunzVvSXK4HGbaBJ32elYdEuXbq0Cvv1DDS19NKVCTSPPvpoNIvwpZdeiuAq/VjIat+6qV5BS70X2nr37m0///nP7cADDyx0xWpLoPFZ93pfv9LlF51pGSOnrzF6v0Kq2mu1jR6aakLu/06gqdG0bKDRMInGR+MLnHabl/bLBJr0F+2xxx4b/aLIm46dPtwbbrgh6jWKt/POOy/qudGXS3rLChDxzCV10SpEJYeaqgUrzWZS93u8qTdH9Xn3u99d+KxoDPvEE09seX21RQgJNIVp6zptO9njpy+Jm266KZrmrp6TeAs50DzzzDN2zz33RA/hfPbZZ6MZeQrPRZ8knr4GyCSvdyzrjLYl0Pise72vX+nrW5keltg1XUbRXl0CTfFrjatXEmhqlCwTaIoONcVVKRpotmzZEnWJKhjEm8KIPnDVemfi1+uCqxtqe/ToEa17ceihh0brmuT1cKTvAdKXke7F0RdUsntdwUhdvXk36ereHU0ZT87+0FRzDVmV2f7yl79EQUo3Oseb6qJgl7WpO10PAY2H/Yp+adJD819NF0NO6c+DetV0v8LFF1/sJdBoWQTtM75Zt2gvXZkemjJtOOu17RlofNW93tevrHWUin7ekwbp3rKiw38Emra2pPLvJ9CUN4veUTTQZN2rovfn3YCrvxUNNOkvZ71XswWSsyFqPLzct1W7kVNvVPf6rFmzooXv8jb9CtQ6Nere1qabJPWLVoGqzJZ1Uaz0BaV7b0455ZRoJoM2zR456aSTqu6SQOMm0KRnwcXDlj179oyCuI8emjfffDMK8Rpe1aa1XhSmqm0EmmpC//170TBW7+tX+seOfnzpB5lml5XZ0teMotcqAk0ZZTevJdDU6Fg00GRNR9R9I7pw5w2tFA00mr6sL+P4mU9lx9lrPHTLGnqKyyq6mnB6nF5TJ+fNm5e5Fk61eiZv8NRrK81cSpsV7cYn0LgJNJo+q3u+4jYbB3v1mvgKNOnPV9Ff7fUONPqxoKm+mr6toVQtUZCchVi0repMtWXIqdrnLevvtdS93tevdM+Kgoh6ZzXDqcyma73uX0ouEqpgNGTIkIrFEGjKKLt5LYGmRscigSZrumCRmThFA40WitL6GevWrYuOQr0b6nHYf//9azyq4m/LuidI7y46k8Plhz0dNioFGq3zoYd/6ouiTABsS6Aprpr9ykr3BZVd3Eu/TrXKswKkHn+hR2HkrbLs+tEH6RvLte6Jekk03OlqeKCIdbp3sGivpotAox4q3RCt3gP9py913Ryve9Cy1qBJHk97BxrXda/39avsZ6NI24lfUyQEu7zGlamby9cybdul5n/LCnLadi1DTTFd0UDTnh8YfQHpPoQf//jHrc64FvMaOnRo1Vbgsu7psFFpeqRmdB133HFR/YqOheu1zRJo0iem0uMjXAeaZAhWT57un4rPhc9Ak+wd1FCXZuJphe5qW62BRtcCzULUMKyGOtOLX1bbb/z39gg09ay7y2tAliGBpmjLyn8dgabthukSggw0+jClZ/1UG2oKKdBkLRCo+ld7xEF8jC4vZumwoW5lPcoh6/lUyZlVlV6XboTNGmji49SjKjTdPWnmMtCkn9cUP7csvmncZ6CpNdSWDTTq0dDDJ/UQWj3Lqeimc6CVa9WTlAw/PgONj7q7vAYQaIq2rnKvI9CU8yry6uACTdYCc0WGmsoGmvQYsa8hp0r30OgYigw7ubyYFR1ySs9u0ReN/isyI6wtgabs2H16zL7MkFOlRznoBmoNbehegKzHR6QfHuoq0OjLUX4KkNqyPgs+A40WrIsXWtOSBT/84Q9t5513rnotKhNodMya9adlCSr1yOh+Dp1fLQapxyFopuF+++0XDYkmn9iuyvkKNL7qXu/rl8trTNXGkfGC9t5/LXVOv4dA40KxdRlBBRrdv5JeYE6HU2lWU5qs6JBTvW+qyzqVWbOcPvCBD5ie/RI/vTY9nJBVjsubgtPr2eStpZOe9VBkHDyue1sCTbW1cWo9/3pfmS/ZeD/6wtKCY3o0hlaGjrf0omGuAk360Rm6YVXLDSQfheEr0KSXC1BdNGW8SKgtY52++VnG8j3mmGOixSQVXnTvUN4DVYvOFMq73LblpmBfda/39St5v5ycfP3gi88JgcZ9GKhWIjcFVxPK+XveTcF/+9vfah5qKttDk55OqPcXvcEx3peOQ8+X0UVMU2gVyDRzKm+J9fRQk3ofZs+ebatWrWq1CrJ6ChQYdANq1qZfrZo+vWLFiujPtU6pTPe6qKy8abiq4/HHHx8tblh06mUzBpr4mLJuWk8uGuYi0Ki3IblCdl678BVo0ivHVlqzKN1uiwaarOX8dfO11ln6+Mc/Xig8tVeg8Vn3el+/0jd/6xqzePHiws9iqvGroeVtBJq2CpZ/P4GmvFn0jqxAowXm1FuQXGCu7APNVHbRHpqsL3P1DulLqeiW7rWodJNk1kMq41/b+nLUkMKDDz7YsutKjyFoj4X1kj05esK2bkp973vfW4iqmXpokgecPi7NPJKLlhRwEWh0npMPK81bPdpXoEneP1O256xooMla7LHMIz10ftIzgPRvPoacfNa93tev1157LVoFXTd9x1vZhUf1PoXgM888M+pR1JCgfqRpdfL3ve99Fa8dBJpCl1anLyLQ1MiZvgBrCrAukOqVSG5FnwCdfE/RQKP3pJflLvv4AK11offE613kPagv61lO6RuA0w+wrDb0lB4qKvvYBh1/+gs570sq/cA9PVNL988UXYq+WQNNpYtuWwONeu7UKxEvllfppngfgUZtWM8au+qqq6KP2+jRo+3qq6/OXc261h6arPVPyi4amX6kh69A47vu9bx+aWhV1xj9sIq3opMW4terDC0tcM4557SUUXTNLAJNjV+ubXgbgaZGvKwLcLqoSk+arrTbMoEm6wGP1Z6hFO876xjyfsEUCSsqT18Y+pKIt0pDT/V4OOUFF1wQPXIh/eiGZHAr84C5+DiaNdAkeyx0rC57aPQr9vvf/34UljXEp7B/5JFHZjZ9H4Em3d7yHsSa99ks2kOTvj+s7HBq3k33PnpofNe93tevrCe6awhUISd5D1feOdfDQdXznHz4r65x6pnu3LkzPTQ1fn/W620EmhplqwWaWoaa4qqUCTRZY97atx72p/H6vG3r1q3Ryry6gTbuncnr3cgaakrPiIn3k3VDYd5rs3p9NOtDU651H0+lGzU1/q6LUvJZUHnm6V/mZXuxsnqCKj1eocz5yzo/Zd5f9Es2az+vvvqqKVubxsIAABNHSURBVAAmDV3dQ5PeX9mnoOv9ZW7arvYxTv9aL/v0a5Vf1Dp974bem3UjdFadFWZ0Dm677bbt/lzm/rhabwr2Xfd6X7+yrjEKmOq5OeOMMyqGGl0Xv/GNb7Raa6vMbFV6aKp9Kt3/nUBTo2m1QFPLUFMtgUbvyQoc+uBddtll0VhveiaFVirVVNX413O836yZWFkXhErPasrqoq30OISsX0B6vYKWvgS7devW6gwpiOmXqqbd6oKR3PJ+eaVXNS77y7zZAo1mqml9FIWy5PooLmc5Jc+LgrJmU1V6tle9e2jSQbvskGOZQKMZfwrxGnKLN9lOmjTJvvSlL2UOcekzefvtt9sVV1yROaW+bMCrNdC0R93ref2SW9Y1Rv+u4HjhhRfaBz/4wVbXkUpr8JTp3SHQ1Pjl2oa3EWhqxKsUaGodaqo10Oh9Wc+M0r8r2GhFXH2Z6NfQH/7wh+gZMfEU63ifeU/H1qMUNH6cfKZMtSEtXZy1UNvNN9/coqsQpPfppuP0lld3fQloyEpj1urefeGFF6K6Z62hkq6/nuisuutBhEuXLm15Gnf37t2jLuR0UKrWDNavX9/q/qhhw4a1PAR05MiRrY6rTA9L1n7LvD990ay0Do3KVRe8nqOUPv+qh8t1aJLHVWTJgnoEmjfeeCM6Z7o5VFN477zzzpZq6fEY++67b7XT3urves5SejhVN5fvuOOOUW9o8qGHeQtP6vOoz4JCnu7f0udKddMMvORnTLOiVL9f/vKXLXVQr+vpp59eqM61BhoV3h51r9f1K8bKK19/17k7/PDDo5mWOgdazTk5xBSXoR4dDcnvueeehc4BgaYQk9MXEWhq5MwLNG0ZampLoNF7f/vb30a/AOMH/xU9NK3aql8e6Ye2Zf2y0QVVs7l22223isVnjV3nDT2pIF3UNfyxevXqotWOXqeLkJ6crHVN4lVn9e/pNS5KFVryxel7G8oEEteBpmTVW16uG3Z1XpMzN9pyU3BccNEbvesRaLKmPtfqU+196eEx9YJpWEPBIhlUqpWjv2utGvWe6nOsJ9LHW5mFINsSaNqr7q6vX2nrWstXOfoRpDBT5ocQgaZIa3f7GgJNjZ55gaZMl2Tertvyhah7S/TBmzlzZtULqX4Fqhtcw1Lpm2izbvAtM36s3qD0AoPVnsStuuvXvGbGZPUgpL104dfQk34Zp++3IdAUa9gKseeff75ddNFF2z0qoq2Bptost2QNmy3Q6NgUDHQvzOTJk3OHkZIG/fr1i+7ZULvW5zF9g26ZpQbaEmjas+6url95rb/sNabSNbLaJ4xAU03I/d8JNDWaZl2A9aA9TVGttj5BtV22JdDEZW/cuNE0VVTdp7pfIh6m0Qf0ox/9qGnIRA9xzOtpyRpqKjJ0kDw2DftoHYiFCxe2/HOl+2+Sddd9L/fdd1/0K1X116ZApa56Tb1U3Ss9KZpAk93KFDK0Sq0WvJOhZh1pGC5ra2ugqfTU8/T+mjHQxMeoIVi1ZT24NdmeFSYVYuJhQq1xkpx5k15qQOdOa6roafHVtrYGmvasu/bd1utXNR/Z6tqoc6I1f+InncefD50L3Tqg61Xeas7V9kGgqSbk/u8EGvemlNgAAulAU2bKa7Xq17Psavvm78UF0j8MXM6aqmfZxY+QVyJQXwGe5eTetyGf5eT+MCnRpUA9Q0c9y3Zp0NHLqmfoqGfZHf28cfyNI0CgcX8uCDTuTZu+xHqGjnqW3fQnxuMB1jN01LNsj0TsCoGKAgQa9w2EQOPetOlLrGfoqGfZTX9iPB5gPUNHPcv2SMSuECDQeG4DBBrP4M2wu3qGjnqW3Qz2jXIM9Qwd9Sy7UfyoBwL00LhvAwQa96ZNX2I9Q0c9y276E+PxAOsZOupZtkcidoUAPTSe2wCBxjN4M+yunqGjnmU3g32jHEM9Q0c9y24UP+qBAD007tsAgca9KSUigAACCCBAD43nNkCg8QzO7hBAAAEEEKCHxn0bINC4N6VEBBBAAAEE6KHx3AYINJ7B2R0CCCCAAAL00LhvAwQa96aUiAACCCCAAD00ntsAgcYzOLtDAAEEEECAHhr3bYBA496UEhFAAAEEEKCHxnMbINB4Bmd3CCCAAAII0EPjvg0QaNybUiICCCCAAAL00HhuAwQaz+DsDgEEEEAAAXpo3LcBAo17U0pEAAEEEECAHhrPbYBA4xmc3SGAAAIIIEAPjfs2QKBxb0qJCCCAAAII0EPjuQ0QaDyDszsEEEAAAQTooXHfBgg07k0pEQEEEEAAAXpoPLcBAo1ncHaHAAIIIIAAPTTu2wCBxr0pJSKAAAIIIEAPjec2QKDxDM7uEEAAAQQQoIfGfRsg0Lg3pUQEEEAAAQToofHcBgg0nsHZHQIIIIAAAvTQuG8DBBr3ppSIAAIIIIAAPTSe2wCBxjM4u0MAAQQQQIAeGvdtgEDj3pQSEUAAAQQQoIfGcxsg0HgGZ3cIIIAAAgjQQ+O+DRBo3JtSIgIIIIAAAvTQeG4DBBrP4OwOAQQQQAABemjctwECjXtTSkQAAQQQQIAeGs9tgEDjGZzdIYAAAgggQA+N+zZAoHFvSokIIIAAAgjQQ+O5DRBoPIOzOwQQQAABBOihcd8GCDTuTSkRAQQQQAABemg8twECjWdwdocAAggggAA9NO7bAIHGvSklIoAAAgggQA+N5zZAoPEMzu4QQAABBBCgh8Z9GyDQuDelRAQQQAABBOih8dwGCDSewdkdAggggAAC9NC4bwMEGvemlIgAAggggAA9NJ7bAIHGMzi7QwABBBBAgB4a922AQOPelBIRQAABBBCgh8ZzGyDQeAZndwgggAACCNBD474NEGjcm1IiAggggAAC9NB4bgMEGs/g7A4BBBBAAAF6aNy3AQKNe1NKRAABBBBAgB4az22AQOMZnN0hgAACCCBAD437NkCgcW9KiQgggAACCNBD47kNEGg8g7M7BBBAAAEE6KFx3wYINO5NKREBBBBAAAF6aDy3AQKNZ3B2hwACCCCAAD007tsAgca9KSUigAACCCBAD43nNkCg8QzO7hBAAAEEEKCHxn0bINC4N6VEBBBAAAEE6KHx3AYINJ7B2R0CCCCAAAL00LhvAwQa96aUiAACCCCAAD00ntsAgcYzOLtDAAEEEECAHhr3bYBA496UEhFAAAEEEKCHxnMbINB4Bmd3CCCAAAII0EPjvg0QaNybUiICCCCAAAL00HhuAwQaz+DsDgEEEEAAAXpo3LcBAo17U0pEAAEEEECAHhrPbYBA4xmc3SGAAAIIIEAPjfs2QKBxb0qJCCCAAAII0EPjuQ0QaDyDszsEEEAAAQTooXHfBgg07k0pEQEEEEAAAXpoPLeBrWbWKd7n1q1bLSM1eq4Su0MAAQQQQKB5BbZt22Y77LBD8gDVudDqHxrt6FuCQqNVLFGfTWbWJf7/N99807p27drA1aVqCCCAAAIIhC2wadMm23nnnZMHsdnMGvrLN4RAs9HMusWqL730kvXo0SPslkLtEUAAAQQQaGCBDRs22F577ZWs4ctm1r2Bq/z/QzkNXMnHzex/4vo99thj1qdPnwauLlVDAAEEEEAgbIG1a9faIYcckjyI/zWzgxv5qELooVliZkNixLvvvttGjBjRyKbUDQEEEEAAgaAF7rnnHjv22GOTx7DUzI5u5IMKIdBca2bnxIjTpk2zcePGNbIpdUMAAQQQQCBogenTp9v48eOTx3CdmZ3byAcVQqC50MxmxIijR4+2WbNmNbIpdUMAAQQQQCBogTFjxtjs2bOTxzDWzK5s5IMKIdAcaWb3x4i9evWydevWNbIpdUMAAQQQQCBogd69e9v69euTx3CUmT3QyAcVQqDZxcxeTyIy06mRmxR1QwABBBAIWSBjhpMOZ1cze6ORjyuEQCO/R8xsQAw5Z84cO/XUUxvZlbohgAACCCAQpMDcuXPttNNOS9Z9pZkd1ugHE0qgmWJmE2LMUaNG2S233NLottQPAQQQQACB4AROPvlkmz9/frLeU81sYqMfSCiBZpCZPRxjdu7c2V599VVWDG701kX9EEAAAQSCEtAKwXvssYdt2bIlWe/DzWx5ox9IKIFGjs+Y2X4x6PXXX29nnXVWo/tSPwQQQAABBIIRuOGGG+zss89O1vdZM9s/hAMIKdC0GnYaOHCgLV/e8IExhDZAHRFAAAEEEIgEBg0aZCtWrEhqBDHcpAqHFGgOMLMnk8pLliyxIUNaFhGmOSKAAAIIIIBAjQJLly61o4/ebjHgA83sqRqL9Pq2kAKNYG43s5Gx0NChQ23RokVewdgZAggggAACzSgwbNgwW7x4cfLQFpjZiaEca2iBptUie0Lm2U6hNDXqiQACCCDQqAIZz25SVRt+Mb2kZ2iBRnW/18yGxwdx6KGH2po1axq1jVAvBBBAAAEEGl6gb9++9uijjybrudDMjmn4iicqGGKgaTWFW8cyZcoUmzChZZmakPypKwIIIIAAAu0qMHXqVJs4cbtlZoKYqh16D43q3+oJ3PqHlStXWv/+/du1UbBzBBBAAAEEQhJYtWqVDRjQshB/XPWGf7J2lnGIPTQ6jj3N7Akz6xYflIaeVq9ebZ06hXpIIX0EqCsCCCCAQOgC27Zts379+qWHml42s4PM7JXQji/kb389zGlOEnz06NE2a9as0M4B9UUAAQQQQMC7wJgxY2z27Nnp/eohTnO9V8bBDkMONDr87YaeJk2aZJMnT3ZAQxEIIIAAAgg0p8All1xil156afrgghxqig8i9ECj42j1JG79w7Rp02zcuHHN2Qo5KgQQQAABBNogMH36dBs/fny6hCCeqF3psJsh0GgF4YeS99MQatrQ0nkrAggggEDTCuSEGd03c0QoKwLnnZxmCDQ6Ni24tyz9KAeGn5r2M8mBIYAAAgiUFMgZZtpmZoPN7IGSxTXcy5sl0Aj2ODO7My2sG4VvvPFGZj81XNOjQggggAACPgQ0m+nMM8/MugFYuz/ezO7yUY9676OZAk0cau5I99RoSvfMmTNZp6berYnyEUAAAQQaSkDrzJx33nnpqdmqo3pmTmiWMKMDarZAEw8/zU/fU6M/sKJwQ33OqAwCCCCAQB0FclYA1h51z8yoZhhmSvI1Y6DR8elG4ZvMbLvlD9Vbo3HEESNG1LEZUTQCCCCAAALtI6AHTWr5ktSzmeLKaDbTGaHfAJwl26yBJj7W7dapif8wdOhQGzt2rA0ZMqR9Whx7RQABBBBAwKHA0qVLbcaMGbZ48eK8UoNeZ6YaVbMHGh2/VhSenjUEpT8OHDgwulnqlFNOsa5du1bz4u8IIIAAAgg0jMCmTZts3rx50eSXFStW5NVLQ0xanC3IFYCLYneEQCMLPftpqpmdkwfTuXNnGzlypA0fPtwGDx5sPXr0KGrI6xBAAAEEEPAmsGHDBlu2bJktXLjQFixYYFu2bKm0b/XKTAjx2UxlQTtKoIldBpnZxWY2vBpUr169rG/fvta7d2/r2bOn7bPPPta9e3fbfffdrUuXLkwDrwbI3xFAAAEEahLQNOvNmzfba6+9Zhs3brTnn3/enn76aVu3bp2tWbPG1q9fX6TchWZ2uZktL/LiZnhNRws08TnTQnznm9nIZjiJHAMCCCCAAAJvCywws2uabQZTkbPbUQNNbKPZUKeb2Ulmtl8RMF6DAAIIIIBAgwk8a2a3mtnNzTh7qah1Rw80SScNRw0zs6OypnsXBeV1CCCAAAIIeBDQ9Ov7zWxRRxpWquRKoMnW2cXM+ptZHzM7yMz2NbO9354ptauZ7dSkixJ6+AyyCwQQQACBKgJaxfctM3v97UXwXjSz58zsCTNba2arzOwNFFsLEGhoEQgggAACCCAQvACBJvhTyAEggAACCCCAAIGGNoAAAggggAACwQsQaII/hRwAAggggAACCBBoaAMIIIAAAgggELwAgSb4U8gBIIAAAggggACBhjaAAAIIIIAAAsELEGiCP4UcAAIIIIAAAggQaGgDCCCAAAIIIBC8AIEm+FPIASCAAAIIIIAAgYY2gAACCCCAAALBCxBogj+FHAACCCCAAAIIEGhoAwgggAACCCAQvACBJvhTyAEggAACCCCAAIGGNoAAAggggAACwQsQaII/hRwAAggggAACCBBoaAMIIIAAAgggELwAgSb4U8gBIIAAAggggACBhjaAAAIIIIAAAsELEGiCP4UcAAIIIIAAAggQaGgDCCCAAAIIIBC8AIEm+FPIASCAAAIIIIAAgYY2gAACCCCAAALBCxBogj+FHAACCCCAAAIIEGhoAwgggAACCCAQvACBJvhTyAEggAACCCCAAIGGNoAAAggggAACwQsQaII/hRwAAggggAACCBBoaAMIIIAAAgggELwAgSb4U8gBIIAAAggggACBhjaAAAIIIIAAAsELEGiCP4UcAAIIIIAAAggQaGgDCCCAAAIIIBC8AIEm+FPIASCAAAIIIIAAgYY2gAACCCCAAALBCxBogj+FHAACCCCAAAIIEGhoAwgggAACCCAQvACBJvhTyAEggAACCCCAAIGGNoAAAggggAACwQsQaII/hRwAAggggAACCPwfLUKCB4dtVj4AAAAASUVORK5CYII="/>
+          <p:cNvSpPr>
+            <a:spLocks noChangeAspect="1" noChangeArrowheads="1"/>
+          </p:cNvSpPr>
+          <p:nvPr/>
+        </p:nvSpPr>
+        <p:spPr bwMode="auto">
+          <a:xfrm>
+            <a:off x="155575" y="-365125"/>
+            <a:ext cx="1343025" cy="771525"/>
+          </a:xfrm>
+          <a:prstGeom prst="rect">
+            <a:avLst/>
+          </a:prstGeom>
+          <a:noFill/>
+        </p:spPr>
+        <p:txBody>
+          <a:bodyPr vert="horz" wrap="square" lIns="91440" tIns="45720" rIns="91440" bIns="45720" numCol="1" anchor="t" anchorCtr="0" compatLnSpc="1">
+            <a:prstTxWarp prst="textNoShape">
+              <a:avLst/>
+            </a:prstTxWarp>
+          </a:bodyPr>
+          <a:lstStyle/>
+          <a:p>
+            <a:endParaRPr lang="ru-RU"/>
+          </a:p>
+        </p:txBody>
+      </p:sp>
+      <p:sp>
+        <p:nvSpPr>
+          <p:cNvPr id="11270" name="AutoShape 6" descr="data:image/png;base64,iVBORw0KGgoAAAANSUhEUgAAAjQAAAFECAYAAAAwQaRfAAAAAXNSR0IArs4c6QAAAgB0RVh0bXhmaWxlACUzQ214R3JhcGhNb2RlbCUzRSUzQ3Jvb3QlM0UlM0NteENlbGwlMjBpZCUzRCUyMjAlMjIlMkYlM0UlM0NteENlbGwlMjBpZCUzRCUyMjElMjIlMjBwYXJlbnQlM0QlMjIwJTIyJTJGJTNFJTNDbXhDZWxsJTIwaWQlM0QlMjIyJTIyJTIwdmFsdWUlM0QlMjIlRDAlOTglRDElODElRDElODUlRDAlQkUlRDAlQjQlRDAlQkQlRDElOEIlRDAlQjklMjAlRDAlQjQlRDAlQjAlRDElODIlRDAlQjAlRDElODElRDAlQjUlRDElODIlMjIlMjBzdHlsZSUzRCUyMnJvdW5kZWQlM0QxJTNCd2hpdGVTcGFjZSUzRHdyYXAlM0JodG1sJTNEMSUzQiUyMiUyMHZlcnRleCUzRCUyMjElMjIlMjBwYXJlbnQlM0QlMjIxJTIyJTNFJTNDbXhHZW9tZXRyeSUyMHglM0QlMjI3MCUyMiUyMHklM0QlMjIxNzAlMjIlMjB3aWR0aCUzRCUyMjEyMCUyMiUyMGhlaWdodCUzRCUyMjYwJTIyJTIwYXMlM0QlMjJnZW9tZXRyeSUyMiUyRiUzRSUzQyUyRm14Q2VsbCUzRSUzQyUyRnJvb3QlM0UlM0MlMkZteEdyYXBoTW9kZWwlM0VMJz2EAAAgAElEQVR4Xu3de9QVVf3H8S+WCOatDMJcZS5lqT8Ba8nFQLsoWIB4wUo0L6CmpWUCWQmFCxPMCjBTSlNBIcRMvAIJqJVCcrES8KemLtOVSZilaYKsgt/6TM7zm2eYOWfmPPvs5+zzvGct/5DnnD17XrPPnM/Ze/aeTsaGAAIIIIAAAggELtAp8PpTfQQQQAABBBBAwAg0NAIEEEAAAQQQCF6AQBP8KeQAEEAAAQQQQIBAQxtAAAEEEEAAgeAFCDTBn0IOAAEEEEAAAQQINLQBBBBAAAEEEAhegEAT/CnkABBAAAEEEECAQEMbQAABBBBAAIHgBQg0wZ9CDgABBBBAAAEECDS0AQQQQAABBBAIXoBAE/wp5AAQQAABBBBAgEBDG0AAAQQQQACB4AUINMGfQg4AAQQQQAABBAg0tAEEEEAAAQQQCF6AQBP8KeQAEEAAAQQQQIBAQxtAAAEEEEAAgeAFCDTBn0IOAAEEEEAAAQQINLQBBBBAAAEEEAhegEAT/CnkABBAAAEEEECAQEMbQAABBBBAAIHgBQg0wZ9CDgABBBBAAAEECDS0AQQQQAABBBAIXoBAE/wp5AAQQAABBBBAgEBDG0AAAQQQQACB4AUINMGfQg4AAQQQQAABBAg0tAEEEEAAAQQQCF6AQBP8KeQAEEAAAQQQQIBAQxtAAAEEEEAAgeAFCDTBn0IOAAEEEEAAAQQINLQBBBBAAAEEEAhegEAT/CnkABBAAAEEEECAQEMbQAABBBBAAIHgBQg0wZ9CDgABBBBAAAEECDS0AQQQQAABBBAIXoBAE/wp5AAQQAABBBBAgEBDG0AAAQQQQACB4AUINMGfQg4AAQQQQAABBAg0tAEEEEAAAQQQCF6AQBP8KeQAEEAAAQQQQIBAk90GdjGz/mbWx8wOMrN9zWxvM+tmZrua2U5mhh2fHwQQQACBeghsM7O3zOx1M3vZzF40s+fM7AkzW2tmq8zsjXrsOOQy+VL+/7M3yMyGmdlRZjYg5JNK3RFAAAEEml5gpZndb2aLzGx50x9tgQPs6IHmADM73cxOMrP9CnjxEgQQQAABBBpN4Fkzu9XMbjazpxqtcr7q01EDzZFmdr6ZjfQFzX4QQAABBBDwILDAzK4xswc87KuhdtHRAo2GlS42s+HVzkKvXr2sb9++1rt3b+vZs6fts88+1r17d9t9992tS5cu1qlTR6OrJsbfEUAAAQRcCGzbts02b95sr732mm3cuNGef/55e/rpp23dunW2Zs0aW79+fZHdLDSzyzvScFRH+Vbe08ymmtk5ea2gc+fONnLkSBs+fLgNHjzYevToUaTB8BoEEEAAAQS8CmzYsMGWLVtmCxcutAULFtiWLVsq7f86M5tgZq94rWQ77KwjBJpTzWz62zOUtiMeOHCgnXnmmXbKKadY165d2+EUsEsEEEAAAQRqE9i0aZPNmzfPbrzxRluxYkVeIZopNc7M5ta2lzDe1eyB5tq8XpmhQ4fa2LFjbciQIWGcKWqJAAIIIIBABYGlS5fajBkzbPHixXmvUm/Nuc2K2KyBRrOXbsqafn3ooYfaJZdcYiNGjGjWc8pxIYAAAgh0YIF77rnHJk+ebI8++miWgqZ7n9GMs6GaMdBoBtP8rCGmKVOm2IQJGkpkQwABBBBAoLkFpk6dahMnTsw6SA1BjWq2mVDNFmiOM7M70qv4qldm5syZ1r+/Fv9lQwABBBBAoGMIrFq1ys4777ys3hqtRnyCmd3VLBLNFGgUZu5Mn5jRo0dHN0sxzbpZmizHgQACCCBQRkDTwDX5Zfbs2VlvO75ZQk2zBBoNMy1L98xMmjQpGkdkQwABBBBAoKML6P7RSy+9NM2gnprBzTD81AyBRjcAP5S+Z2batGk2bpxmqbEhgAACCCCAgASmT59u48ePT2PonpojQr9RuBkCzSPp2UyEGT64CCCAAAIIZAvkhBrNfjosZLPQA81268wwzBRyc6TuCCCAAAI+BHKGn4JepybkQKMVgOckT7xuAJ41a5aPtsA+EEAAAQQQCFpgzJgxWTcKnxbqisKhBho9m+mJ5H0zmpq9evVqZjMF/fGi8ggggAACvgQ0+6lfv37pKd26n+agEJ/9FGqg2W6oaeXKlawz4+tTwH4QQAABBJpCQOvUDBgwIH0sQQ49hRhoBpnZw0l9VgBuis8VB4EAAggg0A4COSsKH25my9uhOjXvMsRAc6+ZDY+PWENNa9asqRmANyKAAAIIINDRBfr27ZseelpoZseE5BJaoNECevcnge+++24eNBlSi6OuCCCAAAINJ6AHWh577LHpeh0V0oJ7oQWa281sZCw+dOhQW7RoUcM1DCqEAAIIIIBAaALDhg2zxYsXJ6u9wMxODOU4Qgo0WhH4ySTskiVLbMiQIaFYU08EEEAAAQQaVmDp0qV29NFHp+t3YCgrCIcUaKaY2YRYeuDAgbZ8eVD3KzVsI6ZiCCCAAAIISGDQoEG2YsWKJMZUM5sYgk5IgeYZM9svRr3++uvtrLPOCsGYOiKAAAIIIBCEwA033GBnn312sq7Pmtn+IVQ+lEDTaqp2586d7dVXX7WuXbuGYEwdEUAAAQQQCEJg06ZNtscee9iWLVuS9Q1iCncogabVcNOoUaPslltuCaJxUEkEEEAAAQRCEjj55JNt/vz5wQ07hRJoWj1Re86cOXbqqXqUExsCCCCAAAIIuBSYO3eunXaaHunUsgXxJO4QAs0uZvZ6Uvall16yHj16uDx/lIUAAggggAACZrZhwwbba6+90ha7mtkbjQwUQqBptZher169bN26dY1sSt0QQAABBBAIWqB37962fv365DE0/CJ7IQSaC81sRqw6evRomzVrVtANhcojgAACCCDQyAJjxoyx2bNnJ6s41syubOQ6hxBoWj1Ze9q0aTZu3LhGNqVuCCCAAAIIBC0wffp0Gz9+fPIYGv4J3CEEmiVm1rIcMM9uCvozQuURQAABBAIQyHi201Iz224Z4UY6lBACzeNm9j8x2mOPPWZ9+vRpJEPqggACCCCAQFMJrF271g455JDkMf2vmR3cyAcZQqDZaGbdYkRmODVyc6JuCCCAAALNIJAx0+llM+veyMcWQqDZZGZdYsQ333yTFYIbuUVRNwQQQACB4AW0YvDOO++cPI7NZtbQy/OHEGi2mllLPbdu3WqdOoVQ7eDbMweAAAIIINBBBbZt22Y77LBD8ui3mVmrf2g0mhCSgRBbNiGzIYAAAggggEB9BTI6Dxo6MzR05d4+VQSa+rZZSkcAAQQQQGA7AQKN+0ZBoHFvSokIIIAAAghUFCDQuG8gBBr3ppSIAAIIIIAAgcZzGyDQeAZndwgggAACCNBD474NEGjcm1IiAggggAAC9NB4bgMEGs/g7A4BBBBAAAF6aNy3AQKNe1NKRAABBBBAgB4az22AQOMZnN0hgAACCCBAD437NkCgcW9KiQgggAACCNBD47kNEGg8g7M7BBBAAAEE6KFx3wYINO5NKREBBBBAAAF6aDy3AQKNZ3B2hwACCCCAAD007tsAgca9KSUigAACCCBAD43nNkCg8QzO7hBAAAEEEKCHxn0bINC4N6VEBBBAAAEE6KHx3AYINJ7B2R0CCCCAAAL00LhvAwQa96aUiAACCCCAAD00ntsAgcYzOLtDAAEEEECAHhr3bYBA496UEhFAAAEEEKCHxnMbINB4Bmd3CCCAAAII0EPjvg0QaNybUiICCCCAAAL00HhuAwQaz+DsDgEEEEAAAXpo3LcBAo17U0pEAAEEEECAHhrPbYBA4xmc3SGAAAIIIEAPjfs2QKBxb0qJCCCAAAII0EPjuQ0QaDyDszsEEEAAAQTooXHfBgg07k0pEQEEEEAAAXpoPLcBAo1ncHaHAAIIIIAAPTTu2wCBxr0pJSKAAAIIIEAPjec2QKDxDM7uEEAAAQQQoIfGfRsg0Lg3pUQEEEAAAQToofHcBgg0nsHZHQIIIIAAAvTQuG8DBBr3ppSIAAIIIIAAPTSe2wCBxjM4u0MAAQQQQIAeGvdtgEDj3pQSEUAAAQQQoIfGcxsg0HgGZ3cIIIAAAgjQQ+O+DRBo3JtSIgIIIIAAAvTQeG4DBBrP4OwOAQQQQAABemjctwECjXtTSkQAAQQQQIAeGs9tgEDjGZzdIYAAAgggQA+N+zZAoHFvSokIIIAAAgjQQ+O5DRBoPIOzOwQQQAABBOihcd8GCDTuTSkRAQQQQAABemg8twECjWdwdocAAggggAA9NO7bAIHGvSklIoAAAgggQA+N5zZAoPEMzu4QQAABBBCgh8Z9GyDQuDelRAQQQAABBOih8dwGCDSewdkdAggggAAC9NC4bwMEGvemlIgAAggggAA9NJ7bAIHGMzi7QwABBBBAgB4a922AQOPelBIRQAABBBCgh8ZzGyDQeAZndwgggAACCNBD474NEGjcm1IiAggggAAC9NB4bgMEGs/g7A4BBBBAAAF6aNy3AQKNe1NKRAABBBBAgB4az22AQOMZnN0hgAACCCBAD437NkCgcW9KiQgggAACCNBD47kNEGg8g7M7BBBAAAEE6KFx3wYINO5NKREBBBBAAAF6aDy3AQKNZ3B2hwACCCCAAD007tsAgca9KSUigAACCCBAD43nNkCg8QzO7hBAAAEEEKCHxn0baMhAs2nTJhs7dqxde+210REfcsghduutt9oBBxzQJgGV+/Wvf92uvvrqlnJcld2mivFmBEoILF261I4++ujoHT/5yU/s3HPPzXz3tm3bbMaMGTZ+/HjbddddbcmSJXbYYYeV2BMvRQCBegkQaNzLdqhAM3/+fDvnnHPs9ddfJ9C4b0uU6EngqaeespNOOskee+wxGz58uF1//fXWo0eP7fb+4osv2mmnnWYPPvigDRw40ObNm2f77LOPp1qyGwQQqCRAoHHfPjpMoHn66aeji/vKlStbKdJD475RUWJ9Bd566y2bOHGiTZs2LdrRySefbJdddpntu+++poukemaee+45+9a3vmW33HJL9Jpvf/vbdskll9g73vGO+laO0hFAoJAAgaYQU6kXdYhAkzXUFCsRaEq1F17cIAJPPPGEjRkzplVAV++LQs3atWvt73//e0tNBwwYYHPmzLGePXs2SO2pBgIIEGjct4EOEWjuuuuuqHcmOdREoHHfmCjRr8AjjzxiF1xwga1evTp3x4MGDYruRTv44IP9Vo69IYBARQECjfsG0vSB5k9/+pOdeuqptnz58kw9emjcNypK9Cfwr3/9yxTYNbS0YsWKqGdGPTXqlTnhhBNsxIgR9q53vctfhdgTAggUEiDQFGIq9aKmDjTpew2yZAg0pdoLL0YAAQQQcCBAoHGAmCqiqQNN1lCTprv+9a9/jWaIaCPQuG9UlIgAAgggUFmAQOO+hTRtoMkaalJ4+dGPfmRTpkyx++67j0Djvj1RIgIIIIBAAQECTQGkki9pykDz73//O5qiOnXq1FYcmunx6U9/Orqnpi2BZuPGjfbAAw9EZain5/e//320Hy3895GPfMQGDx4c3bvQvXv3zNORNetKC59dd911NmrUqKqnUNNytfaI1tSJN71fi6xpCm/GB6Xldf/85z/toYcesl/84het6v6e97zH+vXrZ7qJ9Pjjj7eDDjrI3vnOd1atS/oF3/nOd2zSpEml35d8w6WXXhpNM87aXnnlFfv85z9f8/kr837dd3X44Ye3VEML2Gmhuq5du7bp+PTm9OKR+reHH3448k9vZeqcVTEtqPeZz3ym1U3xc+fOjRzrsf3sZz+LPmNt2cpa6zP/xz/+0e6///7oXiKt1RN/LlUP3VekG6O1sKCuAfqc5rVvF224aHvW61zWvYh5W69f1faRd43ROdCPyk9+8pPRNUb/n3etSn/2qu2z2t8/9alPmdrlnnvuWe2l3v5OoHFP3ZSBJusC/oUvfCH6Mtq8eXPNX4gvv/yyXXnllVFwSE6LzTotCgjnn3++XXTRRdEqrekta10cfZnpi+ZDH/pQxTOtabkKPpq6G29f/vKX7Xvf+17ul63qrtkuMqhWd5V5xBFHRMHkyCOPtB122KFwy3PxZUCgac3dlkDzj3/8I1pJ+LbbbmtVaLMEGt0nd++999oVV1xRcbZXugErvOsHT1b7dtGGiwSaetS90gfV5fUraz+6QV0/yrQmUpFrzOmnn26TJ0/OvN4RaApfcr29sJO3PdW+o6YLNMnVUWMW9TZoleA+ffpYLV8O6hH59a9/bV/84hejX35lNq3kes0112Su0Jq1cvGECROiD3ner0f9+vnKV75iN998c0s19ItHvU977713ZtV+97vfRdN782Z65R2PgpgeFaGl84v2Srj4MiDQuAk0WT15ccnNEGj0Ba22qbZfy6b2rZ5APWYl+Xlz0YarBZp61T3LoV7Xr+S+nnzySfvqV78aPV6jzKZemunTp0cz8pI9FgSaMop+XkugqdG51mc55Q016VfD2WefHX1gagk0CjNnnHGGPf/8862OSL0wRx11lH34wx+OVmBVj8mvfvWr7V6nD6t6R7p169bq/VmzsPbaa6+ol0a/HNObLkxXXXWVXXjhhS1/qvR6vSiv7rqYq0dIS+J37tzZXnjhhai7Piuw6UKl+46KTP9NfhmofHXv77jjjhVbwvr166NjjjcCjZtAU2nJAl+BRj8mPve5z1UNxH/+859bPWOt2pCTegMUtmfOnNkKS+1an0cNLcXDC/rMa5hV6/akN31+9MPiYx/7WMufFi5caGqTedtvfvMbW7RoUcufhw0b1ur96ff16tUrekRFvNWz7ll1rtf1K95X1iKP+puuj7q+9O/fP7rG6DwsW7as1VCgXpc1XK4e7AULFuSeg3R7qdbOdt9992gYdJdddqnxW8n92xhycm/aVD00WUNN6tbUjcC77bZbpFc20GQNDemDqmXlzzrrrJZy41OjLv4f/OAH0T6TC/lpqEq9JOlGnPWlkxeA1qxZE90LkQxW3/3ud6NfqVk9Oll118VDv0hVl/R48tatW6N7g9RLlF6sTcNZ48aNq7p0fjLQVPtSis3S91wQaNoeaPLCfVyyr0BT9N6FsvcrZd2n87WvfS1qowopWZtCu4K5fuAkN30W1L532mmnQlfYdA9OpfaaVaDPutf7+qUZo/qca0ZpvFW6Puoaox5jPboj2Zujnhq5ZN1DlmWYbi9F21mhE+zpRQQa99BNE2g2bNgQ9cLo11W8JYea4n8rE2j+85//RMM/uoDFmz54N954Y3RjW94Nbfoy0XN2vvnNb7a8TwudafEzLU2f3rKml6cDkLqodeG44447Wt6eF3z0gqzen7zu3XR9srrD9V7dSNy3b9/cVigvdeFffvnl0WsUnBS49Ous0kag+a+Oy5uCs8Jv8hzUM9CoN1LDs9oUwHUDu34hV9rKBBr9aNCPieRnodpQbbxvfS70mY7bqP79E5/4RPRl+v73v7/QFbYtgcZn3et9/VL5CoKyL3N91Gt1j42ujz/96U9b3pv+8VmmvRBoCjXdNr2IIaca+coOOSlA6IszPTMmOdQUV6VMoNED/jRrKPlAS43Xa3ZIpZlE2pdmEuhG5LvvvrtFQRd2XYjTW1b4SIYxXTg0zqwu9uSFo1LAePzxx+2zn/1sqxuHszzyTlHWvUjqCdIv3LxfsunzVvSXK4HGbaBJ32elYdEuXbq0Cvv1DDS19NKVCTSPPvpoNIvwpZdeiuAq/VjIat+6qV5BS70X2nr37m0///nP7cADDyx0xWpLoPFZ93pfv9LlF51pGSOnrzF6v0Kq2mu1jR6aakLu/06gqdG0bKDRMInGR+MLnHabl/bLBJr0F+2xxx4b/aLIm46dPtwbbrgh6jWKt/POOy/qudGXS3rLChDxzCV10SpEJYeaqgUrzWZS93u8qTdH9Xn3u99d+KxoDPvEE09seX21RQgJNIVp6zptO9njpy+Jm266KZrmrp6TeAs50DzzzDN2zz33RA/hfPbZZ6MZeQrPRZ8knr4GyCSvdyzrjLYl0Pise72vX+nrW5keltg1XUbRXl0CTfFrjatXEmhqlCwTaIoONcVVKRpotmzZEnWJKhjEm8KIPnDVemfi1+uCqxtqe/ToEa17ceihh0brmuT1cKTvAdKXke7F0RdUsntdwUhdvXk36ereHU0ZT87+0FRzDVmV2f7yl79EQUo3Oseb6qJgl7WpO10PAY2H/Yp+adJD819NF0NO6c+DetV0v8LFF1/sJdBoWQTtM75Zt2gvXZkemjJtOOu17RlofNW93tevrHWUin7ekwbp3rKiw38Emra2pPLvJ9CUN4veUTTQZN2rovfn3YCrvxUNNOkvZ71XswWSsyFqPLzct1W7kVNvVPf6rFmzooXv8jb9CtQ6Nere1qabJPWLVoGqzJZ1Uaz0BaV7b0455ZRoJoM2zR456aSTqu6SQOMm0KRnwcXDlj179oyCuI8emjfffDMK8Rpe1aa1XhSmqm0EmmpC//170TBW7+tX+seOfnzpB5lml5XZ0teMotcqAk0ZZTevJdDU6Fg00GRNR9R9I7pw5w2tFA00mr6sL+P4mU9lx9lrPHTLGnqKyyq6mnB6nF5TJ+fNm5e5Fk61eiZv8NRrK81cSpsV7cYn0LgJNJo+q3u+4jYbB3v1mvgKNOnPV9Ff7fUONPqxoKm+mr6toVQtUZCchVi0repMtWXIqdrnLevvtdS93tevdM+Kgoh6ZzXDqcyma73uX0ouEqpgNGTIkIrFEGjKKLt5LYGmRscigSZrumCRmThFA40WitL6GevWrYuOQr0b6nHYf//9azyq4m/LuidI7y46k8Plhz0dNioFGq3zoYd/6ouiTABsS6Aprpr9ykr3BZVd3Eu/TrXKswKkHn+hR2HkrbLs+tEH6RvLte6Jekk03OlqeKCIdbp3sGivpotAox4q3RCt3gP9py913Ryve9Cy1qBJHk97BxrXda/39avsZ6NI24lfUyQEu7zGlamby9cybdul5n/LCnLadi1DTTFd0UDTnh8YfQHpPoQf//jHrc64FvMaOnRo1Vbgsu7psFFpeqRmdB133HFR/YqOheu1zRJo0iem0uMjXAeaZAhWT57un4rPhc9Ak+wd1FCXZuJphe5qW62BRtcCzULUMKyGOtOLX1bbb/z39gg09ay7y2tAliGBpmjLyn8dgabthukSggw0+jClZ/1UG2oKKdBkLRCo+ld7xEF8jC4vZumwoW5lPcoh6/lUyZlVlV6XboTNGmji49SjKjTdPWnmMtCkn9cUP7csvmncZ6CpNdSWDTTq0dDDJ/UQWj3Lqeimc6CVa9WTlAw/PgONj7q7vAYQaIq2rnKvI9CU8yry6uACTdYCc0WGmsoGmvQYsa8hp0r30OgYigw7ubyYFR1ySs9u0ReN/isyI6wtgabs2H16zL7MkFOlRznoBmoNbehegKzHR6QfHuoq0OjLUX4KkNqyPgs+A40WrIsXWtOSBT/84Q9t5513rnotKhNodMya9adlCSr1yOh+Dp1fLQapxyFopuF+++0XDYkmn9iuyvkKNL7qXu/rl8trTNXGkfGC9t5/LXVOv4dA40KxdRlBBRrdv5JeYE6HU2lWU5qs6JBTvW+qyzqVWbOcPvCBD5ie/RI/vTY9nJBVjsubgtPr2eStpZOe9VBkHDyue1sCTbW1cWo9/3pfmS/ZeD/6wtKCY3o0hlaGjrf0omGuAk360Rm6YVXLDSQfheEr0KSXC1BdNGW8SKgtY52++VnG8j3mmGOixSQVXnTvUN4DVYvOFMq73LblpmBfda/39St5v5ycfP3gi88JgcZ9GKhWIjcFVxPK+XveTcF/+9vfah5qKttDk55OqPcXvcEx3peOQ8+X0UVMU2gVyDRzKm+J9fRQk3ofZs+ebatWrWq1CrJ6ChQYdANq1qZfrZo+vWLFiujPtU6pTPe6qKy8abiq4/HHHx8tblh06mUzBpr4mLJuWk8uGuYi0Ki3IblCdl678BVo0ivHVlqzKN1uiwaarOX8dfO11ln6+Mc/Xig8tVeg8Vn3el+/0jd/6xqzePHiws9iqvGroeVtBJq2CpZ/P4GmvFn0jqxAowXm1FuQXGCu7APNVHbRHpqsL3P1DulLqeiW7rWodJNk1kMq41/b+nLUkMKDDz7YsutKjyFoj4X1kj05esK2bkp973vfW4iqmXpokgecPi7NPJKLlhRwEWh0npMPK81bPdpXoEneP1O256xooMla7LHMIz10ftIzgPRvPoacfNa93tev1157LVoFXTd9x1vZhUf1PoXgM888M+pR1JCgfqRpdfL3ve99Fa8dBJpCl1anLyLQ1MiZvgBrCrAukOqVSG5FnwCdfE/RQKP3pJflLvv4AK11offE613kPagv61lO6RuA0w+wrDb0lB4qKvvYBh1/+gs570sq/cA9PVNL988UXYq+WQNNpYtuWwONeu7UKxEvllfppngfgUZtWM8au+qqq6KP2+jRo+3qq6/OXc261h6arPVPyi4amX6kh69A47vu9bx+aWhV1xj9sIq3opMW4terDC0tcM4557SUUXTNLAJNjV+ubXgbgaZGvKwLcLqoSk+arrTbMoEm6wGP1Z6hFO876xjyfsEUCSsqT18Y+pKIt0pDT/V4OOUFF1wQPXIh/eiGZHAr84C5+DiaNdAkeyx0rC57aPQr9vvf/34UljXEp7B/5JFHZjZ9H4Em3d7yHsSa99ks2kOTvj+s7HBq3k33PnpofNe93tevrCe6awhUISd5D1feOdfDQdXznHz4r65x6pnu3LkzPTQ1fn/W620EmhplqwWaWoaa4qqUCTRZY97atx72p/H6vG3r1q3Ryry6gTbuncnr3cgaakrPiIn3k3VDYd5rs3p9NOtDU651H0+lGzU1/q6LUvJZUHnm6V/mZXuxsnqCKj1eocz5yzo/Zd5f9Es2az+vvvqqKVubxsIAABNHSURBVAAmDV3dQ5PeX9mnoOv9ZW7arvYxTv9aL/v0a5Vf1Dp974bem3UjdFadFWZ0Dm677bbt/lzm/rhabwr2Xfd6X7+yrjEKmOq5OeOMMyqGGl0Xv/GNb7Raa6vMbFV6aKp9Kt3/nUBTo2m1QFPLUFMtgUbvyQoc+uBddtll0VhveiaFVirVVNX413O836yZWFkXhErPasrqoq30OISsX0B6vYKWvgS7devW6gwpiOmXqqbd6oKR3PJ+eaVXNS77y7zZAo1mqml9FIWy5PooLmc5Jc+LgrJmU1V6tle9e2jSQbvskGOZQKMZfwrxGnKLN9lOmjTJvvSlL2UOcekzefvtt9sVV1yROaW+bMCrNdC0R93ref2SW9Y1Rv+u4HjhhRfaBz/4wVbXkUpr8JTp3SHQ1Pjl2oa3EWhqxKsUaGodaqo10Oh9Wc+M0r8r2GhFXH2Z6NfQH/7wh+gZMfEU63ifeU/H1qMUNH6cfKZMtSEtXZy1UNvNN9/coqsQpPfppuP0lld3fQloyEpj1urefeGFF6K6Z62hkq6/nuisuutBhEuXLm15Gnf37t2jLuR0UKrWDNavX9/q/qhhw4a1PAR05MiRrY6rTA9L1n7LvD990ay0Do3KVRe8nqOUPv+qh8t1aJLHVWTJgnoEmjfeeCM6Z7o5VFN477zzzpZq6fEY++67b7XT3urves5SejhVN5fvuOOOUW9o8qGHeQtP6vOoz4JCnu7f0udKddMMvORnTLOiVL9f/vKXLXVQr+vpp59eqM61BhoV3h51r9f1K8bKK19/17k7/PDDo5mWOgdazTk5xBSXoR4dDcnvueeehc4BgaYQk9MXEWhq5MwLNG0ZampLoNF7f/vb30a/AOMH/xU9NK3aql8e6Ye2Zf2y0QVVs7l22223isVnjV3nDT2pIF3UNfyxevXqotWOXqeLkJ6crHVN4lVn9e/pNS5KFVryxel7G8oEEteBpmTVW16uG3Z1XpMzN9pyU3BccNEbvesRaLKmPtfqU+196eEx9YJpWEPBIhlUqpWjv2utGvWe6nOsJ9LHW5mFINsSaNqr7q6vX2nrWstXOfoRpDBT5ocQgaZIa3f7GgJNjZ55gaZMl2Tertvyhah7S/TBmzlzZtULqX4Fqhtcw1Lpm2izbvAtM36s3qD0AoPVnsStuuvXvGbGZPUgpL104dfQk34Zp++3IdAUa9gKseeff75ddNFF2z0qoq2Bptost2QNmy3Q6NgUDHQvzOTJk3OHkZIG/fr1i+7ZULvW5zF9g26ZpQbaEmjas+6url95rb/sNabSNbLaJ4xAU03I/d8JNDWaZl2A9aA9TVGttj5BtV22JdDEZW/cuNE0VVTdp7pfIh6m0Qf0ox/9qGnIRA9xzOtpyRpqKjJ0kDw2DftoHYiFCxe2/HOl+2+Sddd9L/fdd1/0K1X116ZApa56Tb1U3Ss9KZpAk93KFDK0Sq0WvJOhZh1pGC5ra2ugqfTU8/T+mjHQxMeoIVi1ZT24NdmeFSYVYuJhQq1xkpx5k15qQOdOa6roafHVtrYGmvasu/bd1utXNR/Z6tqoc6I1f+InncefD50L3Tqg61Xeas7V9kGgqSbk/u8EGvemlNgAAulAU2bKa7Xq17Psavvm78UF0j8MXM6aqmfZxY+QVyJQXwGe5eTetyGf5eT+MCnRpUA9Q0c9y3Zp0NHLqmfoqGfZHf28cfyNI0CgcX8uCDTuTZu+xHqGjnqW3fQnxuMB1jN01LNsj0TsCoGKAgQa9w2EQOPetOlLrGfoqGfZTX9iPB5gPUNHPcv2SMSuECDQeG4DBBrP4M2wu3qGjnqW3Qz2jXIM9Qwd9Sy7UfyoBwL00LhvAwQa96ZNX2I9Q0c9y276E+PxAOsZOupZtkcidoUAPTSe2wCBxjN4M+yunqGjnmU3g32jHEM9Q0c9y24UP+qBAD007tsAgca9KSUigAACCCBAD43nNkCg8QzO7hBAAAEEEKCHxn0bINC4N6VEBBBAAAEE6KHx3AYINJ7B2R0CCCCAAAL00LhvAwQa96aUiAACCCCAAD00ntsAgcYzOLtDAAEEEECAHhr3bYBA496UEhFAAAEEEKCHxnMbINB4Bmd3CCCAAAII0EPjvg0QaNybUiICCCCAAAL00HhuAwQaz+DsDgEEEEAAAXpo3LcBAo17U0pEAAEEEECAHhrPbYBA4xmc3SGAAAIIIEAPjfs2QKBxb0qJCCCAAAII0EPjuQ0QaDyDszsEEEAAAQTooXHfBgg07k0pEQEEEEAAAXpoPLcBAo1ncHaHAAIIIIAAPTTu2wCBxr0pJSKAAAIIIEAPjec2QKDxDM7uEEAAAQQQoIfGfRsg0Lg3pUQEEEAAAQToofHcBgg0nsHZHQIIIIAAAvTQuG8DBBr3ppSIAAIIIIAAPTSe2wCBxjM4u0MAAQQQQIAeGvdtgEDj3pQSEUAAAQQQoIfGcxsg0HgGZ3cIIIAAAgjQQ+O+DRBo3JtSIgIIIIAAAvTQeG4DBBrP4OwOAQQQQAABemjctwECjXtTSkQAAQQQQIAeGs9tgEDjGZzdIYAAAgggQA+N+zZAoHFvSokIIIAAAgjQQ+O5DRBoPIOzOwQQQAABBOihcd8GCDTuTSkRAQQQQAABemg8twECjWdwdocAAggggAA9NO7bAIHGvSklIoAAAgggQA+N5zZAoPEMzu4QQAABBBCgh8Z9GyDQuDelRAQQQAABBOih8dwGCDSewdkdAggggAAC9NC4bwMEGvemlIgAAggggAA9NJ7bAIHGMzi7QwABBBBAgB4a922AQOPelBIRQAABBBCgh8ZzGyDQeAZndwgggAACCNBD474NEGjcm1IiAggggAAC9NB4bgMEGs/g7A4BBBBAAAF6aNy3AQKNe1NKRAABBBBAgB4az22AQOMZnN0hgAACCCBAD437NkCgcW9KiQgggAACCNBD47kNEGg8g7M7BBBAAAEE6KFx3wYINO5NKREBBBBAAAF6aDy3AQKNZ3B2hwACCCCAAD007tsAgca9KSUigAACCCBAD43nNkCg8QzO7hBAAAEEEKCHxn0bINC4N6VEBBBAAAEE6KHx3AYINJ7B2R0CCCCAAAL00LhvAwQa96aUiAACCCCAAD00ntsAgcYzOLtDAAEEEECAHhr3bYBA496UEhFAAAEEEKCHxnMbINB4Bmd3CCCAAAII0EPjvg0QaNybUiICCCCAAAL00HhuAwQaz+DsDgEEEEAAAXpo3LcBAo17U0pEAAEEEECAHhrPbYBA4xmc3SGAAAIIIEAPjfs2QKBxb0qJCCCAAAII0EPjuQ0QaDyDszsEEEAAAQTooXHfBgg07k0pEQEEEEAAAXpoPLeBrWbWKd7n1q1bLSM1eq4Su0MAAQQQQKB5BbZt22Y77LBD8gDVudDqHxrt6FuCQqNVLFGfTWbWJf7/N99807p27drA1aVqCCCAAAIIhC2wadMm23nnnZMHsdnMGvrLN4RAs9HMusWqL730kvXo0SPslkLtEUAAAQQQaGCBDRs22F577ZWs4ctm1r2Bq/z/QzkNXMnHzex/4vo99thj1qdPnwauLlVDAAEEEEAgbIG1a9faIYcckjyI/zWzgxv5qELooVliZkNixLvvvttGjBjRyKbUDQEEEEAAgaAF7rnnHjv22GOTx7DUzI5u5IMKIdBca2bnxIjTpk2zcePGNbIpdUMAAQQQQCBogenTp9v48eOTx3CdmZ3byAcVQqC50MxmxIijR4+2WbNmNbIpdUMAAQQQQCBogTFjxtjs2bOTxzDWzK5s5IMKIdAcaWb3x4i9evWydevWNbIpdUMAAQQQQCBogd69e9v69euTx3CUmT3QyAcVQqDZxcxeTyIy06mRmxR1QwABBBAIWSBjhpMOZ1cze6ORjyuEQCO/R8xsQAw5Z84cO/XUUxvZlbohgAACCCAQpMDcuXPttNNOS9Z9pZkd1ugHE0qgmWJmE2LMUaNG2S233NLottQPAQQQQACB4AROPvlkmz9/frLeU81sYqMfSCiBZpCZPRxjdu7c2V599VVWDG701kX9EEAAAQSCEtAKwXvssYdt2bIlWe/DzWx5ox9IKIFGjs+Y2X4x6PXXX29nnXVWo/tSPwQQQAABBIIRuOGGG+zss89O1vdZM9s/hAMIKdC0GnYaOHCgLV/e8IExhDZAHRFAAAEEEIgEBg0aZCtWrEhqBDHcpAqHFGgOMLMnk8pLliyxIUNaFhGmOSKAAAIIIIBAjQJLly61o4/ebjHgA83sqRqL9Pq2kAKNYG43s5Gx0NChQ23RokVewdgZAggggAACzSgwbNgwW7x4cfLQFpjZiaEca2iBptUie0Lm2U6hNDXqiQACCCDQqAIZz25SVRt+Mb2kZ2iBRnW/18yGxwdx6KGH2po1axq1jVAvBBBAAAEEGl6gb9++9uijjybrudDMjmn4iicqGGKgaTWFW8cyZcoUmzChZZmakPypKwIIIIAAAu0qMHXqVJs4cbtlZoKYqh16D43q3+oJ3PqHlStXWv/+/du1UbBzBBBAAAEEQhJYtWqVDRjQshB/XPWGf7J2lnGIPTQ6jj3N7Akz6xYflIaeVq9ebZ06hXpIIX0EqCsCCCCAQOgC27Zts379+qWHml42s4PM7JXQji/kb389zGlOEnz06NE2a9as0M4B9UUAAQQQQMC7wJgxY2z27Nnp/eohTnO9V8bBDkMONDr87YaeJk2aZJMnT3ZAQxEIIIAAAgg0p8All1xil156afrgghxqig8i9ECj42j1JG79w7Rp02zcuHHN2Qo5KgQQQAABBNogMH36dBs/fny6hCCeqF3psJsh0GgF4YeS99MQatrQ0nkrAggggEDTCuSEGd03c0QoKwLnnZxmCDQ6Ni24tyz9KAeGn5r2M8mBIYAAAgiUFMgZZtpmZoPN7IGSxTXcy5sl0Aj2ODO7My2sG4VvvPFGZj81XNOjQggggAACPgQ0m+nMM8/MugFYuz/ezO7yUY9676OZAk0cau5I99RoSvfMmTNZp6berYnyEUAAAQQaSkDrzJx33nnpqdmqo3pmTmiWMKMDarZAEw8/zU/fU6M/sKJwQ33OqAwCCCCAQB0FclYA1h51z8yoZhhmSvI1Y6DR8elG4ZvMbLvlD9Vbo3HEESNG1LEZUTQCCCCAAALtI6AHTWr5ktSzmeLKaDbTGaHfAJwl26yBJj7W7dapif8wdOhQGzt2rA0ZMqR9Whx7RQABBBBAwKHA0qVLbcaMGbZ48eK8UoNeZ6YaVbMHGh2/VhSenjUEpT8OHDgwulnqlFNOsa5du1bz4u8IIIAAAgg0jMCmTZts3rx50eSXFStW5NVLQ0xanC3IFYCLYneEQCMLPftpqpmdkwfTuXNnGzlypA0fPtwGDx5sPXr0KGrI6xBAAAEEEPAmsGHDBlu2bJktXLjQFixYYFu2bKm0b/XKTAjx2UxlQTtKoIldBpnZxWY2vBpUr169rG/fvta7d2/r2bOn7bPPPta9e3fbfffdrUuXLkwDrwbI3xFAAAEEahLQNOvNmzfba6+9Zhs3brTnn3/enn76aVu3bp2tWbPG1q9fX6TchWZ2uZktL/LiZnhNRws08TnTQnznm9nIZjiJHAMCCCCAAAJvCywws2uabQZTkbPbUQNNbKPZUKeb2Ulmtl8RMF6DAAIIIIBAgwk8a2a3mtnNzTh7qah1Rw80SScNRw0zs6OypnsXBeV1CCCAAAIIeBDQ9Ov7zWxRRxpWquRKoMnW2cXM+ptZHzM7yMz2NbO9354ptauZ7dSkixJ6+AyyCwQQQACBKgJaxfctM3v97UXwXjSz58zsCTNba2arzOwNFFsLEGhoEQgggAACCCAQvACBJvhTyAEggAACCCCAAIGGNoAAAggggAACwQsQaII/hRwAAggggAACCBBoaAMIIIAAAgggELwAgSb4U8gBIIAAAggggACBhjaAAAIIIIAAAsELEGiCP4UcAAIIIIAAAggQaGgDCCCAAAIIIBC8AIEm+FPIASCAAAIIIIAAgYY2gAACCCCAAALBCxBogj+FHAACCCCAAAIIEGhoAwgggAACCCAQvACBJvhTyAEggAACCCCAAIGGNoAAAggggAACwQsQaII/hRwAAggggAACCBBoaAMIIIAAAgggELwAgSb4U8gBIIAAAggggACBhjaAAAIIIIAAAsELEGiCP4UcAAIIIIAAAggQaGgDCCCAAAIIIBC8AIEm+FPIASCAAAIIIIAAgYY2gAACCCCAAALBCxBogj+FHAACCCCAAAIIEGhoAwgggAACCCAQvACBJvhTyAEggAACCCCAAIGGNoAAAggggAACwQsQaII/hRwAAggggAACCBBoaAMIIIAAAgggELwAgSb4U8gBIIAAAggggACBhjaAAAIIIIAAAsELEGiCP4UcAAIIIIAAAggQaGgDCCCAAAIIIBC8AIEm+FPIASCAAAIIIIAAgYY2gAACCCCAAALBCxBogj+FHAACCCCAAAIIEGhoAwgggAACCCAQvACBJvhTyAEggAACCCCAAIGGNoAAAggggAACwQsQaII/hRwAAggggAACCPwfLUKCB4dtVj4AAAAASUVORK5CYII="/>
+          <p:cNvSpPr>
+            <a:spLocks noChangeAspect="1" noChangeArrowheads="1"/>
+          </p:cNvSpPr>
+          <p:nvPr/>
+        </p:nvSpPr>
+        <p:spPr bwMode="auto">
+          <a:xfrm>
+            <a:off x="155575" y="-365125"/>
+            <a:ext cx="1343025" cy="771525"/>
+          </a:xfrm>
+          <a:prstGeom prst="rect">
+            <a:avLst/>
+          </a:prstGeom>
+          <a:noFill/>
+        </p:spPr>
+        <p:txBody>
+          <a:bodyPr vert="horz" wrap="square" lIns="91440" tIns="45720" rIns="91440" bIns="45720" numCol="1" anchor="t" anchorCtr="0" compatLnSpc="1">
+            <a:prstTxWarp prst="textNoShape">
+              <a:avLst/>
+            </a:prstTxWarp>
+          </a:bodyPr>
+          <a:lstStyle/>
+          <a:p>
+            <a:endParaRPr lang="ru-RU"/>
+          </a:p>
+        </p:txBody>
+      </p:sp>
+      <p:sp>
+        <p:nvSpPr>
+          <p:cNvPr id="7" name="Заголовок 1">
+            <a:extLst>
+              <a:ext uri="{FF2B5EF4-FFF2-40B4-BE49-F238E27FC236}">
+                <a16:creationId xmlns:a16="http://schemas.microsoft.com/office/drawing/2014/main" xmlns="" id="{2E9213E6-749D-9992-D519-94F289222BF0}"/>
+              </a:ext>
+            </a:extLst>
+          </p:cNvPr>
+          <p:cNvSpPr txBox="1">
+            <a:spLocks/>
+          </p:cNvSpPr>
+          <p:nvPr/>
+        </p:nvSpPr>
+        <p:spPr>
+          <a:xfrm>
+            <a:off x="602776" y="913312"/>
+            <a:ext cx="10959152" cy="860897"/>
+          </a:xfrm>
+          <a:prstGeom prst="rect">
+            <a:avLst/>
+          </a:prstGeom>
+        </p:spPr>
+        <p:txBody>
+          <a:bodyPr vert="horz" lIns="91440" tIns="45720" rIns="91440" bIns="45720" rtlCol="0" anchor="ctr">
+            <a:noAutofit/>
+          </a:bodyPr>
+          <a:lstStyle/>
+          <a:p>
+            <a:pPr lvl="0" indent="-514350" algn="just">
+              <a:lnSpc>
+                <a:spcPct val="90000"/>
+              </a:lnSpc>
+              <a:spcBef>
+                <a:spcPct val="0"/>
+              </a:spcBef>
+            </a:pPr>
+            <a:r>
+              <a:rPr lang="ru-RU" sz="2800" b="1" dirty="0" smtClean="0">
+                <a:solidFill>
+                  <a:srgbClr val="002060"/>
+                </a:solidFill>
+                <a:latin typeface="+mj-lt"/>
+              </a:rPr>
+              <a:t>Использовался </a:t>
+            </a:r>
+            <a:r>
+              <a:rPr lang="ru-RU" sz="2800" b="1" dirty="0" err="1" smtClean="0">
+                <a:solidFill>
+                  <a:srgbClr val="002060"/>
+                </a:solidFill>
+                <a:latin typeface="+mj-lt"/>
+              </a:rPr>
+              <a:t>BorderlineSMOTE</a:t>
+            </a:r>
+            <a:r>
+              <a:rPr lang="ru-RU" sz="2800" b="1" dirty="0" smtClean="0">
+                <a:solidFill>
+                  <a:srgbClr val="002060"/>
+                </a:solidFill>
+                <a:latin typeface="+mj-lt"/>
+              </a:rPr>
+              <a:t> из библиотеки </a:t>
+            </a:r>
+            <a:r>
+              <a:rPr lang="ru-RU" sz="2800" b="1" dirty="0" err="1" smtClean="0">
+                <a:solidFill>
+                  <a:srgbClr val="002060"/>
+                </a:solidFill>
+                <a:latin typeface="+mj-lt"/>
+              </a:rPr>
+              <a:t>imblearn</a:t>
+            </a:r>
+            <a:r>
+              <a:rPr lang="ru-RU" sz="2800" b="1" dirty="0" smtClean="0">
+                <a:solidFill>
+                  <a:srgbClr val="002060"/>
+                </a:solidFill>
+                <a:latin typeface="+mj-lt"/>
+              </a:rPr>
+              <a:t> – </a:t>
+            </a:r>
+            <a:r>
+              <a:rPr lang="ru-RU" sz="2800" b="1" dirty="0" smtClean="0">
+                <a:solidFill>
+                  <a:srgbClr val="002060"/>
+                </a:solidFill>
+                <a:latin typeface="+mj-lt"/>
+              </a:rPr>
+              <a:t>алгоритм является вариантом оригинального </a:t>
+            </a:r>
+            <a:r>
+              <a:rPr lang="ru-RU" sz="2800" b="1" dirty="0" smtClean="0">
+                <a:solidFill>
+                  <a:srgbClr val="002060"/>
+                </a:solidFill>
+                <a:latin typeface="+mj-lt"/>
+              </a:rPr>
+              <a:t>алгоритма</a:t>
+            </a:r>
+            <a:endParaRPr kumimoji="0" lang="ru-RU" sz="2800" b="1" i="0" u="none" strike="noStrike" kern="1200" cap="none" spc="0" normalizeH="0" noProof="0" dirty="0" smtClean="0">
+              <a:ln>
+                <a:noFill/>
+              </a:ln>
+              <a:solidFill>
+                <a:srgbClr val="002060"/>
+              </a:solidFill>
+              <a:effectLst/>
+              <a:uLnTx/>
+              <a:uFillTx/>
+              <a:latin typeface="+mj-lt"/>
+              <a:ea typeface="+mj-ea"/>
+              <a:cs typeface="+mj-cs"/>
+            </a:endParaRPr>
+          </a:p>
+        </p:txBody>
+      </p:sp>
+      <p:pic>
+        <p:nvPicPr>
+          <p:cNvPr id="1026" name="Picture 2"/>
+          <p:cNvPicPr>
+            <a:picLocks noChangeAspect="1" noChangeArrowheads="1"/>
+          </p:cNvPicPr>
+          <p:nvPr/>
+        </p:nvPicPr>
+        <p:blipFill>
+          <a:blip r:embed="rId2"/>
+          <a:srcRect/>
+          <a:stretch>
+            <a:fillRect/>
+          </a:stretch>
+        </p:blipFill>
+        <p:spPr bwMode="auto">
+          <a:xfrm>
+            <a:off x="1255594" y="1849273"/>
+            <a:ext cx="9717206" cy="4817659"/>
+          </a:xfrm>
+          <a:prstGeom prst="rect">
+            <a:avLst/>
+          </a:prstGeom>
+          <a:noFill/>
+          <a:ln w="9525">
+            <a:noFill/>
+            <a:miter lim="800000"/>
+            <a:headEnd/>
+            <a:tailEnd/>
+          </a:ln>
+          <a:effectLst/>
+        </p:spPr>
+      </p:pic>
+    </p:spTree>
+    <p:extLst>
+      <p:ext uri="{BB962C8B-B14F-4D97-AF65-F5344CB8AC3E}">
+        <p14:creationId xmlns="" xmlns:p14="http://schemas.microsoft.com/office/powerpoint/2010/main" val="261818918"/>
       </p:ext>
     </p:extLst>
   </p:cSld>
@@ -6024,7 +6580,7 @@
           <p:cNvPr id="2" name="Заголовок 1">
             <a:extLst>
               <a:ext uri="{FF2B5EF4-FFF2-40B4-BE49-F238E27FC236}">
-                <a16:creationId xmlns="" xmlns:a16="http://schemas.microsoft.com/office/drawing/2014/main" id="{2E9213E6-749D-9992-D519-94F289222BF0}"/>
+                <a16:creationId xmlns:a16="http://schemas.microsoft.com/office/drawing/2014/main" xmlns="" id="{2E9213E6-749D-9992-D519-94F289222BF0}"/>
               </a:ext>
             </a:extLst>
           </p:cNvPr>
@@ -6038,7 +6594,7 @@
         <p:spPr>
           <a:xfrm>
             <a:off x="838200" y="365125"/>
-            <a:ext cx="10515600" cy="1036955"/>
+            <a:ext cx="10515600" cy="1177072"/>
           </a:xfrm>
         </p:spPr>
         <p:txBody>
@@ -6048,23 +6604,21 @@
           <a:lstStyle/>
           <a:p>
             <a:r>
-              <a:rPr lang="ru-RU" sz="4800" dirty="0" smtClean="0">
+              <a:rPr lang="ru-RU" sz="4800" b="1" dirty="0" smtClean="0">
                 <a:solidFill>
                   <a:schemeClr val="accent1">
                     <a:lumMod val="50000"/>
                   </a:schemeClr>
                 </a:solidFill>
-                <a:latin typeface="+mn-lt"/>
-              </a:rPr>
-              <a:t>Масштабируемость</a:t>
-            </a:r>
-            <a:endParaRPr lang="ru-RU" sz="4800" dirty="0">
+              </a:rPr>
+              <a:t>Выбор модели</a:t>
+            </a:r>
+            <a:endParaRPr lang="ru-RU" sz="4800" b="1" dirty="0">
               <a:solidFill>
                 <a:schemeClr val="accent1">
                   <a:lumMod val="50000"/>
                 </a:schemeClr>
               </a:solidFill>
-              <a:latin typeface="+mn-lt"/>
             </a:endParaRPr>
           </a:p>
         </p:txBody>
@@ -6074,7 +6628,7 @@
           <p:cNvPr id="5" name="Объект 4">
             <a:extLst>
               <a:ext uri="{FF2B5EF4-FFF2-40B4-BE49-F238E27FC236}">
-                <a16:creationId xmlns="" xmlns:a16="http://schemas.microsoft.com/office/drawing/2014/main" id="{7C76C821-45B2-DFFE-8A53-0CD78B84D34D}"/>
+                <a16:creationId xmlns:a16="http://schemas.microsoft.com/office/drawing/2014/main" xmlns="" id="{7C76C821-45B2-DFFE-8A53-0CD78B84D34D}"/>
               </a:ext>
             </a:extLst>
           </p:cNvPr>
@@ -6131,10 +6685,10 @@
       </p:sp>
       <p:sp>
         <p:nvSpPr>
-          <p:cNvPr id="9" name="Заголовок 1">
-            <a:extLst>
-              <a:ext uri="{FF2B5EF4-FFF2-40B4-BE49-F238E27FC236}">
-                <a16:creationId xmlns="" xmlns:a16="http://schemas.microsoft.com/office/drawing/2014/main" id="{2E9213E6-749D-9992-D519-94F289222BF0}"/>
+          <p:cNvPr id="7" name="Заголовок 1">
+            <a:extLst>
+              <a:ext uri="{FF2B5EF4-FFF2-40B4-BE49-F238E27FC236}">
+                <a16:creationId xmlns:a16="http://schemas.microsoft.com/office/drawing/2014/main" xmlns="" id="{2E9213E6-749D-9992-D519-94F289222BF0}"/>
               </a:ext>
             </a:extLst>
           </p:cNvPr>
@@ -6145,8 +6699,8 @@
         </p:nvSpPr>
         <p:spPr>
           <a:xfrm>
-            <a:off x="423082" y="1528549"/>
-            <a:ext cx="11505062" cy="4067033"/>
+            <a:off x="2552133" y="4162567"/>
+            <a:ext cx="7519915" cy="2197290"/>
           </a:xfrm>
           <a:prstGeom prst="rect">
             <a:avLst/>
@@ -6154,138 +6708,588 @@
         </p:spPr>
         <p:txBody>
           <a:bodyPr vert="horz" lIns="91440" tIns="45720" rIns="91440" bIns="45720" rtlCol="0" anchor="ctr">
-            <a:normAutofit fontScale="92500" lnSpcReduction="10000"/>
+            <a:noAutofit/>
           </a:bodyPr>
           <a:lstStyle/>
           <a:p>
-            <a:pPr algn="just"/>
-            <a:r>
-              <a:rPr lang="ru-RU" sz="4100" dirty="0" smtClean="0">
-                <a:solidFill>
-                  <a:srgbClr val="FF0000"/>
+            <a:pPr algn="just" fontAlgn="ctr"/>
+            <a:r>
+              <a:rPr lang="ru-RU" sz="4000" dirty="0" smtClean="0">
+                <a:solidFill>
+                  <a:srgbClr val="002060"/>
                 </a:solidFill>
                 <a:ea typeface="+mj-ea"/>
                 <a:cs typeface="+mj-cs"/>
               </a:rPr>
-              <a:t>	</a:t>
-            </a:r>
-            <a:r>
-              <a:rPr lang="ru-RU" sz="3600" dirty="0" smtClean="0">
-                <a:solidFill>
-                  <a:srgbClr val="002060"/>
-                </a:solidFill>
-              </a:rPr>
-              <a:t>Возможно многократно увеличить данные для обучения модели, так как на </a:t>
-            </a:r>
-            <a:r>
-              <a:rPr lang="ru-RU" sz="3600" dirty="0" err="1" smtClean="0">
-                <a:solidFill>
-                  <a:srgbClr val="002060"/>
-                </a:solidFill>
-              </a:rPr>
-              <a:t>датасете</a:t>
-            </a:r>
-            <a:r>
-              <a:rPr lang="ru-RU" sz="3600" dirty="0" smtClean="0">
-                <a:solidFill>
-                  <a:srgbClr val="002060"/>
-                </a:solidFill>
-              </a:rPr>
-              <a:t> менее 7 тысяч записей всё решение, включая извлечение признаков, формирование обучающей выборки, её </a:t>
-            </a:r>
-            <a:r>
-              <a:rPr lang="ru-RU" sz="3600" dirty="0" err="1" smtClean="0">
-                <a:solidFill>
-                  <a:srgbClr val="002060"/>
-                </a:solidFill>
-              </a:rPr>
-              <a:t>оверсэмплинг</a:t>
-            </a:r>
-            <a:r>
-              <a:rPr lang="ru-RU" sz="3600" dirty="0" smtClean="0">
-                <a:solidFill>
-                  <a:srgbClr val="002060"/>
-                </a:solidFill>
-              </a:rPr>
-              <a:t> и непосредственно обучение модели занимает </a:t>
-            </a:r>
-            <a:r>
-              <a:rPr lang="en-US" sz="3600" dirty="0" smtClean="0">
-                <a:solidFill>
-                  <a:srgbClr val="002060"/>
-                </a:solidFill>
-              </a:rPr>
-              <a:t>1</a:t>
-            </a:r>
-            <a:r>
-              <a:rPr lang="ru-RU" sz="3600" dirty="0" smtClean="0">
-                <a:solidFill>
-                  <a:srgbClr val="002060"/>
-                </a:solidFill>
-              </a:rPr>
-              <a:t> минут</a:t>
-            </a:r>
-            <a:r>
-              <a:rPr lang="ru-RU" sz="3600" dirty="0" smtClean="0">
-                <a:solidFill>
-                  <a:srgbClr val="002060"/>
-                </a:solidFill>
-              </a:rPr>
-              <a:t>у</a:t>
-            </a:r>
-            <a:r>
-              <a:rPr lang="ru-RU" sz="3600" dirty="0" smtClean="0">
-                <a:solidFill>
-                  <a:srgbClr val="002060"/>
-                </a:solidFill>
+              <a:t>             показал результат на </a:t>
+            </a:r>
+            <a:r>
+              <a:rPr lang="ru-RU" sz="4000" dirty="0" err="1" smtClean="0">
+                <a:solidFill>
+                  <a:srgbClr val="002060"/>
+                </a:solidFill>
+                <a:ea typeface="+mj-ea"/>
+                <a:cs typeface="+mj-cs"/>
+              </a:rPr>
+              <a:t>лидерборде</a:t>
+            </a:r>
+            <a:r>
+              <a:rPr lang="ru-RU" sz="4000" dirty="0" smtClean="0">
+                <a:solidFill>
+                  <a:srgbClr val="002060"/>
+                </a:solidFill>
+                <a:ea typeface="+mj-ea"/>
+                <a:cs typeface="+mj-cs"/>
+              </a:rPr>
+              <a:t> лучше в 1,1 раза чем </a:t>
+            </a:r>
+            <a:endParaRPr kumimoji="0" lang="ru-RU" sz="4000" b="0" i="0" u="none" strike="noStrike" kern="1200" cap="none" spc="0" normalizeH="0" baseline="0" noProof="0" dirty="0">
+              <a:ln>
+                <a:noFill/>
+              </a:ln>
+              <a:solidFill>
+                <a:srgbClr val="002060"/>
+              </a:solidFill>
+              <a:effectLst/>
+              <a:uLnTx/>
+              <a:uFillTx/>
+              <a:latin typeface="+mn-lt"/>
+              <a:ea typeface="+mj-ea"/>
+              <a:cs typeface="+mj-cs"/>
+            </a:endParaRPr>
+          </a:p>
+        </p:txBody>
+      </p:sp>
+      <p:pic>
+        <p:nvPicPr>
+          <p:cNvPr id="6146" name="Picture 2" descr="https://cdn-images-1.medium.com/fit/t/1600/480/1*yhE3CBwTrlXcAIvNJNTQiA.png"/>
+          <p:cNvPicPr>
+            <a:picLocks noChangeAspect="1" noChangeArrowheads="1"/>
+          </p:cNvPicPr>
+          <p:nvPr/>
+        </p:nvPicPr>
+        <p:blipFill>
+          <a:blip r:embed="rId2" cstate="print"/>
+          <a:srcRect/>
+          <a:stretch>
+            <a:fillRect/>
+          </a:stretch>
+        </p:blipFill>
+        <p:spPr bwMode="auto">
+          <a:xfrm>
+            <a:off x="9487629" y="4995081"/>
+            <a:ext cx="2922735" cy="958707"/>
+          </a:xfrm>
+          <a:prstGeom prst="rect">
+            <a:avLst/>
+          </a:prstGeom>
+          <a:noFill/>
+        </p:spPr>
+      </p:pic>
+      <p:pic>
+        <p:nvPicPr>
+          <p:cNvPr id="6150" name="Picture 6" descr="https://mljar.com/images/machine-learning/catboost.png"/>
+          <p:cNvPicPr>
+            <a:picLocks noChangeAspect="1" noChangeArrowheads="1"/>
+          </p:cNvPicPr>
+          <p:nvPr/>
+        </p:nvPicPr>
+        <p:blipFill>
+          <a:blip r:embed="rId3"/>
+          <a:srcRect/>
+          <a:stretch>
+            <a:fillRect/>
+          </a:stretch>
+        </p:blipFill>
+        <p:spPr bwMode="auto">
+          <a:xfrm>
+            <a:off x="177421" y="3797513"/>
+            <a:ext cx="4394579" cy="2238376"/>
+          </a:xfrm>
+          <a:prstGeom prst="rect">
+            <a:avLst/>
+          </a:prstGeom>
+          <a:noFill/>
+        </p:spPr>
+      </p:pic>
+      <p:sp>
+        <p:nvSpPr>
+          <p:cNvPr id="11" name="Заголовок 1">
+            <a:extLst>
+              <a:ext uri="{FF2B5EF4-FFF2-40B4-BE49-F238E27FC236}">
+                <a16:creationId xmlns:a16="http://schemas.microsoft.com/office/drawing/2014/main" xmlns="" id="{2E9213E6-749D-9992-D519-94F289222BF0}"/>
+              </a:ext>
+            </a:extLst>
+          </p:cNvPr>
+          <p:cNvSpPr txBox="1">
+            <a:spLocks/>
+          </p:cNvSpPr>
+          <p:nvPr/>
+        </p:nvSpPr>
+        <p:spPr>
+          <a:xfrm>
+            <a:off x="1768523" y="4018720"/>
+            <a:ext cx="2175680" cy="819956"/>
+          </a:xfrm>
+          <a:prstGeom prst="rect">
+            <a:avLst/>
+          </a:prstGeom>
+        </p:spPr>
+        <p:txBody>
+          <a:bodyPr vert="horz" lIns="91440" tIns="45720" rIns="91440" bIns="45720" rtlCol="0" anchor="ctr">
+            <a:normAutofit/>
+          </a:bodyPr>
+          <a:lstStyle/>
+          <a:p>
+            <a:pPr marL="0" marR="0" lvl="0" indent="0" algn="l" defTabSz="914400" rtl="0" eaLnBrk="1" fontAlgn="auto" latinLnBrk="0" hangingPunct="1">
+              <a:lnSpc>
+                <a:spcPct val="90000"/>
+              </a:lnSpc>
+              <a:spcBef>
+                <a:spcPct val="0"/>
+              </a:spcBef>
+              <a:spcAft>
+                <a:spcPts val="0"/>
+              </a:spcAft>
+              <a:buClrTx/>
+              <a:buSzTx/>
+              <a:buFontTx/>
+              <a:buNone/>
+              <a:tabLst/>
+              <a:defRPr/>
+            </a:pPr>
+            <a:r>
+              <a:rPr lang="en-US" sz="2800" b="1" dirty="0" smtClean="0">
+                <a:solidFill>
+                  <a:srgbClr val="7030A0"/>
+                </a:solidFill>
+                <a:ea typeface="+mj-ea"/>
+                <a:cs typeface="+mj-cs"/>
+              </a:rPr>
+              <a:t>Recall ~0.83 </a:t>
+            </a:r>
+            <a:endParaRPr kumimoji="0" lang="ru-RU" sz="2800" b="1" i="0" u="none" strike="noStrike" kern="1200" cap="none" spc="0" normalizeH="0" baseline="0" noProof="0" dirty="0">
+              <a:ln>
+                <a:noFill/>
+              </a:ln>
+              <a:solidFill>
+                <a:srgbClr val="7030A0"/>
+              </a:solidFill>
+              <a:effectLst/>
+              <a:uLnTx/>
+              <a:uFillTx/>
+              <a:latin typeface="+mn-lt"/>
+              <a:ea typeface="+mj-ea"/>
+              <a:cs typeface="+mj-cs"/>
+            </a:endParaRPr>
+          </a:p>
+        </p:txBody>
+      </p:sp>
+      <p:sp>
+        <p:nvSpPr>
+          <p:cNvPr id="12" name="Заголовок 1">
+            <a:extLst>
+              <a:ext uri="{FF2B5EF4-FFF2-40B4-BE49-F238E27FC236}">
+                <a16:creationId xmlns:a16="http://schemas.microsoft.com/office/drawing/2014/main" xmlns="" id="{2E9213E6-749D-9992-D519-94F289222BF0}"/>
+              </a:ext>
+            </a:extLst>
+          </p:cNvPr>
+          <p:cNvSpPr txBox="1">
+            <a:spLocks/>
+          </p:cNvSpPr>
+          <p:nvPr/>
+        </p:nvSpPr>
+        <p:spPr>
+          <a:xfrm>
+            <a:off x="10016320" y="4755154"/>
+            <a:ext cx="2175680" cy="819956"/>
+          </a:xfrm>
+          <a:prstGeom prst="rect">
+            <a:avLst/>
+          </a:prstGeom>
+        </p:spPr>
+        <p:txBody>
+          <a:bodyPr vert="horz" lIns="91440" tIns="45720" rIns="91440" bIns="45720" rtlCol="0" anchor="ctr">
+            <a:normAutofit/>
+          </a:bodyPr>
+          <a:lstStyle/>
+          <a:p>
+            <a:pPr marL="0" marR="0" lvl="0" indent="0" algn="l" defTabSz="914400" rtl="0" eaLnBrk="1" fontAlgn="auto" latinLnBrk="0" hangingPunct="1">
+              <a:lnSpc>
+                <a:spcPct val="90000"/>
+              </a:lnSpc>
+              <a:spcBef>
+                <a:spcPct val="0"/>
+              </a:spcBef>
+              <a:spcAft>
+                <a:spcPts val="0"/>
+              </a:spcAft>
+              <a:buClrTx/>
+              <a:buSzTx/>
+              <a:buFontTx/>
+              <a:buNone/>
+              <a:tabLst/>
+              <a:defRPr/>
+            </a:pPr>
+            <a:r>
+              <a:rPr lang="en-US" sz="2800" b="1" dirty="0" smtClean="0">
+                <a:solidFill>
+                  <a:srgbClr val="7030A0"/>
+                </a:solidFill>
+                <a:ea typeface="+mj-ea"/>
+                <a:cs typeface="+mj-cs"/>
+              </a:rPr>
+              <a:t>Recall ~0.</a:t>
+            </a:r>
+            <a:r>
+              <a:rPr lang="ru-RU" sz="2800" b="1" dirty="0" smtClean="0">
+                <a:solidFill>
+                  <a:srgbClr val="7030A0"/>
+                </a:solidFill>
+                <a:ea typeface="+mj-ea"/>
+                <a:cs typeface="+mj-cs"/>
+              </a:rPr>
+              <a:t>76</a:t>
+            </a:r>
+            <a:r>
+              <a:rPr lang="en-US" sz="2800" b="1" dirty="0" smtClean="0">
+                <a:solidFill>
+                  <a:srgbClr val="7030A0"/>
+                </a:solidFill>
+                <a:ea typeface="+mj-ea"/>
+                <a:cs typeface="+mj-cs"/>
+              </a:rPr>
+              <a:t> </a:t>
+            </a:r>
+            <a:endParaRPr kumimoji="0" lang="ru-RU" sz="2800" b="1" i="0" u="none" strike="noStrike" kern="1200" cap="none" spc="0" normalizeH="0" baseline="0" noProof="0" dirty="0">
+              <a:ln>
+                <a:noFill/>
+              </a:ln>
+              <a:solidFill>
+                <a:srgbClr val="7030A0"/>
+              </a:solidFill>
+              <a:effectLst/>
+              <a:uLnTx/>
+              <a:uFillTx/>
+              <a:latin typeface="+mn-lt"/>
+              <a:ea typeface="+mj-ea"/>
+              <a:cs typeface="+mj-cs"/>
+            </a:endParaRPr>
+          </a:p>
+        </p:txBody>
+      </p:sp>
+      <p:sp>
+        <p:nvSpPr>
+          <p:cNvPr id="9" name="Заголовок 1">
+            <a:extLst>
+              <a:ext uri="{FF2B5EF4-FFF2-40B4-BE49-F238E27FC236}">
+                <a16:creationId xmlns:a16="http://schemas.microsoft.com/office/drawing/2014/main" xmlns="" id="{2E9213E6-749D-9992-D519-94F289222BF0}"/>
+              </a:ext>
+            </a:extLst>
+          </p:cNvPr>
+          <p:cNvSpPr txBox="1">
+            <a:spLocks/>
+          </p:cNvSpPr>
+          <p:nvPr/>
+        </p:nvSpPr>
+        <p:spPr>
+          <a:xfrm>
+            <a:off x="382136" y="1378424"/>
+            <a:ext cx="11505063" cy="3316405"/>
+          </a:xfrm>
+          <a:prstGeom prst="rect">
+            <a:avLst/>
+          </a:prstGeom>
+        </p:spPr>
+        <p:txBody>
+          <a:bodyPr vert="horz" lIns="91440" tIns="45720" rIns="91440" bIns="45720" rtlCol="0" anchor="ctr">
+            <a:noAutofit/>
+          </a:bodyPr>
+          <a:lstStyle/>
+          <a:p>
+            <a:pPr marL="457200" lvl="0" indent="-457200" algn="just">
+              <a:buAutoNum type="arabicPeriod"/>
+            </a:pPr>
+            <a:r>
+              <a:rPr lang="ru-RU" sz="2800" b="1" dirty="0" smtClean="0">
+                <a:solidFill>
+                  <a:srgbClr val="002060"/>
+                </a:solidFill>
+                <a:latin typeface="+mj-lt"/>
+              </a:rPr>
+              <a:t>В целях выбора модели был рассмотрен ряд базовых алгоритмов классификации</a:t>
+            </a:r>
+            <a:r>
+              <a:rPr lang="en-US" sz="2800" b="1" dirty="0" smtClean="0">
+                <a:solidFill>
+                  <a:srgbClr val="002060"/>
+                </a:solidFill>
+                <a:latin typeface="+mj-lt"/>
+              </a:rPr>
+              <a:t>: </a:t>
+            </a:r>
+            <a:r>
+              <a:rPr lang="ru-RU" sz="2800" b="1" dirty="0" err="1" smtClean="0">
+                <a:solidFill>
+                  <a:srgbClr val="002060"/>
+                </a:solidFill>
+                <a:latin typeface="+mj-lt"/>
+              </a:rPr>
+              <a:t>Логистическая</a:t>
+            </a:r>
+            <a:r>
+              <a:rPr lang="ru-RU" sz="2800" b="1" dirty="0" smtClean="0">
+                <a:solidFill>
+                  <a:srgbClr val="002060"/>
+                </a:solidFill>
+                <a:latin typeface="+mj-lt"/>
+              </a:rPr>
+              <a:t> регрессия, Метод </a:t>
+            </a:r>
+            <a:r>
+              <a:rPr lang="ru-RU" sz="2800" b="1" dirty="0" err="1" smtClean="0">
+                <a:solidFill>
+                  <a:srgbClr val="002060"/>
+                </a:solidFill>
+                <a:latin typeface="+mj-lt"/>
+              </a:rPr>
+              <a:t>К-ближайших</a:t>
+            </a:r>
+            <a:r>
+              <a:rPr lang="ru-RU" sz="2800" b="1" dirty="0" smtClean="0">
+                <a:solidFill>
+                  <a:srgbClr val="002060"/>
+                </a:solidFill>
+                <a:latin typeface="+mj-lt"/>
+              </a:rPr>
+              <a:t> соседей,   Байесовский классификатор, </a:t>
+            </a:r>
+            <a:r>
+              <a:rPr lang="en-US" sz="2800" b="1" dirty="0" smtClean="0">
+                <a:solidFill>
+                  <a:srgbClr val="002060"/>
+                </a:solidFill>
+                <a:latin typeface="+mj-lt"/>
+              </a:rPr>
+              <a:t> </a:t>
+            </a:r>
+            <a:r>
+              <a:rPr lang="ru-RU" sz="2800" b="1" dirty="0" smtClean="0">
+                <a:solidFill>
+                  <a:srgbClr val="002060"/>
+                </a:solidFill>
+                <a:latin typeface="+mj-lt"/>
+              </a:rPr>
+              <a:t>Метод опорных векторов,</a:t>
+            </a:r>
+            <a:r>
+              <a:rPr lang="en-US" sz="2800" b="1" dirty="0" smtClean="0">
+                <a:solidFill>
+                  <a:srgbClr val="002060"/>
+                </a:solidFill>
+                <a:latin typeface="+mj-lt"/>
+              </a:rPr>
+              <a:t> </a:t>
+            </a:r>
+            <a:r>
+              <a:rPr lang="ru-RU" sz="2800" b="1" dirty="0" smtClean="0">
+                <a:solidFill>
+                  <a:srgbClr val="002060"/>
+                </a:solidFill>
+                <a:latin typeface="+mj-lt"/>
+              </a:rPr>
+              <a:t>Случайный лес,</a:t>
+            </a:r>
+            <a:r>
+              <a:rPr lang="en-US" sz="2800" b="1" dirty="0" smtClean="0">
+                <a:solidFill>
+                  <a:srgbClr val="002060"/>
+                </a:solidFill>
+                <a:latin typeface="+mj-lt"/>
+              </a:rPr>
+              <a:t>  </a:t>
+            </a:r>
+            <a:r>
+              <a:rPr lang="ru-RU" sz="2800" b="1" dirty="0" smtClean="0">
+                <a:solidFill>
+                  <a:srgbClr val="002060"/>
+                </a:solidFill>
+                <a:latin typeface="+mj-lt"/>
+              </a:rPr>
+              <a:t>градиентные </a:t>
+            </a:r>
+            <a:r>
+              <a:rPr lang="ru-RU" sz="2800" b="1" dirty="0" err="1" smtClean="0">
+                <a:solidFill>
+                  <a:srgbClr val="002060"/>
+                </a:solidFill>
+                <a:latin typeface="+mj-lt"/>
+              </a:rPr>
+              <a:t>бустинги</a:t>
+            </a:r>
+            <a:r>
+              <a:rPr lang="en-US" sz="2800" b="1" dirty="0" smtClean="0">
+                <a:solidFill>
+                  <a:srgbClr val="002060"/>
+                </a:solidFill>
+                <a:latin typeface="+mj-lt"/>
+              </a:rPr>
+              <a:t> </a:t>
+            </a:r>
+            <a:r>
+              <a:rPr lang="ru-RU" sz="2800" b="1" dirty="0" smtClean="0">
+                <a:solidFill>
+                  <a:srgbClr val="002060"/>
+                </a:solidFill>
+                <a:latin typeface="+mj-lt"/>
+              </a:rPr>
+              <a:t> </a:t>
+            </a:r>
+            <a:r>
+              <a:rPr lang="ru-RU" sz="2800" b="1" dirty="0" err="1" smtClean="0">
+                <a:solidFill>
+                  <a:srgbClr val="002060"/>
+                </a:solidFill>
+                <a:latin typeface="+mj-lt"/>
+              </a:rPr>
+              <a:t>XGBoost</a:t>
+            </a:r>
+            <a:r>
+              <a:rPr lang="ru-RU" sz="2800" b="1" dirty="0" smtClean="0">
+                <a:solidFill>
+                  <a:srgbClr val="002060"/>
+                </a:solidFill>
+                <a:latin typeface="+mj-lt"/>
+              </a:rPr>
+              <a:t> и </a:t>
+            </a:r>
+            <a:r>
+              <a:rPr lang="ru-RU" sz="2800" b="1" dirty="0" err="1" smtClean="0">
+                <a:solidFill>
+                  <a:srgbClr val="002060"/>
+                </a:solidFill>
+                <a:latin typeface="+mj-lt"/>
+              </a:rPr>
+              <a:t>CatBoost</a:t>
+            </a:r>
+            <a:r>
+              <a:rPr lang="ru-RU" sz="2800" b="1" dirty="0" smtClean="0">
+                <a:solidFill>
+                  <a:srgbClr val="002060"/>
+                </a:solidFill>
+                <a:latin typeface="+mj-lt"/>
               </a:rPr>
               <a:t>.</a:t>
             </a:r>
-            <a:endParaRPr lang="en-US" sz="3600" dirty="0" smtClean="0">
+            <a:endParaRPr lang="en-US" sz="2800" b="1" dirty="0" smtClean="0">
+              <a:solidFill>
+                <a:srgbClr val="002060"/>
+              </a:solidFill>
+              <a:latin typeface="+mj-lt"/>
+            </a:endParaRPr>
+          </a:p>
+          <a:p>
+            <a:pPr marL="457200" lvl="0" indent="-457200" algn="just"/>
+            <a:endParaRPr lang="en-US" sz="2800" b="1" dirty="0" smtClean="0">
+              <a:solidFill>
+                <a:srgbClr val="002060"/>
+              </a:solidFill>
+              <a:latin typeface="+mj-lt"/>
+            </a:endParaRPr>
+          </a:p>
+          <a:p>
+            <a:pPr marL="457200" lvl="0" indent="-457200" algn="just">
+              <a:buAutoNum type="arabicPeriod" startAt="2"/>
+            </a:pPr>
+            <a:r>
+              <a:rPr lang="ru-RU" sz="2800" b="1" dirty="0" smtClean="0">
+                <a:solidFill>
+                  <a:srgbClr val="002060"/>
+                </a:solidFill>
+                <a:latin typeface="+mj-lt"/>
+              </a:rPr>
+              <a:t>Наилучшие показатели дали градиентные </a:t>
+            </a:r>
+            <a:r>
+              <a:rPr lang="ru-RU" sz="2800" b="1" dirty="0" err="1" smtClean="0">
+                <a:solidFill>
+                  <a:srgbClr val="002060"/>
+                </a:solidFill>
+                <a:latin typeface="+mj-lt"/>
+              </a:rPr>
+              <a:t>бустинги</a:t>
+            </a:r>
+            <a:r>
+              <a:rPr lang="ru-RU" sz="2800" b="1" dirty="0" smtClean="0">
+                <a:solidFill>
+                  <a:srgbClr val="002060"/>
+                </a:solidFill>
+                <a:latin typeface="+mj-lt"/>
+              </a:rPr>
+              <a:t>  </a:t>
+            </a:r>
+            <a:r>
+              <a:rPr lang="ru-RU" sz="2800" b="1" dirty="0" err="1" smtClean="0">
+                <a:solidFill>
+                  <a:srgbClr val="002060"/>
+                </a:solidFill>
+                <a:latin typeface="+mj-lt"/>
+              </a:rPr>
+              <a:t>XGBoost</a:t>
+            </a:r>
+            <a:r>
+              <a:rPr lang="ru-RU" sz="2800" b="1" dirty="0" smtClean="0">
+                <a:solidFill>
+                  <a:srgbClr val="002060"/>
+                </a:solidFill>
+                <a:latin typeface="+mj-lt"/>
+              </a:rPr>
+              <a:t> и </a:t>
+            </a:r>
+            <a:r>
+              <a:rPr lang="ru-RU" sz="2800" b="1" dirty="0" err="1" smtClean="0">
+                <a:solidFill>
+                  <a:srgbClr val="002060"/>
+                </a:solidFill>
+                <a:latin typeface="+mj-lt"/>
+              </a:rPr>
+              <a:t>CatBoost</a:t>
+            </a:r>
+            <a:endParaRPr lang="en-US" sz="2800" b="1" dirty="0" smtClean="0">
+              <a:solidFill>
+                <a:srgbClr val="002060"/>
+              </a:solidFill>
+              <a:latin typeface="+mj-lt"/>
+            </a:endParaRPr>
+          </a:p>
+          <a:p>
+            <a:pPr marL="457200" lvl="0" indent="-457200">
+              <a:buAutoNum type="arabicPeriod" startAt="2"/>
+            </a:pPr>
+            <a:endParaRPr lang="en-US" sz="2800" dirty="0" smtClean="0">
               <a:solidFill>
                 <a:srgbClr val="002060"/>
               </a:solidFill>
             </a:endParaRPr>
           </a:p>
           <a:p>
-            <a:pPr algn="just"/>
-            <a:endParaRPr lang="en-US" sz="3600" dirty="0" smtClean="0">
+            <a:pPr marL="914400" indent="-914400">
+              <a:lnSpc>
+                <a:spcPct val="90000"/>
+              </a:lnSpc>
+              <a:spcBef>
+                <a:spcPct val="0"/>
+              </a:spcBef>
+            </a:pPr>
+            <a:endParaRPr lang="ru-RU" sz="2800" b="1" dirty="0">
               <a:solidFill>
                 <a:schemeClr val="accent1">
                   <a:lumMod val="50000"/>
                 </a:schemeClr>
               </a:solidFill>
-            </a:endParaRPr>
-          </a:p>
-          <a:p>
-            <a:pPr algn="just"/>
-            <a:r>
-              <a:rPr lang="en-US" sz="3600" dirty="0" smtClean="0">
-                <a:solidFill>
-                  <a:schemeClr val="accent1">
-                    <a:lumMod val="50000"/>
-                  </a:schemeClr>
-                </a:solidFill>
-              </a:rPr>
-              <a:t>	</a:t>
-            </a:r>
-            <a:r>
-              <a:rPr lang="ru-RU" sz="3600" dirty="0" smtClean="0">
-                <a:solidFill>
-                  <a:schemeClr val="accent1">
-                    <a:lumMod val="50000"/>
-                  </a:schemeClr>
-                </a:solidFill>
-              </a:rPr>
-              <a:t>Для построения более точной модели требуется увеличение размеченных данных.</a:t>
-            </a:r>
-          </a:p>
-          <a:p>
-            <a:pPr algn="just"/>
-            <a:endParaRPr lang="ru-RU" sz="3600" dirty="0">
-              <a:solidFill>
-                <a:srgbClr val="002060"/>
-              </a:solidFill>
+              <a:latin typeface="+mj-lt"/>
+              <a:ea typeface="+mj-ea"/>
+              <a:cs typeface="+mj-cs"/>
             </a:endParaRPr>
           </a:p>
         </p:txBody>
@@ -6293,13 +7297,20 @@
     </p:spTree>
     <p:extLst>
       <p:ext uri="{BB962C8B-B14F-4D97-AF65-F5344CB8AC3E}">
-        <p14:creationId xmlns:p14="http://schemas.microsoft.com/office/powerpoint/2010/main" xmlns="" val="1444225727"/>
+        <p14:creationId xmlns="" xmlns:p14="http://schemas.microsoft.com/office/powerpoint/2010/main" val="2209134722"/>
       </p:ext>
     </p:extLst>
   </p:cSld>
   <p:clrMapOvr>
     <a:masterClrMapping/>
   </p:clrMapOvr>
+  <p:timing>
+    <p:tnLst>
+      <p:par>
+        <p:cTn id="1" dur="indefinite" restart="never" nodeType="tmRoot"/>
+      </p:par>
+    </p:tnLst>
+  </p:timing>
 </p:sld>
 </file>
 
@@ -6356,7 +7367,7 @@
           <p:cNvPr id="2" name="Заголовок 1">
             <a:extLst>
               <a:ext uri="{FF2B5EF4-FFF2-40B4-BE49-F238E27FC236}">
-                <a16:creationId xmlns="" xmlns:a16="http://schemas.microsoft.com/office/drawing/2014/main" id="{2E9213E6-749D-9992-D519-94F289222BF0}"/>
+                <a16:creationId xmlns:a16="http://schemas.microsoft.com/office/drawing/2014/main" xmlns="" id="{2E9213E6-749D-9992-D519-94F289222BF0}"/>
               </a:ext>
             </a:extLst>
           </p:cNvPr>
@@ -6369,108 +7380,167 @@
         </p:nvSpPr>
         <p:spPr>
           <a:xfrm>
-            <a:off x="838200" y="365125"/>
-            <a:ext cx="10515600" cy="1036955"/>
+            <a:off x="838199" y="365125"/>
+            <a:ext cx="10789693" cy="1036955"/>
           </a:xfrm>
         </p:spPr>
         <p:txBody>
           <a:bodyPr>
-            <a:normAutofit/>
+            <a:noAutofit/>
           </a:bodyPr>
           <a:lstStyle/>
           <a:p>
             <a:r>
-              <a:rPr lang="ru-RU" sz="4800" dirty="0"/>
-              <a:t>	</a:t>
-            </a:r>
-            <a:r>
-              <a:rPr lang="ru-RU" sz="4800" dirty="0" smtClean="0">
+              <a:rPr lang="ru-RU" sz="4800" b="1" dirty="0" smtClean="0">
+                <a:solidFill>
+                  <a:srgbClr val="002060"/>
+                </a:solidFill>
+              </a:rPr>
+              <a:t>Важность признаков (</a:t>
+            </a:r>
+            <a:r>
+              <a:rPr lang="en-US" sz="4800" b="1" dirty="0" smtClean="0">
+                <a:solidFill>
+                  <a:srgbClr val="002060"/>
+                </a:solidFill>
+              </a:rPr>
+              <a:t>feature importance)</a:t>
+            </a:r>
+            <a:endParaRPr lang="ru-RU" b="1" dirty="0">
+              <a:solidFill>
+                <a:srgbClr val="002060"/>
+              </a:solidFill>
+            </a:endParaRPr>
+          </a:p>
+        </p:txBody>
+      </p:sp>
+      <p:sp>
+        <p:nvSpPr>
+          <p:cNvPr id="5" name="Объект 4">
+            <a:extLst>
+              <a:ext uri="{FF2B5EF4-FFF2-40B4-BE49-F238E27FC236}">
+                <a16:creationId xmlns:a16="http://schemas.microsoft.com/office/drawing/2014/main" xmlns="" id="{7C76C821-45B2-DFFE-8A53-0CD78B84D34D}"/>
+              </a:ext>
+            </a:extLst>
+          </p:cNvPr>
+          <p:cNvSpPr>
+            <a:spLocks noGrp="1"/>
+          </p:cNvSpPr>
+          <p:nvPr>
+            <p:ph idx="1"/>
+          </p:nvPr>
+        </p:nvSpPr>
+        <p:spPr>
+          <a:xfrm>
+            <a:off x="4415491" y="6162576"/>
+            <a:ext cx="7867044" cy="3329986"/>
+          </a:xfrm>
+          <a:noFill/>
+        </p:spPr>
+        <p:txBody>
+          <a:bodyPr>
+            <a:noAutofit/>
+          </a:bodyPr>
+          <a:lstStyle/>
+          <a:p>
+            <a:pPr marL="0" indent="0" algn="just">
+              <a:buNone/>
+            </a:pPr>
+            <a:r>
+              <a:rPr lang="ru-RU" sz="3200" dirty="0">
                 <a:solidFill>
                   <a:schemeClr val="accent1">
                     <a:lumMod val="50000"/>
                   </a:schemeClr>
                 </a:solidFill>
-                <a:latin typeface="+mn-lt"/>
-              </a:rPr>
-              <a:t>Контакты</a:t>
-            </a:r>
-            <a:endParaRPr lang="ru-RU" sz="4800" dirty="0">
-              <a:latin typeface="+mn-lt"/>
-            </a:endParaRPr>
-          </a:p>
-        </p:txBody>
-      </p:sp>
-      <p:sp>
-        <p:nvSpPr>
-          <p:cNvPr id="5" name="Объект 4">
-            <a:extLst>
-              <a:ext uri="{FF2B5EF4-FFF2-40B4-BE49-F238E27FC236}">
-                <a16:creationId xmlns="" xmlns:a16="http://schemas.microsoft.com/office/drawing/2014/main" id="{7C76C821-45B2-DFFE-8A53-0CD78B84D34D}"/>
-              </a:ext>
-            </a:extLst>
-          </p:cNvPr>
-          <p:cNvSpPr>
-            <a:spLocks noGrp="1"/>
-          </p:cNvSpPr>
-          <p:nvPr>
-            <p:ph idx="1"/>
-          </p:nvPr>
-        </p:nvSpPr>
-        <p:spPr>
-          <a:xfrm>
-            <a:off x="810904" y="1596788"/>
-            <a:ext cx="10927080" cy="4572000"/>
-          </a:xfrm>
-          <a:noFill/>
-        </p:spPr>
-        <p:txBody>
-          <a:bodyPr>
-            <a:normAutofit/>
-          </a:bodyPr>
-          <a:lstStyle/>
-          <a:p>
-            <a:pPr marL="457200" lvl="2" indent="-457200" algn="just"/>
-            <a:r>
-              <a:rPr lang="en-US" sz="3200" dirty="0" smtClean="0">
-                <a:solidFill>
-                  <a:schemeClr val="accent4">
-                    <a:lumMod val="50000"/>
-                  </a:schemeClr>
-                </a:solidFill>
-              </a:rPr>
-              <a:t>Data Scientist: </a:t>
-            </a:r>
-            <a:r>
-              <a:rPr lang="ru-RU" sz="3200" dirty="0" smtClean="0">
+              </a:rPr>
+              <a:t>	</a:t>
+            </a:r>
+          </a:p>
+          <a:p>
+            <a:pPr marL="0" indent="0" algn="just">
+              <a:buNone/>
+            </a:pPr>
+            <a:r>
+              <a:rPr lang="ru-RU" sz="3200" dirty="0">
                 <a:solidFill>
                   <a:schemeClr val="accent1">
                     <a:lumMod val="50000"/>
                   </a:schemeClr>
                 </a:solidFill>
               </a:rPr>
-              <a:t>Алексей</a:t>
-            </a:r>
-            <a:r>
-              <a:rPr lang="en-US" sz="3200" dirty="0" smtClean="0">
-                <a:solidFill>
-                  <a:schemeClr val="accent1">
-                    <a:lumMod val="50000"/>
-                  </a:schemeClr>
-                </a:solidFill>
-              </a:rPr>
-              <a:t> </a:t>
-            </a:r>
-            <a:r>
-              <a:rPr lang="ru-RU" sz="3200" dirty="0" err="1" smtClean="0">
-                <a:solidFill>
-                  <a:schemeClr val="accent1">
-                    <a:lumMod val="50000"/>
-                  </a:schemeClr>
-                </a:solidFill>
-              </a:rPr>
-              <a:t>Верт-Миллер</a:t>
-            </a:r>
-            <a:endParaRPr lang="en-US" sz="3200" dirty="0" smtClean="0">
+              <a:t>	</a:t>
+            </a:r>
+          </a:p>
+        </p:txBody>
+      </p:sp>
+      <p:sp>
+        <p:nvSpPr>
+          <p:cNvPr id="9" name="Заголовок 1">
+            <a:extLst>
+              <a:ext uri="{FF2B5EF4-FFF2-40B4-BE49-F238E27FC236}">
+                <a16:creationId xmlns:a16="http://schemas.microsoft.com/office/drawing/2014/main" xmlns="" id="{2E9213E6-749D-9992-D519-94F289222BF0}"/>
+              </a:ext>
+            </a:extLst>
+          </p:cNvPr>
+          <p:cNvSpPr txBox="1">
+            <a:spLocks/>
+          </p:cNvSpPr>
+          <p:nvPr/>
+        </p:nvSpPr>
+        <p:spPr>
+          <a:xfrm>
+            <a:off x="736980" y="1351128"/>
+            <a:ext cx="11013744" cy="4981433"/>
+          </a:xfrm>
+          <a:prstGeom prst="rect">
+            <a:avLst/>
+          </a:prstGeom>
+        </p:spPr>
+        <p:txBody>
+          <a:bodyPr vert="horz" lIns="91440" tIns="45720" rIns="91440" bIns="45720" rtlCol="0" anchor="ctr">
+            <a:noAutofit/>
+          </a:bodyPr>
+          <a:lstStyle/>
+          <a:p>
+            <a:pPr marL="0" marR="0" lvl="0" indent="0" algn="just" defTabSz="914400" rtl="0" eaLnBrk="1" fontAlgn="auto" latinLnBrk="0" hangingPunct="1">
+              <a:lnSpc>
+                <a:spcPct val="90000"/>
+              </a:lnSpc>
+              <a:spcBef>
+                <a:spcPct val="0"/>
+              </a:spcBef>
+              <a:spcAft>
+                <a:spcPts val="0"/>
+              </a:spcAft>
+              <a:buClrTx/>
+              <a:buSzTx/>
+              <a:buFontTx/>
+              <a:buNone/>
+              <a:tabLst/>
+              <a:defRPr/>
+            </a:pPr>
+            <a:endParaRPr lang="ru-RU" sz="2800" dirty="0" smtClean="0">
+              <a:solidFill>
+                <a:schemeClr val="accent1">
+                  <a:lumMod val="50000"/>
+                </a:schemeClr>
+              </a:solidFill>
+              <a:ea typeface="+mj-ea"/>
+              <a:cs typeface="+mj-cs"/>
+            </a:endParaRPr>
+          </a:p>
+          <a:p>
+            <a:pPr lvl="0" algn="just">
+              <a:lnSpc>
+                <a:spcPct val="90000"/>
+              </a:lnSpc>
+              <a:spcBef>
+                <a:spcPct val="0"/>
+              </a:spcBef>
+              <a:defRPr/>
+            </a:pPr>
+            <a:endParaRPr lang="ru-RU" sz="2800" dirty="0" smtClean="0">
               <a:solidFill>
                 <a:schemeClr val="accent1">
                   <a:lumMod val="50000"/>
@@ -6479,123 +7549,32 @@
             </a:endParaRPr>
           </a:p>
           <a:p>
-            <a:pPr marL="0" lvl="2" indent="0" algn="just">
-              <a:buNone/>
+            <a:pPr lvl="0" algn="just">
+              <a:lnSpc>
+                <a:spcPct val="90000"/>
+              </a:lnSpc>
+              <a:spcBef>
+                <a:spcPct val="0"/>
+              </a:spcBef>
+              <a:defRPr/>
             </a:pPr>
-            <a:r>
-              <a:rPr lang="en-US" sz="3200" dirty="0">
-                <a:solidFill>
-                  <a:schemeClr val="accent1">
-                    <a:lumMod val="50000"/>
-                  </a:schemeClr>
-                </a:solidFill>
-              </a:rPr>
-              <a:t>	</a:t>
-            </a:r>
-            <a:r>
-              <a:rPr lang="en-US" sz="3200" dirty="0" smtClean="0">
-                <a:solidFill>
-                  <a:schemeClr val="accent1">
-                    <a:lumMod val="50000"/>
-                  </a:schemeClr>
-                </a:solidFill>
-              </a:rPr>
-              <a:t> alexwert3</a:t>
-            </a:r>
-            <a:endParaRPr lang="ru-RU" sz="3200" dirty="0" smtClean="0">
-              <a:solidFill>
-                <a:schemeClr val="accent1">
-                  <a:lumMod val="50000"/>
-                </a:schemeClr>
-              </a:solidFill>
-            </a:endParaRPr>
-          </a:p>
-          <a:p>
-            <a:pPr marL="0" lvl="2" indent="0" algn="just">
-              <a:buNone/>
-            </a:pPr>
-            <a:r>
-              <a:rPr lang="ru-RU" sz="3200" dirty="0" smtClean="0">
-                <a:solidFill>
-                  <a:schemeClr val="accent1">
-                    <a:lumMod val="50000"/>
-                  </a:schemeClr>
-                </a:solidFill>
-              </a:rPr>
-              <a:t>       тел: +7-921-295-4272</a:t>
-            </a:r>
-          </a:p>
-          <a:p>
-            <a:pPr marL="0" lvl="2" indent="0" algn="just">
-              <a:buNone/>
-            </a:pPr>
-            <a:r>
-              <a:rPr lang="ru-RU" sz="3200" dirty="0" smtClean="0">
-                <a:solidFill>
-                  <a:schemeClr val="accent1">
-                    <a:lumMod val="50000"/>
-                  </a:schemeClr>
-                </a:solidFill>
-              </a:rPr>
-              <a:t>       </a:t>
-            </a:r>
-            <a:r>
-              <a:rPr lang="en-US" sz="3200" dirty="0" smtClean="0">
-                <a:solidFill>
-                  <a:schemeClr val="accent1">
-                    <a:lumMod val="50000"/>
-                  </a:schemeClr>
-                </a:solidFill>
-              </a:rPr>
-              <a:t>email: astroytechnology@mail.ru</a:t>
-            </a:r>
-            <a:endParaRPr lang="ru-RU" sz="3200" dirty="0" smtClean="0">
-              <a:solidFill>
-                <a:schemeClr val="accent1">
-                  <a:lumMod val="50000"/>
-                </a:schemeClr>
-              </a:solidFill>
-            </a:endParaRPr>
-          </a:p>
-          <a:p>
-            <a:pPr marL="0" lvl="2" indent="0" algn="just">
-              <a:buNone/>
-            </a:pPr>
-            <a:r>
-              <a:rPr lang="ru-RU" sz="3200" dirty="0" smtClean="0">
-                <a:solidFill>
-                  <a:schemeClr val="accent1">
-                    <a:lumMod val="50000"/>
-                  </a:schemeClr>
-                </a:solidFill>
-              </a:rPr>
-              <a:t>       г.Архангельск</a:t>
-            </a:r>
-          </a:p>
-          <a:p>
-            <a:pPr marL="0" lvl="2" indent="0" algn="just">
-              <a:buNone/>
-            </a:pPr>
-            <a:endParaRPr lang="ru-RU" sz="3200" dirty="0" smtClean="0">
-              <a:solidFill>
-                <a:schemeClr val="accent1">
-                  <a:lumMod val="50000"/>
-                </a:schemeClr>
-              </a:solidFill>
+            <a:endParaRPr lang="ru-RU" sz="2800" dirty="0" smtClean="0">
+              <a:ea typeface="+mj-ea"/>
+              <a:cs typeface="+mj-cs"/>
             </a:endParaRPr>
           </a:p>
         </p:txBody>
       </p:sp>
       <p:pic>
         <p:nvPicPr>
-          <p:cNvPr id="3074" name="Picture 2"/>
+          <p:cNvPr id="1026" name="Picture 2"/>
           <p:cNvPicPr>
             <a:picLocks noChangeAspect="1" noChangeArrowheads="1"/>
           </p:cNvPicPr>
           <p:nvPr/>
         </p:nvPicPr>
         <p:blipFill>
-          <a:blip r:embed="rId2" cstate="print"/>
+          <a:blip r:embed="rId2"/>
           <a:srcRect/>
           <a:stretch>
             <a:fillRect/>
@@ -6603,8 +7582,8 @@
         </p:blipFill>
         <p:spPr bwMode="auto">
           <a:xfrm>
-            <a:off x="8230742" y="1692321"/>
-            <a:ext cx="1854953" cy="2265529"/>
+            <a:off x="5950424" y="1433015"/>
+            <a:ext cx="5609230" cy="4517409"/>
           </a:xfrm>
           <a:prstGeom prst="rect">
             <a:avLst/>
@@ -6621,14 +7600,14 @@
       </p:pic>
       <p:pic>
         <p:nvPicPr>
-          <p:cNvPr id="14" name="Picture 4"/>
+          <p:cNvPr id="1027" name="Picture 3"/>
           <p:cNvPicPr>
             <a:picLocks noChangeAspect="1" noChangeArrowheads="1"/>
           </p:cNvPicPr>
           <p:nvPr/>
         </p:nvPicPr>
         <p:blipFill>
-          <a:blip r:embed="rId3" cstate="print"/>
+          <a:blip r:embed="rId3"/>
           <a:srcRect/>
           <a:stretch>
             <a:fillRect/>
@@ -6636,8 +7615,8 @@
         </p:blipFill>
         <p:spPr bwMode="auto">
           <a:xfrm>
-            <a:off x="1440104" y="2158624"/>
-            <a:ext cx="386159" cy="392894"/>
+            <a:off x="575195" y="1463084"/>
+            <a:ext cx="5088626" cy="4473692"/>
           </a:xfrm>
           <a:prstGeom prst="rect">
             <a:avLst/>
@@ -6655,13 +7634,520 @@
     </p:spTree>
     <p:extLst>
       <p:ext uri="{BB962C8B-B14F-4D97-AF65-F5344CB8AC3E}">
-        <p14:creationId xmlns:p14="http://schemas.microsoft.com/office/powerpoint/2010/main" xmlns="" val="1949184756"/>
+        <p14:creationId xmlns="" xmlns:p14="http://schemas.microsoft.com/office/powerpoint/2010/main" val="1444225727"/>
       </p:ext>
     </p:extLst>
   </p:cSld>
   <p:clrMapOvr>
     <a:masterClrMapping/>
   </p:clrMapOvr>
+  <p:timing>
+    <p:tnLst>
+      <p:par>
+        <p:cTn id="1" dur="indefinite" restart="never" nodeType="tmRoot"/>
+      </p:par>
+    </p:tnLst>
+  </p:timing>
+</p:sld>
+</file>
+
+<file path=ppt/slides/slide9.xml><?xml version="1.0" encoding="utf-8"?>
+<p:sld xmlns:a="http://schemas.openxmlformats.org/drawingml/2006/main" xmlns:r="http://schemas.openxmlformats.org/officeDocument/2006/relationships" xmlns:p="http://schemas.openxmlformats.org/presentationml/2006/main">
+  <p:cSld>
+    <p:bg>
+      <p:bgPr>
+        <a:gradFill>
+          <a:gsLst>
+            <a:gs pos="0">
+              <a:schemeClr val="bg1"/>
+            </a:gs>
+            <a:gs pos="74000">
+              <a:schemeClr val="accent1">
+                <a:lumMod val="45000"/>
+                <a:lumOff val="55000"/>
+              </a:schemeClr>
+            </a:gs>
+            <a:gs pos="83000">
+              <a:schemeClr val="accent1">
+                <a:lumMod val="45000"/>
+                <a:lumOff val="55000"/>
+              </a:schemeClr>
+            </a:gs>
+            <a:gs pos="100000">
+              <a:schemeClr val="accent1">
+                <a:lumMod val="30000"/>
+                <a:lumOff val="70000"/>
+              </a:schemeClr>
+            </a:gs>
+          </a:gsLst>
+          <a:lin ang="5400000" scaled="1"/>
+        </a:gradFill>
+        <a:effectLst/>
+      </p:bgPr>
+    </p:bg>
+    <p:spTree>
+      <p:nvGrpSpPr>
+        <p:cNvPr id="1" name=""/>
+        <p:cNvGrpSpPr/>
+        <p:nvPr/>
+      </p:nvGrpSpPr>
+      <p:grpSpPr>
+        <a:xfrm>
+          <a:off x="0" y="0"/>
+          <a:ext cx="0" cy="0"/>
+          <a:chOff x="0" y="0"/>
+          <a:chExt cx="0" cy="0"/>
+        </a:xfrm>
+      </p:grpSpPr>
+      <p:sp>
+        <p:nvSpPr>
+          <p:cNvPr id="2" name="Заголовок 1">
+            <a:extLst>
+              <a:ext uri="{FF2B5EF4-FFF2-40B4-BE49-F238E27FC236}">
+                <a16:creationId xmlns:a16="http://schemas.microsoft.com/office/drawing/2014/main" xmlns="" id="{2E9213E6-749D-9992-D519-94F289222BF0}"/>
+              </a:ext>
+            </a:extLst>
+          </p:cNvPr>
+          <p:cNvSpPr>
+            <a:spLocks noGrp="1"/>
+          </p:cNvSpPr>
+          <p:nvPr>
+            <p:ph type="title"/>
+          </p:nvPr>
+        </p:nvSpPr>
+        <p:spPr>
+          <a:xfrm>
+            <a:off x="838199" y="365125"/>
+            <a:ext cx="10789693" cy="1036955"/>
+          </a:xfrm>
+        </p:spPr>
+        <p:txBody>
+          <a:bodyPr>
+            <a:noAutofit/>
+          </a:bodyPr>
+          <a:lstStyle/>
+          <a:p>
+            <a:r>
+              <a:rPr lang="ru-RU" sz="4800" b="1" dirty="0" smtClean="0">
+                <a:solidFill>
+                  <a:schemeClr val="accent1">
+                    <a:lumMod val="50000"/>
+                  </a:schemeClr>
+                </a:solidFill>
+              </a:rPr>
+              <a:t>Выводы</a:t>
+            </a:r>
+            <a:r>
+              <a:rPr lang="ru-RU" b="1" dirty="0" smtClean="0">
+                <a:solidFill>
+                  <a:schemeClr val="accent1">
+                    <a:lumMod val="50000"/>
+                  </a:schemeClr>
+                </a:solidFill>
+              </a:rPr>
+              <a:t> по результатам работы с данными</a:t>
+            </a:r>
+            <a:endParaRPr lang="ru-RU" b="1" dirty="0">
+              <a:solidFill>
+                <a:schemeClr val="accent1">
+                  <a:lumMod val="50000"/>
+                </a:schemeClr>
+              </a:solidFill>
+            </a:endParaRPr>
+          </a:p>
+        </p:txBody>
+      </p:sp>
+      <p:sp>
+        <p:nvSpPr>
+          <p:cNvPr id="5" name="Объект 4">
+            <a:extLst>
+              <a:ext uri="{FF2B5EF4-FFF2-40B4-BE49-F238E27FC236}">
+                <a16:creationId xmlns:a16="http://schemas.microsoft.com/office/drawing/2014/main" xmlns="" id="{7C76C821-45B2-DFFE-8A53-0CD78B84D34D}"/>
+              </a:ext>
+            </a:extLst>
+          </p:cNvPr>
+          <p:cNvSpPr>
+            <a:spLocks noGrp="1"/>
+          </p:cNvSpPr>
+          <p:nvPr>
+            <p:ph idx="1"/>
+          </p:nvPr>
+        </p:nvSpPr>
+        <p:spPr>
+          <a:xfrm>
+            <a:off x="4415491" y="6162576"/>
+            <a:ext cx="7867044" cy="3329986"/>
+          </a:xfrm>
+          <a:noFill/>
+        </p:spPr>
+        <p:txBody>
+          <a:bodyPr>
+            <a:noAutofit/>
+          </a:bodyPr>
+          <a:lstStyle/>
+          <a:p>
+            <a:pPr marL="0" indent="0" algn="just">
+              <a:buNone/>
+            </a:pPr>
+            <a:r>
+              <a:rPr lang="ru-RU" sz="3200" dirty="0">
+                <a:solidFill>
+                  <a:schemeClr val="accent1">
+                    <a:lumMod val="50000"/>
+                  </a:schemeClr>
+                </a:solidFill>
+              </a:rPr>
+              <a:t>	</a:t>
+            </a:r>
+          </a:p>
+          <a:p>
+            <a:pPr marL="0" indent="0" algn="just">
+              <a:buNone/>
+            </a:pPr>
+            <a:r>
+              <a:rPr lang="ru-RU" sz="3200" dirty="0">
+                <a:solidFill>
+                  <a:schemeClr val="accent1">
+                    <a:lumMod val="50000"/>
+                  </a:schemeClr>
+                </a:solidFill>
+              </a:rPr>
+              <a:t>	</a:t>
+            </a:r>
+          </a:p>
+        </p:txBody>
+      </p:sp>
+      <p:sp>
+        <p:nvSpPr>
+          <p:cNvPr id="9" name="Заголовок 1">
+            <a:extLst>
+              <a:ext uri="{FF2B5EF4-FFF2-40B4-BE49-F238E27FC236}">
+                <a16:creationId xmlns:a16="http://schemas.microsoft.com/office/drawing/2014/main" xmlns="" id="{2E9213E6-749D-9992-D519-94F289222BF0}"/>
+              </a:ext>
+            </a:extLst>
+          </p:cNvPr>
+          <p:cNvSpPr txBox="1">
+            <a:spLocks/>
+          </p:cNvSpPr>
+          <p:nvPr/>
+        </p:nvSpPr>
+        <p:spPr>
+          <a:xfrm>
+            <a:off x="736980" y="1351128"/>
+            <a:ext cx="11013744" cy="4981433"/>
+          </a:xfrm>
+          <a:prstGeom prst="rect">
+            <a:avLst/>
+          </a:prstGeom>
+        </p:spPr>
+        <p:txBody>
+          <a:bodyPr vert="horz" lIns="91440" tIns="45720" rIns="91440" bIns="45720" rtlCol="0" anchor="ctr">
+            <a:noAutofit/>
+          </a:bodyPr>
+          <a:lstStyle/>
+          <a:p>
+            <a:pPr marL="0" marR="0" lvl="0" indent="0" algn="just" defTabSz="914400" rtl="0" eaLnBrk="1" fontAlgn="auto" latinLnBrk="0" hangingPunct="1">
+              <a:lnSpc>
+                <a:spcPct val="90000"/>
+              </a:lnSpc>
+              <a:spcBef>
+                <a:spcPct val="0"/>
+              </a:spcBef>
+              <a:spcAft>
+                <a:spcPts val="0"/>
+              </a:spcAft>
+              <a:buClrTx/>
+              <a:buSzTx/>
+              <a:buFontTx/>
+              <a:buNone/>
+              <a:tabLst/>
+              <a:defRPr/>
+            </a:pPr>
+            <a:endParaRPr lang="ru-RU" sz="2800" dirty="0" smtClean="0">
+              <a:solidFill>
+                <a:schemeClr val="accent1">
+                  <a:lumMod val="50000"/>
+                </a:schemeClr>
+              </a:solidFill>
+              <a:ea typeface="+mj-ea"/>
+              <a:cs typeface="+mj-cs"/>
+            </a:endParaRPr>
+          </a:p>
+          <a:p>
+            <a:pPr marL="514350" marR="0" lvl="0" indent="-514350" algn="just" defTabSz="914400" rtl="0" eaLnBrk="1" fontAlgn="auto" latinLnBrk="0" hangingPunct="1">
+              <a:lnSpc>
+                <a:spcPct val="90000"/>
+              </a:lnSpc>
+              <a:spcBef>
+                <a:spcPct val="0"/>
+              </a:spcBef>
+              <a:spcAft>
+                <a:spcPts val="0"/>
+              </a:spcAft>
+              <a:buClrTx/>
+              <a:buSzTx/>
+              <a:buFontTx/>
+              <a:buAutoNum type="arabicPeriod"/>
+              <a:tabLst/>
+              <a:defRPr/>
+            </a:pPr>
+            <a:r>
+              <a:rPr lang="ru-RU" sz="2800" b="1" dirty="0" err="1" smtClean="0">
+                <a:solidFill>
+                  <a:schemeClr val="accent1">
+                    <a:lumMod val="50000"/>
+                  </a:schemeClr>
+                </a:solidFill>
+                <a:latin typeface="+mj-lt"/>
+                <a:ea typeface="+mj-ea"/>
+                <a:cs typeface="+mj-cs"/>
+              </a:rPr>
+              <a:t>Днс-запросы</a:t>
+            </a:r>
+            <a:r>
+              <a:rPr lang="ru-RU" sz="2800" b="1" dirty="0" smtClean="0">
+                <a:solidFill>
+                  <a:schemeClr val="accent1">
+                    <a:lumMod val="50000"/>
+                  </a:schemeClr>
+                </a:solidFill>
+                <a:latin typeface="+mj-lt"/>
+                <a:ea typeface="+mj-ea"/>
+                <a:cs typeface="+mj-cs"/>
+              </a:rPr>
+              <a:t> к сайтам конкурентов целесообразно разбить на две категории (посещали ушедшие или нет) .</a:t>
+            </a:r>
+          </a:p>
+          <a:p>
+            <a:pPr marL="514350" marR="0" lvl="0" indent="-514350" algn="just" defTabSz="914400" rtl="0" eaLnBrk="1" fontAlgn="auto" latinLnBrk="0" hangingPunct="1">
+              <a:lnSpc>
+                <a:spcPct val="90000"/>
+              </a:lnSpc>
+              <a:spcBef>
+                <a:spcPct val="0"/>
+              </a:spcBef>
+              <a:spcAft>
+                <a:spcPts val="0"/>
+              </a:spcAft>
+              <a:buClrTx/>
+              <a:buSzTx/>
+              <a:tabLst/>
+              <a:defRPr/>
+            </a:pPr>
+            <a:endParaRPr lang="ru-RU" sz="2800" b="1" dirty="0" smtClean="0">
+              <a:solidFill>
+                <a:schemeClr val="accent1">
+                  <a:lumMod val="50000"/>
+                </a:schemeClr>
+              </a:solidFill>
+              <a:latin typeface="+mj-lt"/>
+              <a:ea typeface="+mj-ea"/>
+              <a:cs typeface="+mj-cs"/>
+            </a:endParaRPr>
+          </a:p>
+          <a:p>
+            <a:pPr marL="514350" lvl="0" indent="-514350" algn="just">
+              <a:lnSpc>
+                <a:spcPct val="90000"/>
+              </a:lnSpc>
+              <a:spcBef>
+                <a:spcPct val="0"/>
+              </a:spcBef>
+              <a:buAutoNum type="arabicPeriod" startAt="2"/>
+              <a:defRPr/>
+            </a:pPr>
+            <a:r>
+              <a:rPr lang="ru-RU" sz="2800" b="1" dirty="0" smtClean="0">
+                <a:solidFill>
+                  <a:schemeClr val="accent1">
+                    <a:lumMod val="50000"/>
+                  </a:schemeClr>
+                </a:solidFill>
+                <a:latin typeface="+mj-lt"/>
+                <a:ea typeface="+mj-ea"/>
+                <a:cs typeface="+mj-cs"/>
+              </a:rPr>
+              <a:t>Признаки по количеству </a:t>
+            </a:r>
+            <a:r>
+              <a:rPr lang="ru-RU" sz="2800" b="1" dirty="0" err="1" smtClean="0">
+                <a:solidFill>
+                  <a:schemeClr val="accent1">
+                    <a:lumMod val="50000"/>
+                  </a:schemeClr>
+                </a:solidFill>
+                <a:latin typeface="+mj-lt"/>
+                <a:ea typeface="+mj-ea"/>
+                <a:cs typeface="+mj-cs"/>
+              </a:rPr>
+              <a:t>Днс-запросов</a:t>
+            </a:r>
+            <a:r>
+              <a:rPr lang="ru-RU" sz="2800" b="1" dirty="0" smtClean="0">
+                <a:solidFill>
+                  <a:schemeClr val="accent1">
+                    <a:lumMod val="50000"/>
+                  </a:schemeClr>
+                </a:solidFill>
+                <a:latin typeface="+mj-lt"/>
+                <a:ea typeface="+mj-ea"/>
+                <a:cs typeface="+mj-cs"/>
+              </a:rPr>
+              <a:t> </a:t>
+            </a:r>
+            <a:r>
+              <a:rPr lang="ru-RU" sz="2800" b="1" dirty="0" smtClean="0">
+                <a:solidFill>
+                  <a:schemeClr val="accent1">
+                    <a:lumMod val="50000"/>
+                  </a:schemeClr>
+                </a:solidFill>
+                <a:latin typeface="+mj-lt"/>
+              </a:rPr>
+              <a:t>целесообразно разделить на двухнедельные периоды. </a:t>
+            </a:r>
+          </a:p>
+          <a:p>
+            <a:pPr marL="514350" lvl="0" indent="-514350" algn="just">
+              <a:lnSpc>
+                <a:spcPct val="90000"/>
+              </a:lnSpc>
+              <a:spcBef>
+                <a:spcPct val="0"/>
+              </a:spcBef>
+              <a:defRPr/>
+            </a:pPr>
+            <a:endParaRPr lang="ru-RU" sz="2800" b="1" dirty="0" smtClean="0">
+              <a:solidFill>
+                <a:schemeClr val="accent1">
+                  <a:lumMod val="50000"/>
+                </a:schemeClr>
+              </a:solidFill>
+              <a:latin typeface="+mj-lt"/>
+              <a:ea typeface="+mj-ea"/>
+              <a:cs typeface="+mj-cs"/>
+            </a:endParaRPr>
+          </a:p>
+          <a:p>
+            <a:pPr lvl="0" algn="just">
+              <a:lnSpc>
+                <a:spcPct val="90000"/>
+              </a:lnSpc>
+              <a:spcBef>
+                <a:spcPct val="0"/>
+              </a:spcBef>
+              <a:defRPr/>
+            </a:pPr>
+            <a:r>
+              <a:rPr lang="ru-RU" sz="2800" b="1" dirty="0" smtClean="0">
+                <a:solidFill>
+                  <a:schemeClr val="accent1">
+                    <a:lumMod val="50000"/>
+                  </a:schemeClr>
+                </a:solidFill>
+                <a:latin typeface="+mj-lt"/>
+                <a:ea typeface="+mj-ea"/>
+                <a:cs typeface="+mj-cs"/>
+              </a:rPr>
+              <a:t>3. Типы обращений </a:t>
+            </a:r>
+            <a:r>
+              <a:rPr lang="ru-RU" sz="2800" b="1" dirty="0" smtClean="0">
+                <a:solidFill>
+                  <a:schemeClr val="accent1">
+                    <a:lumMod val="50000"/>
+                  </a:schemeClr>
+                </a:solidFill>
+                <a:latin typeface="+mj-lt"/>
+              </a:rPr>
+              <a:t>целесообразно разбить на три категории, в зависимости от частоты обращений ушедших. Пороговые значения для разбивки необходимо подбирать с помощью дополнительного анализа в зависимости от набора исходных данных.</a:t>
+            </a:r>
+          </a:p>
+          <a:p>
+            <a:pPr lvl="0" algn="just">
+              <a:lnSpc>
+                <a:spcPct val="90000"/>
+              </a:lnSpc>
+              <a:spcBef>
+                <a:spcPct val="0"/>
+              </a:spcBef>
+              <a:defRPr/>
+            </a:pPr>
+            <a:endParaRPr lang="ru-RU" sz="2800" b="1" dirty="0" smtClean="0">
+              <a:solidFill>
+                <a:schemeClr val="accent1">
+                  <a:lumMod val="50000"/>
+                </a:schemeClr>
+              </a:solidFill>
+              <a:latin typeface="+mj-lt"/>
+            </a:endParaRPr>
+          </a:p>
+          <a:p>
+            <a:pPr lvl="0" algn="just">
+              <a:lnSpc>
+                <a:spcPct val="90000"/>
+              </a:lnSpc>
+              <a:spcBef>
+                <a:spcPct val="0"/>
+              </a:spcBef>
+              <a:defRPr/>
+            </a:pPr>
+            <a:r>
+              <a:rPr lang="ru-RU" sz="2800" b="1" dirty="0" smtClean="0">
+                <a:solidFill>
+                  <a:schemeClr val="accent1">
+                    <a:lumMod val="50000"/>
+                  </a:schemeClr>
+                </a:solidFill>
+                <a:latin typeface="+mj-lt"/>
+              </a:rPr>
+              <a:t>4. Признаки по количеству типов обращений на периоде менее двух месяцев по периодам разбивать не целесообразно.</a:t>
+            </a:r>
+            <a:endParaRPr lang="ru-RU" sz="2800" b="1" dirty="0" smtClean="0">
+              <a:solidFill>
+                <a:schemeClr val="accent1">
+                  <a:lumMod val="50000"/>
+                </a:schemeClr>
+              </a:solidFill>
+              <a:latin typeface="+mj-lt"/>
+              <a:ea typeface="+mj-ea"/>
+              <a:cs typeface="+mj-cs"/>
+            </a:endParaRPr>
+          </a:p>
+          <a:p>
+            <a:pPr lvl="0" algn="just">
+              <a:lnSpc>
+                <a:spcPct val="90000"/>
+              </a:lnSpc>
+              <a:spcBef>
+                <a:spcPct val="0"/>
+              </a:spcBef>
+              <a:defRPr/>
+            </a:pPr>
+            <a:endParaRPr lang="ru-RU" sz="2800" dirty="0" smtClean="0">
+              <a:ea typeface="+mj-ea"/>
+              <a:cs typeface="+mj-cs"/>
+            </a:endParaRPr>
+          </a:p>
+        </p:txBody>
+      </p:sp>
+    </p:spTree>
+    <p:extLst>
+      <p:ext uri="{BB962C8B-B14F-4D97-AF65-F5344CB8AC3E}">
+        <p14:creationId xmlns="" xmlns:p14="http://schemas.microsoft.com/office/powerpoint/2010/main" val="1444225727"/>
+      </p:ext>
+    </p:extLst>
+  </p:cSld>
+  <p:clrMapOvr>
+    <a:masterClrMapping/>
+  </p:clrMapOvr>
+  <p:timing>
+    <p:tnLst>
+      <p:par>
+        <p:cTn id="1" dur="indefinite" restart="never" nodeType="tmRoot"/>
+      </p:par>
+    </p:tnLst>
+  </p:timing>
 </p:sld>
 </file>
 
@@ -6954,7 +8440,7 @@
   <a:extraClrSchemeLst/>
   <a:extLst>
     <a:ext uri="{05A4C25C-085E-4340-85A3-A5531E510DB2}">
-      <thm15:themeFamily xmlns:thm15="http://schemas.microsoft.com/office/thememl/2012/main" xmlns="" name="Office Theme" id="{62F939B6-93AF-4DB8-9C6B-D6C7DFDC589F}" vid="{4A3C46E8-61CC-4603-A589-7422A47A8E4A}"/>
+      <thm15:themeFamily xmlns="" xmlns:thm15="http://schemas.microsoft.com/office/thememl/2012/main" name="Office Theme" id="{62F939B6-93AF-4DB8-9C6B-D6C7DFDC589F}" vid="{4A3C46E8-61CC-4603-A589-7422A47A8E4A}"/>
     </a:ext>
   </a:extLst>
 </a:theme>

--- a/Карелия_2022_Верт-Миллер.pptx
+++ b/Карелия_2022_Верт-Миллер.pptx
@@ -293,7 +293,7 @@
             <a:fld id="{ADA5A899-FE04-4992-84F0-79F7315CE005}" type="datetimeFigureOut">
               <a:rPr lang="ru-RU" smtClean="0"/>
               <a:pPr/>
-              <a:t>16.09.2022</a:t>
+              <a:t>17.09.2022</a:t>
             </a:fld>
             <a:endParaRPr lang="ru-RU"/>
           </a:p>
@@ -493,7 +493,7 @@
             <a:fld id="{ADA5A899-FE04-4992-84F0-79F7315CE005}" type="datetimeFigureOut">
               <a:rPr lang="ru-RU" smtClean="0"/>
               <a:pPr/>
-              <a:t>16.09.2022</a:t>
+              <a:t>17.09.2022</a:t>
             </a:fld>
             <a:endParaRPr lang="ru-RU"/>
           </a:p>
@@ -703,7 +703,7 @@
             <a:fld id="{ADA5A899-FE04-4992-84F0-79F7315CE005}" type="datetimeFigureOut">
               <a:rPr lang="ru-RU" smtClean="0"/>
               <a:pPr/>
-              <a:t>16.09.2022</a:t>
+              <a:t>17.09.2022</a:t>
             </a:fld>
             <a:endParaRPr lang="ru-RU"/>
           </a:p>
@@ -903,7 +903,7 @@
             <a:fld id="{ADA5A899-FE04-4992-84F0-79F7315CE005}" type="datetimeFigureOut">
               <a:rPr lang="ru-RU" smtClean="0"/>
               <a:pPr/>
-              <a:t>16.09.2022</a:t>
+              <a:t>17.09.2022</a:t>
             </a:fld>
             <a:endParaRPr lang="ru-RU"/>
           </a:p>
@@ -1180,7 +1180,7 @@
             <a:fld id="{ADA5A899-FE04-4992-84F0-79F7315CE005}" type="datetimeFigureOut">
               <a:rPr lang="ru-RU" smtClean="0"/>
               <a:pPr/>
-              <a:t>16.09.2022</a:t>
+              <a:t>17.09.2022</a:t>
             </a:fld>
             <a:endParaRPr lang="ru-RU"/>
           </a:p>
@@ -1447,7 +1447,7 @@
             <a:fld id="{ADA5A899-FE04-4992-84F0-79F7315CE005}" type="datetimeFigureOut">
               <a:rPr lang="ru-RU" smtClean="0"/>
               <a:pPr/>
-              <a:t>16.09.2022</a:t>
+              <a:t>17.09.2022</a:t>
             </a:fld>
             <a:endParaRPr lang="ru-RU"/>
           </a:p>
@@ -1861,7 +1861,7 @@
             <a:fld id="{ADA5A899-FE04-4992-84F0-79F7315CE005}" type="datetimeFigureOut">
               <a:rPr lang="ru-RU" smtClean="0"/>
               <a:pPr/>
-              <a:t>16.09.2022</a:t>
+              <a:t>17.09.2022</a:t>
             </a:fld>
             <a:endParaRPr lang="ru-RU"/>
           </a:p>
@@ -2004,7 +2004,7 @@
             <a:fld id="{ADA5A899-FE04-4992-84F0-79F7315CE005}" type="datetimeFigureOut">
               <a:rPr lang="ru-RU" smtClean="0"/>
               <a:pPr/>
-              <a:t>16.09.2022</a:t>
+              <a:t>17.09.2022</a:t>
             </a:fld>
             <a:endParaRPr lang="ru-RU"/>
           </a:p>
@@ -2119,7 +2119,7 @@
             <a:fld id="{ADA5A899-FE04-4992-84F0-79F7315CE005}" type="datetimeFigureOut">
               <a:rPr lang="ru-RU" smtClean="0"/>
               <a:pPr/>
-              <a:t>16.09.2022</a:t>
+              <a:t>17.09.2022</a:t>
             </a:fld>
             <a:endParaRPr lang="ru-RU"/>
           </a:p>
@@ -2432,7 +2432,7 @@
             <a:fld id="{ADA5A899-FE04-4992-84F0-79F7315CE005}" type="datetimeFigureOut">
               <a:rPr lang="ru-RU" smtClean="0"/>
               <a:pPr/>
-              <a:t>16.09.2022</a:t>
+              <a:t>17.09.2022</a:t>
             </a:fld>
             <a:endParaRPr lang="ru-RU"/>
           </a:p>
@@ -2722,7 +2722,7 @@
             <a:fld id="{ADA5A899-FE04-4992-84F0-79F7315CE005}" type="datetimeFigureOut">
               <a:rPr lang="ru-RU" smtClean="0"/>
               <a:pPr/>
-              <a:t>16.09.2022</a:t>
+              <a:t>17.09.2022</a:t>
             </a:fld>
             <a:endParaRPr lang="ru-RU"/>
           </a:p>
@@ -2965,7 +2965,7 @@
             <a:fld id="{ADA5A899-FE04-4992-84F0-79F7315CE005}" type="datetimeFigureOut">
               <a:rPr lang="ru-RU" smtClean="0"/>
               <a:pPr/>
-              <a:t>16.09.2022</a:t>
+              <a:t>17.09.2022</a:t>
             </a:fld>
             <a:endParaRPr lang="ru-RU"/>
           </a:p>
@@ -3987,7 +3987,7 @@
         <p:spPr>
           <a:xfrm>
             <a:off x="810904" y="1596788"/>
-            <a:ext cx="10927080" cy="4572000"/>
+            <a:ext cx="10927080" cy="3111690"/>
           </a:xfrm>
           <a:noFill/>
         </p:spPr>
@@ -4814,40 +4814,13 @@
               <a:t>F</a:t>
             </a:r>
             <a:r>
-              <a:rPr lang="ru-RU" sz="2800" b="1" dirty="0" err="1" smtClean="0">
+              <a:rPr lang="ru-RU" sz="2800" b="1" dirty="0" smtClean="0">
                 <a:solidFill>
                   <a:srgbClr val="002060"/>
                 </a:solidFill>
                 <a:latin typeface="+mj-lt"/>
               </a:rPr>
-              <a:t>eature</a:t>
-            </a:r>
-            <a:r>
-              <a:rPr lang="ru-RU" sz="2800" b="1" dirty="0" smtClean="0">
-                <a:solidFill>
-                  <a:srgbClr val="002060"/>
-                </a:solidFill>
-                <a:latin typeface="+mj-lt"/>
-              </a:rPr>
-              <a:t> </a:t>
-            </a:r>
-            <a:r>
-              <a:rPr lang="ru-RU" sz="2800" b="1" dirty="0" err="1" smtClean="0">
-                <a:solidFill>
-                  <a:srgbClr val="002060"/>
-                </a:solidFill>
-                <a:latin typeface="+mj-lt"/>
-              </a:rPr>
-              <a:t>engineering</a:t>
-            </a:r>
-            <a:r>
-              <a:rPr lang="ru-RU" sz="2800" b="1" dirty="0" smtClean="0">
-                <a:solidFill>
-                  <a:srgbClr val="002060"/>
-                </a:solidFill>
-                <a:latin typeface="+mj-lt"/>
-              </a:rPr>
-              <a:t>).</a:t>
+              <a:t>eature engineering).</a:t>
             </a:r>
           </a:p>
           <a:p>
@@ -5587,36 +5560,12 @@
               <a:t>f</a:t>
             </a:r>
             <a:r>
-              <a:rPr lang="ru-RU" sz="4800" b="1" dirty="0" err="1" smtClean="0">
+              <a:rPr lang="ru-RU" sz="4800" b="1" dirty="0" smtClean="0">
                 <a:solidFill>
                   <a:srgbClr val="002060"/>
                 </a:solidFill>
               </a:rPr>
-              <a:t>eature</a:t>
-            </a:r>
-            <a:r>
-              <a:rPr lang="ru-RU" sz="4800" b="1" dirty="0" smtClean="0">
-                <a:solidFill>
-                  <a:srgbClr val="002060"/>
-                </a:solidFill>
-              </a:rPr>
-              <a:t> </a:t>
-            </a:r>
-            <a:r>
-              <a:rPr lang="ru-RU" sz="4800" b="1" dirty="0" err="1" smtClean="0">
-                <a:solidFill>
-                  <a:srgbClr val="002060"/>
-                </a:solidFill>
-              </a:rPr>
-              <a:t>engineering</a:t>
-            </a:r>
-            <a:r>
-              <a:rPr lang="ru-RU" sz="4800" b="1" dirty="0" smtClean="0">
-                <a:solidFill>
-                  <a:srgbClr val="002060"/>
-                </a:solidFill>
-              </a:rPr>
-              <a:t>)</a:t>
+              <a:t>eature engineering)</a:t>
             </a:r>
             <a:endParaRPr lang="ru-RU" b="1" dirty="0">
               <a:solidFill>
@@ -5991,24 +5940,7 @@
                 <a:ea typeface="+mj-ea"/>
                 <a:cs typeface="+mj-cs"/>
               </a:rPr>
-              <a:t> </a:t>
-            </a:r>
-            <a:r>
-              <a:rPr kumimoji="0" lang="ru-RU" sz="2800" b="1" i="0" u="none" strike="noStrike" kern="1200" cap="none" spc="0" normalizeH="0" noProof="0" dirty="0" smtClean="0">
-                <a:ln>
-                  <a:noFill/>
-                </a:ln>
-                <a:solidFill>
-                  <a:srgbClr val="002060"/>
-                </a:solidFill>
-                <a:effectLst/>
-                <a:uLnTx/>
-                <a:uFillTx/>
-                <a:latin typeface="+mj-lt"/>
-                <a:ea typeface="+mj-ea"/>
-                <a:cs typeface="+mj-cs"/>
-              </a:rPr>
-              <a:t>– запросов пользователя в соответствующем двухнедельном периоде  к </a:t>
+              <a:t> – запросов пользователя в соответствующем двухнедельном периоде  к </a:t>
             </a:r>
             <a:r>
               <a:rPr lang="ru-RU" sz="2800" b="1" dirty="0" smtClean="0">
@@ -6224,23 +6156,7 @@
                   <a:srgbClr val="002060"/>
                 </a:solidFill>
               </a:rPr>
-              <a:t>(минимизация </a:t>
-            </a:r>
-            <a:r>
-              <a:rPr lang="ru-RU" sz="3600" b="1" dirty="0" smtClean="0">
-                <a:solidFill>
-                  <a:srgbClr val="002060"/>
-                </a:solidFill>
-              </a:rPr>
-              <a:t>дисбаланса  классов </a:t>
-            </a:r>
-            <a:r>
-              <a:rPr lang="ru-RU" sz="3600" b="1" dirty="0" smtClean="0">
-                <a:solidFill>
-                  <a:srgbClr val="002060"/>
-                </a:solidFill>
-              </a:rPr>
-              <a:t>)</a:t>
+              <a:t>(минимизация дисбаланса  классов )</a:t>
             </a:r>
             <a:r>
               <a:rPr lang="ru-RU" sz="4800" b="1" dirty="0" smtClean="0">
@@ -6401,16 +6317,16 @@
                 </a:solidFill>
                 <a:latin typeface="+mj-lt"/>
               </a:rPr>
-              <a:t>Использовался </a:t>
-            </a:r>
-            <a:r>
-              <a:rPr lang="ru-RU" sz="2800" b="1" dirty="0" err="1" smtClean="0">
+              <a:t>Использовался BorderlineSMOTE из библиотеки imblearn – алгоритм является вариантом оригинального алгоритма</a:t>
+            </a:r>
+            <a:r>
+              <a:rPr lang="en-US" sz="2800" b="1" dirty="0" smtClean="0">
                 <a:solidFill>
                   <a:srgbClr val="002060"/>
                 </a:solidFill>
                 <a:latin typeface="+mj-lt"/>
               </a:rPr>
-              <a:t>BorderlineSMOTE</a:t>
+              <a:t> </a:t>
             </a:r>
             <a:r>
               <a:rPr lang="ru-RU" sz="2800" b="1" dirty="0" smtClean="0">
@@ -6419,43 +6335,7 @@
                 </a:solidFill>
                 <a:latin typeface="+mj-lt"/>
               </a:rPr>
-              <a:t> из библиотеки </a:t>
-            </a:r>
-            <a:r>
-              <a:rPr lang="ru-RU" sz="2800" b="1" dirty="0" err="1" smtClean="0">
-                <a:solidFill>
-                  <a:srgbClr val="002060"/>
-                </a:solidFill>
-                <a:latin typeface="+mj-lt"/>
-              </a:rPr>
-              <a:t>imblearn</a:t>
-            </a:r>
-            <a:r>
-              <a:rPr lang="ru-RU" sz="2800" b="1" dirty="0" smtClean="0">
-                <a:solidFill>
-                  <a:srgbClr val="002060"/>
-                </a:solidFill>
-                <a:latin typeface="+mj-lt"/>
-              </a:rPr>
-              <a:t> – </a:t>
-            </a:r>
-            <a:r>
-              <a:rPr lang="ru-RU" sz="2800" b="1" dirty="0" smtClean="0">
-                <a:solidFill>
-                  <a:srgbClr val="002060"/>
-                </a:solidFill>
-                <a:latin typeface="+mj-lt"/>
-              </a:rPr>
-              <a:t>алгоритм является вариантом оригинального </a:t>
-            </a:r>
-            <a:r>
-              <a:rPr lang="ru-RU" sz="2800" b="1" dirty="0" smtClean="0">
-                <a:solidFill>
-                  <a:srgbClr val="002060"/>
-                </a:solidFill>
-                <a:latin typeface="+mj-lt"/>
-              </a:rPr>
-              <a:t>алгоритма</a:t>
+              <a:t>SMOTE</a:t>
             </a:r>
             <a:endParaRPr kumimoji="0" lang="ru-RU" sz="2800" b="1" i="0" u="none" strike="noStrike" kern="1200" cap="none" spc="0" normalizeH="0" noProof="0" dirty="0" smtClean="0">
               <a:ln>

--- a/Карелия_2022_Верт-Миллер.pptx
+++ b/Карелия_2022_Верт-Миллер.pptx
@@ -14,7 +14,8 @@
     <p:sldId id="269" r:id="rId8"/>
     <p:sldId id="270" r:id="rId9"/>
     <p:sldId id="267" r:id="rId10"/>
-    <p:sldId id="261" r:id="rId11"/>
+    <p:sldId id="273" r:id="rId11"/>
+    <p:sldId id="261" r:id="rId12"/>
   </p:sldIdLst>
   <p:sldSz cx="12192000" cy="6858000"/>
   <p:notesSz cx="6858000" cy="9144000"/>
@@ -115,7 +116,7 @@
   </p:defaultTextStyle>
   <p:extLst>
     <p:ext uri="{521415D9-36F7-43E2-AB2F-B90AF26B5E84}">
-      <p14:sectionLst xmlns="" xmlns:p14="http://schemas.microsoft.com/office/powerpoint/2010/main">
+      <p14:sectionLst xmlns:p14="http://schemas.microsoft.com/office/powerpoint/2010/main" xmlns="">
         <p14:section name="Раздел по умолчанию" id="{BD5C6BC8-79BA-43F2-AADE-73938FAF4224}">
           <p14:sldIdLst>
             <p14:sldId id="256"/>
@@ -139,7 +140,7 @@
       </p14:sectionLst>
     </p:ext>
     <p:ext uri="{EFAFB233-063F-42B5-8137-9DF3F51BA10A}">
-      <p15:sldGuideLst xmlns="" xmlns:p15="http://schemas.microsoft.com/office/powerpoint/2012/main"/>
+      <p15:sldGuideLst xmlns:p15="http://schemas.microsoft.com/office/powerpoint/2012/main" xmlns=""/>
     </p:ext>
   </p:extLst>
 </p:presentation>
@@ -167,7 +168,7 @@
           <p:cNvPr id="2" name="Заголовок 1">
             <a:extLst>
               <a:ext uri="{FF2B5EF4-FFF2-40B4-BE49-F238E27FC236}">
-                <a16:creationId xmlns:a16="http://schemas.microsoft.com/office/drawing/2014/main" xmlns="" id="{1DB5EE12-12DA-3950-B62D-D33374B0BE7E}"/>
+                <a16:creationId xmlns="" xmlns:a16="http://schemas.microsoft.com/office/drawing/2014/main" id="{1DB5EE12-12DA-3950-B62D-D33374B0BE7E}"/>
               </a:ext>
             </a:extLst>
           </p:cNvPr>
@@ -204,7 +205,7 @@
           <p:cNvPr id="3" name="Подзаголовок 2">
             <a:extLst>
               <a:ext uri="{FF2B5EF4-FFF2-40B4-BE49-F238E27FC236}">
-                <a16:creationId xmlns:a16="http://schemas.microsoft.com/office/drawing/2014/main" xmlns="" id="{9310A401-7D92-8873-4E08-D3550F252F8E}"/>
+                <a16:creationId xmlns="" xmlns:a16="http://schemas.microsoft.com/office/drawing/2014/main" id="{9310A401-7D92-8873-4E08-D3550F252F8E}"/>
               </a:ext>
             </a:extLst>
           </p:cNvPr>
@@ -274,7 +275,7 @@
           <p:cNvPr id="4" name="Дата 3">
             <a:extLst>
               <a:ext uri="{FF2B5EF4-FFF2-40B4-BE49-F238E27FC236}">
-                <a16:creationId xmlns:a16="http://schemas.microsoft.com/office/drawing/2014/main" xmlns="" id="{7D4058E0-2DEC-5116-B051-18E7D32D043B}"/>
+                <a16:creationId xmlns="" xmlns:a16="http://schemas.microsoft.com/office/drawing/2014/main" id="{7D4058E0-2DEC-5116-B051-18E7D32D043B}"/>
               </a:ext>
             </a:extLst>
           </p:cNvPr>
@@ -304,7 +305,7 @@
           <p:cNvPr id="5" name="Нижний колонтитул 4">
             <a:extLst>
               <a:ext uri="{FF2B5EF4-FFF2-40B4-BE49-F238E27FC236}">
-                <a16:creationId xmlns:a16="http://schemas.microsoft.com/office/drawing/2014/main" xmlns="" id="{27055A46-0CF7-C563-8CF1-66264A6FC0B4}"/>
+                <a16:creationId xmlns="" xmlns:a16="http://schemas.microsoft.com/office/drawing/2014/main" id="{27055A46-0CF7-C563-8CF1-66264A6FC0B4}"/>
               </a:ext>
             </a:extLst>
           </p:cNvPr>
@@ -329,7 +330,7 @@
           <p:cNvPr id="6" name="Номер слайда 5">
             <a:extLst>
               <a:ext uri="{FF2B5EF4-FFF2-40B4-BE49-F238E27FC236}">
-                <a16:creationId xmlns:a16="http://schemas.microsoft.com/office/drawing/2014/main" xmlns="" id="{14B98F1C-93D4-DA7E-C8FA-D797ED731D6E}"/>
+                <a16:creationId xmlns="" xmlns:a16="http://schemas.microsoft.com/office/drawing/2014/main" id="{14B98F1C-93D4-DA7E-C8FA-D797ED731D6E}"/>
               </a:ext>
             </a:extLst>
           </p:cNvPr>
@@ -357,7 +358,7 @@
     </p:spTree>
     <p:extLst>
       <p:ext uri="{BB962C8B-B14F-4D97-AF65-F5344CB8AC3E}">
-        <p14:creationId xmlns="" xmlns:p14="http://schemas.microsoft.com/office/powerpoint/2010/main" val="128424399"/>
+        <p14:creationId xmlns:p14="http://schemas.microsoft.com/office/powerpoint/2010/main" xmlns="" val="128424399"/>
       </p:ext>
     </p:extLst>
   </p:cSld>
@@ -389,7 +390,7 @@
           <p:cNvPr id="2" name="Заголовок 1">
             <a:extLst>
               <a:ext uri="{FF2B5EF4-FFF2-40B4-BE49-F238E27FC236}">
-                <a16:creationId xmlns:a16="http://schemas.microsoft.com/office/drawing/2014/main" xmlns="" id="{A10B2CFF-AB82-03C3-F32F-6161409FDE6C}"/>
+                <a16:creationId xmlns="" xmlns:a16="http://schemas.microsoft.com/office/drawing/2014/main" id="{A10B2CFF-AB82-03C3-F32F-6161409FDE6C}"/>
               </a:ext>
             </a:extLst>
           </p:cNvPr>
@@ -417,7 +418,7 @@
           <p:cNvPr id="3" name="Вертикальный текст 2">
             <a:extLst>
               <a:ext uri="{FF2B5EF4-FFF2-40B4-BE49-F238E27FC236}">
-                <a16:creationId xmlns:a16="http://schemas.microsoft.com/office/drawing/2014/main" xmlns="" id="{DE258D6E-E014-7A7F-FD4B-E03DBF7CD9B2}"/>
+                <a16:creationId xmlns="" xmlns:a16="http://schemas.microsoft.com/office/drawing/2014/main" id="{DE258D6E-E014-7A7F-FD4B-E03DBF7CD9B2}"/>
               </a:ext>
             </a:extLst>
           </p:cNvPr>
@@ -474,7 +475,7 @@
           <p:cNvPr id="4" name="Дата 3">
             <a:extLst>
               <a:ext uri="{FF2B5EF4-FFF2-40B4-BE49-F238E27FC236}">
-                <a16:creationId xmlns:a16="http://schemas.microsoft.com/office/drawing/2014/main" xmlns="" id="{71A21FF6-D17C-D67C-DA6E-A2281068FF1B}"/>
+                <a16:creationId xmlns="" xmlns:a16="http://schemas.microsoft.com/office/drawing/2014/main" id="{71A21FF6-D17C-D67C-DA6E-A2281068FF1B}"/>
               </a:ext>
             </a:extLst>
           </p:cNvPr>
@@ -504,7 +505,7 @@
           <p:cNvPr id="5" name="Нижний колонтитул 4">
             <a:extLst>
               <a:ext uri="{FF2B5EF4-FFF2-40B4-BE49-F238E27FC236}">
-                <a16:creationId xmlns:a16="http://schemas.microsoft.com/office/drawing/2014/main" xmlns="" id="{2F51315D-3A0E-2099-9673-471C8D297185}"/>
+                <a16:creationId xmlns="" xmlns:a16="http://schemas.microsoft.com/office/drawing/2014/main" id="{2F51315D-3A0E-2099-9673-471C8D297185}"/>
               </a:ext>
             </a:extLst>
           </p:cNvPr>
@@ -529,7 +530,7 @@
           <p:cNvPr id="6" name="Номер слайда 5">
             <a:extLst>
               <a:ext uri="{FF2B5EF4-FFF2-40B4-BE49-F238E27FC236}">
-                <a16:creationId xmlns:a16="http://schemas.microsoft.com/office/drawing/2014/main" xmlns="" id="{86D72241-8282-AC00-E3C4-1EC726D41963}"/>
+                <a16:creationId xmlns="" xmlns:a16="http://schemas.microsoft.com/office/drawing/2014/main" id="{86D72241-8282-AC00-E3C4-1EC726D41963}"/>
               </a:ext>
             </a:extLst>
           </p:cNvPr>
@@ -557,7 +558,7 @@
     </p:spTree>
     <p:extLst>
       <p:ext uri="{BB962C8B-B14F-4D97-AF65-F5344CB8AC3E}">
-        <p14:creationId xmlns="" xmlns:p14="http://schemas.microsoft.com/office/powerpoint/2010/main" val="476647262"/>
+        <p14:creationId xmlns:p14="http://schemas.microsoft.com/office/powerpoint/2010/main" xmlns="" val="476647262"/>
       </p:ext>
     </p:extLst>
   </p:cSld>
@@ -589,7 +590,7 @@
           <p:cNvPr id="2" name="Вертикальный заголовок 1">
             <a:extLst>
               <a:ext uri="{FF2B5EF4-FFF2-40B4-BE49-F238E27FC236}">
-                <a16:creationId xmlns:a16="http://schemas.microsoft.com/office/drawing/2014/main" xmlns="" id="{C74891AD-0420-D0C7-3DA8-8163EE207834}"/>
+                <a16:creationId xmlns="" xmlns:a16="http://schemas.microsoft.com/office/drawing/2014/main" id="{C74891AD-0420-D0C7-3DA8-8163EE207834}"/>
               </a:ext>
             </a:extLst>
           </p:cNvPr>
@@ -622,7 +623,7 @@
           <p:cNvPr id="3" name="Вертикальный текст 2">
             <a:extLst>
               <a:ext uri="{FF2B5EF4-FFF2-40B4-BE49-F238E27FC236}">
-                <a16:creationId xmlns:a16="http://schemas.microsoft.com/office/drawing/2014/main" xmlns="" id="{BA2096B8-E349-969E-D59E-00F39D708BB2}"/>
+                <a16:creationId xmlns="" xmlns:a16="http://schemas.microsoft.com/office/drawing/2014/main" id="{BA2096B8-E349-969E-D59E-00F39D708BB2}"/>
               </a:ext>
             </a:extLst>
           </p:cNvPr>
@@ -684,7 +685,7 @@
           <p:cNvPr id="4" name="Дата 3">
             <a:extLst>
               <a:ext uri="{FF2B5EF4-FFF2-40B4-BE49-F238E27FC236}">
-                <a16:creationId xmlns:a16="http://schemas.microsoft.com/office/drawing/2014/main" xmlns="" id="{69C25D58-31DE-8BEE-84F5-205F0D8220DA}"/>
+                <a16:creationId xmlns="" xmlns:a16="http://schemas.microsoft.com/office/drawing/2014/main" id="{69C25D58-31DE-8BEE-84F5-205F0D8220DA}"/>
               </a:ext>
             </a:extLst>
           </p:cNvPr>
@@ -714,7 +715,7 @@
           <p:cNvPr id="5" name="Нижний колонтитул 4">
             <a:extLst>
               <a:ext uri="{FF2B5EF4-FFF2-40B4-BE49-F238E27FC236}">
-                <a16:creationId xmlns:a16="http://schemas.microsoft.com/office/drawing/2014/main" xmlns="" id="{1200D78E-3621-B5A0-296F-3AE6064C881B}"/>
+                <a16:creationId xmlns="" xmlns:a16="http://schemas.microsoft.com/office/drawing/2014/main" id="{1200D78E-3621-B5A0-296F-3AE6064C881B}"/>
               </a:ext>
             </a:extLst>
           </p:cNvPr>
@@ -739,7 +740,7 @@
           <p:cNvPr id="6" name="Номер слайда 5">
             <a:extLst>
               <a:ext uri="{FF2B5EF4-FFF2-40B4-BE49-F238E27FC236}">
-                <a16:creationId xmlns:a16="http://schemas.microsoft.com/office/drawing/2014/main" xmlns="" id="{22801EF9-AD0E-9305-7A5F-BA5D57BAF8CD}"/>
+                <a16:creationId xmlns="" xmlns:a16="http://schemas.microsoft.com/office/drawing/2014/main" id="{22801EF9-AD0E-9305-7A5F-BA5D57BAF8CD}"/>
               </a:ext>
             </a:extLst>
           </p:cNvPr>
@@ -767,7 +768,7 @@
     </p:spTree>
     <p:extLst>
       <p:ext uri="{BB962C8B-B14F-4D97-AF65-F5344CB8AC3E}">
-        <p14:creationId xmlns="" xmlns:p14="http://schemas.microsoft.com/office/powerpoint/2010/main" val="4201004194"/>
+        <p14:creationId xmlns:p14="http://schemas.microsoft.com/office/powerpoint/2010/main" xmlns="" val="4201004194"/>
       </p:ext>
     </p:extLst>
   </p:cSld>
@@ -799,7 +800,7 @@
           <p:cNvPr id="2" name="Заголовок 1">
             <a:extLst>
               <a:ext uri="{FF2B5EF4-FFF2-40B4-BE49-F238E27FC236}">
-                <a16:creationId xmlns:a16="http://schemas.microsoft.com/office/drawing/2014/main" xmlns="" id="{9679A5A8-87F3-2FE7-AA0B-006AD31849FC}"/>
+                <a16:creationId xmlns="" xmlns:a16="http://schemas.microsoft.com/office/drawing/2014/main" id="{9679A5A8-87F3-2FE7-AA0B-006AD31849FC}"/>
               </a:ext>
             </a:extLst>
           </p:cNvPr>
@@ -827,7 +828,7 @@
           <p:cNvPr id="3" name="Объект 2">
             <a:extLst>
               <a:ext uri="{FF2B5EF4-FFF2-40B4-BE49-F238E27FC236}">
-                <a16:creationId xmlns:a16="http://schemas.microsoft.com/office/drawing/2014/main" xmlns="" id="{901121FF-5217-AE0C-0534-37B1E320A9BE}"/>
+                <a16:creationId xmlns="" xmlns:a16="http://schemas.microsoft.com/office/drawing/2014/main" id="{901121FF-5217-AE0C-0534-37B1E320A9BE}"/>
               </a:ext>
             </a:extLst>
           </p:cNvPr>
@@ -884,7 +885,7 @@
           <p:cNvPr id="4" name="Дата 3">
             <a:extLst>
               <a:ext uri="{FF2B5EF4-FFF2-40B4-BE49-F238E27FC236}">
-                <a16:creationId xmlns:a16="http://schemas.microsoft.com/office/drawing/2014/main" xmlns="" id="{A5F63383-F5DA-10B2-E837-68D33D937299}"/>
+                <a16:creationId xmlns="" xmlns:a16="http://schemas.microsoft.com/office/drawing/2014/main" id="{A5F63383-F5DA-10B2-E837-68D33D937299}"/>
               </a:ext>
             </a:extLst>
           </p:cNvPr>
@@ -914,7 +915,7 @@
           <p:cNvPr id="5" name="Нижний колонтитул 4">
             <a:extLst>
               <a:ext uri="{FF2B5EF4-FFF2-40B4-BE49-F238E27FC236}">
-                <a16:creationId xmlns:a16="http://schemas.microsoft.com/office/drawing/2014/main" xmlns="" id="{6D2AC90C-BB10-94E4-E96D-5926EDFBDE10}"/>
+                <a16:creationId xmlns="" xmlns:a16="http://schemas.microsoft.com/office/drawing/2014/main" id="{6D2AC90C-BB10-94E4-E96D-5926EDFBDE10}"/>
               </a:ext>
             </a:extLst>
           </p:cNvPr>
@@ -939,7 +940,7 @@
           <p:cNvPr id="6" name="Номер слайда 5">
             <a:extLst>
               <a:ext uri="{FF2B5EF4-FFF2-40B4-BE49-F238E27FC236}">
-                <a16:creationId xmlns:a16="http://schemas.microsoft.com/office/drawing/2014/main" xmlns="" id="{A0DB5FF3-27E5-ECD7-6065-7E94E6A8555F}"/>
+                <a16:creationId xmlns="" xmlns:a16="http://schemas.microsoft.com/office/drawing/2014/main" id="{A0DB5FF3-27E5-ECD7-6065-7E94E6A8555F}"/>
               </a:ext>
             </a:extLst>
           </p:cNvPr>
@@ -967,7 +968,7 @@
     </p:spTree>
     <p:extLst>
       <p:ext uri="{BB962C8B-B14F-4D97-AF65-F5344CB8AC3E}">
-        <p14:creationId xmlns="" xmlns:p14="http://schemas.microsoft.com/office/powerpoint/2010/main" val="3663878534"/>
+        <p14:creationId xmlns:p14="http://schemas.microsoft.com/office/powerpoint/2010/main" xmlns="" val="3663878534"/>
       </p:ext>
     </p:extLst>
   </p:cSld>
@@ -999,7 +1000,7 @@
           <p:cNvPr id="2" name="Заголовок 1">
             <a:extLst>
               <a:ext uri="{FF2B5EF4-FFF2-40B4-BE49-F238E27FC236}">
-                <a16:creationId xmlns:a16="http://schemas.microsoft.com/office/drawing/2014/main" xmlns="" id="{DD557F2C-9CD1-EEE2-EFD8-CA5356037721}"/>
+                <a16:creationId xmlns="" xmlns:a16="http://schemas.microsoft.com/office/drawing/2014/main" id="{DD557F2C-9CD1-EEE2-EFD8-CA5356037721}"/>
               </a:ext>
             </a:extLst>
           </p:cNvPr>
@@ -1036,7 +1037,7 @@
           <p:cNvPr id="3" name="Текст 2">
             <a:extLst>
               <a:ext uri="{FF2B5EF4-FFF2-40B4-BE49-F238E27FC236}">
-                <a16:creationId xmlns:a16="http://schemas.microsoft.com/office/drawing/2014/main" xmlns="" id="{D8950F90-CBA5-D33D-3E59-064DB5E54181}"/>
+                <a16:creationId xmlns="" xmlns:a16="http://schemas.microsoft.com/office/drawing/2014/main" id="{D8950F90-CBA5-D33D-3E59-064DB5E54181}"/>
               </a:ext>
             </a:extLst>
           </p:cNvPr>
@@ -1161,7 +1162,7 @@
           <p:cNvPr id="4" name="Дата 3">
             <a:extLst>
               <a:ext uri="{FF2B5EF4-FFF2-40B4-BE49-F238E27FC236}">
-                <a16:creationId xmlns:a16="http://schemas.microsoft.com/office/drawing/2014/main" xmlns="" id="{766500B9-25A6-8354-307A-5965FAC6FB3D}"/>
+                <a16:creationId xmlns="" xmlns:a16="http://schemas.microsoft.com/office/drawing/2014/main" id="{766500B9-25A6-8354-307A-5965FAC6FB3D}"/>
               </a:ext>
             </a:extLst>
           </p:cNvPr>
@@ -1191,7 +1192,7 @@
           <p:cNvPr id="5" name="Нижний колонтитул 4">
             <a:extLst>
               <a:ext uri="{FF2B5EF4-FFF2-40B4-BE49-F238E27FC236}">
-                <a16:creationId xmlns:a16="http://schemas.microsoft.com/office/drawing/2014/main" xmlns="" id="{EE82C732-66F5-ED99-E2D5-88A275B2C8F4}"/>
+                <a16:creationId xmlns="" xmlns:a16="http://schemas.microsoft.com/office/drawing/2014/main" id="{EE82C732-66F5-ED99-E2D5-88A275B2C8F4}"/>
               </a:ext>
             </a:extLst>
           </p:cNvPr>
@@ -1216,7 +1217,7 @@
           <p:cNvPr id="6" name="Номер слайда 5">
             <a:extLst>
               <a:ext uri="{FF2B5EF4-FFF2-40B4-BE49-F238E27FC236}">
-                <a16:creationId xmlns:a16="http://schemas.microsoft.com/office/drawing/2014/main" xmlns="" id="{205C899B-F1AC-1E34-CEFB-AAD93600D48D}"/>
+                <a16:creationId xmlns="" xmlns:a16="http://schemas.microsoft.com/office/drawing/2014/main" id="{205C899B-F1AC-1E34-CEFB-AAD93600D48D}"/>
               </a:ext>
             </a:extLst>
           </p:cNvPr>
@@ -1244,7 +1245,7 @@
     </p:spTree>
     <p:extLst>
       <p:ext uri="{BB962C8B-B14F-4D97-AF65-F5344CB8AC3E}">
-        <p14:creationId xmlns="" xmlns:p14="http://schemas.microsoft.com/office/powerpoint/2010/main" val="2414508979"/>
+        <p14:creationId xmlns:p14="http://schemas.microsoft.com/office/powerpoint/2010/main" xmlns="" val="2414508979"/>
       </p:ext>
     </p:extLst>
   </p:cSld>
@@ -1276,7 +1277,7 @@
           <p:cNvPr id="2" name="Заголовок 1">
             <a:extLst>
               <a:ext uri="{FF2B5EF4-FFF2-40B4-BE49-F238E27FC236}">
-                <a16:creationId xmlns:a16="http://schemas.microsoft.com/office/drawing/2014/main" xmlns="" id="{0E5C556E-5BA4-25DC-98DE-0A4949E29549}"/>
+                <a16:creationId xmlns="" xmlns:a16="http://schemas.microsoft.com/office/drawing/2014/main" id="{0E5C556E-5BA4-25DC-98DE-0A4949E29549}"/>
               </a:ext>
             </a:extLst>
           </p:cNvPr>
@@ -1304,7 +1305,7 @@
           <p:cNvPr id="3" name="Объект 2">
             <a:extLst>
               <a:ext uri="{FF2B5EF4-FFF2-40B4-BE49-F238E27FC236}">
-                <a16:creationId xmlns:a16="http://schemas.microsoft.com/office/drawing/2014/main" xmlns="" id="{7425C5BE-6896-0A4D-5AFA-1FAE69A97CAD}"/>
+                <a16:creationId xmlns="" xmlns:a16="http://schemas.microsoft.com/office/drawing/2014/main" id="{7425C5BE-6896-0A4D-5AFA-1FAE69A97CAD}"/>
               </a:ext>
             </a:extLst>
           </p:cNvPr>
@@ -1366,7 +1367,7 @@
           <p:cNvPr id="4" name="Объект 3">
             <a:extLst>
               <a:ext uri="{FF2B5EF4-FFF2-40B4-BE49-F238E27FC236}">
-                <a16:creationId xmlns:a16="http://schemas.microsoft.com/office/drawing/2014/main" xmlns="" id="{31C00418-E37A-2786-C67B-B50C3CE53231}"/>
+                <a16:creationId xmlns="" xmlns:a16="http://schemas.microsoft.com/office/drawing/2014/main" id="{31C00418-E37A-2786-C67B-B50C3CE53231}"/>
               </a:ext>
             </a:extLst>
           </p:cNvPr>
@@ -1428,7 +1429,7 @@
           <p:cNvPr id="5" name="Дата 4">
             <a:extLst>
               <a:ext uri="{FF2B5EF4-FFF2-40B4-BE49-F238E27FC236}">
-                <a16:creationId xmlns:a16="http://schemas.microsoft.com/office/drawing/2014/main" xmlns="" id="{82311B34-B094-DEA9-0487-CCE77AB53978}"/>
+                <a16:creationId xmlns="" xmlns:a16="http://schemas.microsoft.com/office/drawing/2014/main" id="{82311B34-B094-DEA9-0487-CCE77AB53978}"/>
               </a:ext>
             </a:extLst>
           </p:cNvPr>
@@ -1458,7 +1459,7 @@
           <p:cNvPr id="6" name="Нижний колонтитул 5">
             <a:extLst>
               <a:ext uri="{FF2B5EF4-FFF2-40B4-BE49-F238E27FC236}">
-                <a16:creationId xmlns:a16="http://schemas.microsoft.com/office/drawing/2014/main" xmlns="" id="{EA3A2682-2931-8785-4E08-0C676B293946}"/>
+                <a16:creationId xmlns="" xmlns:a16="http://schemas.microsoft.com/office/drawing/2014/main" id="{EA3A2682-2931-8785-4E08-0C676B293946}"/>
               </a:ext>
             </a:extLst>
           </p:cNvPr>
@@ -1483,7 +1484,7 @@
           <p:cNvPr id="7" name="Номер слайда 6">
             <a:extLst>
               <a:ext uri="{FF2B5EF4-FFF2-40B4-BE49-F238E27FC236}">
-                <a16:creationId xmlns:a16="http://schemas.microsoft.com/office/drawing/2014/main" xmlns="" id="{EE8B88A0-DA0B-ECEB-086B-CAD2B03B2577}"/>
+                <a16:creationId xmlns="" xmlns:a16="http://schemas.microsoft.com/office/drawing/2014/main" id="{EE8B88A0-DA0B-ECEB-086B-CAD2B03B2577}"/>
               </a:ext>
             </a:extLst>
           </p:cNvPr>
@@ -1511,7 +1512,7 @@
     </p:spTree>
     <p:extLst>
       <p:ext uri="{BB962C8B-B14F-4D97-AF65-F5344CB8AC3E}">
-        <p14:creationId xmlns="" xmlns:p14="http://schemas.microsoft.com/office/powerpoint/2010/main" val="2371532081"/>
+        <p14:creationId xmlns:p14="http://schemas.microsoft.com/office/powerpoint/2010/main" xmlns="" val="2371532081"/>
       </p:ext>
     </p:extLst>
   </p:cSld>
@@ -1543,7 +1544,7 @@
           <p:cNvPr id="2" name="Заголовок 1">
             <a:extLst>
               <a:ext uri="{FF2B5EF4-FFF2-40B4-BE49-F238E27FC236}">
-                <a16:creationId xmlns:a16="http://schemas.microsoft.com/office/drawing/2014/main" xmlns="" id="{A20B92AA-AEE3-B9EB-BFB8-CD638D676C96}"/>
+                <a16:creationId xmlns="" xmlns:a16="http://schemas.microsoft.com/office/drawing/2014/main" id="{A20B92AA-AEE3-B9EB-BFB8-CD638D676C96}"/>
               </a:ext>
             </a:extLst>
           </p:cNvPr>
@@ -1576,7 +1577,7 @@
           <p:cNvPr id="3" name="Текст 2">
             <a:extLst>
               <a:ext uri="{FF2B5EF4-FFF2-40B4-BE49-F238E27FC236}">
-                <a16:creationId xmlns:a16="http://schemas.microsoft.com/office/drawing/2014/main" xmlns="" id="{11896D86-1039-0B56-5FF6-1FD7F4DD5606}"/>
+                <a16:creationId xmlns="" xmlns:a16="http://schemas.microsoft.com/office/drawing/2014/main" id="{11896D86-1039-0B56-5FF6-1FD7F4DD5606}"/>
               </a:ext>
             </a:extLst>
           </p:cNvPr>
@@ -1647,7 +1648,7 @@
           <p:cNvPr id="4" name="Объект 3">
             <a:extLst>
               <a:ext uri="{FF2B5EF4-FFF2-40B4-BE49-F238E27FC236}">
-                <a16:creationId xmlns:a16="http://schemas.microsoft.com/office/drawing/2014/main" xmlns="" id="{288A1A6F-EBB8-8F7C-E989-86CCB98DDD97}"/>
+                <a16:creationId xmlns="" xmlns:a16="http://schemas.microsoft.com/office/drawing/2014/main" id="{288A1A6F-EBB8-8F7C-E989-86CCB98DDD97}"/>
               </a:ext>
             </a:extLst>
           </p:cNvPr>
@@ -1709,7 +1710,7 @@
           <p:cNvPr id="5" name="Текст 4">
             <a:extLst>
               <a:ext uri="{FF2B5EF4-FFF2-40B4-BE49-F238E27FC236}">
-                <a16:creationId xmlns:a16="http://schemas.microsoft.com/office/drawing/2014/main" xmlns="" id="{EF2A3D12-F19B-6769-DEC7-374A6840A3F8}"/>
+                <a16:creationId xmlns="" xmlns:a16="http://schemas.microsoft.com/office/drawing/2014/main" id="{EF2A3D12-F19B-6769-DEC7-374A6840A3F8}"/>
               </a:ext>
             </a:extLst>
           </p:cNvPr>
@@ -1780,7 +1781,7 @@
           <p:cNvPr id="6" name="Объект 5">
             <a:extLst>
               <a:ext uri="{FF2B5EF4-FFF2-40B4-BE49-F238E27FC236}">
-                <a16:creationId xmlns:a16="http://schemas.microsoft.com/office/drawing/2014/main" xmlns="" id="{F54F1F2F-BAD1-F721-B349-E472E8069CD0}"/>
+                <a16:creationId xmlns="" xmlns:a16="http://schemas.microsoft.com/office/drawing/2014/main" id="{F54F1F2F-BAD1-F721-B349-E472E8069CD0}"/>
               </a:ext>
             </a:extLst>
           </p:cNvPr>
@@ -1842,7 +1843,7 @@
           <p:cNvPr id="7" name="Дата 6">
             <a:extLst>
               <a:ext uri="{FF2B5EF4-FFF2-40B4-BE49-F238E27FC236}">
-                <a16:creationId xmlns:a16="http://schemas.microsoft.com/office/drawing/2014/main" xmlns="" id="{5BC14E07-3A8B-0586-4379-E86ADCA9223B}"/>
+                <a16:creationId xmlns="" xmlns:a16="http://schemas.microsoft.com/office/drawing/2014/main" id="{5BC14E07-3A8B-0586-4379-E86ADCA9223B}"/>
               </a:ext>
             </a:extLst>
           </p:cNvPr>
@@ -1872,7 +1873,7 @@
           <p:cNvPr id="8" name="Нижний колонтитул 7">
             <a:extLst>
               <a:ext uri="{FF2B5EF4-FFF2-40B4-BE49-F238E27FC236}">
-                <a16:creationId xmlns:a16="http://schemas.microsoft.com/office/drawing/2014/main" xmlns="" id="{8EA34202-CDA7-C42D-ED34-D1C59CE37313}"/>
+                <a16:creationId xmlns="" xmlns:a16="http://schemas.microsoft.com/office/drawing/2014/main" id="{8EA34202-CDA7-C42D-ED34-D1C59CE37313}"/>
               </a:ext>
             </a:extLst>
           </p:cNvPr>
@@ -1897,7 +1898,7 @@
           <p:cNvPr id="9" name="Номер слайда 8">
             <a:extLst>
               <a:ext uri="{FF2B5EF4-FFF2-40B4-BE49-F238E27FC236}">
-                <a16:creationId xmlns:a16="http://schemas.microsoft.com/office/drawing/2014/main" xmlns="" id="{21DEB446-9600-8D80-DFE6-ACB940F82EFF}"/>
+                <a16:creationId xmlns="" xmlns:a16="http://schemas.microsoft.com/office/drawing/2014/main" id="{21DEB446-9600-8D80-DFE6-ACB940F82EFF}"/>
               </a:ext>
             </a:extLst>
           </p:cNvPr>
@@ -1925,7 +1926,7 @@
     </p:spTree>
     <p:extLst>
       <p:ext uri="{BB962C8B-B14F-4D97-AF65-F5344CB8AC3E}">
-        <p14:creationId xmlns="" xmlns:p14="http://schemas.microsoft.com/office/powerpoint/2010/main" val="2086624801"/>
+        <p14:creationId xmlns:p14="http://schemas.microsoft.com/office/powerpoint/2010/main" xmlns="" val="2086624801"/>
       </p:ext>
     </p:extLst>
   </p:cSld>
@@ -1957,7 +1958,7 @@
           <p:cNvPr id="2" name="Заголовок 1">
             <a:extLst>
               <a:ext uri="{FF2B5EF4-FFF2-40B4-BE49-F238E27FC236}">
-                <a16:creationId xmlns:a16="http://schemas.microsoft.com/office/drawing/2014/main" xmlns="" id="{09F191D6-FC8F-4122-1E7A-CB7D91B594FA}"/>
+                <a16:creationId xmlns="" xmlns:a16="http://schemas.microsoft.com/office/drawing/2014/main" id="{09F191D6-FC8F-4122-1E7A-CB7D91B594FA}"/>
               </a:ext>
             </a:extLst>
           </p:cNvPr>
@@ -1985,7 +1986,7 @@
           <p:cNvPr id="3" name="Дата 2">
             <a:extLst>
               <a:ext uri="{FF2B5EF4-FFF2-40B4-BE49-F238E27FC236}">
-                <a16:creationId xmlns:a16="http://schemas.microsoft.com/office/drawing/2014/main" xmlns="" id="{B61B76AB-16A2-E802-C3FC-9FA43AF95803}"/>
+                <a16:creationId xmlns="" xmlns:a16="http://schemas.microsoft.com/office/drawing/2014/main" id="{B61B76AB-16A2-E802-C3FC-9FA43AF95803}"/>
               </a:ext>
             </a:extLst>
           </p:cNvPr>
@@ -2015,7 +2016,7 @@
           <p:cNvPr id="4" name="Нижний колонтитул 3">
             <a:extLst>
               <a:ext uri="{FF2B5EF4-FFF2-40B4-BE49-F238E27FC236}">
-                <a16:creationId xmlns:a16="http://schemas.microsoft.com/office/drawing/2014/main" xmlns="" id="{9F128097-44C9-BE96-6E6C-9F666CECC82E}"/>
+                <a16:creationId xmlns="" xmlns:a16="http://schemas.microsoft.com/office/drawing/2014/main" id="{9F128097-44C9-BE96-6E6C-9F666CECC82E}"/>
               </a:ext>
             </a:extLst>
           </p:cNvPr>
@@ -2040,7 +2041,7 @@
           <p:cNvPr id="5" name="Номер слайда 4">
             <a:extLst>
               <a:ext uri="{FF2B5EF4-FFF2-40B4-BE49-F238E27FC236}">
-                <a16:creationId xmlns:a16="http://schemas.microsoft.com/office/drawing/2014/main" xmlns="" id="{14EB260B-B2AF-E4CB-3F5F-CED1D6DBC088}"/>
+                <a16:creationId xmlns="" xmlns:a16="http://schemas.microsoft.com/office/drawing/2014/main" id="{14EB260B-B2AF-E4CB-3F5F-CED1D6DBC088}"/>
               </a:ext>
             </a:extLst>
           </p:cNvPr>
@@ -2068,7 +2069,7 @@
     </p:spTree>
     <p:extLst>
       <p:ext uri="{BB962C8B-B14F-4D97-AF65-F5344CB8AC3E}">
-        <p14:creationId xmlns="" xmlns:p14="http://schemas.microsoft.com/office/powerpoint/2010/main" val="1452925811"/>
+        <p14:creationId xmlns:p14="http://schemas.microsoft.com/office/powerpoint/2010/main" xmlns="" val="1452925811"/>
       </p:ext>
     </p:extLst>
   </p:cSld>
@@ -2100,7 +2101,7 @@
           <p:cNvPr id="2" name="Дата 1">
             <a:extLst>
               <a:ext uri="{FF2B5EF4-FFF2-40B4-BE49-F238E27FC236}">
-                <a16:creationId xmlns:a16="http://schemas.microsoft.com/office/drawing/2014/main" xmlns="" id="{C08BA097-9465-E7D4-8D20-56FBD4D856B4}"/>
+                <a16:creationId xmlns="" xmlns:a16="http://schemas.microsoft.com/office/drawing/2014/main" id="{C08BA097-9465-E7D4-8D20-56FBD4D856B4}"/>
               </a:ext>
             </a:extLst>
           </p:cNvPr>
@@ -2130,7 +2131,7 @@
           <p:cNvPr id="3" name="Нижний колонтитул 2">
             <a:extLst>
               <a:ext uri="{FF2B5EF4-FFF2-40B4-BE49-F238E27FC236}">
-                <a16:creationId xmlns:a16="http://schemas.microsoft.com/office/drawing/2014/main" xmlns="" id="{F1BA0DE9-56D7-206B-FC56-55D7F09F814C}"/>
+                <a16:creationId xmlns="" xmlns:a16="http://schemas.microsoft.com/office/drawing/2014/main" id="{F1BA0DE9-56D7-206B-FC56-55D7F09F814C}"/>
               </a:ext>
             </a:extLst>
           </p:cNvPr>
@@ -2155,7 +2156,7 @@
           <p:cNvPr id="4" name="Номер слайда 3">
             <a:extLst>
               <a:ext uri="{FF2B5EF4-FFF2-40B4-BE49-F238E27FC236}">
-                <a16:creationId xmlns:a16="http://schemas.microsoft.com/office/drawing/2014/main" xmlns="" id="{6771ACC4-5A37-479E-C3D9-3A5BFD7CFF40}"/>
+                <a16:creationId xmlns="" xmlns:a16="http://schemas.microsoft.com/office/drawing/2014/main" id="{6771ACC4-5A37-479E-C3D9-3A5BFD7CFF40}"/>
               </a:ext>
             </a:extLst>
           </p:cNvPr>
@@ -2183,7 +2184,7 @@
     </p:spTree>
     <p:extLst>
       <p:ext uri="{BB962C8B-B14F-4D97-AF65-F5344CB8AC3E}">
-        <p14:creationId xmlns="" xmlns:p14="http://schemas.microsoft.com/office/powerpoint/2010/main" val="414686634"/>
+        <p14:creationId xmlns:p14="http://schemas.microsoft.com/office/powerpoint/2010/main" xmlns="" val="414686634"/>
       </p:ext>
     </p:extLst>
   </p:cSld>
@@ -2215,7 +2216,7 @@
           <p:cNvPr id="2" name="Заголовок 1">
             <a:extLst>
               <a:ext uri="{FF2B5EF4-FFF2-40B4-BE49-F238E27FC236}">
-                <a16:creationId xmlns:a16="http://schemas.microsoft.com/office/drawing/2014/main" xmlns="" id="{8A29A7F3-D292-947B-9F72-953419EA0BE6}"/>
+                <a16:creationId xmlns="" xmlns:a16="http://schemas.microsoft.com/office/drawing/2014/main" id="{8A29A7F3-D292-947B-9F72-953419EA0BE6}"/>
               </a:ext>
             </a:extLst>
           </p:cNvPr>
@@ -2252,7 +2253,7 @@
           <p:cNvPr id="3" name="Объект 2">
             <a:extLst>
               <a:ext uri="{FF2B5EF4-FFF2-40B4-BE49-F238E27FC236}">
-                <a16:creationId xmlns:a16="http://schemas.microsoft.com/office/drawing/2014/main" xmlns="" id="{F93BD3E1-5A95-6E75-9C35-48B0178D0CE0}"/>
+                <a16:creationId xmlns="" xmlns:a16="http://schemas.microsoft.com/office/drawing/2014/main" id="{F93BD3E1-5A95-6E75-9C35-48B0178D0CE0}"/>
               </a:ext>
             </a:extLst>
           </p:cNvPr>
@@ -2342,7 +2343,7 @@
           <p:cNvPr id="4" name="Текст 3">
             <a:extLst>
               <a:ext uri="{FF2B5EF4-FFF2-40B4-BE49-F238E27FC236}">
-                <a16:creationId xmlns:a16="http://schemas.microsoft.com/office/drawing/2014/main" xmlns="" id="{F05B45C3-0F25-CDA6-E26C-437063A8C9B6}"/>
+                <a16:creationId xmlns="" xmlns:a16="http://schemas.microsoft.com/office/drawing/2014/main" id="{F05B45C3-0F25-CDA6-E26C-437063A8C9B6}"/>
               </a:ext>
             </a:extLst>
           </p:cNvPr>
@@ -2413,7 +2414,7 @@
           <p:cNvPr id="5" name="Дата 4">
             <a:extLst>
               <a:ext uri="{FF2B5EF4-FFF2-40B4-BE49-F238E27FC236}">
-                <a16:creationId xmlns:a16="http://schemas.microsoft.com/office/drawing/2014/main" xmlns="" id="{DFF78B1B-E2D0-5CC5-67A8-D0DBA9D4F69B}"/>
+                <a16:creationId xmlns="" xmlns:a16="http://schemas.microsoft.com/office/drawing/2014/main" id="{DFF78B1B-E2D0-5CC5-67A8-D0DBA9D4F69B}"/>
               </a:ext>
             </a:extLst>
           </p:cNvPr>
@@ -2443,7 +2444,7 @@
           <p:cNvPr id="6" name="Нижний колонтитул 5">
             <a:extLst>
               <a:ext uri="{FF2B5EF4-FFF2-40B4-BE49-F238E27FC236}">
-                <a16:creationId xmlns:a16="http://schemas.microsoft.com/office/drawing/2014/main" xmlns="" id="{DB59C205-F0AD-394B-8EFF-A63FB72ABA42}"/>
+                <a16:creationId xmlns="" xmlns:a16="http://schemas.microsoft.com/office/drawing/2014/main" id="{DB59C205-F0AD-394B-8EFF-A63FB72ABA42}"/>
               </a:ext>
             </a:extLst>
           </p:cNvPr>
@@ -2468,7 +2469,7 @@
           <p:cNvPr id="7" name="Номер слайда 6">
             <a:extLst>
               <a:ext uri="{FF2B5EF4-FFF2-40B4-BE49-F238E27FC236}">
-                <a16:creationId xmlns:a16="http://schemas.microsoft.com/office/drawing/2014/main" xmlns="" id="{AE043324-0615-A5FD-3FB7-0C8F9AA11EAB}"/>
+                <a16:creationId xmlns="" xmlns:a16="http://schemas.microsoft.com/office/drawing/2014/main" id="{AE043324-0615-A5FD-3FB7-0C8F9AA11EAB}"/>
               </a:ext>
             </a:extLst>
           </p:cNvPr>
@@ -2496,7 +2497,7 @@
     </p:spTree>
     <p:extLst>
       <p:ext uri="{BB962C8B-B14F-4D97-AF65-F5344CB8AC3E}">
-        <p14:creationId xmlns="" xmlns:p14="http://schemas.microsoft.com/office/powerpoint/2010/main" val="793283567"/>
+        <p14:creationId xmlns:p14="http://schemas.microsoft.com/office/powerpoint/2010/main" xmlns="" val="793283567"/>
       </p:ext>
     </p:extLst>
   </p:cSld>
@@ -2528,7 +2529,7 @@
           <p:cNvPr id="2" name="Заголовок 1">
             <a:extLst>
               <a:ext uri="{FF2B5EF4-FFF2-40B4-BE49-F238E27FC236}">
-                <a16:creationId xmlns:a16="http://schemas.microsoft.com/office/drawing/2014/main" xmlns="" id="{926A9D1B-012A-23C3-8320-8BFC69088265}"/>
+                <a16:creationId xmlns="" xmlns:a16="http://schemas.microsoft.com/office/drawing/2014/main" id="{926A9D1B-012A-23C3-8320-8BFC69088265}"/>
               </a:ext>
             </a:extLst>
           </p:cNvPr>
@@ -2565,7 +2566,7 @@
           <p:cNvPr id="3" name="Рисунок 2">
             <a:extLst>
               <a:ext uri="{FF2B5EF4-FFF2-40B4-BE49-F238E27FC236}">
-                <a16:creationId xmlns:a16="http://schemas.microsoft.com/office/drawing/2014/main" xmlns="" id="{9B7AA942-B3C9-D02D-42BE-A72809FBFC51}"/>
+                <a16:creationId xmlns="" xmlns:a16="http://schemas.microsoft.com/office/drawing/2014/main" id="{9B7AA942-B3C9-D02D-42BE-A72809FBFC51}"/>
               </a:ext>
             </a:extLst>
           </p:cNvPr>
@@ -2632,7 +2633,7 @@
           <p:cNvPr id="4" name="Текст 3">
             <a:extLst>
               <a:ext uri="{FF2B5EF4-FFF2-40B4-BE49-F238E27FC236}">
-                <a16:creationId xmlns:a16="http://schemas.microsoft.com/office/drawing/2014/main" xmlns="" id="{A173F51B-6622-77A6-AF90-3C6D2AB7AB9C}"/>
+                <a16:creationId xmlns="" xmlns:a16="http://schemas.microsoft.com/office/drawing/2014/main" id="{A173F51B-6622-77A6-AF90-3C6D2AB7AB9C}"/>
               </a:ext>
             </a:extLst>
           </p:cNvPr>
@@ -2703,7 +2704,7 @@
           <p:cNvPr id="5" name="Дата 4">
             <a:extLst>
               <a:ext uri="{FF2B5EF4-FFF2-40B4-BE49-F238E27FC236}">
-                <a16:creationId xmlns:a16="http://schemas.microsoft.com/office/drawing/2014/main" xmlns="" id="{325C1C5E-0053-54FB-A9CD-F501F889E70A}"/>
+                <a16:creationId xmlns="" xmlns:a16="http://schemas.microsoft.com/office/drawing/2014/main" id="{325C1C5E-0053-54FB-A9CD-F501F889E70A}"/>
               </a:ext>
             </a:extLst>
           </p:cNvPr>
@@ -2733,7 +2734,7 @@
           <p:cNvPr id="6" name="Нижний колонтитул 5">
             <a:extLst>
               <a:ext uri="{FF2B5EF4-FFF2-40B4-BE49-F238E27FC236}">
-                <a16:creationId xmlns:a16="http://schemas.microsoft.com/office/drawing/2014/main" xmlns="" id="{FBCD383E-F890-98A9-53F7-253522A76720}"/>
+                <a16:creationId xmlns="" xmlns:a16="http://schemas.microsoft.com/office/drawing/2014/main" id="{FBCD383E-F890-98A9-53F7-253522A76720}"/>
               </a:ext>
             </a:extLst>
           </p:cNvPr>
@@ -2758,7 +2759,7 @@
           <p:cNvPr id="7" name="Номер слайда 6">
             <a:extLst>
               <a:ext uri="{FF2B5EF4-FFF2-40B4-BE49-F238E27FC236}">
-                <a16:creationId xmlns:a16="http://schemas.microsoft.com/office/drawing/2014/main" xmlns="" id="{5F1C23E7-F475-FA57-9415-53B0F0516F16}"/>
+                <a16:creationId xmlns="" xmlns:a16="http://schemas.microsoft.com/office/drawing/2014/main" id="{5F1C23E7-F475-FA57-9415-53B0F0516F16}"/>
               </a:ext>
             </a:extLst>
           </p:cNvPr>
@@ -2786,7 +2787,7 @@
     </p:spTree>
     <p:extLst>
       <p:ext uri="{BB962C8B-B14F-4D97-AF65-F5344CB8AC3E}">
-        <p14:creationId xmlns="" xmlns:p14="http://schemas.microsoft.com/office/powerpoint/2010/main" val="2120612975"/>
+        <p14:creationId xmlns:p14="http://schemas.microsoft.com/office/powerpoint/2010/main" xmlns="" val="2120612975"/>
       </p:ext>
     </p:extLst>
   </p:cSld>
@@ -2823,7 +2824,7 @@
           <p:cNvPr id="2" name="Заголовок 1">
             <a:extLst>
               <a:ext uri="{FF2B5EF4-FFF2-40B4-BE49-F238E27FC236}">
-                <a16:creationId xmlns:a16="http://schemas.microsoft.com/office/drawing/2014/main" xmlns="" id="{6C768094-A90C-1C5F-6A20-08C258C4E5A0}"/>
+                <a16:creationId xmlns="" xmlns:a16="http://schemas.microsoft.com/office/drawing/2014/main" id="{6C768094-A90C-1C5F-6A20-08C258C4E5A0}"/>
               </a:ext>
             </a:extLst>
           </p:cNvPr>
@@ -2861,7 +2862,7 @@
           <p:cNvPr id="3" name="Текст 2">
             <a:extLst>
               <a:ext uri="{FF2B5EF4-FFF2-40B4-BE49-F238E27FC236}">
-                <a16:creationId xmlns:a16="http://schemas.microsoft.com/office/drawing/2014/main" xmlns="" id="{24B73A0C-C8E0-B34A-43C1-01FA2E140F51}"/>
+                <a16:creationId xmlns="" xmlns:a16="http://schemas.microsoft.com/office/drawing/2014/main" id="{24B73A0C-C8E0-B34A-43C1-01FA2E140F51}"/>
               </a:ext>
             </a:extLst>
           </p:cNvPr>
@@ -2928,7 +2929,7 @@
           <p:cNvPr id="4" name="Дата 3">
             <a:extLst>
               <a:ext uri="{FF2B5EF4-FFF2-40B4-BE49-F238E27FC236}">
-                <a16:creationId xmlns:a16="http://schemas.microsoft.com/office/drawing/2014/main" xmlns="" id="{FEA15550-9607-CAEA-366D-A6E55E89959A}"/>
+                <a16:creationId xmlns="" xmlns:a16="http://schemas.microsoft.com/office/drawing/2014/main" id="{FEA15550-9607-CAEA-366D-A6E55E89959A}"/>
               </a:ext>
             </a:extLst>
           </p:cNvPr>
@@ -2976,7 +2977,7 @@
           <p:cNvPr id="5" name="Нижний колонтитул 4">
             <a:extLst>
               <a:ext uri="{FF2B5EF4-FFF2-40B4-BE49-F238E27FC236}">
-                <a16:creationId xmlns:a16="http://schemas.microsoft.com/office/drawing/2014/main" xmlns="" id="{52C41BF5-131F-90F3-4AFF-6F80EB5D8CA4}"/>
+                <a16:creationId xmlns="" xmlns:a16="http://schemas.microsoft.com/office/drawing/2014/main" id="{52C41BF5-131F-90F3-4AFF-6F80EB5D8CA4}"/>
               </a:ext>
             </a:extLst>
           </p:cNvPr>
@@ -3019,7 +3020,7 @@
           <p:cNvPr id="6" name="Номер слайда 5">
             <a:extLst>
               <a:ext uri="{FF2B5EF4-FFF2-40B4-BE49-F238E27FC236}">
-                <a16:creationId xmlns:a16="http://schemas.microsoft.com/office/drawing/2014/main" xmlns="" id="{AF233121-A605-8E49-6A5A-3AD66077721D}"/>
+                <a16:creationId xmlns="" xmlns:a16="http://schemas.microsoft.com/office/drawing/2014/main" id="{AF233121-A605-8E49-6A5A-3AD66077721D}"/>
               </a:ext>
             </a:extLst>
           </p:cNvPr>
@@ -3065,7 +3066,7 @@
     </p:spTree>
     <p:extLst>
       <p:ext uri="{BB962C8B-B14F-4D97-AF65-F5344CB8AC3E}">
-        <p14:creationId xmlns="" xmlns:p14="http://schemas.microsoft.com/office/powerpoint/2010/main" val="2861233511"/>
+        <p14:creationId xmlns:p14="http://schemas.microsoft.com/office/powerpoint/2010/main" xmlns="" val="2861233511"/>
       </p:ext>
     </p:extLst>
   </p:cSld>
@@ -3419,7 +3420,7 @@
           <p:cNvPr id="2" name="Заголовок 1">
             <a:extLst>
               <a:ext uri="{FF2B5EF4-FFF2-40B4-BE49-F238E27FC236}">
-                <a16:creationId xmlns:a16="http://schemas.microsoft.com/office/drawing/2014/main" xmlns="" id="{7B21A4E4-2468-71F3-B3A2-6146175C7296}"/>
+                <a16:creationId xmlns="" xmlns:a16="http://schemas.microsoft.com/office/drawing/2014/main" id="{7B21A4E4-2468-71F3-B3A2-6146175C7296}"/>
               </a:ext>
             </a:extLst>
           </p:cNvPr>
@@ -3482,7 +3483,7 @@
           <p:cNvPr id="3" name="Подзаголовок 2">
             <a:extLst>
               <a:ext uri="{FF2B5EF4-FFF2-40B4-BE49-F238E27FC236}">
-                <a16:creationId xmlns:a16="http://schemas.microsoft.com/office/drawing/2014/main" xmlns="" id="{D0332376-343F-6982-64BD-324B4A47A20E}"/>
+                <a16:creationId xmlns="" xmlns:a16="http://schemas.microsoft.com/office/drawing/2014/main" id="{D0332376-343F-6982-64BD-324B4A47A20E}"/>
               </a:ext>
             </a:extLst>
           </p:cNvPr>
@@ -3548,7 +3549,7 @@
           <p:cNvPr id="4" name="Подзаголовок 2">
             <a:extLst>
               <a:ext uri="{FF2B5EF4-FFF2-40B4-BE49-F238E27FC236}">
-                <a16:creationId xmlns:a16="http://schemas.microsoft.com/office/drawing/2014/main" xmlns="" id="{6956DD50-2BBF-1F65-EEDD-FC462F117DA4}"/>
+                <a16:creationId xmlns="" xmlns:a16="http://schemas.microsoft.com/office/drawing/2014/main" id="{6956DD50-2BBF-1F65-EEDD-FC462F117DA4}"/>
               </a:ext>
             </a:extLst>
           </p:cNvPr>
@@ -3857,7 +3858,7 @@
     </p:spTree>
     <p:extLst>
       <p:ext uri="{BB962C8B-B14F-4D97-AF65-F5344CB8AC3E}">
-        <p14:creationId xmlns="" xmlns:p14="http://schemas.microsoft.com/office/powerpoint/2010/main" val="1553003342"/>
+        <p14:creationId xmlns:p14="http://schemas.microsoft.com/office/powerpoint/2010/main" xmlns="" val="1553003342"/>
       </p:ext>
     </p:extLst>
   </p:cSld>
@@ -3875,6 +3876,398 @@
 </file>
 
 <file path=ppt/slides/slide10.xml><?xml version="1.0" encoding="utf-8"?>
+<p:sld xmlns:a="http://schemas.openxmlformats.org/drawingml/2006/main" xmlns:r="http://schemas.openxmlformats.org/officeDocument/2006/relationships" xmlns:p="http://schemas.openxmlformats.org/presentationml/2006/main">
+  <p:cSld>
+    <p:bg>
+      <p:bgPr>
+        <a:gradFill>
+          <a:gsLst>
+            <a:gs pos="0">
+              <a:schemeClr val="accent1">
+                <a:tint val="66000"/>
+                <a:satMod val="160000"/>
+              </a:schemeClr>
+            </a:gs>
+            <a:gs pos="50000">
+              <a:schemeClr val="accent1">
+                <a:tint val="44500"/>
+                <a:satMod val="160000"/>
+              </a:schemeClr>
+            </a:gs>
+            <a:gs pos="100000">
+              <a:schemeClr val="accent1">
+                <a:tint val="23500"/>
+                <a:satMod val="160000"/>
+              </a:schemeClr>
+            </a:gs>
+          </a:gsLst>
+          <a:lin ang="5400000" scaled="0"/>
+        </a:gradFill>
+        <a:effectLst/>
+      </p:bgPr>
+    </p:bg>
+    <p:spTree>
+      <p:nvGrpSpPr>
+        <p:cNvPr id="1" name=""/>
+        <p:cNvGrpSpPr/>
+        <p:nvPr/>
+      </p:nvGrpSpPr>
+      <p:grpSpPr>
+        <a:xfrm>
+          <a:off x="0" y="0"/>
+          <a:ext cx="0" cy="0"/>
+          <a:chOff x="0" y="0"/>
+          <a:chExt cx="0" cy="0"/>
+        </a:xfrm>
+      </p:grpSpPr>
+      <p:sp>
+        <p:nvSpPr>
+          <p:cNvPr id="2" name="Заголовок 1">
+            <a:extLst>
+              <a:ext uri="{FF2B5EF4-FFF2-40B4-BE49-F238E27FC236}">
+                <a16:creationId xmlns="" xmlns:a16="http://schemas.microsoft.com/office/drawing/2014/main" id="{2E9213E6-749D-9992-D519-94F289222BF0}"/>
+              </a:ext>
+            </a:extLst>
+          </p:cNvPr>
+          <p:cNvSpPr>
+            <a:spLocks noGrp="1"/>
+          </p:cNvSpPr>
+          <p:nvPr>
+            <p:ph type="title"/>
+          </p:nvPr>
+        </p:nvSpPr>
+        <p:spPr>
+          <a:xfrm>
+            <a:off x="838199" y="365125"/>
+            <a:ext cx="10789693" cy="1036955"/>
+          </a:xfrm>
+        </p:spPr>
+        <p:txBody>
+          <a:bodyPr>
+            <a:noAutofit/>
+          </a:bodyPr>
+          <a:lstStyle/>
+          <a:p>
+            <a:r>
+              <a:rPr lang="ru-RU" sz="4800" b="1" dirty="0" smtClean="0">
+                <a:solidFill>
+                  <a:srgbClr val="002060"/>
+                </a:solidFill>
+              </a:rPr>
+              <a:t>Рекомендации для бизнеса</a:t>
+            </a:r>
+            <a:endParaRPr lang="ru-RU" sz="4800" b="1" dirty="0">
+              <a:solidFill>
+                <a:srgbClr val="002060"/>
+              </a:solidFill>
+            </a:endParaRPr>
+          </a:p>
+        </p:txBody>
+      </p:sp>
+      <p:sp>
+        <p:nvSpPr>
+          <p:cNvPr id="5" name="Объект 4">
+            <a:extLst>
+              <a:ext uri="{FF2B5EF4-FFF2-40B4-BE49-F238E27FC236}">
+                <a16:creationId xmlns="" xmlns:a16="http://schemas.microsoft.com/office/drawing/2014/main" id="{7C76C821-45B2-DFFE-8A53-0CD78B84D34D}"/>
+              </a:ext>
+            </a:extLst>
+          </p:cNvPr>
+          <p:cNvSpPr>
+            <a:spLocks noGrp="1"/>
+          </p:cNvSpPr>
+          <p:nvPr>
+            <p:ph idx="1"/>
+          </p:nvPr>
+        </p:nvSpPr>
+        <p:spPr>
+          <a:xfrm>
+            <a:off x="4415491" y="6162576"/>
+            <a:ext cx="7867044" cy="3329986"/>
+          </a:xfrm>
+          <a:noFill/>
+        </p:spPr>
+        <p:txBody>
+          <a:bodyPr>
+            <a:noAutofit/>
+          </a:bodyPr>
+          <a:lstStyle/>
+          <a:p>
+            <a:pPr marL="0" indent="0" algn="just">
+              <a:buNone/>
+            </a:pPr>
+            <a:r>
+              <a:rPr lang="ru-RU" sz="3200" dirty="0">
+                <a:solidFill>
+                  <a:schemeClr val="accent1">
+                    <a:lumMod val="50000"/>
+                  </a:schemeClr>
+                </a:solidFill>
+              </a:rPr>
+              <a:t>	</a:t>
+            </a:r>
+          </a:p>
+          <a:p>
+            <a:pPr marL="0" indent="0" algn="just">
+              <a:buNone/>
+            </a:pPr>
+            <a:r>
+              <a:rPr lang="ru-RU" sz="3200" dirty="0">
+                <a:solidFill>
+                  <a:schemeClr val="accent1">
+                    <a:lumMod val="50000"/>
+                  </a:schemeClr>
+                </a:solidFill>
+              </a:rPr>
+              <a:t>	</a:t>
+            </a:r>
+          </a:p>
+        </p:txBody>
+      </p:sp>
+      <p:sp>
+        <p:nvSpPr>
+          <p:cNvPr id="9" name="Заголовок 1">
+            <a:extLst>
+              <a:ext uri="{FF2B5EF4-FFF2-40B4-BE49-F238E27FC236}">
+                <a16:creationId xmlns="" xmlns:a16="http://schemas.microsoft.com/office/drawing/2014/main" id="{2E9213E6-749D-9992-D519-94F289222BF0}"/>
+              </a:ext>
+            </a:extLst>
+          </p:cNvPr>
+          <p:cNvSpPr txBox="1">
+            <a:spLocks/>
+          </p:cNvSpPr>
+          <p:nvPr/>
+        </p:nvSpPr>
+        <p:spPr>
+          <a:xfrm>
+            <a:off x="736980" y="1351128"/>
+            <a:ext cx="11013744" cy="4981433"/>
+          </a:xfrm>
+          <a:prstGeom prst="rect">
+            <a:avLst/>
+          </a:prstGeom>
+        </p:spPr>
+        <p:txBody>
+          <a:bodyPr vert="horz" lIns="91440" tIns="45720" rIns="91440" bIns="45720" rtlCol="0" anchor="ctr">
+            <a:noAutofit/>
+          </a:bodyPr>
+          <a:lstStyle/>
+          <a:p>
+            <a:pPr marL="0" marR="0" lvl="0" indent="0" algn="just" defTabSz="914400" rtl="0" eaLnBrk="1" fontAlgn="auto" latinLnBrk="0" hangingPunct="1">
+              <a:lnSpc>
+                <a:spcPct val="90000"/>
+              </a:lnSpc>
+              <a:spcBef>
+                <a:spcPct val="0"/>
+              </a:spcBef>
+              <a:spcAft>
+                <a:spcPts val="0"/>
+              </a:spcAft>
+              <a:buClrTx/>
+              <a:buSzTx/>
+              <a:buFontTx/>
+              <a:buNone/>
+              <a:tabLst/>
+              <a:defRPr/>
+            </a:pPr>
+            <a:endParaRPr lang="ru-RU" sz="2800" dirty="0" smtClean="0">
+              <a:solidFill>
+                <a:schemeClr val="accent1">
+                  <a:lumMod val="50000"/>
+                </a:schemeClr>
+              </a:solidFill>
+              <a:ea typeface="+mj-ea"/>
+              <a:cs typeface="+mj-cs"/>
+            </a:endParaRPr>
+          </a:p>
+          <a:p>
+            <a:pPr marL="514350" indent="-514350" algn="just">
+              <a:buAutoNum type="arabicPeriod"/>
+            </a:pPr>
+            <a:r>
+              <a:rPr lang="ru-RU" sz="2800" b="1" dirty="0" smtClean="0">
+                <a:solidFill>
+                  <a:srgbClr val="002060"/>
+                </a:solidFill>
+                <a:latin typeface="+mj-lt"/>
+              </a:rPr>
+              <a:t>Использовать </a:t>
+            </a:r>
+            <a:r>
+              <a:rPr lang="ru-RU" sz="2800" b="1" dirty="0" smtClean="0">
+                <a:solidFill>
+                  <a:srgbClr val="002060"/>
+                </a:solidFill>
+                <a:latin typeface="+mj-lt"/>
+              </a:rPr>
+              <a:t>модель для выявления </a:t>
+            </a:r>
+            <a:r>
+              <a:rPr lang="ru-RU" sz="2800" b="1" dirty="0" smtClean="0">
+                <a:solidFill>
+                  <a:srgbClr val="002060"/>
+                </a:solidFill>
+                <a:latin typeface="+mj-lt"/>
+              </a:rPr>
+              <a:t>пользователей, </a:t>
+            </a:r>
+            <a:r>
+              <a:rPr lang="ru-RU" sz="2800" b="1" dirty="0" smtClean="0">
+                <a:solidFill>
+                  <a:srgbClr val="002060"/>
+                </a:solidFill>
+                <a:latin typeface="+mj-lt"/>
+              </a:rPr>
+              <a:t>которые потенциально готовы уйти к конкурентам, для проведения адресной работы с ними, </a:t>
+            </a:r>
+            <a:r>
+              <a:rPr lang="ru-RU" sz="2800" b="1" dirty="0" smtClean="0">
+                <a:solidFill>
+                  <a:srgbClr val="002060"/>
+                </a:solidFill>
+                <a:latin typeface="+mj-lt"/>
+              </a:rPr>
+              <a:t> с </a:t>
+            </a:r>
+            <a:r>
+              <a:rPr lang="ru-RU" sz="2800" b="1" dirty="0" smtClean="0">
+                <a:solidFill>
+                  <a:srgbClr val="002060"/>
+                </a:solidFill>
+                <a:latin typeface="+mj-lt"/>
+              </a:rPr>
+              <a:t>целью предотвратить уход</a:t>
+            </a:r>
+            <a:r>
+              <a:rPr lang="ru-RU" sz="2800" b="1" dirty="0" smtClean="0">
+                <a:solidFill>
+                  <a:srgbClr val="002060"/>
+                </a:solidFill>
+                <a:latin typeface="+mj-lt"/>
+              </a:rPr>
+              <a:t>.</a:t>
+            </a:r>
+            <a:r>
+              <a:rPr lang="ru-RU" sz="2800" b="1" dirty="0" smtClean="0">
+                <a:solidFill>
+                  <a:srgbClr val="002060"/>
+                </a:solidFill>
+                <a:latin typeface="+mj-lt"/>
+              </a:rPr>
+              <a:t> </a:t>
+            </a:r>
+            <a:endParaRPr lang="ru-RU" sz="2800" b="1" dirty="0" smtClean="0">
+              <a:solidFill>
+                <a:srgbClr val="002060"/>
+              </a:solidFill>
+              <a:latin typeface="+mj-lt"/>
+            </a:endParaRPr>
+          </a:p>
+          <a:p>
+            <a:pPr marL="514350" indent="-514350" algn="just"/>
+            <a:endParaRPr lang="ru-RU" sz="2800" b="1" dirty="0" smtClean="0">
+              <a:solidFill>
+                <a:srgbClr val="002060"/>
+              </a:solidFill>
+              <a:latin typeface="+mj-lt"/>
+            </a:endParaRPr>
+          </a:p>
+          <a:p>
+            <a:pPr marL="514350" indent="-514350" algn="just"/>
+            <a:r>
+              <a:rPr lang="ru-RU" sz="2800" b="1" dirty="0" smtClean="0">
+                <a:solidFill>
+                  <a:srgbClr val="002060"/>
+                </a:solidFill>
+                <a:latin typeface="+mj-lt"/>
+              </a:rPr>
+              <a:t>2.   Мы </a:t>
+            </a:r>
+            <a:r>
+              <a:rPr lang="ru-RU" sz="2800" b="1" dirty="0" smtClean="0">
+                <a:solidFill>
+                  <a:srgbClr val="002060"/>
+                </a:solidFill>
+                <a:latin typeface="+mj-lt"/>
+              </a:rPr>
+              <a:t>определили, что модель отнесла по обучающей выборке 1392 не ушедших пользователя к категории ушедших. Это значит, что на месте компании необходимо рассмотреть внимательнее эту категорию </a:t>
+            </a:r>
+            <a:r>
+              <a:rPr lang="ru-RU" sz="2800" b="1" dirty="0" smtClean="0">
+                <a:solidFill>
+                  <a:srgbClr val="002060"/>
+                </a:solidFill>
+                <a:latin typeface="+mj-lt"/>
+              </a:rPr>
+              <a:t>пользователей </a:t>
+            </a:r>
+            <a:r>
+              <a:rPr lang="ru-RU" sz="2800" b="1" dirty="0" smtClean="0">
+                <a:solidFill>
+                  <a:srgbClr val="002060"/>
+                </a:solidFill>
+                <a:latin typeface="+mj-lt"/>
+              </a:rPr>
+              <a:t>и также провести с ними адресную работу, так как это потенциальные перебежчики к </a:t>
+            </a:r>
+            <a:r>
+              <a:rPr lang="ru-RU" sz="2800" b="1" dirty="0" smtClean="0">
+                <a:solidFill>
+                  <a:srgbClr val="002060"/>
+                </a:solidFill>
+                <a:latin typeface="+mj-lt"/>
+              </a:rPr>
+              <a:t>конкурентам</a:t>
+            </a:r>
+            <a:endParaRPr lang="ru-RU" sz="2800" b="1" dirty="0" smtClean="0">
+              <a:solidFill>
+                <a:schemeClr val="accent1">
+                  <a:lumMod val="50000"/>
+                </a:schemeClr>
+              </a:solidFill>
+              <a:latin typeface="+mj-lt"/>
+              <a:ea typeface="+mj-ea"/>
+              <a:cs typeface="+mj-cs"/>
+            </a:endParaRPr>
+          </a:p>
+          <a:p>
+            <a:pPr lvl="0" algn="just">
+              <a:lnSpc>
+                <a:spcPct val="90000"/>
+              </a:lnSpc>
+              <a:spcBef>
+                <a:spcPct val="0"/>
+              </a:spcBef>
+              <a:defRPr/>
+            </a:pPr>
+            <a:endParaRPr lang="ru-RU" sz="2800" dirty="0" smtClean="0">
+              <a:ea typeface="+mj-ea"/>
+              <a:cs typeface="+mj-cs"/>
+            </a:endParaRPr>
+          </a:p>
+        </p:txBody>
+      </p:sp>
+    </p:spTree>
+    <p:extLst>
+      <p:ext uri="{BB962C8B-B14F-4D97-AF65-F5344CB8AC3E}">
+        <p14:creationId xmlns:p14="http://schemas.microsoft.com/office/powerpoint/2010/main" xmlns="" val="1444225727"/>
+      </p:ext>
+    </p:extLst>
+  </p:cSld>
+  <p:clrMapOvr>
+    <a:masterClrMapping/>
+  </p:clrMapOvr>
+  <p:timing>
+    <p:tnLst>
+      <p:par>
+        <p:cTn id="1" dur="indefinite" restart="never" nodeType="tmRoot"/>
+      </p:par>
+    </p:tnLst>
+  </p:timing>
+</p:sld>
+</file>
+
+<file path=ppt/slides/slide11.xml><?xml version="1.0" encoding="utf-8"?>
 <p:sld xmlns:a="http://schemas.openxmlformats.org/drawingml/2006/main" xmlns:r="http://schemas.openxmlformats.org/officeDocument/2006/relationships" xmlns:p="http://schemas.openxmlformats.org/presentationml/2006/main">
   <p:cSld>
     <p:bg>
@@ -3927,7 +4320,7 @@
           <p:cNvPr id="2" name="Заголовок 1">
             <a:extLst>
               <a:ext uri="{FF2B5EF4-FFF2-40B4-BE49-F238E27FC236}">
-                <a16:creationId xmlns:a16="http://schemas.microsoft.com/office/drawing/2014/main" xmlns="" id="{2E9213E6-749D-9992-D519-94F289222BF0}"/>
+                <a16:creationId xmlns="" xmlns:a16="http://schemas.microsoft.com/office/drawing/2014/main" id="{2E9213E6-749D-9992-D519-94F289222BF0}"/>
               </a:ext>
             </a:extLst>
           </p:cNvPr>
@@ -3973,7 +4366,7 @@
           <p:cNvPr id="5" name="Объект 4">
             <a:extLst>
               <a:ext uri="{FF2B5EF4-FFF2-40B4-BE49-F238E27FC236}">
-                <a16:creationId xmlns:a16="http://schemas.microsoft.com/office/drawing/2014/main" xmlns="" id="{7C76C821-45B2-DFFE-8A53-0CD78B84D34D}"/>
+                <a16:creationId xmlns="" xmlns:a16="http://schemas.microsoft.com/office/drawing/2014/main" id="{7C76C821-45B2-DFFE-8A53-0CD78B84D34D}"/>
               </a:ext>
             </a:extLst>
           </p:cNvPr>
@@ -4236,7 +4629,7 @@
     </p:spTree>
     <p:extLst>
       <p:ext uri="{BB962C8B-B14F-4D97-AF65-F5344CB8AC3E}">
-        <p14:creationId xmlns="" xmlns:p14="http://schemas.microsoft.com/office/powerpoint/2010/main" val="1949184756"/>
+        <p14:creationId xmlns:p14="http://schemas.microsoft.com/office/powerpoint/2010/main" xmlns="" val="1949184756"/>
       </p:ext>
     </p:extLst>
   </p:cSld>
@@ -4332,7 +4725,7 @@
           <p:cNvPr id="2" name="Заголовок 1">
             <a:extLst>
               <a:ext uri="{FF2B5EF4-FFF2-40B4-BE49-F238E27FC236}">
-                <a16:creationId xmlns:a16="http://schemas.microsoft.com/office/drawing/2014/main" xmlns="" id="{2E9213E6-749D-9992-D519-94F289222BF0}"/>
+                <a16:creationId xmlns="" xmlns:a16="http://schemas.microsoft.com/office/drawing/2014/main" id="{2E9213E6-749D-9992-D519-94F289222BF0}"/>
               </a:ext>
             </a:extLst>
           </p:cNvPr>
@@ -4382,7 +4775,7 @@
           <p:cNvPr id="5" name="Объект 4">
             <a:extLst>
               <a:ext uri="{FF2B5EF4-FFF2-40B4-BE49-F238E27FC236}">
-                <a16:creationId xmlns:a16="http://schemas.microsoft.com/office/drawing/2014/main" xmlns="" id="{7C76C821-45B2-DFFE-8A53-0CD78B84D34D}"/>
+                <a16:creationId xmlns="" xmlns:a16="http://schemas.microsoft.com/office/drawing/2014/main" id="{7C76C821-45B2-DFFE-8A53-0CD78B84D34D}"/>
               </a:ext>
             </a:extLst>
           </p:cNvPr>
@@ -4506,7 +4899,7 @@
     </p:spTree>
     <p:extLst>
       <p:ext uri="{BB962C8B-B14F-4D97-AF65-F5344CB8AC3E}">
-        <p14:creationId xmlns="" xmlns:p14="http://schemas.microsoft.com/office/powerpoint/2010/main" val="940757705"/>
+        <p14:creationId xmlns:p14="http://schemas.microsoft.com/office/powerpoint/2010/main" xmlns="" val="940757705"/>
       </p:ext>
     </p:extLst>
   </p:cSld>
@@ -4576,7 +4969,7 @@
           <p:cNvPr id="2" name="Заголовок 1">
             <a:extLst>
               <a:ext uri="{FF2B5EF4-FFF2-40B4-BE49-F238E27FC236}">
-                <a16:creationId xmlns:a16="http://schemas.microsoft.com/office/drawing/2014/main" xmlns="" id="{2E9213E6-749D-9992-D519-94F289222BF0}"/>
+                <a16:creationId xmlns="" xmlns:a16="http://schemas.microsoft.com/office/drawing/2014/main" id="{2E9213E6-749D-9992-D519-94F289222BF0}"/>
               </a:ext>
             </a:extLst>
           </p:cNvPr>
@@ -4731,7 +5124,7 @@
           <p:cNvPr id="13" name="Заголовок 1">
             <a:extLst>
               <a:ext uri="{FF2B5EF4-FFF2-40B4-BE49-F238E27FC236}">
-                <a16:creationId xmlns:a16="http://schemas.microsoft.com/office/drawing/2014/main" xmlns="" id="{2E9213E6-749D-9992-D519-94F289222BF0}"/>
+                <a16:creationId xmlns="" xmlns:a16="http://schemas.microsoft.com/office/drawing/2014/main" id="{2E9213E6-749D-9992-D519-94F289222BF0}"/>
               </a:ext>
             </a:extLst>
           </p:cNvPr>
@@ -5111,7 +5504,7 @@
     </p:spTree>
     <p:extLst>
       <p:ext uri="{BB962C8B-B14F-4D97-AF65-F5344CB8AC3E}">
-        <p14:creationId xmlns="" xmlns:p14="http://schemas.microsoft.com/office/powerpoint/2010/main" val="261818918"/>
+        <p14:creationId xmlns:p14="http://schemas.microsoft.com/office/powerpoint/2010/main" xmlns="" val="261818918"/>
       </p:ext>
     </p:extLst>
   </p:cSld>
@@ -5181,7 +5574,7 @@
           <p:cNvPr id="2" name="Заголовок 1">
             <a:extLst>
               <a:ext uri="{FF2B5EF4-FFF2-40B4-BE49-F238E27FC236}">
-                <a16:creationId xmlns:a16="http://schemas.microsoft.com/office/drawing/2014/main" xmlns="" id="{2E9213E6-749D-9992-D519-94F289222BF0}"/>
+                <a16:creationId xmlns="" xmlns:a16="http://schemas.microsoft.com/office/drawing/2014/main" id="{2E9213E6-749D-9992-D519-94F289222BF0}"/>
               </a:ext>
             </a:extLst>
           </p:cNvPr>
@@ -5450,7 +5843,7 @@
     </p:spTree>
     <p:extLst>
       <p:ext uri="{BB962C8B-B14F-4D97-AF65-F5344CB8AC3E}">
-        <p14:creationId xmlns="" xmlns:p14="http://schemas.microsoft.com/office/powerpoint/2010/main" val="550409415"/>
+        <p14:creationId xmlns:p14="http://schemas.microsoft.com/office/powerpoint/2010/main" xmlns="" val="550409415"/>
       </p:ext>
     </p:extLst>
   </p:cSld>
@@ -5520,7 +5913,7 @@
           <p:cNvPr id="2" name="Заголовок 1">
             <a:extLst>
               <a:ext uri="{FF2B5EF4-FFF2-40B4-BE49-F238E27FC236}">
-                <a16:creationId xmlns:a16="http://schemas.microsoft.com/office/drawing/2014/main" xmlns="" id="{2E9213E6-749D-9992-D519-94F289222BF0}"/>
+                <a16:creationId xmlns="" xmlns:a16="http://schemas.microsoft.com/office/drawing/2014/main" id="{2E9213E6-749D-9992-D519-94F289222BF0}"/>
               </a:ext>
             </a:extLst>
           </p:cNvPr>
@@ -5580,7 +5973,7 @@
           <p:cNvPr id="5" name="Объект 4">
             <a:extLst>
               <a:ext uri="{FF2B5EF4-FFF2-40B4-BE49-F238E27FC236}">
-                <a16:creationId xmlns:a16="http://schemas.microsoft.com/office/drawing/2014/main" xmlns="" id="{7C76C821-45B2-DFFE-8A53-0CD78B84D34D}"/>
+                <a16:creationId xmlns="" xmlns:a16="http://schemas.microsoft.com/office/drawing/2014/main" id="{7C76C821-45B2-DFFE-8A53-0CD78B84D34D}"/>
               </a:ext>
             </a:extLst>
           </p:cNvPr>
@@ -5640,7 +6033,7 @@
           <p:cNvPr id="9" name="Заголовок 1">
             <a:extLst>
               <a:ext uri="{FF2B5EF4-FFF2-40B4-BE49-F238E27FC236}">
-                <a16:creationId xmlns:a16="http://schemas.microsoft.com/office/drawing/2014/main" xmlns="" id="{2E9213E6-749D-9992-D519-94F289222BF0}"/>
+                <a16:creationId xmlns="" xmlns:a16="http://schemas.microsoft.com/office/drawing/2014/main" id="{2E9213E6-749D-9992-D519-94F289222BF0}"/>
               </a:ext>
             </a:extLst>
           </p:cNvPr>
@@ -5731,7 +6124,7 @@
           <p:cNvPr id="6" name="Заголовок 1">
             <a:extLst>
               <a:ext uri="{FF2B5EF4-FFF2-40B4-BE49-F238E27FC236}">
-                <a16:creationId xmlns:a16="http://schemas.microsoft.com/office/drawing/2014/main" xmlns="" id="{2E9213E6-749D-9992-D519-94F289222BF0}"/>
+                <a16:creationId xmlns="" xmlns:a16="http://schemas.microsoft.com/office/drawing/2014/main" id="{2E9213E6-749D-9992-D519-94F289222BF0}"/>
               </a:ext>
             </a:extLst>
           </p:cNvPr>
@@ -5909,23 +6302,6 @@
               <a:t>Признаки 2, 3 и 4: количество </a:t>
             </a:r>
             <a:r>
-              <a:rPr kumimoji="0" lang="ru-RU" sz="2800" b="1" i="0" u="none" strike="noStrike" kern="1200" cap="none" spc="0" normalizeH="0" noProof="0" dirty="0" err="1" smtClean="0">
-                <a:ln>
-                  <a:noFill/>
-                </a:ln>
-                <a:solidFill>
-                  <a:srgbClr val="002060"/>
-                </a:solidFill>
-                <a:effectLst/>
-                <a:uLnTx/>
-                <a:uFillTx/>
-                <a:latin typeface="+mj-lt"/>
-                <a:ea typeface="+mj-ea"/>
-                <a:cs typeface="+mj-cs"/>
-              </a:rPr>
-              <a:t>Днс</a:t>
-            </a:r>
-            <a:r>
               <a:rPr kumimoji="0" lang="ru-RU" sz="2800" b="1" i="0" u="none" strike="noStrike" kern="1200" cap="none" spc="0" normalizeH="0" noProof="0" dirty="0" smtClean="0">
                 <a:ln>
                   <a:noFill/>
@@ -5940,7 +6316,24 @@
                 <a:ea typeface="+mj-ea"/>
                 <a:cs typeface="+mj-cs"/>
               </a:rPr>
-              <a:t> – запросов пользователя в соответствующем двухнедельном периоде  к </a:t>
+              <a:t>ДНС </a:t>
+            </a:r>
+            <a:r>
+              <a:rPr kumimoji="0" lang="ru-RU" sz="2800" b="1" i="0" u="none" strike="noStrike" kern="1200" cap="none" spc="0" normalizeH="0" noProof="0" dirty="0" smtClean="0">
+                <a:ln>
+                  <a:noFill/>
+                </a:ln>
+                <a:solidFill>
+                  <a:srgbClr val="002060"/>
+                </a:solidFill>
+                <a:effectLst/>
+                <a:uLnTx/>
+                <a:uFillTx/>
+                <a:latin typeface="+mj-lt"/>
+                <a:ea typeface="+mj-ea"/>
+                <a:cs typeface="+mj-cs"/>
+              </a:rPr>
+              <a:t>– запросов пользователя в соответствующем двухнедельном периоде  к </a:t>
             </a:r>
             <a:r>
               <a:rPr lang="ru-RU" sz="2800" b="1" dirty="0" smtClean="0">
@@ -6044,7 +6437,7 @@
     </p:spTree>
     <p:extLst>
       <p:ext uri="{BB962C8B-B14F-4D97-AF65-F5344CB8AC3E}">
-        <p14:creationId xmlns="" xmlns:p14="http://schemas.microsoft.com/office/powerpoint/2010/main" val="1444225727"/>
+        <p14:creationId xmlns:p14="http://schemas.microsoft.com/office/powerpoint/2010/main" xmlns="" val="1444225727"/>
       </p:ext>
     </p:extLst>
   </p:cSld>
@@ -6111,7 +6504,7 @@
           <p:cNvPr id="2" name="Заголовок 1">
             <a:extLst>
               <a:ext uri="{FF2B5EF4-FFF2-40B4-BE49-F238E27FC236}">
-                <a16:creationId xmlns:a16="http://schemas.microsoft.com/office/drawing/2014/main" xmlns="" id="{2E9213E6-749D-9992-D519-94F289222BF0}"/>
+                <a16:creationId xmlns="" xmlns:a16="http://schemas.microsoft.com/office/drawing/2014/main" id="{2E9213E6-749D-9992-D519-94F289222BF0}"/>
               </a:ext>
             </a:extLst>
           </p:cNvPr>
@@ -6278,7 +6671,7 @@
           <p:cNvPr id="7" name="Заголовок 1">
             <a:extLst>
               <a:ext uri="{FF2B5EF4-FFF2-40B4-BE49-F238E27FC236}">
-                <a16:creationId xmlns:a16="http://schemas.microsoft.com/office/drawing/2014/main" xmlns="" id="{2E9213E6-749D-9992-D519-94F289222BF0}"/>
+                <a16:creationId xmlns="" xmlns:a16="http://schemas.microsoft.com/office/drawing/2014/main" id="{2E9213E6-749D-9992-D519-94F289222BF0}"/>
               </a:ext>
             </a:extLst>
           </p:cNvPr>
@@ -6390,7 +6783,7 @@
     </p:spTree>
     <p:extLst>
       <p:ext uri="{BB962C8B-B14F-4D97-AF65-F5344CB8AC3E}">
-        <p14:creationId xmlns="" xmlns:p14="http://schemas.microsoft.com/office/powerpoint/2010/main" val="261818918"/>
+        <p14:creationId xmlns:p14="http://schemas.microsoft.com/office/powerpoint/2010/main" xmlns="" val="261818918"/>
       </p:ext>
     </p:extLst>
   </p:cSld>
@@ -6460,7 +6853,7 @@
           <p:cNvPr id="2" name="Заголовок 1">
             <a:extLst>
               <a:ext uri="{FF2B5EF4-FFF2-40B4-BE49-F238E27FC236}">
-                <a16:creationId xmlns:a16="http://schemas.microsoft.com/office/drawing/2014/main" xmlns="" id="{2E9213E6-749D-9992-D519-94F289222BF0}"/>
+                <a16:creationId xmlns="" xmlns:a16="http://schemas.microsoft.com/office/drawing/2014/main" id="{2E9213E6-749D-9992-D519-94F289222BF0}"/>
               </a:ext>
             </a:extLst>
           </p:cNvPr>
@@ -6508,7 +6901,7 @@
           <p:cNvPr id="5" name="Объект 4">
             <a:extLst>
               <a:ext uri="{FF2B5EF4-FFF2-40B4-BE49-F238E27FC236}">
-                <a16:creationId xmlns:a16="http://schemas.microsoft.com/office/drawing/2014/main" xmlns="" id="{7C76C821-45B2-DFFE-8A53-0CD78B84D34D}"/>
+                <a16:creationId xmlns="" xmlns:a16="http://schemas.microsoft.com/office/drawing/2014/main" id="{7C76C821-45B2-DFFE-8A53-0CD78B84D34D}"/>
               </a:ext>
             </a:extLst>
           </p:cNvPr>
@@ -6568,7 +6961,7 @@
           <p:cNvPr id="7" name="Заголовок 1">
             <a:extLst>
               <a:ext uri="{FF2B5EF4-FFF2-40B4-BE49-F238E27FC236}">
-                <a16:creationId xmlns:a16="http://schemas.microsoft.com/office/drawing/2014/main" xmlns="" id="{2E9213E6-749D-9992-D519-94F289222BF0}"/>
+                <a16:creationId xmlns="" xmlns:a16="http://schemas.microsoft.com/office/drawing/2014/main" id="{2E9213E6-749D-9992-D519-94F289222BF0}"/>
               </a:ext>
             </a:extLst>
           </p:cNvPr>
@@ -6697,7 +7090,7 @@
           <p:cNvPr id="11" name="Заголовок 1">
             <a:extLst>
               <a:ext uri="{FF2B5EF4-FFF2-40B4-BE49-F238E27FC236}">
-                <a16:creationId xmlns:a16="http://schemas.microsoft.com/office/drawing/2014/main" xmlns="" id="{2E9213E6-749D-9992-D519-94F289222BF0}"/>
+                <a16:creationId xmlns="" xmlns:a16="http://schemas.microsoft.com/office/drawing/2014/main" id="{2E9213E6-749D-9992-D519-94F289222BF0}"/>
               </a:ext>
             </a:extLst>
           </p:cNvPr>
@@ -6770,7 +7163,7 @@
           <p:cNvPr id="12" name="Заголовок 1">
             <a:extLst>
               <a:ext uri="{FF2B5EF4-FFF2-40B4-BE49-F238E27FC236}">
-                <a16:creationId xmlns:a16="http://schemas.microsoft.com/office/drawing/2014/main" xmlns="" id="{2E9213E6-749D-9992-D519-94F289222BF0}"/>
+                <a16:creationId xmlns="" xmlns:a16="http://schemas.microsoft.com/office/drawing/2014/main" id="{2E9213E6-749D-9992-D519-94F289222BF0}"/>
               </a:ext>
             </a:extLst>
           </p:cNvPr>
@@ -6863,7 +7256,7 @@
           <p:cNvPr id="9" name="Заголовок 1">
             <a:extLst>
               <a:ext uri="{FF2B5EF4-FFF2-40B4-BE49-F238E27FC236}">
-                <a16:creationId xmlns:a16="http://schemas.microsoft.com/office/drawing/2014/main" xmlns="" id="{2E9213E6-749D-9992-D519-94F289222BF0}"/>
+                <a16:creationId xmlns="" xmlns:a16="http://schemas.microsoft.com/office/drawing/2014/main" id="{2E9213E6-749D-9992-D519-94F289222BF0}"/>
               </a:ext>
             </a:extLst>
           </p:cNvPr>
@@ -7177,7 +7570,7 @@
     </p:spTree>
     <p:extLst>
       <p:ext uri="{BB962C8B-B14F-4D97-AF65-F5344CB8AC3E}">
-        <p14:creationId xmlns="" xmlns:p14="http://schemas.microsoft.com/office/powerpoint/2010/main" val="2209134722"/>
+        <p14:creationId xmlns:p14="http://schemas.microsoft.com/office/powerpoint/2010/main" xmlns="" val="2209134722"/>
       </p:ext>
     </p:extLst>
   </p:cSld>
@@ -7247,7 +7640,7 @@
           <p:cNvPr id="2" name="Заголовок 1">
             <a:extLst>
               <a:ext uri="{FF2B5EF4-FFF2-40B4-BE49-F238E27FC236}">
-                <a16:creationId xmlns:a16="http://schemas.microsoft.com/office/drawing/2014/main" xmlns="" id="{2E9213E6-749D-9992-D519-94F289222BF0}"/>
+                <a16:creationId xmlns="" xmlns:a16="http://schemas.microsoft.com/office/drawing/2014/main" id="{2E9213E6-749D-9992-D519-94F289222BF0}"/>
               </a:ext>
             </a:extLst>
           </p:cNvPr>
@@ -7299,7 +7692,7 @@
           <p:cNvPr id="5" name="Объект 4">
             <a:extLst>
               <a:ext uri="{FF2B5EF4-FFF2-40B4-BE49-F238E27FC236}">
-                <a16:creationId xmlns:a16="http://schemas.microsoft.com/office/drawing/2014/main" xmlns="" id="{7C76C821-45B2-DFFE-8A53-0CD78B84D34D}"/>
+                <a16:creationId xmlns="" xmlns:a16="http://schemas.microsoft.com/office/drawing/2014/main" id="{7C76C821-45B2-DFFE-8A53-0CD78B84D34D}"/>
               </a:ext>
             </a:extLst>
           </p:cNvPr>
@@ -7359,7 +7752,7 @@
           <p:cNvPr id="9" name="Заголовок 1">
             <a:extLst>
               <a:ext uri="{FF2B5EF4-FFF2-40B4-BE49-F238E27FC236}">
-                <a16:creationId xmlns:a16="http://schemas.microsoft.com/office/drawing/2014/main" xmlns="" id="{2E9213E6-749D-9992-D519-94F289222BF0}"/>
+                <a16:creationId xmlns="" xmlns:a16="http://schemas.microsoft.com/office/drawing/2014/main" id="{2E9213E6-749D-9992-D519-94F289222BF0}"/>
               </a:ext>
             </a:extLst>
           </p:cNvPr>
@@ -7514,7 +7907,7 @@
     </p:spTree>
     <p:extLst>
       <p:ext uri="{BB962C8B-B14F-4D97-AF65-F5344CB8AC3E}">
-        <p14:creationId xmlns="" xmlns:p14="http://schemas.microsoft.com/office/powerpoint/2010/main" val="1444225727"/>
+        <p14:creationId xmlns:p14="http://schemas.microsoft.com/office/powerpoint/2010/main" xmlns="" val="1444225727"/>
       </p:ext>
     </p:extLst>
   </p:cSld>
@@ -7584,7 +7977,7 @@
           <p:cNvPr id="2" name="Заголовок 1">
             <a:extLst>
               <a:ext uri="{FF2B5EF4-FFF2-40B4-BE49-F238E27FC236}">
-                <a16:creationId xmlns:a16="http://schemas.microsoft.com/office/drawing/2014/main" xmlns="" id="{2E9213E6-749D-9992-D519-94F289222BF0}"/>
+                <a16:creationId xmlns="" xmlns:a16="http://schemas.microsoft.com/office/drawing/2014/main" id="{2E9213E6-749D-9992-D519-94F289222BF0}"/>
               </a:ext>
             </a:extLst>
           </p:cNvPr>
@@ -7642,7 +8035,7 @@
           <p:cNvPr id="5" name="Объект 4">
             <a:extLst>
               <a:ext uri="{FF2B5EF4-FFF2-40B4-BE49-F238E27FC236}">
-                <a16:creationId xmlns:a16="http://schemas.microsoft.com/office/drawing/2014/main" xmlns="" id="{7C76C821-45B2-DFFE-8A53-0CD78B84D34D}"/>
+                <a16:creationId xmlns="" xmlns:a16="http://schemas.microsoft.com/office/drawing/2014/main" id="{7C76C821-45B2-DFFE-8A53-0CD78B84D34D}"/>
               </a:ext>
             </a:extLst>
           </p:cNvPr>
@@ -7702,7 +8095,7 @@
           <p:cNvPr id="9" name="Заголовок 1">
             <a:extLst>
               <a:ext uri="{FF2B5EF4-FFF2-40B4-BE49-F238E27FC236}">
-                <a16:creationId xmlns:a16="http://schemas.microsoft.com/office/drawing/2014/main" xmlns="" id="{2E9213E6-749D-9992-D519-94F289222BF0}"/>
+                <a16:creationId xmlns="" xmlns:a16="http://schemas.microsoft.com/office/drawing/2014/main" id="{2E9213E6-749D-9992-D519-94F289222BF0}"/>
               </a:ext>
             </a:extLst>
           </p:cNvPr>
@@ -7782,7 +8175,7 @@
                 <a:ea typeface="+mj-ea"/>
                 <a:cs typeface="+mj-cs"/>
               </a:rPr>
-              <a:t>Днс-запросы</a:t>
+              <a:t>ДНС-запросы</a:t>
             </a:r>
             <a:r>
               <a:rPr lang="ru-RU" sz="2800" b="1" dirty="0" smtClean="0">
@@ -7795,7 +8188,20 @@
                 <a:ea typeface="+mj-ea"/>
                 <a:cs typeface="+mj-cs"/>
               </a:rPr>
-              <a:t> к сайтам конкурентов целесообразно разбить на две категории (посещали ушедшие или нет) .</a:t>
+              <a:t> </a:t>
+            </a:r>
+            <a:r>
+              <a:rPr lang="ru-RU" sz="2800" b="1" dirty="0" smtClean="0">
+                <a:solidFill>
+                  <a:schemeClr val="accent1">
+                    <a:lumMod val="50000"/>
+                  </a:schemeClr>
+                </a:solidFill>
+                <a:latin typeface="+mj-lt"/>
+                <a:ea typeface="+mj-ea"/>
+                <a:cs typeface="+mj-cs"/>
+              </a:rPr>
+              <a:t>к сайтам конкурентов целесообразно разбить на две категории (посещали ушедшие или нет) .</a:t>
             </a:r>
           </a:p>
           <a:p>
@@ -7860,7 +8266,7 @@
                 <a:ea typeface="+mj-ea"/>
                 <a:cs typeface="+mj-cs"/>
               </a:rPr>
-              <a:t>Днс-запросов</a:t>
+              <a:t>ДНС-запросов</a:t>
             </a:r>
             <a:r>
               <a:rPr lang="ru-RU" sz="2800" b="1" dirty="0" smtClean="0">
@@ -7981,7 +8387,29 @@
                 </a:solidFill>
                 <a:latin typeface="+mj-lt"/>
               </a:rPr>
-              <a:t>4. Признаки по количеству типов обращений на периоде менее двух месяцев по периодам разбивать не целесообразно.</a:t>
+              <a:t>4. Признаки по количеству типов обращений на </a:t>
+            </a:r>
+            <a:r>
+              <a:rPr lang="ru-RU" sz="2800" b="1" dirty="0" smtClean="0">
+                <a:solidFill>
+                  <a:schemeClr val="accent1">
+                    <a:lumMod val="50000"/>
+                  </a:schemeClr>
+                </a:solidFill>
+                <a:latin typeface="+mj-lt"/>
+              </a:rPr>
+              <a:t>периоде наблюдений </a:t>
+            </a:r>
+            <a:r>
+              <a:rPr lang="ru-RU" sz="2800" b="1" dirty="0" smtClean="0">
+                <a:solidFill>
+                  <a:schemeClr val="accent1">
+                    <a:lumMod val="50000"/>
+                  </a:schemeClr>
+                </a:solidFill>
+                <a:latin typeface="+mj-lt"/>
+              </a:rPr>
+              <a:t>менее двух месяцев по периодам разбивать не целесообразно.</a:t>
             </a:r>
             <a:endParaRPr lang="ru-RU" sz="2800" b="1" dirty="0" smtClean="0">
               <a:solidFill>
@@ -8014,7 +8442,7 @@
     </p:spTree>
     <p:extLst>
       <p:ext uri="{BB962C8B-B14F-4D97-AF65-F5344CB8AC3E}">
-        <p14:creationId xmlns="" xmlns:p14="http://schemas.microsoft.com/office/powerpoint/2010/main" val="1444225727"/>
+        <p14:creationId xmlns:p14="http://schemas.microsoft.com/office/powerpoint/2010/main" xmlns="" val="1444225727"/>
       </p:ext>
     </p:extLst>
   </p:cSld>
@@ -8320,7 +8748,7 @@
   <a:extraClrSchemeLst/>
   <a:extLst>
     <a:ext uri="{05A4C25C-085E-4340-85A3-A5531E510DB2}">
-      <thm15:themeFamily xmlns="" xmlns:thm15="http://schemas.microsoft.com/office/thememl/2012/main" name="Office Theme" id="{62F939B6-93AF-4DB8-9C6B-D6C7DFDC589F}" vid="{4A3C46E8-61CC-4603-A589-7422A47A8E4A}"/>
+      <thm15:themeFamily xmlns:thm15="http://schemas.microsoft.com/office/thememl/2012/main" xmlns="" name="Office Theme" id="{62F939B6-93AF-4DB8-9C6B-D6C7DFDC589F}" vid="{4A3C46E8-61CC-4603-A589-7422A47A8E4A}"/>
     </a:ext>
   </a:extLst>
 </a:theme>

--- a/Карелия_2022_Верт-Миллер.pptx
+++ b/Карелия_2022_Верт-Миллер.pptx
@@ -116,7 +116,7 @@
   </p:defaultTextStyle>
   <p:extLst>
     <p:ext uri="{521415D9-36F7-43E2-AB2F-B90AF26B5E84}">
-      <p14:sectionLst xmlns:p14="http://schemas.microsoft.com/office/powerpoint/2010/main" xmlns="">
+      <p14:sectionLst xmlns="" xmlns:p14="http://schemas.microsoft.com/office/powerpoint/2010/main">
         <p14:section name="Раздел по умолчанию" id="{BD5C6BC8-79BA-43F2-AADE-73938FAF4224}">
           <p14:sldIdLst>
             <p14:sldId id="256"/>
@@ -140,7 +140,7 @@
       </p14:sectionLst>
     </p:ext>
     <p:ext uri="{EFAFB233-063F-42B5-8137-9DF3F51BA10A}">
-      <p15:sldGuideLst xmlns:p15="http://schemas.microsoft.com/office/powerpoint/2012/main" xmlns=""/>
+      <p15:sldGuideLst xmlns="" xmlns:p15="http://schemas.microsoft.com/office/powerpoint/2012/main"/>
     </p:ext>
   </p:extLst>
 </p:presentation>
@@ -168,7 +168,7 @@
           <p:cNvPr id="2" name="Заголовок 1">
             <a:extLst>
               <a:ext uri="{FF2B5EF4-FFF2-40B4-BE49-F238E27FC236}">
-                <a16:creationId xmlns="" xmlns:a16="http://schemas.microsoft.com/office/drawing/2014/main" id="{1DB5EE12-12DA-3950-B62D-D33374B0BE7E}"/>
+                <a16:creationId xmlns:a16="http://schemas.microsoft.com/office/drawing/2014/main" xmlns="" id="{1DB5EE12-12DA-3950-B62D-D33374B0BE7E}"/>
               </a:ext>
             </a:extLst>
           </p:cNvPr>
@@ -205,7 +205,7 @@
           <p:cNvPr id="3" name="Подзаголовок 2">
             <a:extLst>
               <a:ext uri="{FF2B5EF4-FFF2-40B4-BE49-F238E27FC236}">
-                <a16:creationId xmlns="" xmlns:a16="http://schemas.microsoft.com/office/drawing/2014/main" id="{9310A401-7D92-8873-4E08-D3550F252F8E}"/>
+                <a16:creationId xmlns:a16="http://schemas.microsoft.com/office/drawing/2014/main" xmlns="" id="{9310A401-7D92-8873-4E08-D3550F252F8E}"/>
               </a:ext>
             </a:extLst>
           </p:cNvPr>
@@ -275,7 +275,7 @@
           <p:cNvPr id="4" name="Дата 3">
             <a:extLst>
               <a:ext uri="{FF2B5EF4-FFF2-40B4-BE49-F238E27FC236}">
-                <a16:creationId xmlns="" xmlns:a16="http://schemas.microsoft.com/office/drawing/2014/main" id="{7D4058E0-2DEC-5116-B051-18E7D32D043B}"/>
+                <a16:creationId xmlns:a16="http://schemas.microsoft.com/office/drawing/2014/main" xmlns="" id="{7D4058E0-2DEC-5116-B051-18E7D32D043B}"/>
               </a:ext>
             </a:extLst>
           </p:cNvPr>
@@ -294,7 +294,7 @@
             <a:fld id="{ADA5A899-FE04-4992-84F0-79F7315CE005}" type="datetimeFigureOut">
               <a:rPr lang="ru-RU" smtClean="0"/>
               <a:pPr/>
-              <a:t>17.09.2022</a:t>
+              <a:t>18.09.2022</a:t>
             </a:fld>
             <a:endParaRPr lang="ru-RU"/>
           </a:p>
@@ -305,7 +305,7 @@
           <p:cNvPr id="5" name="Нижний колонтитул 4">
             <a:extLst>
               <a:ext uri="{FF2B5EF4-FFF2-40B4-BE49-F238E27FC236}">
-                <a16:creationId xmlns="" xmlns:a16="http://schemas.microsoft.com/office/drawing/2014/main" id="{27055A46-0CF7-C563-8CF1-66264A6FC0B4}"/>
+                <a16:creationId xmlns:a16="http://schemas.microsoft.com/office/drawing/2014/main" xmlns="" id="{27055A46-0CF7-C563-8CF1-66264A6FC0B4}"/>
               </a:ext>
             </a:extLst>
           </p:cNvPr>
@@ -330,7 +330,7 @@
           <p:cNvPr id="6" name="Номер слайда 5">
             <a:extLst>
               <a:ext uri="{FF2B5EF4-FFF2-40B4-BE49-F238E27FC236}">
-                <a16:creationId xmlns="" xmlns:a16="http://schemas.microsoft.com/office/drawing/2014/main" id="{14B98F1C-93D4-DA7E-C8FA-D797ED731D6E}"/>
+                <a16:creationId xmlns:a16="http://schemas.microsoft.com/office/drawing/2014/main" xmlns="" id="{14B98F1C-93D4-DA7E-C8FA-D797ED731D6E}"/>
               </a:ext>
             </a:extLst>
           </p:cNvPr>
@@ -358,7 +358,7 @@
     </p:spTree>
     <p:extLst>
       <p:ext uri="{BB962C8B-B14F-4D97-AF65-F5344CB8AC3E}">
-        <p14:creationId xmlns:p14="http://schemas.microsoft.com/office/powerpoint/2010/main" xmlns="" val="128424399"/>
+        <p14:creationId xmlns="" xmlns:p14="http://schemas.microsoft.com/office/powerpoint/2010/main" val="128424399"/>
       </p:ext>
     </p:extLst>
   </p:cSld>
@@ -390,7 +390,7 @@
           <p:cNvPr id="2" name="Заголовок 1">
             <a:extLst>
               <a:ext uri="{FF2B5EF4-FFF2-40B4-BE49-F238E27FC236}">
-                <a16:creationId xmlns="" xmlns:a16="http://schemas.microsoft.com/office/drawing/2014/main" id="{A10B2CFF-AB82-03C3-F32F-6161409FDE6C}"/>
+                <a16:creationId xmlns:a16="http://schemas.microsoft.com/office/drawing/2014/main" xmlns="" id="{A10B2CFF-AB82-03C3-F32F-6161409FDE6C}"/>
               </a:ext>
             </a:extLst>
           </p:cNvPr>
@@ -418,7 +418,7 @@
           <p:cNvPr id="3" name="Вертикальный текст 2">
             <a:extLst>
               <a:ext uri="{FF2B5EF4-FFF2-40B4-BE49-F238E27FC236}">
-                <a16:creationId xmlns="" xmlns:a16="http://schemas.microsoft.com/office/drawing/2014/main" id="{DE258D6E-E014-7A7F-FD4B-E03DBF7CD9B2}"/>
+                <a16:creationId xmlns:a16="http://schemas.microsoft.com/office/drawing/2014/main" xmlns="" id="{DE258D6E-E014-7A7F-FD4B-E03DBF7CD9B2}"/>
               </a:ext>
             </a:extLst>
           </p:cNvPr>
@@ -475,7 +475,7 @@
           <p:cNvPr id="4" name="Дата 3">
             <a:extLst>
               <a:ext uri="{FF2B5EF4-FFF2-40B4-BE49-F238E27FC236}">
-                <a16:creationId xmlns="" xmlns:a16="http://schemas.microsoft.com/office/drawing/2014/main" id="{71A21FF6-D17C-D67C-DA6E-A2281068FF1B}"/>
+                <a16:creationId xmlns:a16="http://schemas.microsoft.com/office/drawing/2014/main" xmlns="" id="{71A21FF6-D17C-D67C-DA6E-A2281068FF1B}"/>
               </a:ext>
             </a:extLst>
           </p:cNvPr>
@@ -494,7 +494,7 @@
             <a:fld id="{ADA5A899-FE04-4992-84F0-79F7315CE005}" type="datetimeFigureOut">
               <a:rPr lang="ru-RU" smtClean="0"/>
               <a:pPr/>
-              <a:t>17.09.2022</a:t>
+              <a:t>18.09.2022</a:t>
             </a:fld>
             <a:endParaRPr lang="ru-RU"/>
           </a:p>
@@ -505,7 +505,7 @@
           <p:cNvPr id="5" name="Нижний колонтитул 4">
             <a:extLst>
               <a:ext uri="{FF2B5EF4-FFF2-40B4-BE49-F238E27FC236}">
-                <a16:creationId xmlns="" xmlns:a16="http://schemas.microsoft.com/office/drawing/2014/main" id="{2F51315D-3A0E-2099-9673-471C8D297185}"/>
+                <a16:creationId xmlns:a16="http://schemas.microsoft.com/office/drawing/2014/main" xmlns="" id="{2F51315D-3A0E-2099-9673-471C8D297185}"/>
               </a:ext>
             </a:extLst>
           </p:cNvPr>
@@ -530,7 +530,7 @@
           <p:cNvPr id="6" name="Номер слайда 5">
             <a:extLst>
               <a:ext uri="{FF2B5EF4-FFF2-40B4-BE49-F238E27FC236}">
-                <a16:creationId xmlns="" xmlns:a16="http://schemas.microsoft.com/office/drawing/2014/main" id="{86D72241-8282-AC00-E3C4-1EC726D41963}"/>
+                <a16:creationId xmlns:a16="http://schemas.microsoft.com/office/drawing/2014/main" xmlns="" id="{86D72241-8282-AC00-E3C4-1EC726D41963}"/>
               </a:ext>
             </a:extLst>
           </p:cNvPr>
@@ -558,7 +558,7 @@
     </p:spTree>
     <p:extLst>
       <p:ext uri="{BB962C8B-B14F-4D97-AF65-F5344CB8AC3E}">
-        <p14:creationId xmlns:p14="http://schemas.microsoft.com/office/powerpoint/2010/main" xmlns="" val="476647262"/>
+        <p14:creationId xmlns="" xmlns:p14="http://schemas.microsoft.com/office/powerpoint/2010/main" val="476647262"/>
       </p:ext>
     </p:extLst>
   </p:cSld>
@@ -590,7 +590,7 @@
           <p:cNvPr id="2" name="Вертикальный заголовок 1">
             <a:extLst>
               <a:ext uri="{FF2B5EF4-FFF2-40B4-BE49-F238E27FC236}">
-                <a16:creationId xmlns="" xmlns:a16="http://schemas.microsoft.com/office/drawing/2014/main" id="{C74891AD-0420-D0C7-3DA8-8163EE207834}"/>
+                <a16:creationId xmlns:a16="http://schemas.microsoft.com/office/drawing/2014/main" xmlns="" id="{C74891AD-0420-D0C7-3DA8-8163EE207834}"/>
               </a:ext>
             </a:extLst>
           </p:cNvPr>
@@ -623,7 +623,7 @@
           <p:cNvPr id="3" name="Вертикальный текст 2">
             <a:extLst>
               <a:ext uri="{FF2B5EF4-FFF2-40B4-BE49-F238E27FC236}">
-                <a16:creationId xmlns="" xmlns:a16="http://schemas.microsoft.com/office/drawing/2014/main" id="{BA2096B8-E349-969E-D59E-00F39D708BB2}"/>
+                <a16:creationId xmlns:a16="http://schemas.microsoft.com/office/drawing/2014/main" xmlns="" id="{BA2096B8-E349-969E-D59E-00F39D708BB2}"/>
               </a:ext>
             </a:extLst>
           </p:cNvPr>
@@ -685,7 +685,7 @@
           <p:cNvPr id="4" name="Дата 3">
             <a:extLst>
               <a:ext uri="{FF2B5EF4-FFF2-40B4-BE49-F238E27FC236}">
-                <a16:creationId xmlns="" xmlns:a16="http://schemas.microsoft.com/office/drawing/2014/main" id="{69C25D58-31DE-8BEE-84F5-205F0D8220DA}"/>
+                <a16:creationId xmlns:a16="http://schemas.microsoft.com/office/drawing/2014/main" xmlns="" id="{69C25D58-31DE-8BEE-84F5-205F0D8220DA}"/>
               </a:ext>
             </a:extLst>
           </p:cNvPr>
@@ -704,7 +704,7 @@
             <a:fld id="{ADA5A899-FE04-4992-84F0-79F7315CE005}" type="datetimeFigureOut">
               <a:rPr lang="ru-RU" smtClean="0"/>
               <a:pPr/>
-              <a:t>17.09.2022</a:t>
+              <a:t>18.09.2022</a:t>
             </a:fld>
             <a:endParaRPr lang="ru-RU"/>
           </a:p>
@@ -715,7 +715,7 @@
           <p:cNvPr id="5" name="Нижний колонтитул 4">
             <a:extLst>
               <a:ext uri="{FF2B5EF4-FFF2-40B4-BE49-F238E27FC236}">
-                <a16:creationId xmlns="" xmlns:a16="http://schemas.microsoft.com/office/drawing/2014/main" id="{1200D78E-3621-B5A0-296F-3AE6064C881B}"/>
+                <a16:creationId xmlns:a16="http://schemas.microsoft.com/office/drawing/2014/main" xmlns="" id="{1200D78E-3621-B5A0-296F-3AE6064C881B}"/>
               </a:ext>
             </a:extLst>
           </p:cNvPr>
@@ -740,7 +740,7 @@
           <p:cNvPr id="6" name="Номер слайда 5">
             <a:extLst>
               <a:ext uri="{FF2B5EF4-FFF2-40B4-BE49-F238E27FC236}">
-                <a16:creationId xmlns="" xmlns:a16="http://schemas.microsoft.com/office/drawing/2014/main" id="{22801EF9-AD0E-9305-7A5F-BA5D57BAF8CD}"/>
+                <a16:creationId xmlns:a16="http://schemas.microsoft.com/office/drawing/2014/main" xmlns="" id="{22801EF9-AD0E-9305-7A5F-BA5D57BAF8CD}"/>
               </a:ext>
             </a:extLst>
           </p:cNvPr>
@@ -768,7 +768,7 @@
     </p:spTree>
     <p:extLst>
       <p:ext uri="{BB962C8B-B14F-4D97-AF65-F5344CB8AC3E}">
-        <p14:creationId xmlns:p14="http://schemas.microsoft.com/office/powerpoint/2010/main" xmlns="" val="4201004194"/>
+        <p14:creationId xmlns="" xmlns:p14="http://schemas.microsoft.com/office/powerpoint/2010/main" val="4201004194"/>
       </p:ext>
     </p:extLst>
   </p:cSld>
@@ -800,7 +800,7 @@
           <p:cNvPr id="2" name="Заголовок 1">
             <a:extLst>
               <a:ext uri="{FF2B5EF4-FFF2-40B4-BE49-F238E27FC236}">
-                <a16:creationId xmlns="" xmlns:a16="http://schemas.microsoft.com/office/drawing/2014/main" id="{9679A5A8-87F3-2FE7-AA0B-006AD31849FC}"/>
+                <a16:creationId xmlns:a16="http://schemas.microsoft.com/office/drawing/2014/main" xmlns="" id="{9679A5A8-87F3-2FE7-AA0B-006AD31849FC}"/>
               </a:ext>
             </a:extLst>
           </p:cNvPr>
@@ -828,7 +828,7 @@
           <p:cNvPr id="3" name="Объект 2">
             <a:extLst>
               <a:ext uri="{FF2B5EF4-FFF2-40B4-BE49-F238E27FC236}">
-                <a16:creationId xmlns="" xmlns:a16="http://schemas.microsoft.com/office/drawing/2014/main" id="{901121FF-5217-AE0C-0534-37B1E320A9BE}"/>
+                <a16:creationId xmlns:a16="http://schemas.microsoft.com/office/drawing/2014/main" xmlns="" id="{901121FF-5217-AE0C-0534-37B1E320A9BE}"/>
               </a:ext>
             </a:extLst>
           </p:cNvPr>
@@ -885,7 +885,7 @@
           <p:cNvPr id="4" name="Дата 3">
             <a:extLst>
               <a:ext uri="{FF2B5EF4-FFF2-40B4-BE49-F238E27FC236}">
-                <a16:creationId xmlns="" xmlns:a16="http://schemas.microsoft.com/office/drawing/2014/main" id="{A5F63383-F5DA-10B2-E837-68D33D937299}"/>
+                <a16:creationId xmlns:a16="http://schemas.microsoft.com/office/drawing/2014/main" xmlns="" id="{A5F63383-F5DA-10B2-E837-68D33D937299}"/>
               </a:ext>
             </a:extLst>
           </p:cNvPr>
@@ -904,7 +904,7 @@
             <a:fld id="{ADA5A899-FE04-4992-84F0-79F7315CE005}" type="datetimeFigureOut">
               <a:rPr lang="ru-RU" smtClean="0"/>
               <a:pPr/>
-              <a:t>17.09.2022</a:t>
+              <a:t>18.09.2022</a:t>
             </a:fld>
             <a:endParaRPr lang="ru-RU"/>
           </a:p>
@@ -915,7 +915,7 @@
           <p:cNvPr id="5" name="Нижний колонтитул 4">
             <a:extLst>
               <a:ext uri="{FF2B5EF4-FFF2-40B4-BE49-F238E27FC236}">
-                <a16:creationId xmlns="" xmlns:a16="http://schemas.microsoft.com/office/drawing/2014/main" id="{6D2AC90C-BB10-94E4-E96D-5926EDFBDE10}"/>
+                <a16:creationId xmlns:a16="http://schemas.microsoft.com/office/drawing/2014/main" xmlns="" id="{6D2AC90C-BB10-94E4-E96D-5926EDFBDE10}"/>
               </a:ext>
             </a:extLst>
           </p:cNvPr>
@@ -940,7 +940,7 @@
           <p:cNvPr id="6" name="Номер слайда 5">
             <a:extLst>
               <a:ext uri="{FF2B5EF4-FFF2-40B4-BE49-F238E27FC236}">
-                <a16:creationId xmlns="" xmlns:a16="http://schemas.microsoft.com/office/drawing/2014/main" id="{A0DB5FF3-27E5-ECD7-6065-7E94E6A8555F}"/>
+                <a16:creationId xmlns:a16="http://schemas.microsoft.com/office/drawing/2014/main" xmlns="" id="{A0DB5FF3-27E5-ECD7-6065-7E94E6A8555F}"/>
               </a:ext>
             </a:extLst>
           </p:cNvPr>
@@ -968,7 +968,7 @@
     </p:spTree>
     <p:extLst>
       <p:ext uri="{BB962C8B-B14F-4D97-AF65-F5344CB8AC3E}">
-        <p14:creationId xmlns:p14="http://schemas.microsoft.com/office/powerpoint/2010/main" xmlns="" val="3663878534"/>
+        <p14:creationId xmlns="" xmlns:p14="http://schemas.microsoft.com/office/powerpoint/2010/main" val="3663878534"/>
       </p:ext>
     </p:extLst>
   </p:cSld>
@@ -1000,7 +1000,7 @@
           <p:cNvPr id="2" name="Заголовок 1">
             <a:extLst>
               <a:ext uri="{FF2B5EF4-FFF2-40B4-BE49-F238E27FC236}">
-                <a16:creationId xmlns="" xmlns:a16="http://schemas.microsoft.com/office/drawing/2014/main" id="{DD557F2C-9CD1-EEE2-EFD8-CA5356037721}"/>
+                <a16:creationId xmlns:a16="http://schemas.microsoft.com/office/drawing/2014/main" xmlns="" id="{DD557F2C-9CD1-EEE2-EFD8-CA5356037721}"/>
               </a:ext>
             </a:extLst>
           </p:cNvPr>
@@ -1037,7 +1037,7 @@
           <p:cNvPr id="3" name="Текст 2">
             <a:extLst>
               <a:ext uri="{FF2B5EF4-FFF2-40B4-BE49-F238E27FC236}">
-                <a16:creationId xmlns="" xmlns:a16="http://schemas.microsoft.com/office/drawing/2014/main" id="{D8950F90-CBA5-D33D-3E59-064DB5E54181}"/>
+                <a16:creationId xmlns:a16="http://schemas.microsoft.com/office/drawing/2014/main" xmlns="" id="{D8950F90-CBA5-D33D-3E59-064DB5E54181}"/>
               </a:ext>
             </a:extLst>
           </p:cNvPr>
@@ -1162,7 +1162,7 @@
           <p:cNvPr id="4" name="Дата 3">
             <a:extLst>
               <a:ext uri="{FF2B5EF4-FFF2-40B4-BE49-F238E27FC236}">
-                <a16:creationId xmlns="" xmlns:a16="http://schemas.microsoft.com/office/drawing/2014/main" id="{766500B9-25A6-8354-307A-5965FAC6FB3D}"/>
+                <a16:creationId xmlns:a16="http://schemas.microsoft.com/office/drawing/2014/main" xmlns="" id="{766500B9-25A6-8354-307A-5965FAC6FB3D}"/>
               </a:ext>
             </a:extLst>
           </p:cNvPr>
@@ -1181,7 +1181,7 @@
             <a:fld id="{ADA5A899-FE04-4992-84F0-79F7315CE005}" type="datetimeFigureOut">
               <a:rPr lang="ru-RU" smtClean="0"/>
               <a:pPr/>
-              <a:t>17.09.2022</a:t>
+              <a:t>18.09.2022</a:t>
             </a:fld>
             <a:endParaRPr lang="ru-RU"/>
           </a:p>
@@ -1192,7 +1192,7 @@
           <p:cNvPr id="5" name="Нижний колонтитул 4">
             <a:extLst>
               <a:ext uri="{FF2B5EF4-FFF2-40B4-BE49-F238E27FC236}">
-                <a16:creationId xmlns="" xmlns:a16="http://schemas.microsoft.com/office/drawing/2014/main" id="{EE82C732-66F5-ED99-E2D5-88A275B2C8F4}"/>
+                <a16:creationId xmlns:a16="http://schemas.microsoft.com/office/drawing/2014/main" xmlns="" id="{EE82C732-66F5-ED99-E2D5-88A275B2C8F4}"/>
               </a:ext>
             </a:extLst>
           </p:cNvPr>
@@ -1217,7 +1217,7 @@
           <p:cNvPr id="6" name="Номер слайда 5">
             <a:extLst>
               <a:ext uri="{FF2B5EF4-FFF2-40B4-BE49-F238E27FC236}">
-                <a16:creationId xmlns="" xmlns:a16="http://schemas.microsoft.com/office/drawing/2014/main" id="{205C899B-F1AC-1E34-CEFB-AAD93600D48D}"/>
+                <a16:creationId xmlns:a16="http://schemas.microsoft.com/office/drawing/2014/main" xmlns="" id="{205C899B-F1AC-1E34-CEFB-AAD93600D48D}"/>
               </a:ext>
             </a:extLst>
           </p:cNvPr>
@@ -1245,7 +1245,7 @@
     </p:spTree>
     <p:extLst>
       <p:ext uri="{BB962C8B-B14F-4D97-AF65-F5344CB8AC3E}">
-        <p14:creationId xmlns:p14="http://schemas.microsoft.com/office/powerpoint/2010/main" xmlns="" val="2414508979"/>
+        <p14:creationId xmlns="" xmlns:p14="http://schemas.microsoft.com/office/powerpoint/2010/main" val="2414508979"/>
       </p:ext>
     </p:extLst>
   </p:cSld>
@@ -1277,7 +1277,7 @@
           <p:cNvPr id="2" name="Заголовок 1">
             <a:extLst>
               <a:ext uri="{FF2B5EF4-FFF2-40B4-BE49-F238E27FC236}">
-                <a16:creationId xmlns="" xmlns:a16="http://schemas.microsoft.com/office/drawing/2014/main" id="{0E5C556E-5BA4-25DC-98DE-0A4949E29549}"/>
+                <a16:creationId xmlns:a16="http://schemas.microsoft.com/office/drawing/2014/main" xmlns="" id="{0E5C556E-5BA4-25DC-98DE-0A4949E29549}"/>
               </a:ext>
             </a:extLst>
           </p:cNvPr>
@@ -1305,7 +1305,7 @@
           <p:cNvPr id="3" name="Объект 2">
             <a:extLst>
               <a:ext uri="{FF2B5EF4-FFF2-40B4-BE49-F238E27FC236}">
-                <a16:creationId xmlns="" xmlns:a16="http://schemas.microsoft.com/office/drawing/2014/main" id="{7425C5BE-6896-0A4D-5AFA-1FAE69A97CAD}"/>
+                <a16:creationId xmlns:a16="http://schemas.microsoft.com/office/drawing/2014/main" xmlns="" id="{7425C5BE-6896-0A4D-5AFA-1FAE69A97CAD}"/>
               </a:ext>
             </a:extLst>
           </p:cNvPr>
@@ -1367,7 +1367,7 @@
           <p:cNvPr id="4" name="Объект 3">
             <a:extLst>
               <a:ext uri="{FF2B5EF4-FFF2-40B4-BE49-F238E27FC236}">
-                <a16:creationId xmlns="" xmlns:a16="http://schemas.microsoft.com/office/drawing/2014/main" id="{31C00418-E37A-2786-C67B-B50C3CE53231}"/>
+                <a16:creationId xmlns:a16="http://schemas.microsoft.com/office/drawing/2014/main" xmlns="" id="{31C00418-E37A-2786-C67B-B50C3CE53231}"/>
               </a:ext>
             </a:extLst>
           </p:cNvPr>
@@ -1429,7 +1429,7 @@
           <p:cNvPr id="5" name="Дата 4">
             <a:extLst>
               <a:ext uri="{FF2B5EF4-FFF2-40B4-BE49-F238E27FC236}">
-                <a16:creationId xmlns="" xmlns:a16="http://schemas.microsoft.com/office/drawing/2014/main" id="{82311B34-B094-DEA9-0487-CCE77AB53978}"/>
+                <a16:creationId xmlns:a16="http://schemas.microsoft.com/office/drawing/2014/main" xmlns="" id="{82311B34-B094-DEA9-0487-CCE77AB53978}"/>
               </a:ext>
             </a:extLst>
           </p:cNvPr>
@@ -1448,7 +1448,7 @@
             <a:fld id="{ADA5A899-FE04-4992-84F0-79F7315CE005}" type="datetimeFigureOut">
               <a:rPr lang="ru-RU" smtClean="0"/>
               <a:pPr/>
-              <a:t>17.09.2022</a:t>
+              <a:t>18.09.2022</a:t>
             </a:fld>
             <a:endParaRPr lang="ru-RU"/>
           </a:p>
@@ -1459,7 +1459,7 @@
           <p:cNvPr id="6" name="Нижний колонтитул 5">
             <a:extLst>
               <a:ext uri="{FF2B5EF4-FFF2-40B4-BE49-F238E27FC236}">
-                <a16:creationId xmlns="" xmlns:a16="http://schemas.microsoft.com/office/drawing/2014/main" id="{EA3A2682-2931-8785-4E08-0C676B293946}"/>
+                <a16:creationId xmlns:a16="http://schemas.microsoft.com/office/drawing/2014/main" xmlns="" id="{EA3A2682-2931-8785-4E08-0C676B293946}"/>
               </a:ext>
             </a:extLst>
           </p:cNvPr>
@@ -1484,7 +1484,7 @@
           <p:cNvPr id="7" name="Номер слайда 6">
             <a:extLst>
               <a:ext uri="{FF2B5EF4-FFF2-40B4-BE49-F238E27FC236}">
-                <a16:creationId xmlns="" xmlns:a16="http://schemas.microsoft.com/office/drawing/2014/main" id="{EE8B88A0-DA0B-ECEB-086B-CAD2B03B2577}"/>
+                <a16:creationId xmlns:a16="http://schemas.microsoft.com/office/drawing/2014/main" xmlns="" id="{EE8B88A0-DA0B-ECEB-086B-CAD2B03B2577}"/>
               </a:ext>
             </a:extLst>
           </p:cNvPr>
@@ -1512,7 +1512,7 @@
     </p:spTree>
     <p:extLst>
       <p:ext uri="{BB962C8B-B14F-4D97-AF65-F5344CB8AC3E}">
-        <p14:creationId xmlns:p14="http://schemas.microsoft.com/office/powerpoint/2010/main" xmlns="" val="2371532081"/>
+        <p14:creationId xmlns="" xmlns:p14="http://schemas.microsoft.com/office/powerpoint/2010/main" val="2371532081"/>
       </p:ext>
     </p:extLst>
   </p:cSld>
@@ -1544,7 +1544,7 @@
           <p:cNvPr id="2" name="Заголовок 1">
             <a:extLst>
               <a:ext uri="{FF2B5EF4-FFF2-40B4-BE49-F238E27FC236}">
-                <a16:creationId xmlns="" xmlns:a16="http://schemas.microsoft.com/office/drawing/2014/main" id="{A20B92AA-AEE3-B9EB-BFB8-CD638D676C96}"/>
+                <a16:creationId xmlns:a16="http://schemas.microsoft.com/office/drawing/2014/main" xmlns="" id="{A20B92AA-AEE3-B9EB-BFB8-CD638D676C96}"/>
               </a:ext>
             </a:extLst>
           </p:cNvPr>
@@ -1577,7 +1577,7 @@
           <p:cNvPr id="3" name="Текст 2">
             <a:extLst>
               <a:ext uri="{FF2B5EF4-FFF2-40B4-BE49-F238E27FC236}">
-                <a16:creationId xmlns="" xmlns:a16="http://schemas.microsoft.com/office/drawing/2014/main" id="{11896D86-1039-0B56-5FF6-1FD7F4DD5606}"/>
+                <a16:creationId xmlns:a16="http://schemas.microsoft.com/office/drawing/2014/main" xmlns="" id="{11896D86-1039-0B56-5FF6-1FD7F4DD5606}"/>
               </a:ext>
             </a:extLst>
           </p:cNvPr>
@@ -1648,7 +1648,7 @@
           <p:cNvPr id="4" name="Объект 3">
             <a:extLst>
               <a:ext uri="{FF2B5EF4-FFF2-40B4-BE49-F238E27FC236}">
-                <a16:creationId xmlns="" xmlns:a16="http://schemas.microsoft.com/office/drawing/2014/main" id="{288A1A6F-EBB8-8F7C-E989-86CCB98DDD97}"/>
+                <a16:creationId xmlns:a16="http://schemas.microsoft.com/office/drawing/2014/main" xmlns="" id="{288A1A6F-EBB8-8F7C-E989-86CCB98DDD97}"/>
               </a:ext>
             </a:extLst>
           </p:cNvPr>
@@ -1710,7 +1710,7 @@
           <p:cNvPr id="5" name="Текст 4">
             <a:extLst>
               <a:ext uri="{FF2B5EF4-FFF2-40B4-BE49-F238E27FC236}">
-                <a16:creationId xmlns="" xmlns:a16="http://schemas.microsoft.com/office/drawing/2014/main" id="{EF2A3D12-F19B-6769-DEC7-374A6840A3F8}"/>
+                <a16:creationId xmlns:a16="http://schemas.microsoft.com/office/drawing/2014/main" xmlns="" id="{EF2A3D12-F19B-6769-DEC7-374A6840A3F8}"/>
               </a:ext>
             </a:extLst>
           </p:cNvPr>
@@ -1781,7 +1781,7 @@
           <p:cNvPr id="6" name="Объект 5">
             <a:extLst>
               <a:ext uri="{FF2B5EF4-FFF2-40B4-BE49-F238E27FC236}">
-                <a16:creationId xmlns="" xmlns:a16="http://schemas.microsoft.com/office/drawing/2014/main" id="{F54F1F2F-BAD1-F721-B349-E472E8069CD0}"/>
+                <a16:creationId xmlns:a16="http://schemas.microsoft.com/office/drawing/2014/main" xmlns="" id="{F54F1F2F-BAD1-F721-B349-E472E8069CD0}"/>
               </a:ext>
             </a:extLst>
           </p:cNvPr>
@@ -1843,7 +1843,7 @@
           <p:cNvPr id="7" name="Дата 6">
             <a:extLst>
               <a:ext uri="{FF2B5EF4-FFF2-40B4-BE49-F238E27FC236}">
-                <a16:creationId xmlns="" xmlns:a16="http://schemas.microsoft.com/office/drawing/2014/main" id="{5BC14E07-3A8B-0586-4379-E86ADCA9223B}"/>
+                <a16:creationId xmlns:a16="http://schemas.microsoft.com/office/drawing/2014/main" xmlns="" id="{5BC14E07-3A8B-0586-4379-E86ADCA9223B}"/>
               </a:ext>
             </a:extLst>
           </p:cNvPr>
@@ -1862,7 +1862,7 @@
             <a:fld id="{ADA5A899-FE04-4992-84F0-79F7315CE005}" type="datetimeFigureOut">
               <a:rPr lang="ru-RU" smtClean="0"/>
               <a:pPr/>
-              <a:t>17.09.2022</a:t>
+              <a:t>18.09.2022</a:t>
             </a:fld>
             <a:endParaRPr lang="ru-RU"/>
           </a:p>
@@ -1873,7 +1873,7 @@
           <p:cNvPr id="8" name="Нижний колонтитул 7">
             <a:extLst>
               <a:ext uri="{FF2B5EF4-FFF2-40B4-BE49-F238E27FC236}">
-                <a16:creationId xmlns="" xmlns:a16="http://schemas.microsoft.com/office/drawing/2014/main" id="{8EA34202-CDA7-C42D-ED34-D1C59CE37313}"/>
+                <a16:creationId xmlns:a16="http://schemas.microsoft.com/office/drawing/2014/main" xmlns="" id="{8EA34202-CDA7-C42D-ED34-D1C59CE37313}"/>
               </a:ext>
             </a:extLst>
           </p:cNvPr>
@@ -1898,7 +1898,7 @@
           <p:cNvPr id="9" name="Номер слайда 8">
             <a:extLst>
               <a:ext uri="{FF2B5EF4-FFF2-40B4-BE49-F238E27FC236}">
-                <a16:creationId xmlns="" xmlns:a16="http://schemas.microsoft.com/office/drawing/2014/main" id="{21DEB446-9600-8D80-DFE6-ACB940F82EFF}"/>
+                <a16:creationId xmlns:a16="http://schemas.microsoft.com/office/drawing/2014/main" xmlns="" id="{21DEB446-9600-8D80-DFE6-ACB940F82EFF}"/>
               </a:ext>
             </a:extLst>
           </p:cNvPr>
@@ -1926,7 +1926,7 @@
     </p:spTree>
     <p:extLst>
       <p:ext uri="{BB962C8B-B14F-4D97-AF65-F5344CB8AC3E}">
-        <p14:creationId xmlns:p14="http://schemas.microsoft.com/office/powerpoint/2010/main" xmlns="" val="2086624801"/>
+        <p14:creationId xmlns="" xmlns:p14="http://schemas.microsoft.com/office/powerpoint/2010/main" val="2086624801"/>
       </p:ext>
     </p:extLst>
   </p:cSld>
@@ -1958,7 +1958,7 @@
           <p:cNvPr id="2" name="Заголовок 1">
             <a:extLst>
               <a:ext uri="{FF2B5EF4-FFF2-40B4-BE49-F238E27FC236}">
-                <a16:creationId xmlns="" xmlns:a16="http://schemas.microsoft.com/office/drawing/2014/main" id="{09F191D6-FC8F-4122-1E7A-CB7D91B594FA}"/>
+                <a16:creationId xmlns:a16="http://schemas.microsoft.com/office/drawing/2014/main" xmlns="" id="{09F191D6-FC8F-4122-1E7A-CB7D91B594FA}"/>
               </a:ext>
             </a:extLst>
           </p:cNvPr>
@@ -1986,7 +1986,7 @@
           <p:cNvPr id="3" name="Дата 2">
             <a:extLst>
               <a:ext uri="{FF2B5EF4-FFF2-40B4-BE49-F238E27FC236}">
-                <a16:creationId xmlns="" xmlns:a16="http://schemas.microsoft.com/office/drawing/2014/main" id="{B61B76AB-16A2-E802-C3FC-9FA43AF95803}"/>
+                <a16:creationId xmlns:a16="http://schemas.microsoft.com/office/drawing/2014/main" xmlns="" id="{B61B76AB-16A2-E802-C3FC-9FA43AF95803}"/>
               </a:ext>
             </a:extLst>
           </p:cNvPr>
@@ -2005,7 +2005,7 @@
             <a:fld id="{ADA5A899-FE04-4992-84F0-79F7315CE005}" type="datetimeFigureOut">
               <a:rPr lang="ru-RU" smtClean="0"/>
               <a:pPr/>
-              <a:t>17.09.2022</a:t>
+              <a:t>18.09.2022</a:t>
             </a:fld>
             <a:endParaRPr lang="ru-RU"/>
           </a:p>
@@ -2016,7 +2016,7 @@
           <p:cNvPr id="4" name="Нижний колонтитул 3">
             <a:extLst>
               <a:ext uri="{FF2B5EF4-FFF2-40B4-BE49-F238E27FC236}">
-                <a16:creationId xmlns="" xmlns:a16="http://schemas.microsoft.com/office/drawing/2014/main" id="{9F128097-44C9-BE96-6E6C-9F666CECC82E}"/>
+                <a16:creationId xmlns:a16="http://schemas.microsoft.com/office/drawing/2014/main" xmlns="" id="{9F128097-44C9-BE96-6E6C-9F666CECC82E}"/>
               </a:ext>
             </a:extLst>
           </p:cNvPr>
@@ -2041,7 +2041,7 @@
           <p:cNvPr id="5" name="Номер слайда 4">
             <a:extLst>
               <a:ext uri="{FF2B5EF4-FFF2-40B4-BE49-F238E27FC236}">
-                <a16:creationId xmlns="" xmlns:a16="http://schemas.microsoft.com/office/drawing/2014/main" id="{14EB260B-B2AF-E4CB-3F5F-CED1D6DBC088}"/>
+                <a16:creationId xmlns:a16="http://schemas.microsoft.com/office/drawing/2014/main" xmlns="" id="{14EB260B-B2AF-E4CB-3F5F-CED1D6DBC088}"/>
               </a:ext>
             </a:extLst>
           </p:cNvPr>
@@ -2069,7 +2069,7 @@
     </p:spTree>
     <p:extLst>
       <p:ext uri="{BB962C8B-B14F-4D97-AF65-F5344CB8AC3E}">
-        <p14:creationId xmlns:p14="http://schemas.microsoft.com/office/powerpoint/2010/main" xmlns="" val="1452925811"/>
+        <p14:creationId xmlns="" xmlns:p14="http://schemas.microsoft.com/office/powerpoint/2010/main" val="1452925811"/>
       </p:ext>
     </p:extLst>
   </p:cSld>
@@ -2101,7 +2101,7 @@
           <p:cNvPr id="2" name="Дата 1">
             <a:extLst>
               <a:ext uri="{FF2B5EF4-FFF2-40B4-BE49-F238E27FC236}">
-                <a16:creationId xmlns="" xmlns:a16="http://schemas.microsoft.com/office/drawing/2014/main" id="{C08BA097-9465-E7D4-8D20-56FBD4D856B4}"/>
+                <a16:creationId xmlns:a16="http://schemas.microsoft.com/office/drawing/2014/main" xmlns="" id="{C08BA097-9465-E7D4-8D20-56FBD4D856B4}"/>
               </a:ext>
             </a:extLst>
           </p:cNvPr>
@@ -2120,7 +2120,7 @@
             <a:fld id="{ADA5A899-FE04-4992-84F0-79F7315CE005}" type="datetimeFigureOut">
               <a:rPr lang="ru-RU" smtClean="0"/>
               <a:pPr/>
-              <a:t>17.09.2022</a:t>
+              <a:t>18.09.2022</a:t>
             </a:fld>
             <a:endParaRPr lang="ru-RU"/>
           </a:p>
@@ -2131,7 +2131,7 @@
           <p:cNvPr id="3" name="Нижний колонтитул 2">
             <a:extLst>
               <a:ext uri="{FF2B5EF4-FFF2-40B4-BE49-F238E27FC236}">
-                <a16:creationId xmlns="" xmlns:a16="http://schemas.microsoft.com/office/drawing/2014/main" id="{F1BA0DE9-56D7-206B-FC56-55D7F09F814C}"/>
+                <a16:creationId xmlns:a16="http://schemas.microsoft.com/office/drawing/2014/main" xmlns="" id="{F1BA0DE9-56D7-206B-FC56-55D7F09F814C}"/>
               </a:ext>
             </a:extLst>
           </p:cNvPr>
@@ -2156,7 +2156,7 @@
           <p:cNvPr id="4" name="Номер слайда 3">
             <a:extLst>
               <a:ext uri="{FF2B5EF4-FFF2-40B4-BE49-F238E27FC236}">
-                <a16:creationId xmlns="" xmlns:a16="http://schemas.microsoft.com/office/drawing/2014/main" id="{6771ACC4-5A37-479E-C3D9-3A5BFD7CFF40}"/>
+                <a16:creationId xmlns:a16="http://schemas.microsoft.com/office/drawing/2014/main" xmlns="" id="{6771ACC4-5A37-479E-C3D9-3A5BFD7CFF40}"/>
               </a:ext>
             </a:extLst>
           </p:cNvPr>
@@ -2184,7 +2184,7 @@
     </p:spTree>
     <p:extLst>
       <p:ext uri="{BB962C8B-B14F-4D97-AF65-F5344CB8AC3E}">
-        <p14:creationId xmlns:p14="http://schemas.microsoft.com/office/powerpoint/2010/main" xmlns="" val="414686634"/>
+        <p14:creationId xmlns="" xmlns:p14="http://schemas.microsoft.com/office/powerpoint/2010/main" val="414686634"/>
       </p:ext>
     </p:extLst>
   </p:cSld>
@@ -2216,7 +2216,7 @@
           <p:cNvPr id="2" name="Заголовок 1">
             <a:extLst>
               <a:ext uri="{FF2B5EF4-FFF2-40B4-BE49-F238E27FC236}">
-                <a16:creationId xmlns="" xmlns:a16="http://schemas.microsoft.com/office/drawing/2014/main" id="{8A29A7F3-D292-947B-9F72-953419EA0BE6}"/>
+                <a16:creationId xmlns:a16="http://schemas.microsoft.com/office/drawing/2014/main" xmlns="" id="{8A29A7F3-D292-947B-9F72-953419EA0BE6}"/>
               </a:ext>
             </a:extLst>
           </p:cNvPr>
@@ -2253,7 +2253,7 @@
           <p:cNvPr id="3" name="Объект 2">
             <a:extLst>
               <a:ext uri="{FF2B5EF4-FFF2-40B4-BE49-F238E27FC236}">
-                <a16:creationId xmlns="" xmlns:a16="http://schemas.microsoft.com/office/drawing/2014/main" id="{F93BD3E1-5A95-6E75-9C35-48B0178D0CE0}"/>
+                <a16:creationId xmlns:a16="http://schemas.microsoft.com/office/drawing/2014/main" xmlns="" id="{F93BD3E1-5A95-6E75-9C35-48B0178D0CE0}"/>
               </a:ext>
             </a:extLst>
           </p:cNvPr>
@@ -2343,7 +2343,7 @@
           <p:cNvPr id="4" name="Текст 3">
             <a:extLst>
               <a:ext uri="{FF2B5EF4-FFF2-40B4-BE49-F238E27FC236}">
-                <a16:creationId xmlns="" xmlns:a16="http://schemas.microsoft.com/office/drawing/2014/main" id="{F05B45C3-0F25-CDA6-E26C-437063A8C9B6}"/>
+                <a16:creationId xmlns:a16="http://schemas.microsoft.com/office/drawing/2014/main" xmlns="" id="{F05B45C3-0F25-CDA6-E26C-437063A8C9B6}"/>
               </a:ext>
             </a:extLst>
           </p:cNvPr>
@@ -2414,7 +2414,7 @@
           <p:cNvPr id="5" name="Дата 4">
             <a:extLst>
               <a:ext uri="{FF2B5EF4-FFF2-40B4-BE49-F238E27FC236}">
-                <a16:creationId xmlns="" xmlns:a16="http://schemas.microsoft.com/office/drawing/2014/main" id="{DFF78B1B-E2D0-5CC5-67A8-D0DBA9D4F69B}"/>
+                <a16:creationId xmlns:a16="http://schemas.microsoft.com/office/drawing/2014/main" xmlns="" id="{DFF78B1B-E2D0-5CC5-67A8-D0DBA9D4F69B}"/>
               </a:ext>
             </a:extLst>
           </p:cNvPr>
@@ -2433,7 +2433,7 @@
             <a:fld id="{ADA5A899-FE04-4992-84F0-79F7315CE005}" type="datetimeFigureOut">
               <a:rPr lang="ru-RU" smtClean="0"/>
               <a:pPr/>
-              <a:t>17.09.2022</a:t>
+              <a:t>18.09.2022</a:t>
             </a:fld>
             <a:endParaRPr lang="ru-RU"/>
           </a:p>
@@ -2444,7 +2444,7 @@
           <p:cNvPr id="6" name="Нижний колонтитул 5">
             <a:extLst>
               <a:ext uri="{FF2B5EF4-FFF2-40B4-BE49-F238E27FC236}">
-                <a16:creationId xmlns="" xmlns:a16="http://schemas.microsoft.com/office/drawing/2014/main" id="{DB59C205-F0AD-394B-8EFF-A63FB72ABA42}"/>
+                <a16:creationId xmlns:a16="http://schemas.microsoft.com/office/drawing/2014/main" xmlns="" id="{DB59C205-F0AD-394B-8EFF-A63FB72ABA42}"/>
               </a:ext>
             </a:extLst>
           </p:cNvPr>
@@ -2469,7 +2469,7 @@
           <p:cNvPr id="7" name="Номер слайда 6">
             <a:extLst>
               <a:ext uri="{FF2B5EF4-FFF2-40B4-BE49-F238E27FC236}">
-                <a16:creationId xmlns="" xmlns:a16="http://schemas.microsoft.com/office/drawing/2014/main" id="{AE043324-0615-A5FD-3FB7-0C8F9AA11EAB}"/>
+                <a16:creationId xmlns:a16="http://schemas.microsoft.com/office/drawing/2014/main" xmlns="" id="{AE043324-0615-A5FD-3FB7-0C8F9AA11EAB}"/>
               </a:ext>
             </a:extLst>
           </p:cNvPr>
@@ -2497,7 +2497,7 @@
     </p:spTree>
     <p:extLst>
       <p:ext uri="{BB962C8B-B14F-4D97-AF65-F5344CB8AC3E}">
-        <p14:creationId xmlns:p14="http://schemas.microsoft.com/office/powerpoint/2010/main" xmlns="" val="793283567"/>
+        <p14:creationId xmlns="" xmlns:p14="http://schemas.microsoft.com/office/powerpoint/2010/main" val="793283567"/>
       </p:ext>
     </p:extLst>
   </p:cSld>
@@ -2529,7 +2529,7 @@
           <p:cNvPr id="2" name="Заголовок 1">
             <a:extLst>
               <a:ext uri="{FF2B5EF4-FFF2-40B4-BE49-F238E27FC236}">
-                <a16:creationId xmlns="" xmlns:a16="http://schemas.microsoft.com/office/drawing/2014/main" id="{926A9D1B-012A-23C3-8320-8BFC69088265}"/>
+                <a16:creationId xmlns:a16="http://schemas.microsoft.com/office/drawing/2014/main" xmlns="" id="{926A9D1B-012A-23C3-8320-8BFC69088265}"/>
               </a:ext>
             </a:extLst>
           </p:cNvPr>
@@ -2566,7 +2566,7 @@
           <p:cNvPr id="3" name="Рисунок 2">
             <a:extLst>
               <a:ext uri="{FF2B5EF4-FFF2-40B4-BE49-F238E27FC236}">
-                <a16:creationId xmlns="" xmlns:a16="http://schemas.microsoft.com/office/drawing/2014/main" id="{9B7AA942-B3C9-D02D-42BE-A72809FBFC51}"/>
+                <a16:creationId xmlns:a16="http://schemas.microsoft.com/office/drawing/2014/main" xmlns="" id="{9B7AA942-B3C9-D02D-42BE-A72809FBFC51}"/>
               </a:ext>
             </a:extLst>
           </p:cNvPr>
@@ -2633,7 +2633,7 @@
           <p:cNvPr id="4" name="Текст 3">
             <a:extLst>
               <a:ext uri="{FF2B5EF4-FFF2-40B4-BE49-F238E27FC236}">
-                <a16:creationId xmlns="" xmlns:a16="http://schemas.microsoft.com/office/drawing/2014/main" id="{A173F51B-6622-77A6-AF90-3C6D2AB7AB9C}"/>
+                <a16:creationId xmlns:a16="http://schemas.microsoft.com/office/drawing/2014/main" xmlns="" id="{A173F51B-6622-77A6-AF90-3C6D2AB7AB9C}"/>
               </a:ext>
             </a:extLst>
           </p:cNvPr>
@@ -2704,7 +2704,7 @@
           <p:cNvPr id="5" name="Дата 4">
             <a:extLst>
               <a:ext uri="{FF2B5EF4-FFF2-40B4-BE49-F238E27FC236}">
-                <a16:creationId xmlns="" xmlns:a16="http://schemas.microsoft.com/office/drawing/2014/main" id="{325C1C5E-0053-54FB-A9CD-F501F889E70A}"/>
+                <a16:creationId xmlns:a16="http://schemas.microsoft.com/office/drawing/2014/main" xmlns="" id="{325C1C5E-0053-54FB-A9CD-F501F889E70A}"/>
               </a:ext>
             </a:extLst>
           </p:cNvPr>
@@ -2723,7 +2723,7 @@
             <a:fld id="{ADA5A899-FE04-4992-84F0-79F7315CE005}" type="datetimeFigureOut">
               <a:rPr lang="ru-RU" smtClean="0"/>
               <a:pPr/>
-              <a:t>17.09.2022</a:t>
+              <a:t>18.09.2022</a:t>
             </a:fld>
             <a:endParaRPr lang="ru-RU"/>
           </a:p>
@@ -2734,7 +2734,7 @@
           <p:cNvPr id="6" name="Нижний колонтитул 5">
             <a:extLst>
               <a:ext uri="{FF2B5EF4-FFF2-40B4-BE49-F238E27FC236}">
-                <a16:creationId xmlns="" xmlns:a16="http://schemas.microsoft.com/office/drawing/2014/main" id="{FBCD383E-F890-98A9-53F7-253522A76720}"/>
+                <a16:creationId xmlns:a16="http://schemas.microsoft.com/office/drawing/2014/main" xmlns="" id="{FBCD383E-F890-98A9-53F7-253522A76720}"/>
               </a:ext>
             </a:extLst>
           </p:cNvPr>
@@ -2759,7 +2759,7 @@
           <p:cNvPr id="7" name="Номер слайда 6">
             <a:extLst>
               <a:ext uri="{FF2B5EF4-FFF2-40B4-BE49-F238E27FC236}">
-                <a16:creationId xmlns="" xmlns:a16="http://schemas.microsoft.com/office/drawing/2014/main" id="{5F1C23E7-F475-FA57-9415-53B0F0516F16}"/>
+                <a16:creationId xmlns:a16="http://schemas.microsoft.com/office/drawing/2014/main" xmlns="" id="{5F1C23E7-F475-FA57-9415-53B0F0516F16}"/>
               </a:ext>
             </a:extLst>
           </p:cNvPr>
@@ -2787,7 +2787,7 @@
     </p:spTree>
     <p:extLst>
       <p:ext uri="{BB962C8B-B14F-4D97-AF65-F5344CB8AC3E}">
-        <p14:creationId xmlns:p14="http://schemas.microsoft.com/office/powerpoint/2010/main" xmlns="" val="2120612975"/>
+        <p14:creationId xmlns="" xmlns:p14="http://schemas.microsoft.com/office/powerpoint/2010/main" val="2120612975"/>
       </p:ext>
     </p:extLst>
   </p:cSld>
@@ -2824,7 +2824,7 @@
           <p:cNvPr id="2" name="Заголовок 1">
             <a:extLst>
               <a:ext uri="{FF2B5EF4-FFF2-40B4-BE49-F238E27FC236}">
-                <a16:creationId xmlns="" xmlns:a16="http://schemas.microsoft.com/office/drawing/2014/main" id="{6C768094-A90C-1C5F-6A20-08C258C4E5A0}"/>
+                <a16:creationId xmlns:a16="http://schemas.microsoft.com/office/drawing/2014/main" xmlns="" id="{6C768094-A90C-1C5F-6A20-08C258C4E5A0}"/>
               </a:ext>
             </a:extLst>
           </p:cNvPr>
@@ -2862,7 +2862,7 @@
           <p:cNvPr id="3" name="Текст 2">
             <a:extLst>
               <a:ext uri="{FF2B5EF4-FFF2-40B4-BE49-F238E27FC236}">
-                <a16:creationId xmlns="" xmlns:a16="http://schemas.microsoft.com/office/drawing/2014/main" id="{24B73A0C-C8E0-B34A-43C1-01FA2E140F51}"/>
+                <a16:creationId xmlns:a16="http://schemas.microsoft.com/office/drawing/2014/main" xmlns="" id="{24B73A0C-C8E0-B34A-43C1-01FA2E140F51}"/>
               </a:ext>
             </a:extLst>
           </p:cNvPr>
@@ -2929,7 +2929,7 @@
           <p:cNvPr id="4" name="Дата 3">
             <a:extLst>
               <a:ext uri="{FF2B5EF4-FFF2-40B4-BE49-F238E27FC236}">
-                <a16:creationId xmlns="" xmlns:a16="http://schemas.microsoft.com/office/drawing/2014/main" id="{FEA15550-9607-CAEA-366D-A6E55E89959A}"/>
+                <a16:creationId xmlns:a16="http://schemas.microsoft.com/office/drawing/2014/main" xmlns="" id="{FEA15550-9607-CAEA-366D-A6E55E89959A}"/>
               </a:ext>
             </a:extLst>
           </p:cNvPr>
@@ -2966,7 +2966,7 @@
             <a:fld id="{ADA5A899-FE04-4992-84F0-79F7315CE005}" type="datetimeFigureOut">
               <a:rPr lang="ru-RU" smtClean="0"/>
               <a:pPr/>
-              <a:t>17.09.2022</a:t>
+              <a:t>18.09.2022</a:t>
             </a:fld>
             <a:endParaRPr lang="ru-RU"/>
           </a:p>
@@ -2977,7 +2977,7 @@
           <p:cNvPr id="5" name="Нижний колонтитул 4">
             <a:extLst>
               <a:ext uri="{FF2B5EF4-FFF2-40B4-BE49-F238E27FC236}">
-                <a16:creationId xmlns="" xmlns:a16="http://schemas.microsoft.com/office/drawing/2014/main" id="{52C41BF5-131F-90F3-4AFF-6F80EB5D8CA4}"/>
+                <a16:creationId xmlns:a16="http://schemas.microsoft.com/office/drawing/2014/main" xmlns="" id="{52C41BF5-131F-90F3-4AFF-6F80EB5D8CA4}"/>
               </a:ext>
             </a:extLst>
           </p:cNvPr>
@@ -3020,7 +3020,7 @@
           <p:cNvPr id="6" name="Номер слайда 5">
             <a:extLst>
               <a:ext uri="{FF2B5EF4-FFF2-40B4-BE49-F238E27FC236}">
-                <a16:creationId xmlns="" xmlns:a16="http://schemas.microsoft.com/office/drawing/2014/main" id="{AF233121-A605-8E49-6A5A-3AD66077721D}"/>
+                <a16:creationId xmlns:a16="http://schemas.microsoft.com/office/drawing/2014/main" xmlns="" id="{AF233121-A605-8E49-6A5A-3AD66077721D}"/>
               </a:ext>
             </a:extLst>
           </p:cNvPr>
@@ -3066,7 +3066,7 @@
     </p:spTree>
     <p:extLst>
       <p:ext uri="{BB962C8B-B14F-4D97-AF65-F5344CB8AC3E}">
-        <p14:creationId xmlns:p14="http://schemas.microsoft.com/office/powerpoint/2010/main" xmlns="" val="2861233511"/>
+        <p14:creationId xmlns="" xmlns:p14="http://schemas.microsoft.com/office/powerpoint/2010/main" val="2861233511"/>
       </p:ext>
     </p:extLst>
   </p:cSld>
@@ -3420,7 +3420,7 @@
           <p:cNvPr id="2" name="Заголовок 1">
             <a:extLst>
               <a:ext uri="{FF2B5EF4-FFF2-40B4-BE49-F238E27FC236}">
-                <a16:creationId xmlns="" xmlns:a16="http://schemas.microsoft.com/office/drawing/2014/main" id="{7B21A4E4-2468-71F3-B3A2-6146175C7296}"/>
+                <a16:creationId xmlns:a16="http://schemas.microsoft.com/office/drawing/2014/main" xmlns="" id="{7B21A4E4-2468-71F3-B3A2-6146175C7296}"/>
               </a:ext>
             </a:extLst>
           </p:cNvPr>
@@ -3483,7 +3483,7 @@
           <p:cNvPr id="3" name="Подзаголовок 2">
             <a:extLst>
               <a:ext uri="{FF2B5EF4-FFF2-40B4-BE49-F238E27FC236}">
-                <a16:creationId xmlns="" xmlns:a16="http://schemas.microsoft.com/office/drawing/2014/main" id="{D0332376-343F-6982-64BD-324B4A47A20E}"/>
+                <a16:creationId xmlns:a16="http://schemas.microsoft.com/office/drawing/2014/main" xmlns="" id="{D0332376-343F-6982-64BD-324B4A47A20E}"/>
               </a:ext>
             </a:extLst>
           </p:cNvPr>
@@ -3549,7 +3549,7 @@
           <p:cNvPr id="4" name="Подзаголовок 2">
             <a:extLst>
               <a:ext uri="{FF2B5EF4-FFF2-40B4-BE49-F238E27FC236}">
-                <a16:creationId xmlns="" xmlns:a16="http://schemas.microsoft.com/office/drawing/2014/main" id="{6956DD50-2BBF-1F65-EEDD-FC462F117DA4}"/>
+                <a16:creationId xmlns:a16="http://schemas.microsoft.com/office/drawing/2014/main" xmlns="" id="{6956DD50-2BBF-1F65-EEDD-FC462F117DA4}"/>
               </a:ext>
             </a:extLst>
           </p:cNvPr>
@@ -3858,7 +3858,7 @@
     </p:spTree>
     <p:extLst>
       <p:ext uri="{BB962C8B-B14F-4D97-AF65-F5344CB8AC3E}">
-        <p14:creationId xmlns:p14="http://schemas.microsoft.com/office/powerpoint/2010/main" xmlns="" val="1553003342"/>
+        <p14:creationId xmlns="" xmlns:p14="http://schemas.microsoft.com/office/powerpoint/2010/main" val="1553003342"/>
       </p:ext>
     </p:extLst>
   </p:cSld>
@@ -3925,7 +3925,7 @@
           <p:cNvPr id="2" name="Заголовок 1">
             <a:extLst>
               <a:ext uri="{FF2B5EF4-FFF2-40B4-BE49-F238E27FC236}">
-                <a16:creationId xmlns="" xmlns:a16="http://schemas.microsoft.com/office/drawing/2014/main" id="{2E9213E6-749D-9992-D519-94F289222BF0}"/>
+                <a16:creationId xmlns:a16="http://schemas.microsoft.com/office/drawing/2014/main" xmlns="" id="{2E9213E6-749D-9992-D519-94F289222BF0}"/>
               </a:ext>
             </a:extLst>
           </p:cNvPr>
@@ -3969,7 +3969,7 @@
           <p:cNvPr id="5" name="Объект 4">
             <a:extLst>
               <a:ext uri="{FF2B5EF4-FFF2-40B4-BE49-F238E27FC236}">
-                <a16:creationId xmlns="" xmlns:a16="http://schemas.microsoft.com/office/drawing/2014/main" id="{7C76C821-45B2-DFFE-8A53-0CD78B84D34D}"/>
+                <a16:creationId xmlns:a16="http://schemas.microsoft.com/office/drawing/2014/main" xmlns="" id="{7C76C821-45B2-DFFE-8A53-0CD78B84D34D}"/>
               </a:ext>
             </a:extLst>
           </p:cNvPr>
@@ -4029,7 +4029,7 @@
           <p:cNvPr id="9" name="Заголовок 1">
             <a:extLst>
               <a:ext uri="{FF2B5EF4-FFF2-40B4-BE49-F238E27FC236}">
-                <a16:creationId xmlns="" xmlns:a16="http://schemas.microsoft.com/office/drawing/2014/main" id="{2E9213E6-749D-9992-D519-94F289222BF0}"/>
+                <a16:creationId xmlns:a16="http://schemas.microsoft.com/office/drawing/2014/main" xmlns="" id="{2E9213E6-749D-9992-D519-94F289222BF0}"/>
               </a:ext>
             </a:extLst>
           </p:cNvPr>
@@ -4091,77 +4091,8 @@
                 </a:solidFill>
                 <a:latin typeface="+mj-lt"/>
               </a:rPr>
-              <a:t>Использовать </a:t>
-            </a:r>
-            <a:r>
-              <a:rPr lang="ru-RU" sz="2800" b="1" dirty="0" smtClean="0">
-                <a:solidFill>
-                  <a:srgbClr val="002060"/>
-                </a:solidFill>
-                <a:latin typeface="+mj-lt"/>
-              </a:rPr>
-              <a:t>модель для выявления </a:t>
-            </a:r>
-            <a:r>
-              <a:rPr lang="ru-RU" sz="2800" b="1" dirty="0" smtClean="0">
-                <a:solidFill>
-                  <a:srgbClr val="002060"/>
-                </a:solidFill>
-                <a:latin typeface="+mj-lt"/>
-              </a:rPr>
-              <a:t>пользователей, </a:t>
-            </a:r>
-            <a:r>
-              <a:rPr lang="ru-RU" sz="2800" b="1" dirty="0" smtClean="0">
-                <a:solidFill>
-                  <a:srgbClr val="002060"/>
-                </a:solidFill>
-                <a:latin typeface="+mj-lt"/>
-              </a:rPr>
-              <a:t>которые потенциально готовы уйти к конкурентам, для проведения адресной работы с ними, </a:t>
-            </a:r>
-            <a:r>
-              <a:rPr lang="ru-RU" sz="2800" b="1" dirty="0" smtClean="0">
-                <a:solidFill>
-                  <a:srgbClr val="002060"/>
-                </a:solidFill>
-                <a:latin typeface="+mj-lt"/>
-              </a:rPr>
-              <a:t> с </a:t>
-            </a:r>
-            <a:r>
-              <a:rPr lang="ru-RU" sz="2800" b="1" dirty="0" smtClean="0">
-                <a:solidFill>
-                  <a:srgbClr val="002060"/>
-                </a:solidFill>
-                <a:latin typeface="+mj-lt"/>
-              </a:rPr>
-              <a:t>целью предотвратить уход</a:t>
-            </a:r>
-            <a:r>
-              <a:rPr lang="ru-RU" sz="2800" b="1" dirty="0" smtClean="0">
-                <a:solidFill>
-                  <a:srgbClr val="002060"/>
-                </a:solidFill>
-                <a:latin typeface="+mj-lt"/>
-              </a:rPr>
-              <a:t>.</a:t>
-            </a:r>
-            <a:r>
-              <a:rPr lang="ru-RU" sz="2800" b="1" dirty="0" smtClean="0">
-                <a:solidFill>
-                  <a:srgbClr val="002060"/>
-                </a:solidFill>
-                <a:latin typeface="+mj-lt"/>
-              </a:rPr>
-              <a:t> </a:t>
-            </a:r>
-            <a:endParaRPr lang="ru-RU" sz="2800" b="1" dirty="0" smtClean="0">
-              <a:solidFill>
-                <a:srgbClr val="002060"/>
-              </a:solidFill>
-              <a:latin typeface="+mj-lt"/>
-            </a:endParaRPr>
+              <a:t>Использовать модель для выявления пользователей, которые потенциально готовы уйти к конкурентам, для проведения адресной работы с ними,  с целью предотвратить уход. </a:t>
+            </a:r>
           </a:p>
           <a:p>
             <a:pPr marL="514350" indent="-514350" algn="just"/>
@@ -4181,43 +4112,7 @@
                 </a:solidFill>
                 <a:latin typeface="+mj-lt"/>
               </a:rPr>
-              <a:t>2.   Мы </a:t>
-            </a:r>
-            <a:r>
-              <a:rPr lang="ru-RU" sz="2800" b="1" dirty="0" smtClean="0">
-                <a:solidFill>
-                  <a:srgbClr val="002060"/>
-                </a:solidFill>
-                <a:latin typeface="+mj-lt"/>
-              </a:rPr>
-              <a:t>определили, что модель отнесла по обучающей выборке 1392 не ушедших пользователя к категории ушедших. Это значит, что на месте компании необходимо рассмотреть внимательнее эту категорию </a:t>
-            </a:r>
-            <a:r>
-              <a:rPr lang="ru-RU" sz="2800" b="1" dirty="0" smtClean="0">
-                <a:solidFill>
-                  <a:srgbClr val="002060"/>
-                </a:solidFill>
-                <a:latin typeface="+mj-lt"/>
-              </a:rPr>
-              <a:t>пользователей </a:t>
-            </a:r>
-            <a:r>
-              <a:rPr lang="ru-RU" sz="2800" b="1" dirty="0" smtClean="0">
-                <a:solidFill>
-                  <a:srgbClr val="002060"/>
-                </a:solidFill>
-                <a:latin typeface="+mj-lt"/>
-              </a:rPr>
-              <a:t>и также провести с ними адресную работу, так как это потенциальные перебежчики к </a:t>
-            </a:r>
-            <a:r>
-              <a:rPr lang="ru-RU" sz="2800" b="1" dirty="0" smtClean="0">
-                <a:solidFill>
-                  <a:srgbClr val="002060"/>
-                </a:solidFill>
-                <a:latin typeface="+mj-lt"/>
-              </a:rPr>
-              <a:t>конкурентам</a:t>
+              <a:t>2.   Мы определили, что модель отнесла по обучающей выборке 1392 не ушедших пользователя к категории ушедших. Это значит, что на месте компании необходимо рассмотреть внимательнее эту категорию пользователей и также провести с ними адресную работу, так как это потенциальные перебежчики к конкурентам</a:t>
             </a:r>
             <a:endParaRPr lang="ru-RU" sz="2800" b="1" dirty="0" smtClean="0">
               <a:solidFill>
@@ -4250,7 +4145,7 @@
     </p:spTree>
     <p:extLst>
       <p:ext uri="{BB962C8B-B14F-4D97-AF65-F5344CB8AC3E}">
-        <p14:creationId xmlns:p14="http://schemas.microsoft.com/office/powerpoint/2010/main" xmlns="" val="1444225727"/>
+        <p14:creationId xmlns="" xmlns:p14="http://schemas.microsoft.com/office/powerpoint/2010/main" val="1444225727"/>
       </p:ext>
     </p:extLst>
   </p:cSld>
@@ -4320,7 +4215,7 @@
           <p:cNvPr id="2" name="Заголовок 1">
             <a:extLst>
               <a:ext uri="{FF2B5EF4-FFF2-40B4-BE49-F238E27FC236}">
-                <a16:creationId xmlns="" xmlns:a16="http://schemas.microsoft.com/office/drawing/2014/main" id="{2E9213E6-749D-9992-D519-94F289222BF0}"/>
+                <a16:creationId xmlns:a16="http://schemas.microsoft.com/office/drawing/2014/main" xmlns="" id="{2E9213E6-749D-9992-D519-94F289222BF0}"/>
               </a:ext>
             </a:extLst>
           </p:cNvPr>
@@ -4366,7 +4261,7 @@
           <p:cNvPr id="5" name="Объект 4">
             <a:extLst>
               <a:ext uri="{FF2B5EF4-FFF2-40B4-BE49-F238E27FC236}">
-                <a16:creationId xmlns="" xmlns:a16="http://schemas.microsoft.com/office/drawing/2014/main" id="{7C76C821-45B2-DFFE-8A53-0CD78B84D34D}"/>
+                <a16:creationId xmlns:a16="http://schemas.microsoft.com/office/drawing/2014/main" xmlns="" id="{7C76C821-45B2-DFFE-8A53-0CD78B84D34D}"/>
               </a:ext>
             </a:extLst>
           </p:cNvPr>
@@ -4629,7 +4524,7 @@
     </p:spTree>
     <p:extLst>
       <p:ext uri="{BB962C8B-B14F-4D97-AF65-F5344CB8AC3E}">
-        <p14:creationId xmlns:p14="http://schemas.microsoft.com/office/powerpoint/2010/main" xmlns="" val="1949184756"/>
+        <p14:creationId xmlns="" xmlns:p14="http://schemas.microsoft.com/office/powerpoint/2010/main" val="1949184756"/>
       </p:ext>
     </p:extLst>
   </p:cSld>
@@ -4725,7 +4620,7 @@
           <p:cNvPr id="2" name="Заголовок 1">
             <a:extLst>
               <a:ext uri="{FF2B5EF4-FFF2-40B4-BE49-F238E27FC236}">
-                <a16:creationId xmlns="" xmlns:a16="http://schemas.microsoft.com/office/drawing/2014/main" id="{2E9213E6-749D-9992-D519-94F289222BF0}"/>
+                <a16:creationId xmlns:a16="http://schemas.microsoft.com/office/drawing/2014/main" xmlns="" id="{2E9213E6-749D-9992-D519-94F289222BF0}"/>
               </a:ext>
             </a:extLst>
           </p:cNvPr>
@@ -4775,7 +4670,7 @@
           <p:cNvPr id="5" name="Объект 4">
             <a:extLst>
               <a:ext uri="{FF2B5EF4-FFF2-40B4-BE49-F238E27FC236}">
-                <a16:creationId xmlns="" xmlns:a16="http://schemas.microsoft.com/office/drawing/2014/main" id="{7C76C821-45B2-DFFE-8A53-0CD78B84D34D}"/>
+                <a16:creationId xmlns:a16="http://schemas.microsoft.com/office/drawing/2014/main" xmlns="" id="{7C76C821-45B2-DFFE-8A53-0CD78B84D34D}"/>
               </a:ext>
             </a:extLst>
           </p:cNvPr>
@@ -4899,7 +4794,7 @@
     </p:spTree>
     <p:extLst>
       <p:ext uri="{BB962C8B-B14F-4D97-AF65-F5344CB8AC3E}">
-        <p14:creationId xmlns:p14="http://schemas.microsoft.com/office/powerpoint/2010/main" xmlns="" val="940757705"/>
+        <p14:creationId xmlns="" xmlns:p14="http://schemas.microsoft.com/office/powerpoint/2010/main" val="940757705"/>
       </p:ext>
     </p:extLst>
   </p:cSld>
@@ -4969,7 +4864,7 @@
           <p:cNvPr id="2" name="Заголовок 1">
             <a:extLst>
               <a:ext uri="{FF2B5EF4-FFF2-40B4-BE49-F238E27FC236}">
-                <a16:creationId xmlns="" xmlns:a16="http://schemas.microsoft.com/office/drawing/2014/main" id="{2E9213E6-749D-9992-D519-94F289222BF0}"/>
+                <a16:creationId xmlns:a16="http://schemas.microsoft.com/office/drawing/2014/main" xmlns="" id="{2E9213E6-749D-9992-D519-94F289222BF0}"/>
               </a:ext>
             </a:extLst>
           </p:cNvPr>
@@ -5124,7 +5019,7 @@
           <p:cNvPr id="13" name="Заголовок 1">
             <a:extLst>
               <a:ext uri="{FF2B5EF4-FFF2-40B4-BE49-F238E27FC236}">
-                <a16:creationId xmlns="" xmlns:a16="http://schemas.microsoft.com/office/drawing/2014/main" id="{2E9213E6-749D-9992-D519-94F289222BF0}"/>
+                <a16:creationId xmlns:a16="http://schemas.microsoft.com/office/drawing/2014/main" xmlns="" id="{2E9213E6-749D-9992-D519-94F289222BF0}"/>
               </a:ext>
             </a:extLst>
           </p:cNvPr>
@@ -5504,7 +5399,7 @@
     </p:spTree>
     <p:extLst>
       <p:ext uri="{BB962C8B-B14F-4D97-AF65-F5344CB8AC3E}">
-        <p14:creationId xmlns:p14="http://schemas.microsoft.com/office/powerpoint/2010/main" xmlns="" val="261818918"/>
+        <p14:creationId xmlns="" xmlns:p14="http://schemas.microsoft.com/office/powerpoint/2010/main" val="261818918"/>
       </p:ext>
     </p:extLst>
   </p:cSld>
@@ -5574,7 +5469,7 @@
           <p:cNvPr id="2" name="Заголовок 1">
             <a:extLst>
               <a:ext uri="{FF2B5EF4-FFF2-40B4-BE49-F238E27FC236}">
-                <a16:creationId xmlns="" xmlns:a16="http://schemas.microsoft.com/office/drawing/2014/main" id="{2E9213E6-749D-9992-D519-94F289222BF0}"/>
+                <a16:creationId xmlns:a16="http://schemas.microsoft.com/office/drawing/2014/main" xmlns="" id="{2E9213E6-749D-9992-D519-94F289222BF0}"/>
               </a:ext>
             </a:extLst>
           </p:cNvPr>
@@ -5843,7 +5738,7 @@
     </p:spTree>
     <p:extLst>
       <p:ext uri="{BB962C8B-B14F-4D97-AF65-F5344CB8AC3E}">
-        <p14:creationId xmlns:p14="http://schemas.microsoft.com/office/powerpoint/2010/main" xmlns="" val="550409415"/>
+        <p14:creationId xmlns="" xmlns:p14="http://schemas.microsoft.com/office/powerpoint/2010/main" val="550409415"/>
       </p:ext>
     </p:extLst>
   </p:cSld>
@@ -5913,7 +5808,7 @@
           <p:cNvPr id="2" name="Заголовок 1">
             <a:extLst>
               <a:ext uri="{FF2B5EF4-FFF2-40B4-BE49-F238E27FC236}">
-                <a16:creationId xmlns="" xmlns:a16="http://schemas.microsoft.com/office/drawing/2014/main" id="{2E9213E6-749D-9992-D519-94F289222BF0}"/>
+                <a16:creationId xmlns:a16="http://schemas.microsoft.com/office/drawing/2014/main" xmlns="" id="{2E9213E6-749D-9992-D519-94F289222BF0}"/>
               </a:ext>
             </a:extLst>
           </p:cNvPr>
@@ -5973,7 +5868,7 @@
           <p:cNvPr id="5" name="Объект 4">
             <a:extLst>
               <a:ext uri="{FF2B5EF4-FFF2-40B4-BE49-F238E27FC236}">
-                <a16:creationId xmlns="" xmlns:a16="http://schemas.microsoft.com/office/drawing/2014/main" id="{7C76C821-45B2-DFFE-8A53-0CD78B84D34D}"/>
+                <a16:creationId xmlns:a16="http://schemas.microsoft.com/office/drawing/2014/main" xmlns="" id="{7C76C821-45B2-DFFE-8A53-0CD78B84D34D}"/>
               </a:ext>
             </a:extLst>
           </p:cNvPr>
@@ -6033,7 +5928,7 @@
           <p:cNvPr id="9" name="Заголовок 1">
             <a:extLst>
               <a:ext uri="{FF2B5EF4-FFF2-40B4-BE49-F238E27FC236}">
-                <a16:creationId xmlns="" xmlns:a16="http://schemas.microsoft.com/office/drawing/2014/main" id="{2E9213E6-749D-9992-D519-94F289222BF0}"/>
+                <a16:creationId xmlns:a16="http://schemas.microsoft.com/office/drawing/2014/main" xmlns="" id="{2E9213E6-749D-9992-D519-94F289222BF0}"/>
               </a:ext>
             </a:extLst>
           </p:cNvPr>
@@ -6124,7 +6019,7 @@
           <p:cNvPr id="6" name="Заголовок 1">
             <a:extLst>
               <a:ext uri="{FF2B5EF4-FFF2-40B4-BE49-F238E27FC236}">
-                <a16:creationId xmlns="" xmlns:a16="http://schemas.microsoft.com/office/drawing/2014/main" id="{2E9213E6-749D-9992-D519-94F289222BF0}"/>
+                <a16:creationId xmlns:a16="http://schemas.microsoft.com/office/drawing/2014/main" xmlns="" id="{2E9213E6-749D-9992-D519-94F289222BF0}"/>
               </a:ext>
             </a:extLst>
           </p:cNvPr>
@@ -6299,41 +6194,7 @@
                 <a:ea typeface="+mj-ea"/>
                 <a:cs typeface="+mj-cs"/>
               </a:rPr>
-              <a:t>Признаки 2, 3 и 4: количество </a:t>
-            </a:r>
-            <a:r>
-              <a:rPr kumimoji="0" lang="ru-RU" sz="2800" b="1" i="0" u="none" strike="noStrike" kern="1200" cap="none" spc="0" normalizeH="0" noProof="0" dirty="0" smtClean="0">
-                <a:ln>
-                  <a:noFill/>
-                </a:ln>
-                <a:solidFill>
-                  <a:srgbClr val="002060"/>
-                </a:solidFill>
-                <a:effectLst/>
-                <a:uLnTx/>
-                <a:uFillTx/>
-                <a:latin typeface="+mj-lt"/>
-                <a:ea typeface="+mj-ea"/>
-                <a:cs typeface="+mj-cs"/>
-              </a:rPr>
-              <a:t>ДНС </a:t>
-            </a:r>
-            <a:r>
-              <a:rPr kumimoji="0" lang="ru-RU" sz="2800" b="1" i="0" u="none" strike="noStrike" kern="1200" cap="none" spc="0" normalizeH="0" noProof="0" dirty="0" smtClean="0">
-                <a:ln>
-                  <a:noFill/>
-                </a:ln>
-                <a:solidFill>
-                  <a:srgbClr val="002060"/>
-                </a:solidFill>
-                <a:effectLst/>
-                <a:uLnTx/>
-                <a:uFillTx/>
-                <a:latin typeface="+mj-lt"/>
-                <a:ea typeface="+mj-ea"/>
-                <a:cs typeface="+mj-cs"/>
-              </a:rPr>
-              <a:t>– запросов пользователя в соответствующем двухнедельном периоде  к </a:t>
+              <a:t>Признаки 2, 3 и 4: количество ДНС – запросов пользователя в соответствующем двухнедельном периоде  к </a:t>
             </a:r>
             <a:r>
               <a:rPr lang="ru-RU" sz="2800" b="1" dirty="0" smtClean="0">
@@ -6437,7 +6298,7 @@
     </p:spTree>
     <p:extLst>
       <p:ext uri="{BB962C8B-B14F-4D97-AF65-F5344CB8AC3E}">
-        <p14:creationId xmlns:p14="http://schemas.microsoft.com/office/powerpoint/2010/main" xmlns="" val="1444225727"/>
+        <p14:creationId xmlns="" xmlns:p14="http://schemas.microsoft.com/office/powerpoint/2010/main" val="1444225727"/>
       </p:ext>
     </p:extLst>
   </p:cSld>
@@ -6504,7 +6365,7 @@
           <p:cNvPr id="2" name="Заголовок 1">
             <a:extLst>
               <a:ext uri="{FF2B5EF4-FFF2-40B4-BE49-F238E27FC236}">
-                <a16:creationId xmlns="" xmlns:a16="http://schemas.microsoft.com/office/drawing/2014/main" id="{2E9213E6-749D-9992-D519-94F289222BF0}"/>
+                <a16:creationId xmlns:a16="http://schemas.microsoft.com/office/drawing/2014/main" xmlns="" id="{2E9213E6-749D-9992-D519-94F289222BF0}"/>
               </a:ext>
             </a:extLst>
           </p:cNvPr>
@@ -6671,7 +6532,7 @@
           <p:cNvPr id="7" name="Заголовок 1">
             <a:extLst>
               <a:ext uri="{FF2B5EF4-FFF2-40B4-BE49-F238E27FC236}">
-                <a16:creationId xmlns="" xmlns:a16="http://schemas.microsoft.com/office/drawing/2014/main" id="{2E9213E6-749D-9992-D519-94F289222BF0}"/>
+                <a16:creationId xmlns:a16="http://schemas.microsoft.com/office/drawing/2014/main" xmlns="" id="{2E9213E6-749D-9992-D519-94F289222BF0}"/>
               </a:ext>
             </a:extLst>
           </p:cNvPr>
@@ -6783,7 +6644,7 @@
     </p:spTree>
     <p:extLst>
       <p:ext uri="{BB962C8B-B14F-4D97-AF65-F5344CB8AC3E}">
-        <p14:creationId xmlns:p14="http://schemas.microsoft.com/office/powerpoint/2010/main" xmlns="" val="261818918"/>
+        <p14:creationId xmlns="" xmlns:p14="http://schemas.microsoft.com/office/powerpoint/2010/main" val="261818918"/>
       </p:ext>
     </p:extLst>
   </p:cSld>
@@ -6853,7 +6714,7 @@
           <p:cNvPr id="2" name="Заголовок 1">
             <a:extLst>
               <a:ext uri="{FF2B5EF4-FFF2-40B4-BE49-F238E27FC236}">
-                <a16:creationId xmlns="" xmlns:a16="http://schemas.microsoft.com/office/drawing/2014/main" id="{2E9213E6-749D-9992-D519-94F289222BF0}"/>
+                <a16:creationId xmlns:a16="http://schemas.microsoft.com/office/drawing/2014/main" xmlns="" id="{2E9213E6-749D-9992-D519-94F289222BF0}"/>
               </a:ext>
             </a:extLst>
           </p:cNvPr>
@@ -6901,7 +6762,7 @@
           <p:cNvPr id="5" name="Объект 4">
             <a:extLst>
               <a:ext uri="{FF2B5EF4-FFF2-40B4-BE49-F238E27FC236}">
-                <a16:creationId xmlns="" xmlns:a16="http://schemas.microsoft.com/office/drawing/2014/main" id="{7C76C821-45B2-DFFE-8A53-0CD78B84D34D}"/>
+                <a16:creationId xmlns:a16="http://schemas.microsoft.com/office/drawing/2014/main" xmlns="" id="{7C76C821-45B2-DFFE-8A53-0CD78B84D34D}"/>
               </a:ext>
             </a:extLst>
           </p:cNvPr>
@@ -6961,7 +6822,7 @@
           <p:cNvPr id="7" name="Заголовок 1">
             <a:extLst>
               <a:ext uri="{FF2B5EF4-FFF2-40B4-BE49-F238E27FC236}">
-                <a16:creationId xmlns="" xmlns:a16="http://schemas.microsoft.com/office/drawing/2014/main" id="{2E9213E6-749D-9992-D519-94F289222BF0}"/>
+                <a16:creationId xmlns:a16="http://schemas.microsoft.com/office/drawing/2014/main" xmlns="" id="{2E9213E6-749D-9992-D519-94F289222BF0}"/>
               </a:ext>
             </a:extLst>
           </p:cNvPr>
@@ -7050,8 +6911,8 @@
         </p:blipFill>
         <p:spPr bwMode="auto">
           <a:xfrm>
-            <a:off x="9487629" y="4995081"/>
-            <a:ext cx="2922735" cy="958707"/>
+            <a:off x="9376012" y="4940491"/>
+            <a:ext cx="3248167" cy="958707"/>
           </a:xfrm>
           <a:prstGeom prst="rect">
             <a:avLst/>
@@ -7090,7 +6951,7 @@
           <p:cNvPr id="11" name="Заголовок 1">
             <a:extLst>
               <a:ext uri="{FF2B5EF4-FFF2-40B4-BE49-F238E27FC236}">
-                <a16:creationId xmlns="" xmlns:a16="http://schemas.microsoft.com/office/drawing/2014/main" id="{2E9213E6-749D-9992-D519-94F289222BF0}"/>
+                <a16:creationId xmlns:a16="http://schemas.microsoft.com/office/drawing/2014/main" xmlns="" id="{2E9213E6-749D-9992-D519-94F289222BF0}"/>
               </a:ext>
             </a:extLst>
           </p:cNvPr>
@@ -7163,7 +7024,7 @@
           <p:cNvPr id="12" name="Заголовок 1">
             <a:extLst>
               <a:ext uri="{FF2B5EF4-FFF2-40B4-BE49-F238E27FC236}">
-                <a16:creationId xmlns="" xmlns:a16="http://schemas.microsoft.com/office/drawing/2014/main" id="{2E9213E6-749D-9992-D519-94F289222BF0}"/>
+                <a16:creationId xmlns:a16="http://schemas.microsoft.com/office/drawing/2014/main" xmlns="" id="{2E9213E6-749D-9992-D519-94F289222BF0}"/>
               </a:ext>
             </a:extLst>
           </p:cNvPr>
@@ -7174,7 +7035,7 @@
         </p:nvSpPr>
         <p:spPr>
           <a:xfrm>
-            <a:off x="10016320" y="4755154"/>
+            <a:off x="10016320" y="4741507"/>
             <a:ext cx="2175680" cy="819956"/>
           </a:xfrm>
           <a:prstGeom prst="rect">
@@ -7256,7 +7117,7 @@
           <p:cNvPr id="9" name="Заголовок 1">
             <a:extLst>
               <a:ext uri="{FF2B5EF4-FFF2-40B4-BE49-F238E27FC236}">
-                <a16:creationId xmlns="" xmlns:a16="http://schemas.microsoft.com/office/drawing/2014/main" id="{2E9213E6-749D-9992-D519-94F289222BF0}"/>
+                <a16:creationId xmlns:a16="http://schemas.microsoft.com/office/drawing/2014/main" xmlns="" id="{2E9213E6-749D-9992-D519-94F289222BF0}"/>
               </a:ext>
             </a:extLst>
           </p:cNvPr>
@@ -7570,7 +7431,7 @@
     </p:spTree>
     <p:extLst>
       <p:ext uri="{BB962C8B-B14F-4D97-AF65-F5344CB8AC3E}">
-        <p14:creationId xmlns:p14="http://schemas.microsoft.com/office/powerpoint/2010/main" xmlns="" val="2209134722"/>
+        <p14:creationId xmlns="" xmlns:p14="http://schemas.microsoft.com/office/powerpoint/2010/main" val="2209134722"/>
       </p:ext>
     </p:extLst>
   </p:cSld>
@@ -7640,7 +7501,7 @@
           <p:cNvPr id="2" name="Заголовок 1">
             <a:extLst>
               <a:ext uri="{FF2B5EF4-FFF2-40B4-BE49-F238E27FC236}">
-                <a16:creationId xmlns="" xmlns:a16="http://schemas.microsoft.com/office/drawing/2014/main" id="{2E9213E6-749D-9992-D519-94F289222BF0}"/>
+                <a16:creationId xmlns:a16="http://schemas.microsoft.com/office/drawing/2014/main" xmlns="" id="{2E9213E6-749D-9992-D519-94F289222BF0}"/>
               </a:ext>
             </a:extLst>
           </p:cNvPr>
@@ -7692,7 +7553,7 @@
           <p:cNvPr id="5" name="Объект 4">
             <a:extLst>
               <a:ext uri="{FF2B5EF4-FFF2-40B4-BE49-F238E27FC236}">
-                <a16:creationId xmlns="" xmlns:a16="http://schemas.microsoft.com/office/drawing/2014/main" id="{7C76C821-45B2-DFFE-8A53-0CD78B84D34D}"/>
+                <a16:creationId xmlns:a16="http://schemas.microsoft.com/office/drawing/2014/main" xmlns="" id="{7C76C821-45B2-DFFE-8A53-0CD78B84D34D}"/>
               </a:ext>
             </a:extLst>
           </p:cNvPr>
@@ -7752,7 +7613,7 @@
           <p:cNvPr id="9" name="Заголовок 1">
             <a:extLst>
               <a:ext uri="{FF2B5EF4-FFF2-40B4-BE49-F238E27FC236}">
-                <a16:creationId xmlns="" xmlns:a16="http://schemas.microsoft.com/office/drawing/2014/main" id="{2E9213E6-749D-9992-D519-94F289222BF0}"/>
+                <a16:creationId xmlns:a16="http://schemas.microsoft.com/office/drawing/2014/main" xmlns="" id="{2E9213E6-749D-9992-D519-94F289222BF0}"/>
               </a:ext>
             </a:extLst>
           </p:cNvPr>
@@ -7907,7 +7768,7 @@
     </p:spTree>
     <p:extLst>
       <p:ext uri="{BB962C8B-B14F-4D97-AF65-F5344CB8AC3E}">
-        <p14:creationId xmlns:p14="http://schemas.microsoft.com/office/powerpoint/2010/main" xmlns="" val="1444225727"/>
+        <p14:creationId xmlns="" xmlns:p14="http://schemas.microsoft.com/office/powerpoint/2010/main" val="1444225727"/>
       </p:ext>
     </p:extLst>
   </p:cSld>
@@ -7977,7 +7838,7 @@
           <p:cNvPr id="2" name="Заголовок 1">
             <a:extLst>
               <a:ext uri="{FF2B5EF4-FFF2-40B4-BE49-F238E27FC236}">
-                <a16:creationId xmlns="" xmlns:a16="http://schemas.microsoft.com/office/drawing/2014/main" id="{2E9213E6-749D-9992-D519-94F289222BF0}"/>
+                <a16:creationId xmlns:a16="http://schemas.microsoft.com/office/drawing/2014/main" xmlns="" id="{2E9213E6-749D-9992-D519-94F289222BF0}"/>
               </a:ext>
             </a:extLst>
           </p:cNvPr>
@@ -8035,7 +7896,7 @@
           <p:cNvPr id="5" name="Объект 4">
             <a:extLst>
               <a:ext uri="{FF2B5EF4-FFF2-40B4-BE49-F238E27FC236}">
-                <a16:creationId xmlns="" xmlns:a16="http://schemas.microsoft.com/office/drawing/2014/main" id="{7C76C821-45B2-DFFE-8A53-0CD78B84D34D}"/>
+                <a16:creationId xmlns:a16="http://schemas.microsoft.com/office/drawing/2014/main" xmlns="" id="{7C76C821-45B2-DFFE-8A53-0CD78B84D34D}"/>
               </a:ext>
             </a:extLst>
           </p:cNvPr>
@@ -8095,7 +7956,7 @@
           <p:cNvPr id="9" name="Заголовок 1">
             <a:extLst>
               <a:ext uri="{FF2B5EF4-FFF2-40B4-BE49-F238E27FC236}">
-                <a16:creationId xmlns="" xmlns:a16="http://schemas.microsoft.com/office/drawing/2014/main" id="{2E9213E6-749D-9992-D519-94F289222BF0}"/>
+                <a16:creationId xmlns:a16="http://schemas.microsoft.com/office/drawing/2014/main" xmlns="" id="{2E9213E6-749D-9992-D519-94F289222BF0}"/>
               </a:ext>
             </a:extLst>
           </p:cNvPr>
@@ -8188,20 +8049,7 @@
                 <a:ea typeface="+mj-ea"/>
                 <a:cs typeface="+mj-cs"/>
               </a:rPr>
-              <a:t> </a:t>
-            </a:r>
-            <a:r>
-              <a:rPr lang="ru-RU" sz="2800" b="1" dirty="0" smtClean="0">
-                <a:solidFill>
-                  <a:schemeClr val="accent1">
-                    <a:lumMod val="50000"/>
-                  </a:schemeClr>
-                </a:solidFill>
-                <a:latin typeface="+mj-lt"/>
-                <a:ea typeface="+mj-ea"/>
-                <a:cs typeface="+mj-cs"/>
-              </a:rPr>
-              <a:t>к сайтам конкурентов целесообразно разбить на две категории (посещали ушедшие или нет) .</a:t>
+              <a:t> к сайтам конкурентов целесообразно разбить на две категории (посещали ушедшие или нет) .</a:t>
             </a:r>
           </a:p>
           <a:p>
@@ -8387,29 +8235,7 @@
                 </a:solidFill>
                 <a:latin typeface="+mj-lt"/>
               </a:rPr>
-              <a:t>4. Признаки по количеству типов обращений на </a:t>
-            </a:r>
-            <a:r>
-              <a:rPr lang="ru-RU" sz="2800" b="1" dirty="0" smtClean="0">
-                <a:solidFill>
-                  <a:schemeClr val="accent1">
-                    <a:lumMod val="50000"/>
-                  </a:schemeClr>
-                </a:solidFill>
-                <a:latin typeface="+mj-lt"/>
-              </a:rPr>
-              <a:t>периоде наблюдений </a:t>
-            </a:r>
-            <a:r>
-              <a:rPr lang="ru-RU" sz="2800" b="1" dirty="0" smtClean="0">
-                <a:solidFill>
-                  <a:schemeClr val="accent1">
-                    <a:lumMod val="50000"/>
-                  </a:schemeClr>
-                </a:solidFill>
-                <a:latin typeface="+mj-lt"/>
-              </a:rPr>
-              <a:t>менее двух месяцев по периодам разбивать не целесообразно.</a:t>
+              <a:t>4. Признаки по количеству типов обращений на периоде наблюдений менее двух месяцев по периодам разбивать не целесообразно.</a:t>
             </a:r>
             <a:endParaRPr lang="ru-RU" sz="2800" b="1" dirty="0" smtClean="0">
               <a:solidFill>
@@ -8442,7 +8268,7 @@
     </p:spTree>
     <p:extLst>
       <p:ext uri="{BB962C8B-B14F-4D97-AF65-F5344CB8AC3E}">
-        <p14:creationId xmlns:p14="http://schemas.microsoft.com/office/powerpoint/2010/main" xmlns="" val="1444225727"/>
+        <p14:creationId xmlns="" xmlns:p14="http://schemas.microsoft.com/office/powerpoint/2010/main" val="1444225727"/>
       </p:ext>
     </p:extLst>
   </p:cSld>
@@ -8748,7 +8574,7 @@
   <a:extraClrSchemeLst/>
   <a:extLst>
     <a:ext uri="{05A4C25C-085E-4340-85A3-A5531E510DB2}">
-      <thm15:themeFamily xmlns:thm15="http://schemas.microsoft.com/office/thememl/2012/main" xmlns="" name="Office Theme" id="{62F939B6-93AF-4DB8-9C6B-D6C7DFDC589F}" vid="{4A3C46E8-61CC-4603-A589-7422A47A8E4A}"/>
+      <thm15:themeFamily xmlns="" xmlns:thm15="http://schemas.microsoft.com/office/thememl/2012/main" name="Office Theme" id="{62F939B6-93AF-4DB8-9C6B-D6C7DFDC589F}" vid="{4A3C46E8-61CC-4603-A589-7422A47A8E4A}"/>
     </a:ext>
   </a:extLst>
 </a:theme>

--- a/Карелия_2022_Верт-Миллер.pptx
+++ b/Карелия_2022_Верт-Миллер.pptx
@@ -116,7 +116,7 @@
   </p:defaultTextStyle>
   <p:extLst>
     <p:ext uri="{521415D9-36F7-43E2-AB2F-B90AF26B5E84}">
-      <p14:sectionLst xmlns="" xmlns:p14="http://schemas.microsoft.com/office/powerpoint/2010/main">
+      <p14:sectionLst xmlns:p14="http://schemas.microsoft.com/office/powerpoint/2010/main" xmlns="">
         <p14:section name="Раздел по умолчанию" id="{BD5C6BC8-79BA-43F2-AADE-73938FAF4224}">
           <p14:sldIdLst>
             <p14:sldId id="256"/>
@@ -140,7 +140,7 @@
       </p14:sectionLst>
     </p:ext>
     <p:ext uri="{EFAFB233-063F-42B5-8137-9DF3F51BA10A}">
-      <p15:sldGuideLst xmlns="" xmlns:p15="http://schemas.microsoft.com/office/powerpoint/2012/main"/>
+      <p15:sldGuideLst xmlns:p15="http://schemas.microsoft.com/office/powerpoint/2012/main" xmlns=""/>
     </p:ext>
   </p:extLst>
 </p:presentation>
@@ -168,7 +168,7 @@
           <p:cNvPr id="2" name="Заголовок 1">
             <a:extLst>
               <a:ext uri="{FF2B5EF4-FFF2-40B4-BE49-F238E27FC236}">
-                <a16:creationId xmlns:a16="http://schemas.microsoft.com/office/drawing/2014/main" xmlns="" id="{1DB5EE12-12DA-3950-B62D-D33374B0BE7E}"/>
+                <a16:creationId xmlns="" xmlns:a16="http://schemas.microsoft.com/office/drawing/2014/main" id="{1DB5EE12-12DA-3950-B62D-D33374B0BE7E}"/>
               </a:ext>
             </a:extLst>
           </p:cNvPr>
@@ -205,7 +205,7 @@
           <p:cNvPr id="3" name="Подзаголовок 2">
             <a:extLst>
               <a:ext uri="{FF2B5EF4-FFF2-40B4-BE49-F238E27FC236}">
-                <a16:creationId xmlns:a16="http://schemas.microsoft.com/office/drawing/2014/main" xmlns="" id="{9310A401-7D92-8873-4E08-D3550F252F8E}"/>
+                <a16:creationId xmlns="" xmlns:a16="http://schemas.microsoft.com/office/drawing/2014/main" id="{9310A401-7D92-8873-4E08-D3550F252F8E}"/>
               </a:ext>
             </a:extLst>
           </p:cNvPr>
@@ -275,7 +275,7 @@
           <p:cNvPr id="4" name="Дата 3">
             <a:extLst>
               <a:ext uri="{FF2B5EF4-FFF2-40B4-BE49-F238E27FC236}">
-                <a16:creationId xmlns:a16="http://schemas.microsoft.com/office/drawing/2014/main" xmlns="" id="{7D4058E0-2DEC-5116-B051-18E7D32D043B}"/>
+                <a16:creationId xmlns="" xmlns:a16="http://schemas.microsoft.com/office/drawing/2014/main" id="{7D4058E0-2DEC-5116-B051-18E7D32D043B}"/>
               </a:ext>
             </a:extLst>
           </p:cNvPr>
@@ -294,7 +294,7 @@
             <a:fld id="{ADA5A899-FE04-4992-84F0-79F7315CE005}" type="datetimeFigureOut">
               <a:rPr lang="ru-RU" smtClean="0"/>
               <a:pPr/>
-              <a:t>18.09.2022</a:t>
+              <a:t>25.09.2022</a:t>
             </a:fld>
             <a:endParaRPr lang="ru-RU"/>
           </a:p>
@@ -305,7 +305,7 @@
           <p:cNvPr id="5" name="Нижний колонтитул 4">
             <a:extLst>
               <a:ext uri="{FF2B5EF4-FFF2-40B4-BE49-F238E27FC236}">
-                <a16:creationId xmlns:a16="http://schemas.microsoft.com/office/drawing/2014/main" xmlns="" id="{27055A46-0CF7-C563-8CF1-66264A6FC0B4}"/>
+                <a16:creationId xmlns="" xmlns:a16="http://schemas.microsoft.com/office/drawing/2014/main" id="{27055A46-0CF7-C563-8CF1-66264A6FC0B4}"/>
               </a:ext>
             </a:extLst>
           </p:cNvPr>
@@ -330,7 +330,7 @@
           <p:cNvPr id="6" name="Номер слайда 5">
             <a:extLst>
               <a:ext uri="{FF2B5EF4-FFF2-40B4-BE49-F238E27FC236}">
-                <a16:creationId xmlns:a16="http://schemas.microsoft.com/office/drawing/2014/main" xmlns="" id="{14B98F1C-93D4-DA7E-C8FA-D797ED731D6E}"/>
+                <a16:creationId xmlns="" xmlns:a16="http://schemas.microsoft.com/office/drawing/2014/main" id="{14B98F1C-93D4-DA7E-C8FA-D797ED731D6E}"/>
               </a:ext>
             </a:extLst>
           </p:cNvPr>
@@ -358,7 +358,7 @@
     </p:spTree>
     <p:extLst>
       <p:ext uri="{BB962C8B-B14F-4D97-AF65-F5344CB8AC3E}">
-        <p14:creationId xmlns="" xmlns:p14="http://schemas.microsoft.com/office/powerpoint/2010/main" val="128424399"/>
+        <p14:creationId xmlns:p14="http://schemas.microsoft.com/office/powerpoint/2010/main" xmlns="" val="128424399"/>
       </p:ext>
     </p:extLst>
   </p:cSld>
@@ -390,7 +390,7 @@
           <p:cNvPr id="2" name="Заголовок 1">
             <a:extLst>
               <a:ext uri="{FF2B5EF4-FFF2-40B4-BE49-F238E27FC236}">
-                <a16:creationId xmlns:a16="http://schemas.microsoft.com/office/drawing/2014/main" xmlns="" id="{A10B2CFF-AB82-03C3-F32F-6161409FDE6C}"/>
+                <a16:creationId xmlns="" xmlns:a16="http://schemas.microsoft.com/office/drawing/2014/main" id="{A10B2CFF-AB82-03C3-F32F-6161409FDE6C}"/>
               </a:ext>
             </a:extLst>
           </p:cNvPr>
@@ -418,7 +418,7 @@
           <p:cNvPr id="3" name="Вертикальный текст 2">
             <a:extLst>
               <a:ext uri="{FF2B5EF4-FFF2-40B4-BE49-F238E27FC236}">
-                <a16:creationId xmlns:a16="http://schemas.microsoft.com/office/drawing/2014/main" xmlns="" id="{DE258D6E-E014-7A7F-FD4B-E03DBF7CD9B2}"/>
+                <a16:creationId xmlns="" xmlns:a16="http://schemas.microsoft.com/office/drawing/2014/main" id="{DE258D6E-E014-7A7F-FD4B-E03DBF7CD9B2}"/>
               </a:ext>
             </a:extLst>
           </p:cNvPr>
@@ -475,7 +475,7 @@
           <p:cNvPr id="4" name="Дата 3">
             <a:extLst>
               <a:ext uri="{FF2B5EF4-FFF2-40B4-BE49-F238E27FC236}">
-                <a16:creationId xmlns:a16="http://schemas.microsoft.com/office/drawing/2014/main" xmlns="" id="{71A21FF6-D17C-D67C-DA6E-A2281068FF1B}"/>
+                <a16:creationId xmlns="" xmlns:a16="http://schemas.microsoft.com/office/drawing/2014/main" id="{71A21FF6-D17C-D67C-DA6E-A2281068FF1B}"/>
               </a:ext>
             </a:extLst>
           </p:cNvPr>
@@ -494,7 +494,7 @@
             <a:fld id="{ADA5A899-FE04-4992-84F0-79F7315CE005}" type="datetimeFigureOut">
               <a:rPr lang="ru-RU" smtClean="0"/>
               <a:pPr/>
-              <a:t>18.09.2022</a:t>
+              <a:t>25.09.2022</a:t>
             </a:fld>
             <a:endParaRPr lang="ru-RU"/>
           </a:p>
@@ -505,7 +505,7 @@
           <p:cNvPr id="5" name="Нижний колонтитул 4">
             <a:extLst>
               <a:ext uri="{FF2B5EF4-FFF2-40B4-BE49-F238E27FC236}">
-                <a16:creationId xmlns:a16="http://schemas.microsoft.com/office/drawing/2014/main" xmlns="" id="{2F51315D-3A0E-2099-9673-471C8D297185}"/>
+                <a16:creationId xmlns="" xmlns:a16="http://schemas.microsoft.com/office/drawing/2014/main" id="{2F51315D-3A0E-2099-9673-471C8D297185}"/>
               </a:ext>
             </a:extLst>
           </p:cNvPr>
@@ -530,7 +530,7 @@
           <p:cNvPr id="6" name="Номер слайда 5">
             <a:extLst>
               <a:ext uri="{FF2B5EF4-FFF2-40B4-BE49-F238E27FC236}">
-                <a16:creationId xmlns:a16="http://schemas.microsoft.com/office/drawing/2014/main" xmlns="" id="{86D72241-8282-AC00-E3C4-1EC726D41963}"/>
+                <a16:creationId xmlns="" xmlns:a16="http://schemas.microsoft.com/office/drawing/2014/main" id="{86D72241-8282-AC00-E3C4-1EC726D41963}"/>
               </a:ext>
             </a:extLst>
           </p:cNvPr>
@@ -558,7 +558,7 @@
     </p:spTree>
     <p:extLst>
       <p:ext uri="{BB962C8B-B14F-4D97-AF65-F5344CB8AC3E}">
-        <p14:creationId xmlns="" xmlns:p14="http://schemas.microsoft.com/office/powerpoint/2010/main" val="476647262"/>
+        <p14:creationId xmlns:p14="http://schemas.microsoft.com/office/powerpoint/2010/main" xmlns="" val="476647262"/>
       </p:ext>
     </p:extLst>
   </p:cSld>
@@ -590,7 +590,7 @@
           <p:cNvPr id="2" name="Вертикальный заголовок 1">
             <a:extLst>
               <a:ext uri="{FF2B5EF4-FFF2-40B4-BE49-F238E27FC236}">
-                <a16:creationId xmlns:a16="http://schemas.microsoft.com/office/drawing/2014/main" xmlns="" id="{C74891AD-0420-D0C7-3DA8-8163EE207834}"/>
+                <a16:creationId xmlns="" xmlns:a16="http://schemas.microsoft.com/office/drawing/2014/main" id="{C74891AD-0420-D0C7-3DA8-8163EE207834}"/>
               </a:ext>
             </a:extLst>
           </p:cNvPr>
@@ -623,7 +623,7 @@
           <p:cNvPr id="3" name="Вертикальный текст 2">
             <a:extLst>
               <a:ext uri="{FF2B5EF4-FFF2-40B4-BE49-F238E27FC236}">
-                <a16:creationId xmlns:a16="http://schemas.microsoft.com/office/drawing/2014/main" xmlns="" id="{BA2096B8-E349-969E-D59E-00F39D708BB2}"/>
+                <a16:creationId xmlns="" xmlns:a16="http://schemas.microsoft.com/office/drawing/2014/main" id="{BA2096B8-E349-969E-D59E-00F39D708BB2}"/>
               </a:ext>
             </a:extLst>
           </p:cNvPr>
@@ -685,7 +685,7 @@
           <p:cNvPr id="4" name="Дата 3">
             <a:extLst>
               <a:ext uri="{FF2B5EF4-FFF2-40B4-BE49-F238E27FC236}">
-                <a16:creationId xmlns:a16="http://schemas.microsoft.com/office/drawing/2014/main" xmlns="" id="{69C25D58-31DE-8BEE-84F5-205F0D8220DA}"/>
+                <a16:creationId xmlns="" xmlns:a16="http://schemas.microsoft.com/office/drawing/2014/main" id="{69C25D58-31DE-8BEE-84F5-205F0D8220DA}"/>
               </a:ext>
             </a:extLst>
           </p:cNvPr>
@@ -704,7 +704,7 @@
             <a:fld id="{ADA5A899-FE04-4992-84F0-79F7315CE005}" type="datetimeFigureOut">
               <a:rPr lang="ru-RU" smtClean="0"/>
               <a:pPr/>
-              <a:t>18.09.2022</a:t>
+              <a:t>25.09.2022</a:t>
             </a:fld>
             <a:endParaRPr lang="ru-RU"/>
           </a:p>
@@ -715,7 +715,7 @@
           <p:cNvPr id="5" name="Нижний колонтитул 4">
             <a:extLst>
               <a:ext uri="{FF2B5EF4-FFF2-40B4-BE49-F238E27FC236}">
-                <a16:creationId xmlns:a16="http://schemas.microsoft.com/office/drawing/2014/main" xmlns="" id="{1200D78E-3621-B5A0-296F-3AE6064C881B}"/>
+                <a16:creationId xmlns="" xmlns:a16="http://schemas.microsoft.com/office/drawing/2014/main" id="{1200D78E-3621-B5A0-296F-3AE6064C881B}"/>
               </a:ext>
             </a:extLst>
           </p:cNvPr>
@@ -740,7 +740,7 @@
           <p:cNvPr id="6" name="Номер слайда 5">
             <a:extLst>
               <a:ext uri="{FF2B5EF4-FFF2-40B4-BE49-F238E27FC236}">
-                <a16:creationId xmlns:a16="http://schemas.microsoft.com/office/drawing/2014/main" xmlns="" id="{22801EF9-AD0E-9305-7A5F-BA5D57BAF8CD}"/>
+                <a16:creationId xmlns="" xmlns:a16="http://schemas.microsoft.com/office/drawing/2014/main" id="{22801EF9-AD0E-9305-7A5F-BA5D57BAF8CD}"/>
               </a:ext>
             </a:extLst>
           </p:cNvPr>
@@ -768,7 +768,7 @@
     </p:spTree>
     <p:extLst>
       <p:ext uri="{BB962C8B-B14F-4D97-AF65-F5344CB8AC3E}">
-        <p14:creationId xmlns="" xmlns:p14="http://schemas.microsoft.com/office/powerpoint/2010/main" val="4201004194"/>
+        <p14:creationId xmlns:p14="http://schemas.microsoft.com/office/powerpoint/2010/main" xmlns="" val="4201004194"/>
       </p:ext>
     </p:extLst>
   </p:cSld>
@@ -800,7 +800,7 @@
           <p:cNvPr id="2" name="Заголовок 1">
             <a:extLst>
               <a:ext uri="{FF2B5EF4-FFF2-40B4-BE49-F238E27FC236}">
-                <a16:creationId xmlns:a16="http://schemas.microsoft.com/office/drawing/2014/main" xmlns="" id="{9679A5A8-87F3-2FE7-AA0B-006AD31849FC}"/>
+                <a16:creationId xmlns="" xmlns:a16="http://schemas.microsoft.com/office/drawing/2014/main" id="{9679A5A8-87F3-2FE7-AA0B-006AD31849FC}"/>
               </a:ext>
             </a:extLst>
           </p:cNvPr>
@@ -828,7 +828,7 @@
           <p:cNvPr id="3" name="Объект 2">
             <a:extLst>
               <a:ext uri="{FF2B5EF4-FFF2-40B4-BE49-F238E27FC236}">
-                <a16:creationId xmlns:a16="http://schemas.microsoft.com/office/drawing/2014/main" xmlns="" id="{901121FF-5217-AE0C-0534-37B1E320A9BE}"/>
+                <a16:creationId xmlns="" xmlns:a16="http://schemas.microsoft.com/office/drawing/2014/main" id="{901121FF-5217-AE0C-0534-37B1E320A9BE}"/>
               </a:ext>
             </a:extLst>
           </p:cNvPr>
@@ -885,7 +885,7 @@
           <p:cNvPr id="4" name="Дата 3">
             <a:extLst>
               <a:ext uri="{FF2B5EF4-FFF2-40B4-BE49-F238E27FC236}">
-                <a16:creationId xmlns:a16="http://schemas.microsoft.com/office/drawing/2014/main" xmlns="" id="{A5F63383-F5DA-10B2-E837-68D33D937299}"/>
+                <a16:creationId xmlns="" xmlns:a16="http://schemas.microsoft.com/office/drawing/2014/main" id="{A5F63383-F5DA-10B2-E837-68D33D937299}"/>
               </a:ext>
             </a:extLst>
           </p:cNvPr>
@@ -904,7 +904,7 @@
             <a:fld id="{ADA5A899-FE04-4992-84F0-79F7315CE005}" type="datetimeFigureOut">
               <a:rPr lang="ru-RU" smtClean="0"/>
               <a:pPr/>
-              <a:t>18.09.2022</a:t>
+              <a:t>25.09.2022</a:t>
             </a:fld>
             <a:endParaRPr lang="ru-RU"/>
           </a:p>
@@ -915,7 +915,7 @@
           <p:cNvPr id="5" name="Нижний колонтитул 4">
             <a:extLst>
               <a:ext uri="{FF2B5EF4-FFF2-40B4-BE49-F238E27FC236}">
-                <a16:creationId xmlns:a16="http://schemas.microsoft.com/office/drawing/2014/main" xmlns="" id="{6D2AC90C-BB10-94E4-E96D-5926EDFBDE10}"/>
+                <a16:creationId xmlns="" xmlns:a16="http://schemas.microsoft.com/office/drawing/2014/main" id="{6D2AC90C-BB10-94E4-E96D-5926EDFBDE10}"/>
               </a:ext>
             </a:extLst>
           </p:cNvPr>
@@ -940,7 +940,7 @@
           <p:cNvPr id="6" name="Номер слайда 5">
             <a:extLst>
               <a:ext uri="{FF2B5EF4-FFF2-40B4-BE49-F238E27FC236}">
-                <a16:creationId xmlns:a16="http://schemas.microsoft.com/office/drawing/2014/main" xmlns="" id="{A0DB5FF3-27E5-ECD7-6065-7E94E6A8555F}"/>
+                <a16:creationId xmlns="" xmlns:a16="http://schemas.microsoft.com/office/drawing/2014/main" id="{A0DB5FF3-27E5-ECD7-6065-7E94E6A8555F}"/>
               </a:ext>
             </a:extLst>
           </p:cNvPr>
@@ -968,7 +968,7 @@
     </p:spTree>
     <p:extLst>
       <p:ext uri="{BB962C8B-B14F-4D97-AF65-F5344CB8AC3E}">
-        <p14:creationId xmlns="" xmlns:p14="http://schemas.microsoft.com/office/powerpoint/2010/main" val="3663878534"/>
+        <p14:creationId xmlns:p14="http://schemas.microsoft.com/office/powerpoint/2010/main" xmlns="" val="3663878534"/>
       </p:ext>
     </p:extLst>
   </p:cSld>
@@ -1000,7 +1000,7 @@
           <p:cNvPr id="2" name="Заголовок 1">
             <a:extLst>
               <a:ext uri="{FF2B5EF4-FFF2-40B4-BE49-F238E27FC236}">
-                <a16:creationId xmlns:a16="http://schemas.microsoft.com/office/drawing/2014/main" xmlns="" id="{DD557F2C-9CD1-EEE2-EFD8-CA5356037721}"/>
+                <a16:creationId xmlns="" xmlns:a16="http://schemas.microsoft.com/office/drawing/2014/main" id="{DD557F2C-9CD1-EEE2-EFD8-CA5356037721}"/>
               </a:ext>
             </a:extLst>
           </p:cNvPr>
@@ -1037,7 +1037,7 @@
           <p:cNvPr id="3" name="Текст 2">
             <a:extLst>
               <a:ext uri="{FF2B5EF4-FFF2-40B4-BE49-F238E27FC236}">
-                <a16:creationId xmlns:a16="http://schemas.microsoft.com/office/drawing/2014/main" xmlns="" id="{D8950F90-CBA5-D33D-3E59-064DB5E54181}"/>
+                <a16:creationId xmlns="" xmlns:a16="http://schemas.microsoft.com/office/drawing/2014/main" id="{D8950F90-CBA5-D33D-3E59-064DB5E54181}"/>
               </a:ext>
             </a:extLst>
           </p:cNvPr>
@@ -1162,7 +1162,7 @@
           <p:cNvPr id="4" name="Дата 3">
             <a:extLst>
               <a:ext uri="{FF2B5EF4-FFF2-40B4-BE49-F238E27FC236}">
-                <a16:creationId xmlns:a16="http://schemas.microsoft.com/office/drawing/2014/main" xmlns="" id="{766500B9-25A6-8354-307A-5965FAC6FB3D}"/>
+                <a16:creationId xmlns="" xmlns:a16="http://schemas.microsoft.com/office/drawing/2014/main" id="{766500B9-25A6-8354-307A-5965FAC6FB3D}"/>
               </a:ext>
             </a:extLst>
           </p:cNvPr>
@@ -1181,7 +1181,7 @@
             <a:fld id="{ADA5A899-FE04-4992-84F0-79F7315CE005}" type="datetimeFigureOut">
               <a:rPr lang="ru-RU" smtClean="0"/>
               <a:pPr/>
-              <a:t>18.09.2022</a:t>
+              <a:t>25.09.2022</a:t>
             </a:fld>
             <a:endParaRPr lang="ru-RU"/>
           </a:p>
@@ -1192,7 +1192,7 @@
           <p:cNvPr id="5" name="Нижний колонтитул 4">
             <a:extLst>
               <a:ext uri="{FF2B5EF4-FFF2-40B4-BE49-F238E27FC236}">
-                <a16:creationId xmlns:a16="http://schemas.microsoft.com/office/drawing/2014/main" xmlns="" id="{EE82C732-66F5-ED99-E2D5-88A275B2C8F4}"/>
+                <a16:creationId xmlns="" xmlns:a16="http://schemas.microsoft.com/office/drawing/2014/main" id="{EE82C732-66F5-ED99-E2D5-88A275B2C8F4}"/>
               </a:ext>
             </a:extLst>
           </p:cNvPr>
@@ -1217,7 +1217,7 @@
           <p:cNvPr id="6" name="Номер слайда 5">
             <a:extLst>
               <a:ext uri="{FF2B5EF4-FFF2-40B4-BE49-F238E27FC236}">
-                <a16:creationId xmlns:a16="http://schemas.microsoft.com/office/drawing/2014/main" xmlns="" id="{205C899B-F1AC-1E34-CEFB-AAD93600D48D}"/>
+                <a16:creationId xmlns="" xmlns:a16="http://schemas.microsoft.com/office/drawing/2014/main" id="{205C899B-F1AC-1E34-CEFB-AAD93600D48D}"/>
               </a:ext>
             </a:extLst>
           </p:cNvPr>
@@ -1245,7 +1245,7 @@
     </p:spTree>
     <p:extLst>
       <p:ext uri="{BB962C8B-B14F-4D97-AF65-F5344CB8AC3E}">
-        <p14:creationId xmlns="" xmlns:p14="http://schemas.microsoft.com/office/powerpoint/2010/main" val="2414508979"/>
+        <p14:creationId xmlns:p14="http://schemas.microsoft.com/office/powerpoint/2010/main" xmlns="" val="2414508979"/>
       </p:ext>
     </p:extLst>
   </p:cSld>
@@ -1277,7 +1277,7 @@
           <p:cNvPr id="2" name="Заголовок 1">
             <a:extLst>
               <a:ext uri="{FF2B5EF4-FFF2-40B4-BE49-F238E27FC236}">
-                <a16:creationId xmlns:a16="http://schemas.microsoft.com/office/drawing/2014/main" xmlns="" id="{0E5C556E-5BA4-25DC-98DE-0A4949E29549}"/>
+                <a16:creationId xmlns="" xmlns:a16="http://schemas.microsoft.com/office/drawing/2014/main" id="{0E5C556E-5BA4-25DC-98DE-0A4949E29549}"/>
               </a:ext>
             </a:extLst>
           </p:cNvPr>
@@ -1305,7 +1305,7 @@
           <p:cNvPr id="3" name="Объект 2">
             <a:extLst>
               <a:ext uri="{FF2B5EF4-FFF2-40B4-BE49-F238E27FC236}">
-                <a16:creationId xmlns:a16="http://schemas.microsoft.com/office/drawing/2014/main" xmlns="" id="{7425C5BE-6896-0A4D-5AFA-1FAE69A97CAD}"/>
+                <a16:creationId xmlns="" xmlns:a16="http://schemas.microsoft.com/office/drawing/2014/main" id="{7425C5BE-6896-0A4D-5AFA-1FAE69A97CAD}"/>
               </a:ext>
             </a:extLst>
           </p:cNvPr>
@@ -1367,7 +1367,7 @@
           <p:cNvPr id="4" name="Объект 3">
             <a:extLst>
               <a:ext uri="{FF2B5EF4-FFF2-40B4-BE49-F238E27FC236}">
-                <a16:creationId xmlns:a16="http://schemas.microsoft.com/office/drawing/2014/main" xmlns="" id="{31C00418-E37A-2786-C67B-B50C3CE53231}"/>
+                <a16:creationId xmlns="" xmlns:a16="http://schemas.microsoft.com/office/drawing/2014/main" id="{31C00418-E37A-2786-C67B-B50C3CE53231}"/>
               </a:ext>
             </a:extLst>
           </p:cNvPr>
@@ -1429,7 +1429,7 @@
           <p:cNvPr id="5" name="Дата 4">
             <a:extLst>
               <a:ext uri="{FF2B5EF4-FFF2-40B4-BE49-F238E27FC236}">
-                <a16:creationId xmlns:a16="http://schemas.microsoft.com/office/drawing/2014/main" xmlns="" id="{82311B34-B094-DEA9-0487-CCE77AB53978}"/>
+                <a16:creationId xmlns="" xmlns:a16="http://schemas.microsoft.com/office/drawing/2014/main" id="{82311B34-B094-DEA9-0487-CCE77AB53978}"/>
               </a:ext>
             </a:extLst>
           </p:cNvPr>
@@ -1448,7 +1448,7 @@
             <a:fld id="{ADA5A899-FE04-4992-84F0-79F7315CE005}" type="datetimeFigureOut">
               <a:rPr lang="ru-RU" smtClean="0"/>
               <a:pPr/>
-              <a:t>18.09.2022</a:t>
+              <a:t>25.09.2022</a:t>
             </a:fld>
             <a:endParaRPr lang="ru-RU"/>
           </a:p>
@@ -1459,7 +1459,7 @@
           <p:cNvPr id="6" name="Нижний колонтитул 5">
             <a:extLst>
               <a:ext uri="{FF2B5EF4-FFF2-40B4-BE49-F238E27FC236}">
-                <a16:creationId xmlns:a16="http://schemas.microsoft.com/office/drawing/2014/main" xmlns="" id="{EA3A2682-2931-8785-4E08-0C676B293946}"/>
+                <a16:creationId xmlns="" xmlns:a16="http://schemas.microsoft.com/office/drawing/2014/main" id="{EA3A2682-2931-8785-4E08-0C676B293946}"/>
               </a:ext>
             </a:extLst>
           </p:cNvPr>
@@ -1484,7 +1484,7 @@
           <p:cNvPr id="7" name="Номер слайда 6">
             <a:extLst>
               <a:ext uri="{FF2B5EF4-FFF2-40B4-BE49-F238E27FC236}">
-                <a16:creationId xmlns:a16="http://schemas.microsoft.com/office/drawing/2014/main" xmlns="" id="{EE8B88A0-DA0B-ECEB-086B-CAD2B03B2577}"/>
+                <a16:creationId xmlns="" xmlns:a16="http://schemas.microsoft.com/office/drawing/2014/main" id="{EE8B88A0-DA0B-ECEB-086B-CAD2B03B2577}"/>
               </a:ext>
             </a:extLst>
           </p:cNvPr>
@@ -1512,7 +1512,7 @@
     </p:spTree>
     <p:extLst>
       <p:ext uri="{BB962C8B-B14F-4D97-AF65-F5344CB8AC3E}">
-        <p14:creationId xmlns="" xmlns:p14="http://schemas.microsoft.com/office/powerpoint/2010/main" val="2371532081"/>
+        <p14:creationId xmlns:p14="http://schemas.microsoft.com/office/powerpoint/2010/main" xmlns="" val="2371532081"/>
       </p:ext>
     </p:extLst>
   </p:cSld>
@@ -1544,7 +1544,7 @@
           <p:cNvPr id="2" name="Заголовок 1">
             <a:extLst>
               <a:ext uri="{FF2B5EF4-FFF2-40B4-BE49-F238E27FC236}">
-                <a16:creationId xmlns:a16="http://schemas.microsoft.com/office/drawing/2014/main" xmlns="" id="{A20B92AA-AEE3-B9EB-BFB8-CD638D676C96}"/>
+                <a16:creationId xmlns="" xmlns:a16="http://schemas.microsoft.com/office/drawing/2014/main" id="{A20B92AA-AEE3-B9EB-BFB8-CD638D676C96}"/>
               </a:ext>
             </a:extLst>
           </p:cNvPr>
@@ -1577,7 +1577,7 @@
           <p:cNvPr id="3" name="Текст 2">
             <a:extLst>
               <a:ext uri="{FF2B5EF4-FFF2-40B4-BE49-F238E27FC236}">
-                <a16:creationId xmlns:a16="http://schemas.microsoft.com/office/drawing/2014/main" xmlns="" id="{11896D86-1039-0B56-5FF6-1FD7F4DD5606}"/>
+                <a16:creationId xmlns="" xmlns:a16="http://schemas.microsoft.com/office/drawing/2014/main" id="{11896D86-1039-0B56-5FF6-1FD7F4DD5606}"/>
               </a:ext>
             </a:extLst>
           </p:cNvPr>
@@ -1648,7 +1648,7 @@
           <p:cNvPr id="4" name="Объект 3">
             <a:extLst>
               <a:ext uri="{FF2B5EF4-FFF2-40B4-BE49-F238E27FC236}">
-                <a16:creationId xmlns:a16="http://schemas.microsoft.com/office/drawing/2014/main" xmlns="" id="{288A1A6F-EBB8-8F7C-E989-86CCB98DDD97}"/>
+                <a16:creationId xmlns="" xmlns:a16="http://schemas.microsoft.com/office/drawing/2014/main" id="{288A1A6F-EBB8-8F7C-E989-86CCB98DDD97}"/>
               </a:ext>
             </a:extLst>
           </p:cNvPr>
@@ -1710,7 +1710,7 @@
           <p:cNvPr id="5" name="Текст 4">
             <a:extLst>
               <a:ext uri="{FF2B5EF4-FFF2-40B4-BE49-F238E27FC236}">
-                <a16:creationId xmlns:a16="http://schemas.microsoft.com/office/drawing/2014/main" xmlns="" id="{EF2A3D12-F19B-6769-DEC7-374A6840A3F8}"/>
+                <a16:creationId xmlns="" xmlns:a16="http://schemas.microsoft.com/office/drawing/2014/main" id="{EF2A3D12-F19B-6769-DEC7-374A6840A3F8}"/>
               </a:ext>
             </a:extLst>
           </p:cNvPr>
@@ -1781,7 +1781,7 @@
           <p:cNvPr id="6" name="Объект 5">
             <a:extLst>
               <a:ext uri="{FF2B5EF4-FFF2-40B4-BE49-F238E27FC236}">
-                <a16:creationId xmlns:a16="http://schemas.microsoft.com/office/drawing/2014/main" xmlns="" id="{F54F1F2F-BAD1-F721-B349-E472E8069CD0}"/>
+                <a16:creationId xmlns="" xmlns:a16="http://schemas.microsoft.com/office/drawing/2014/main" id="{F54F1F2F-BAD1-F721-B349-E472E8069CD0}"/>
               </a:ext>
             </a:extLst>
           </p:cNvPr>
@@ -1843,7 +1843,7 @@
           <p:cNvPr id="7" name="Дата 6">
             <a:extLst>
               <a:ext uri="{FF2B5EF4-FFF2-40B4-BE49-F238E27FC236}">
-                <a16:creationId xmlns:a16="http://schemas.microsoft.com/office/drawing/2014/main" xmlns="" id="{5BC14E07-3A8B-0586-4379-E86ADCA9223B}"/>
+                <a16:creationId xmlns="" xmlns:a16="http://schemas.microsoft.com/office/drawing/2014/main" id="{5BC14E07-3A8B-0586-4379-E86ADCA9223B}"/>
               </a:ext>
             </a:extLst>
           </p:cNvPr>
@@ -1862,7 +1862,7 @@
             <a:fld id="{ADA5A899-FE04-4992-84F0-79F7315CE005}" type="datetimeFigureOut">
               <a:rPr lang="ru-RU" smtClean="0"/>
               <a:pPr/>
-              <a:t>18.09.2022</a:t>
+              <a:t>25.09.2022</a:t>
             </a:fld>
             <a:endParaRPr lang="ru-RU"/>
           </a:p>
@@ -1873,7 +1873,7 @@
           <p:cNvPr id="8" name="Нижний колонтитул 7">
             <a:extLst>
               <a:ext uri="{FF2B5EF4-FFF2-40B4-BE49-F238E27FC236}">
-                <a16:creationId xmlns:a16="http://schemas.microsoft.com/office/drawing/2014/main" xmlns="" id="{8EA34202-CDA7-C42D-ED34-D1C59CE37313}"/>
+                <a16:creationId xmlns="" xmlns:a16="http://schemas.microsoft.com/office/drawing/2014/main" id="{8EA34202-CDA7-C42D-ED34-D1C59CE37313}"/>
               </a:ext>
             </a:extLst>
           </p:cNvPr>
@@ -1898,7 +1898,7 @@
           <p:cNvPr id="9" name="Номер слайда 8">
             <a:extLst>
               <a:ext uri="{FF2B5EF4-FFF2-40B4-BE49-F238E27FC236}">
-                <a16:creationId xmlns:a16="http://schemas.microsoft.com/office/drawing/2014/main" xmlns="" id="{21DEB446-9600-8D80-DFE6-ACB940F82EFF}"/>
+                <a16:creationId xmlns="" xmlns:a16="http://schemas.microsoft.com/office/drawing/2014/main" id="{21DEB446-9600-8D80-DFE6-ACB940F82EFF}"/>
               </a:ext>
             </a:extLst>
           </p:cNvPr>
@@ -1926,7 +1926,7 @@
     </p:spTree>
     <p:extLst>
       <p:ext uri="{BB962C8B-B14F-4D97-AF65-F5344CB8AC3E}">
-        <p14:creationId xmlns="" xmlns:p14="http://schemas.microsoft.com/office/powerpoint/2010/main" val="2086624801"/>
+        <p14:creationId xmlns:p14="http://schemas.microsoft.com/office/powerpoint/2010/main" xmlns="" val="2086624801"/>
       </p:ext>
     </p:extLst>
   </p:cSld>
@@ -1958,7 +1958,7 @@
           <p:cNvPr id="2" name="Заголовок 1">
             <a:extLst>
               <a:ext uri="{FF2B5EF4-FFF2-40B4-BE49-F238E27FC236}">
-                <a16:creationId xmlns:a16="http://schemas.microsoft.com/office/drawing/2014/main" xmlns="" id="{09F191D6-FC8F-4122-1E7A-CB7D91B594FA}"/>
+                <a16:creationId xmlns="" xmlns:a16="http://schemas.microsoft.com/office/drawing/2014/main" id="{09F191D6-FC8F-4122-1E7A-CB7D91B594FA}"/>
               </a:ext>
             </a:extLst>
           </p:cNvPr>
@@ -1986,7 +1986,7 @@
           <p:cNvPr id="3" name="Дата 2">
             <a:extLst>
               <a:ext uri="{FF2B5EF4-FFF2-40B4-BE49-F238E27FC236}">
-                <a16:creationId xmlns:a16="http://schemas.microsoft.com/office/drawing/2014/main" xmlns="" id="{B61B76AB-16A2-E802-C3FC-9FA43AF95803}"/>
+                <a16:creationId xmlns="" xmlns:a16="http://schemas.microsoft.com/office/drawing/2014/main" id="{B61B76AB-16A2-E802-C3FC-9FA43AF95803}"/>
               </a:ext>
             </a:extLst>
           </p:cNvPr>
@@ -2005,7 +2005,7 @@
             <a:fld id="{ADA5A899-FE04-4992-84F0-79F7315CE005}" type="datetimeFigureOut">
               <a:rPr lang="ru-RU" smtClean="0"/>
               <a:pPr/>
-              <a:t>18.09.2022</a:t>
+              <a:t>25.09.2022</a:t>
             </a:fld>
             <a:endParaRPr lang="ru-RU"/>
           </a:p>
@@ -2016,7 +2016,7 @@
           <p:cNvPr id="4" name="Нижний колонтитул 3">
             <a:extLst>
               <a:ext uri="{FF2B5EF4-FFF2-40B4-BE49-F238E27FC236}">
-                <a16:creationId xmlns:a16="http://schemas.microsoft.com/office/drawing/2014/main" xmlns="" id="{9F128097-44C9-BE96-6E6C-9F666CECC82E}"/>
+                <a16:creationId xmlns="" xmlns:a16="http://schemas.microsoft.com/office/drawing/2014/main" id="{9F128097-44C9-BE96-6E6C-9F666CECC82E}"/>
               </a:ext>
             </a:extLst>
           </p:cNvPr>
@@ -2041,7 +2041,7 @@
           <p:cNvPr id="5" name="Номер слайда 4">
             <a:extLst>
               <a:ext uri="{FF2B5EF4-FFF2-40B4-BE49-F238E27FC236}">
-                <a16:creationId xmlns:a16="http://schemas.microsoft.com/office/drawing/2014/main" xmlns="" id="{14EB260B-B2AF-E4CB-3F5F-CED1D6DBC088}"/>
+                <a16:creationId xmlns="" xmlns:a16="http://schemas.microsoft.com/office/drawing/2014/main" id="{14EB260B-B2AF-E4CB-3F5F-CED1D6DBC088}"/>
               </a:ext>
             </a:extLst>
           </p:cNvPr>
@@ -2069,7 +2069,7 @@
     </p:spTree>
     <p:extLst>
       <p:ext uri="{BB962C8B-B14F-4D97-AF65-F5344CB8AC3E}">
-        <p14:creationId xmlns="" xmlns:p14="http://schemas.microsoft.com/office/powerpoint/2010/main" val="1452925811"/>
+        <p14:creationId xmlns:p14="http://schemas.microsoft.com/office/powerpoint/2010/main" xmlns="" val="1452925811"/>
       </p:ext>
     </p:extLst>
   </p:cSld>
@@ -2101,7 +2101,7 @@
           <p:cNvPr id="2" name="Дата 1">
             <a:extLst>
               <a:ext uri="{FF2B5EF4-FFF2-40B4-BE49-F238E27FC236}">
-                <a16:creationId xmlns:a16="http://schemas.microsoft.com/office/drawing/2014/main" xmlns="" id="{C08BA097-9465-E7D4-8D20-56FBD4D856B4}"/>
+                <a16:creationId xmlns="" xmlns:a16="http://schemas.microsoft.com/office/drawing/2014/main" id="{C08BA097-9465-E7D4-8D20-56FBD4D856B4}"/>
               </a:ext>
             </a:extLst>
           </p:cNvPr>
@@ -2120,7 +2120,7 @@
             <a:fld id="{ADA5A899-FE04-4992-84F0-79F7315CE005}" type="datetimeFigureOut">
               <a:rPr lang="ru-RU" smtClean="0"/>
               <a:pPr/>
-              <a:t>18.09.2022</a:t>
+              <a:t>25.09.2022</a:t>
             </a:fld>
             <a:endParaRPr lang="ru-RU"/>
           </a:p>
@@ -2131,7 +2131,7 @@
           <p:cNvPr id="3" name="Нижний колонтитул 2">
             <a:extLst>
               <a:ext uri="{FF2B5EF4-FFF2-40B4-BE49-F238E27FC236}">
-                <a16:creationId xmlns:a16="http://schemas.microsoft.com/office/drawing/2014/main" xmlns="" id="{F1BA0DE9-56D7-206B-FC56-55D7F09F814C}"/>
+                <a16:creationId xmlns="" xmlns:a16="http://schemas.microsoft.com/office/drawing/2014/main" id="{F1BA0DE9-56D7-206B-FC56-55D7F09F814C}"/>
               </a:ext>
             </a:extLst>
           </p:cNvPr>
@@ -2156,7 +2156,7 @@
           <p:cNvPr id="4" name="Номер слайда 3">
             <a:extLst>
               <a:ext uri="{FF2B5EF4-FFF2-40B4-BE49-F238E27FC236}">
-                <a16:creationId xmlns:a16="http://schemas.microsoft.com/office/drawing/2014/main" xmlns="" id="{6771ACC4-5A37-479E-C3D9-3A5BFD7CFF40}"/>
+                <a16:creationId xmlns="" xmlns:a16="http://schemas.microsoft.com/office/drawing/2014/main" id="{6771ACC4-5A37-479E-C3D9-3A5BFD7CFF40}"/>
               </a:ext>
             </a:extLst>
           </p:cNvPr>
@@ -2184,7 +2184,7 @@
     </p:spTree>
     <p:extLst>
       <p:ext uri="{BB962C8B-B14F-4D97-AF65-F5344CB8AC3E}">
-        <p14:creationId xmlns="" xmlns:p14="http://schemas.microsoft.com/office/powerpoint/2010/main" val="414686634"/>
+        <p14:creationId xmlns:p14="http://schemas.microsoft.com/office/powerpoint/2010/main" xmlns="" val="414686634"/>
       </p:ext>
     </p:extLst>
   </p:cSld>
@@ -2216,7 +2216,7 @@
           <p:cNvPr id="2" name="Заголовок 1">
             <a:extLst>
               <a:ext uri="{FF2B5EF4-FFF2-40B4-BE49-F238E27FC236}">
-                <a16:creationId xmlns:a16="http://schemas.microsoft.com/office/drawing/2014/main" xmlns="" id="{8A29A7F3-D292-947B-9F72-953419EA0BE6}"/>
+                <a16:creationId xmlns="" xmlns:a16="http://schemas.microsoft.com/office/drawing/2014/main" id="{8A29A7F3-D292-947B-9F72-953419EA0BE6}"/>
               </a:ext>
             </a:extLst>
           </p:cNvPr>
@@ -2253,7 +2253,7 @@
           <p:cNvPr id="3" name="Объект 2">
             <a:extLst>
               <a:ext uri="{FF2B5EF4-FFF2-40B4-BE49-F238E27FC236}">
-                <a16:creationId xmlns:a16="http://schemas.microsoft.com/office/drawing/2014/main" xmlns="" id="{F93BD3E1-5A95-6E75-9C35-48B0178D0CE0}"/>
+                <a16:creationId xmlns="" xmlns:a16="http://schemas.microsoft.com/office/drawing/2014/main" id="{F93BD3E1-5A95-6E75-9C35-48B0178D0CE0}"/>
               </a:ext>
             </a:extLst>
           </p:cNvPr>
@@ -2343,7 +2343,7 @@
           <p:cNvPr id="4" name="Текст 3">
             <a:extLst>
               <a:ext uri="{FF2B5EF4-FFF2-40B4-BE49-F238E27FC236}">
-                <a16:creationId xmlns:a16="http://schemas.microsoft.com/office/drawing/2014/main" xmlns="" id="{F05B45C3-0F25-CDA6-E26C-437063A8C9B6}"/>
+                <a16:creationId xmlns="" xmlns:a16="http://schemas.microsoft.com/office/drawing/2014/main" id="{F05B45C3-0F25-CDA6-E26C-437063A8C9B6}"/>
               </a:ext>
             </a:extLst>
           </p:cNvPr>
@@ -2414,7 +2414,7 @@
           <p:cNvPr id="5" name="Дата 4">
             <a:extLst>
               <a:ext uri="{FF2B5EF4-FFF2-40B4-BE49-F238E27FC236}">
-                <a16:creationId xmlns:a16="http://schemas.microsoft.com/office/drawing/2014/main" xmlns="" id="{DFF78B1B-E2D0-5CC5-67A8-D0DBA9D4F69B}"/>
+                <a16:creationId xmlns="" xmlns:a16="http://schemas.microsoft.com/office/drawing/2014/main" id="{DFF78B1B-E2D0-5CC5-67A8-D0DBA9D4F69B}"/>
               </a:ext>
             </a:extLst>
           </p:cNvPr>
@@ -2433,7 +2433,7 @@
             <a:fld id="{ADA5A899-FE04-4992-84F0-79F7315CE005}" type="datetimeFigureOut">
               <a:rPr lang="ru-RU" smtClean="0"/>
               <a:pPr/>
-              <a:t>18.09.2022</a:t>
+              <a:t>25.09.2022</a:t>
             </a:fld>
             <a:endParaRPr lang="ru-RU"/>
           </a:p>
@@ -2444,7 +2444,7 @@
           <p:cNvPr id="6" name="Нижний колонтитул 5">
             <a:extLst>
               <a:ext uri="{FF2B5EF4-FFF2-40B4-BE49-F238E27FC236}">
-                <a16:creationId xmlns:a16="http://schemas.microsoft.com/office/drawing/2014/main" xmlns="" id="{DB59C205-F0AD-394B-8EFF-A63FB72ABA42}"/>
+                <a16:creationId xmlns="" xmlns:a16="http://schemas.microsoft.com/office/drawing/2014/main" id="{DB59C205-F0AD-394B-8EFF-A63FB72ABA42}"/>
               </a:ext>
             </a:extLst>
           </p:cNvPr>
@@ -2469,7 +2469,7 @@
           <p:cNvPr id="7" name="Номер слайда 6">
             <a:extLst>
               <a:ext uri="{FF2B5EF4-FFF2-40B4-BE49-F238E27FC236}">
-                <a16:creationId xmlns:a16="http://schemas.microsoft.com/office/drawing/2014/main" xmlns="" id="{AE043324-0615-A5FD-3FB7-0C8F9AA11EAB}"/>
+                <a16:creationId xmlns="" xmlns:a16="http://schemas.microsoft.com/office/drawing/2014/main" id="{AE043324-0615-A5FD-3FB7-0C8F9AA11EAB}"/>
               </a:ext>
             </a:extLst>
           </p:cNvPr>
@@ -2497,7 +2497,7 @@
     </p:spTree>
     <p:extLst>
       <p:ext uri="{BB962C8B-B14F-4D97-AF65-F5344CB8AC3E}">
-        <p14:creationId xmlns="" xmlns:p14="http://schemas.microsoft.com/office/powerpoint/2010/main" val="793283567"/>
+        <p14:creationId xmlns:p14="http://schemas.microsoft.com/office/powerpoint/2010/main" xmlns="" val="793283567"/>
       </p:ext>
     </p:extLst>
   </p:cSld>
@@ -2529,7 +2529,7 @@
           <p:cNvPr id="2" name="Заголовок 1">
             <a:extLst>
               <a:ext uri="{FF2B5EF4-FFF2-40B4-BE49-F238E27FC236}">
-                <a16:creationId xmlns:a16="http://schemas.microsoft.com/office/drawing/2014/main" xmlns="" id="{926A9D1B-012A-23C3-8320-8BFC69088265}"/>
+                <a16:creationId xmlns="" xmlns:a16="http://schemas.microsoft.com/office/drawing/2014/main" id="{926A9D1B-012A-23C3-8320-8BFC69088265}"/>
               </a:ext>
             </a:extLst>
           </p:cNvPr>
@@ -2566,7 +2566,7 @@
           <p:cNvPr id="3" name="Рисунок 2">
             <a:extLst>
               <a:ext uri="{FF2B5EF4-FFF2-40B4-BE49-F238E27FC236}">
-                <a16:creationId xmlns:a16="http://schemas.microsoft.com/office/drawing/2014/main" xmlns="" id="{9B7AA942-B3C9-D02D-42BE-A72809FBFC51}"/>
+                <a16:creationId xmlns="" xmlns:a16="http://schemas.microsoft.com/office/drawing/2014/main" id="{9B7AA942-B3C9-D02D-42BE-A72809FBFC51}"/>
               </a:ext>
             </a:extLst>
           </p:cNvPr>
@@ -2633,7 +2633,7 @@
           <p:cNvPr id="4" name="Текст 3">
             <a:extLst>
               <a:ext uri="{FF2B5EF4-FFF2-40B4-BE49-F238E27FC236}">
-                <a16:creationId xmlns:a16="http://schemas.microsoft.com/office/drawing/2014/main" xmlns="" id="{A173F51B-6622-77A6-AF90-3C6D2AB7AB9C}"/>
+                <a16:creationId xmlns="" xmlns:a16="http://schemas.microsoft.com/office/drawing/2014/main" id="{A173F51B-6622-77A6-AF90-3C6D2AB7AB9C}"/>
               </a:ext>
             </a:extLst>
           </p:cNvPr>
@@ -2704,7 +2704,7 @@
           <p:cNvPr id="5" name="Дата 4">
             <a:extLst>
               <a:ext uri="{FF2B5EF4-FFF2-40B4-BE49-F238E27FC236}">
-                <a16:creationId xmlns:a16="http://schemas.microsoft.com/office/drawing/2014/main" xmlns="" id="{325C1C5E-0053-54FB-A9CD-F501F889E70A}"/>
+                <a16:creationId xmlns="" xmlns:a16="http://schemas.microsoft.com/office/drawing/2014/main" id="{325C1C5E-0053-54FB-A9CD-F501F889E70A}"/>
               </a:ext>
             </a:extLst>
           </p:cNvPr>
@@ -2723,7 +2723,7 @@
             <a:fld id="{ADA5A899-FE04-4992-84F0-79F7315CE005}" type="datetimeFigureOut">
               <a:rPr lang="ru-RU" smtClean="0"/>
               <a:pPr/>
-              <a:t>18.09.2022</a:t>
+              <a:t>25.09.2022</a:t>
             </a:fld>
             <a:endParaRPr lang="ru-RU"/>
           </a:p>
@@ -2734,7 +2734,7 @@
           <p:cNvPr id="6" name="Нижний колонтитул 5">
             <a:extLst>
               <a:ext uri="{FF2B5EF4-FFF2-40B4-BE49-F238E27FC236}">
-                <a16:creationId xmlns:a16="http://schemas.microsoft.com/office/drawing/2014/main" xmlns="" id="{FBCD383E-F890-98A9-53F7-253522A76720}"/>
+                <a16:creationId xmlns="" xmlns:a16="http://schemas.microsoft.com/office/drawing/2014/main" id="{FBCD383E-F890-98A9-53F7-253522A76720}"/>
               </a:ext>
             </a:extLst>
           </p:cNvPr>
@@ -2759,7 +2759,7 @@
           <p:cNvPr id="7" name="Номер слайда 6">
             <a:extLst>
               <a:ext uri="{FF2B5EF4-FFF2-40B4-BE49-F238E27FC236}">
-                <a16:creationId xmlns:a16="http://schemas.microsoft.com/office/drawing/2014/main" xmlns="" id="{5F1C23E7-F475-FA57-9415-53B0F0516F16}"/>
+                <a16:creationId xmlns="" xmlns:a16="http://schemas.microsoft.com/office/drawing/2014/main" id="{5F1C23E7-F475-FA57-9415-53B0F0516F16}"/>
               </a:ext>
             </a:extLst>
           </p:cNvPr>
@@ -2787,7 +2787,7 @@
     </p:spTree>
     <p:extLst>
       <p:ext uri="{BB962C8B-B14F-4D97-AF65-F5344CB8AC3E}">
-        <p14:creationId xmlns="" xmlns:p14="http://schemas.microsoft.com/office/powerpoint/2010/main" val="2120612975"/>
+        <p14:creationId xmlns:p14="http://schemas.microsoft.com/office/powerpoint/2010/main" xmlns="" val="2120612975"/>
       </p:ext>
     </p:extLst>
   </p:cSld>
@@ -2824,7 +2824,7 @@
           <p:cNvPr id="2" name="Заголовок 1">
             <a:extLst>
               <a:ext uri="{FF2B5EF4-FFF2-40B4-BE49-F238E27FC236}">
-                <a16:creationId xmlns:a16="http://schemas.microsoft.com/office/drawing/2014/main" xmlns="" id="{6C768094-A90C-1C5F-6A20-08C258C4E5A0}"/>
+                <a16:creationId xmlns="" xmlns:a16="http://schemas.microsoft.com/office/drawing/2014/main" id="{6C768094-A90C-1C5F-6A20-08C258C4E5A0}"/>
               </a:ext>
             </a:extLst>
           </p:cNvPr>
@@ -2862,7 +2862,7 @@
           <p:cNvPr id="3" name="Текст 2">
             <a:extLst>
               <a:ext uri="{FF2B5EF4-FFF2-40B4-BE49-F238E27FC236}">
-                <a16:creationId xmlns:a16="http://schemas.microsoft.com/office/drawing/2014/main" xmlns="" id="{24B73A0C-C8E0-B34A-43C1-01FA2E140F51}"/>
+                <a16:creationId xmlns="" xmlns:a16="http://schemas.microsoft.com/office/drawing/2014/main" id="{24B73A0C-C8E0-B34A-43C1-01FA2E140F51}"/>
               </a:ext>
             </a:extLst>
           </p:cNvPr>
@@ -2929,7 +2929,7 @@
           <p:cNvPr id="4" name="Дата 3">
             <a:extLst>
               <a:ext uri="{FF2B5EF4-FFF2-40B4-BE49-F238E27FC236}">
-                <a16:creationId xmlns:a16="http://schemas.microsoft.com/office/drawing/2014/main" xmlns="" id="{FEA15550-9607-CAEA-366D-A6E55E89959A}"/>
+                <a16:creationId xmlns="" xmlns:a16="http://schemas.microsoft.com/office/drawing/2014/main" id="{FEA15550-9607-CAEA-366D-A6E55E89959A}"/>
               </a:ext>
             </a:extLst>
           </p:cNvPr>
@@ -2966,7 +2966,7 @@
             <a:fld id="{ADA5A899-FE04-4992-84F0-79F7315CE005}" type="datetimeFigureOut">
               <a:rPr lang="ru-RU" smtClean="0"/>
               <a:pPr/>
-              <a:t>18.09.2022</a:t>
+              <a:t>25.09.2022</a:t>
             </a:fld>
             <a:endParaRPr lang="ru-RU"/>
           </a:p>
@@ -2977,7 +2977,7 @@
           <p:cNvPr id="5" name="Нижний колонтитул 4">
             <a:extLst>
               <a:ext uri="{FF2B5EF4-FFF2-40B4-BE49-F238E27FC236}">
-                <a16:creationId xmlns:a16="http://schemas.microsoft.com/office/drawing/2014/main" xmlns="" id="{52C41BF5-131F-90F3-4AFF-6F80EB5D8CA4}"/>
+                <a16:creationId xmlns="" xmlns:a16="http://schemas.microsoft.com/office/drawing/2014/main" id="{52C41BF5-131F-90F3-4AFF-6F80EB5D8CA4}"/>
               </a:ext>
             </a:extLst>
           </p:cNvPr>
@@ -3020,7 +3020,7 @@
           <p:cNvPr id="6" name="Номер слайда 5">
             <a:extLst>
               <a:ext uri="{FF2B5EF4-FFF2-40B4-BE49-F238E27FC236}">
-                <a16:creationId xmlns:a16="http://schemas.microsoft.com/office/drawing/2014/main" xmlns="" id="{AF233121-A605-8E49-6A5A-3AD66077721D}"/>
+                <a16:creationId xmlns="" xmlns:a16="http://schemas.microsoft.com/office/drawing/2014/main" id="{AF233121-A605-8E49-6A5A-3AD66077721D}"/>
               </a:ext>
             </a:extLst>
           </p:cNvPr>
@@ -3066,7 +3066,7 @@
     </p:spTree>
     <p:extLst>
       <p:ext uri="{BB962C8B-B14F-4D97-AF65-F5344CB8AC3E}">
-        <p14:creationId xmlns="" xmlns:p14="http://schemas.microsoft.com/office/powerpoint/2010/main" val="2861233511"/>
+        <p14:creationId xmlns:p14="http://schemas.microsoft.com/office/powerpoint/2010/main" xmlns="" val="2861233511"/>
       </p:ext>
     </p:extLst>
   </p:cSld>
@@ -3420,7 +3420,7 @@
           <p:cNvPr id="2" name="Заголовок 1">
             <a:extLst>
               <a:ext uri="{FF2B5EF4-FFF2-40B4-BE49-F238E27FC236}">
-                <a16:creationId xmlns:a16="http://schemas.microsoft.com/office/drawing/2014/main" xmlns="" id="{7B21A4E4-2468-71F3-B3A2-6146175C7296}"/>
+                <a16:creationId xmlns="" xmlns:a16="http://schemas.microsoft.com/office/drawing/2014/main" id="{7B21A4E4-2468-71F3-B3A2-6146175C7296}"/>
               </a:ext>
             </a:extLst>
           </p:cNvPr>
@@ -3483,7 +3483,7 @@
           <p:cNvPr id="3" name="Подзаголовок 2">
             <a:extLst>
               <a:ext uri="{FF2B5EF4-FFF2-40B4-BE49-F238E27FC236}">
-                <a16:creationId xmlns:a16="http://schemas.microsoft.com/office/drawing/2014/main" xmlns="" id="{D0332376-343F-6982-64BD-324B4A47A20E}"/>
+                <a16:creationId xmlns="" xmlns:a16="http://schemas.microsoft.com/office/drawing/2014/main" id="{D0332376-343F-6982-64BD-324B4A47A20E}"/>
               </a:ext>
             </a:extLst>
           </p:cNvPr>
@@ -3549,7 +3549,7 @@
           <p:cNvPr id="4" name="Подзаголовок 2">
             <a:extLst>
               <a:ext uri="{FF2B5EF4-FFF2-40B4-BE49-F238E27FC236}">
-                <a16:creationId xmlns:a16="http://schemas.microsoft.com/office/drawing/2014/main" xmlns="" id="{6956DD50-2BBF-1F65-EEDD-FC462F117DA4}"/>
+                <a16:creationId xmlns="" xmlns:a16="http://schemas.microsoft.com/office/drawing/2014/main" id="{6956DD50-2BBF-1F65-EEDD-FC462F117DA4}"/>
               </a:ext>
             </a:extLst>
           </p:cNvPr>
@@ -3858,7 +3858,7 @@
     </p:spTree>
     <p:extLst>
       <p:ext uri="{BB962C8B-B14F-4D97-AF65-F5344CB8AC3E}">
-        <p14:creationId xmlns="" xmlns:p14="http://schemas.microsoft.com/office/powerpoint/2010/main" val="1553003342"/>
+        <p14:creationId xmlns:p14="http://schemas.microsoft.com/office/powerpoint/2010/main" xmlns="" val="1553003342"/>
       </p:ext>
     </p:extLst>
   </p:cSld>
@@ -3925,7 +3925,7 @@
           <p:cNvPr id="2" name="Заголовок 1">
             <a:extLst>
               <a:ext uri="{FF2B5EF4-FFF2-40B4-BE49-F238E27FC236}">
-                <a16:creationId xmlns:a16="http://schemas.microsoft.com/office/drawing/2014/main" xmlns="" id="{2E9213E6-749D-9992-D519-94F289222BF0}"/>
+                <a16:creationId xmlns="" xmlns:a16="http://schemas.microsoft.com/office/drawing/2014/main" id="{2E9213E6-749D-9992-D519-94F289222BF0}"/>
               </a:ext>
             </a:extLst>
           </p:cNvPr>
@@ -3969,7 +3969,7 @@
           <p:cNvPr id="5" name="Объект 4">
             <a:extLst>
               <a:ext uri="{FF2B5EF4-FFF2-40B4-BE49-F238E27FC236}">
-                <a16:creationId xmlns:a16="http://schemas.microsoft.com/office/drawing/2014/main" xmlns="" id="{7C76C821-45B2-DFFE-8A53-0CD78B84D34D}"/>
+                <a16:creationId xmlns="" xmlns:a16="http://schemas.microsoft.com/office/drawing/2014/main" id="{7C76C821-45B2-DFFE-8A53-0CD78B84D34D}"/>
               </a:ext>
             </a:extLst>
           </p:cNvPr>
@@ -4029,7 +4029,7 @@
           <p:cNvPr id="9" name="Заголовок 1">
             <a:extLst>
               <a:ext uri="{FF2B5EF4-FFF2-40B4-BE49-F238E27FC236}">
-                <a16:creationId xmlns:a16="http://schemas.microsoft.com/office/drawing/2014/main" xmlns="" id="{2E9213E6-749D-9992-D519-94F289222BF0}"/>
+                <a16:creationId xmlns="" xmlns:a16="http://schemas.microsoft.com/office/drawing/2014/main" id="{2E9213E6-749D-9992-D519-94F289222BF0}"/>
               </a:ext>
             </a:extLst>
           </p:cNvPr>
@@ -4145,7 +4145,7 @@
     </p:spTree>
     <p:extLst>
       <p:ext uri="{BB962C8B-B14F-4D97-AF65-F5344CB8AC3E}">
-        <p14:creationId xmlns="" xmlns:p14="http://schemas.microsoft.com/office/powerpoint/2010/main" val="1444225727"/>
+        <p14:creationId xmlns:p14="http://schemas.microsoft.com/office/powerpoint/2010/main" xmlns="" val="1444225727"/>
       </p:ext>
     </p:extLst>
   </p:cSld>
@@ -4215,7 +4215,7 @@
           <p:cNvPr id="2" name="Заголовок 1">
             <a:extLst>
               <a:ext uri="{FF2B5EF4-FFF2-40B4-BE49-F238E27FC236}">
-                <a16:creationId xmlns:a16="http://schemas.microsoft.com/office/drawing/2014/main" xmlns="" id="{2E9213E6-749D-9992-D519-94F289222BF0}"/>
+                <a16:creationId xmlns="" xmlns:a16="http://schemas.microsoft.com/office/drawing/2014/main" id="{2E9213E6-749D-9992-D519-94F289222BF0}"/>
               </a:ext>
             </a:extLst>
           </p:cNvPr>
@@ -4261,7 +4261,7 @@
           <p:cNvPr id="5" name="Объект 4">
             <a:extLst>
               <a:ext uri="{FF2B5EF4-FFF2-40B4-BE49-F238E27FC236}">
-                <a16:creationId xmlns:a16="http://schemas.microsoft.com/office/drawing/2014/main" xmlns="" id="{7C76C821-45B2-DFFE-8A53-0CD78B84D34D}"/>
+                <a16:creationId xmlns="" xmlns:a16="http://schemas.microsoft.com/office/drawing/2014/main" id="{7C76C821-45B2-DFFE-8A53-0CD78B84D34D}"/>
               </a:ext>
             </a:extLst>
           </p:cNvPr>
@@ -4524,7 +4524,7 @@
     </p:spTree>
     <p:extLst>
       <p:ext uri="{BB962C8B-B14F-4D97-AF65-F5344CB8AC3E}">
-        <p14:creationId xmlns="" xmlns:p14="http://schemas.microsoft.com/office/powerpoint/2010/main" val="1949184756"/>
+        <p14:creationId xmlns:p14="http://schemas.microsoft.com/office/powerpoint/2010/main" xmlns="" val="1949184756"/>
       </p:ext>
     </p:extLst>
   </p:cSld>
@@ -4620,7 +4620,7 @@
           <p:cNvPr id="2" name="Заголовок 1">
             <a:extLst>
               <a:ext uri="{FF2B5EF4-FFF2-40B4-BE49-F238E27FC236}">
-                <a16:creationId xmlns:a16="http://schemas.microsoft.com/office/drawing/2014/main" xmlns="" id="{2E9213E6-749D-9992-D519-94F289222BF0}"/>
+                <a16:creationId xmlns="" xmlns:a16="http://schemas.microsoft.com/office/drawing/2014/main" id="{2E9213E6-749D-9992-D519-94F289222BF0}"/>
               </a:ext>
             </a:extLst>
           </p:cNvPr>
@@ -4670,7 +4670,7 @@
           <p:cNvPr id="5" name="Объект 4">
             <a:extLst>
               <a:ext uri="{FF2B5EF4-FFF2-40B4-BE49-F238E27FC236}">
-                <a16:creationId xmlns:a16="http://schemas.microsoft.com/office/drawing/2014/main" xmlns="" id="{7C76C821-45B2-DFFE-8A53-0CD78B84D34D}"/>
+                <a16:creationId xmlns="" xmlns:a16="http://schemas.microsoft.com/office/drawing/2014/main" id="{7C76C821-45B2-DFFE-8A53-0CD78B84D34D}"/>
               </a:ext>
             </a:extLst>
           </p:cNvPr>
@@ -4794,7 +4794,7 @@
     </p:spTree>
     <p:extLst>
       <p:ext uri="{BB962C8B-B14F-4D97-AF65-F5344CB8AC3E}">
-        <p14:creationId xmlns="" xmlns:p14="http://schemas.microsoft.com/office/powerpoint/2010/main" val="940757705"/>
+        <p14:creationId xmlns:p14="http://schemas.microsoft.com/office/powerpoint/2010/main" xmlns="" val="940757705"/>
       </p:ext>
     </p:extLst>
   </p:cSld>
@@ -4864,7 +4864,7 @@
           <p:cNvPr id="2" name="Заголовок 1">
             <a:extLst>
               <a:ext uri="{FF2B5EF4-FFF2-40B4-BE49-F238E27FC236}">
-                <a16:creationId xmlns:a16="http://schemas.microsoft.com/office/drawing/2014/main" xmlns="" id="{2E9213E6-749D-9992-D519-94F289222BF0}"/>
+                <a16:creationId xmlns="" xmlns:a16="http://schemas.microsoft.com/office/drawing/2014/main" id="{2E9213E6-749D-9992-D519-94F289222BF0}"/>
               </a:ext>
             </a:extLst>
           </p:cNvPr>
@@ -5019,7 +5019,7 @@
           <p:cNvPr id="13" name="Заголовок 1">
             <a:extLst>
               <a:ext uri="{FF2B5EF4-FFF2-40B4-BE49-F238E27FC236}">
-                <a16:creationId xmlns:a16="http://schemas.microsoft.com/office/drawing/2014/main" xmlns="" id="{2E9213E6-749D-9992-D519-94F289222BF0}"/>
+                <a16:creationId xmlns="" xmlns:a16="http://schemas.microsoft.com/office/drawing/2014/main" id="{2E9213E6-749D-9992-D519-94F289222BF0}"/>
               </a:ext>
             </a:extLst>
           </p:cNvPr>
@@ -5156,7 +5156,7 @@
                 </a:solidFill>
                 <a:latin typeface="+mj-lt"/>
               </a:rPr>
-              <a:t>versampling</a:t>
+              <a:t>ver-sampling</a:t>
             </a:r>
             <a:r>
               <a:rPr lang="ru-RU" sz="2800" b="1" dirty="0" smtClean="0">
@@ -5399,7 +5399,7 @@
     </p:spTree>
     <p:extLst>
       <p:ext uri="{BB962C8B-B14F-4D97-AF65-F5344CB8AC3E}">
-        <p14:creationId xmlns="" xmlns:p14="http://schemas.microsoft.com/office/powerpoint/2010/main" val="261818918"/>
+        <p14:creationId xmlns:p14="http://schemas.microsoft.com/office/powerpoint/2010/main" xmlns="" val="261818918"/>
       </p:ext>
     </p:extLst>
   </p:cSld>
@@ -5469,7 +5469,7 @@
           <p:cNvPr id="2" name="Заголовок 1">
             <a:extLst>
               <a:ext uri="{FF2B5EF4-FFF2-40B4-BE49-F238E27FC236}">
-                <a16:creationId xmlns:a16="http://schemas.microsoft.com/office/drawing/2014/main" xmlns="" id="{2E9213E6-749D-9992-D519-94F289222BF0}"/>
+                <a16:creationId xmlns="" xmlns:a16="http://schemas.microsoft.com/office/drawing/2014/main" id="{2E9213E6-749D-9992-D519-94F289222BF0}"/>
               </a:ext>
             </a:extLst>
           </p:cNvPr>
@@ -5738,7 +5738,7 @@
     </p:spTree>
     <p:extLst>
       <p:ext uri="{BB962C8B-B14F-4D97-AF65-F5344CB8AC3E}">
-        <p14:creationId xmlns="" xmlns:p14="http://schemas.microsoft.com/office/powerpoint/2010/main" val="550409415"/>
+        <p14:creationId xmlns:p14="http://schemas.microsoft.com/office/powerpoint/2010/main" xmlns="" val="550409415"/>
       </p:ext>
     </p:extLst>
   </p:cSld>
@@ -5808,7 +5808,7 @@
           <p:cNvPr id="2" name="Заголовок 1">
             <a:extLst>
               <a:ext uri="{FF2B5EF4-FFF2-40B4-BE49-F238E27FC236}">
-                <a16:creationId xmlns:a16="http://schemas.microsoft.com/office/drawing/2014/main" xmlns="" id="{2E9213E6-749D-9992-D519-94F289222BF0}"/>
+                <a16:creationId xmlns="" xmlns:a16="http://schemas.microsoft.com/office/drawing/2014/main" id="{2E9213E6-749D-9992-D519-94F289222BF0}"/>
               </a:ext>
             </a:extLst>
           </p:cNvPr>
@@ -5868,7 +5868,7 @@
           <p:cNvPr id="5" name="Объект 4">
             <a:extLst>
               <a:ext uri="{FF2B5EF4-FFF2-40B4-BE49-F238E27FC236}">
-                <a16:creationId xmlns:a16="http://schemas.microsoft.com/office/drawing/2014/main" xmlns="" id="{7C76C821-45B2-DFFE-8A53-0CD78B84D34D}"/>
+                <a16:creationId xmlns="" xmlns:a16="http://schemas.microsoft.com/office/drawing/2014/main" id="{7C76C821-45B2-DFFE-8A53-0CD78B84D34D}"/>
               </a:ext>
             </a:extLst>
           </p:cNvPr>
@@ -5928,7 +5928,7 @@
           <p:cNvPr id="9" name="Заголовок 1">
             <a:extLst>
               <a:ext uri="{FF2B5EF4-FFF2-40B4-BE49-F238E27FC236}">
-                <a16:creationId xmlns:a16="http://schemas.microsoft.com/office/drawing/2014/main" xmlns="" id="{2E9213E6-749D-9992-D519-94F289222BF0}"/>
+                <a16:creationId xmlns="" xmlns:a16="http://schemas.microsoft.com/office/drawing/2014/main" id="{2E9213E6-749D-9992-D519-94F289222BF0}"/>
               </a:ext>
             </a:extLst>
           </p:cNvPr>
@@ -6019,7 +6019,7 @@
           <p:cNvPr id="6" name="Заголовок 1">
             <a:extLst>
               <a:ext uri="{FF2B5EF4-FFF2-40B4-BE49-F238E27FC236}">
-                <a16:creationId xmlns:a16="http://schemas.microsoft.com/office/drawing/2014/main" xmlns="" id="{2E9213E6-749D-9992-D519-94F289222BF0}"/>
+                <a16:creationId xmlns="" xmlns:a16="http://schemas.microsoft.com/office/drawing/2014/main" id="{2E9213E6-749D-9992-D519-94F289222BF0}"/>
               </a:ext>
             </a:extLst>
           </p:cNvPr>
@@ -6298,7 +6298,7 @@
     </p:spTree>
     <p:extLst>
       <p:ext uri="{BB962C8B-B14F-4D97-AF65-F5344CB8AC3E}">
-        <p14:creationId xmlns="" xmlns:p14="http://schemas.microsoft.com/office/powerpoint/2010/main" val="1444225727"/>
+        <p14:creationId xmlns:p14="http://schemas.microsoft.com/office/powerpoint/2010/main" xmlns="" val="1444225727"/>
       </p:ext>
     </p:extLst>
   </p:cSld>
@@ -6365,7 +6365,7 @@
           <p:cNvPr id="2" name="Заголовок 1">
             <a:extLst>
               <a:ext uri="{FF2B5EF4-FFF2-40B4-BE49-F238E27FC236}">
-                <a16:creationId xmlns:a16="http://schemas.microsoft.com/office/drawing/2014/main" xmlns="" id="{2E9213E6-749D-9992-D519-94F289222BF0}"/>
+                <a16:creationId xmlns="" xmlns:a16="http://schemas.microsoft.com/office/drawing/2014/main" id="{2E9213E6-749D-9992-D519-94F289222BF0}"/>
               </a:ext>
             </a:extLst>
           </p:cNvPr>
@@ -6397,12 +6397,20 @@
               <a:t>O</a:t>
             </a:r>
             <a:r>
+              <a:rPr lang="ru-RU" sz="4800" b="1" dirty="0" err="1" smtClean="0">
+                <a:solidFill>
+                  <a:srgbClr val="002060"/>
+                </a:solidFill>
+              </a:rPr>
+              <a:t>ver-sampling</a:t>
+            </a:r>
+            <a:r>
               <a:rPr lang="ru-RU" sz="4800" b="1" dirty="0" smtClean="0">
                 <a:solidFill>
                   <a:srgbClr val="002060"/>
                 </a:solidFill>
               </a:rPr>
-              <a:t>versampling  </a:t>
+              <a:t>  </a:t>
             </a:r>
             <a:r>
               <a:rPr lang="ru-RU" sz="3600" b="1" dirty="0" smtClean="0">
@@ -6532,7 +6540,7 @@
           <p:cNvPr id="7" name="Заголовок 1">
             <a:extLst>
               <a:ext uri="{FF2B5EF4-FFF2-40B4-BE49-F238E27FC236}">
-                <a16:creationId xmlns:a16="http://schemas.microsoft.com/office/drawing/2014/main" xmlns="" id="{2E9213E6-749D-9992-D519-94F289222BF0}"/>
+                <a16:creationId xmlns="" xmlns:a16="http://schemas.microsoft.com/office/drawing/2014/main" id="{2E9213E6-749D-9992-D519-94F289222BF0}"/>
               </a:ext>
             </a:extLst>
           </p:cNvPr>
@@ -6644,7 +6652,7 @@
     </p:spTree>
     <p:extLst>
       <p:ext uri="{BB962C8B-B14F-4D97-AF65-F5344CB8AC3E}">
-        <p14:creationId xmlns="" xmlns:p14="http://schemas.microsoft.com/office/powerpoint/2010/main" val="261818918"/>
+        <p14:creationId xmlns:p14="http://schemas.microsoft.com/office/powerpoint/2010/main" xmlns="" val="261818918"/>
       </p:ext>
     </p:extLst>
   </p:cSld>
@@ -6714,7 +6722,7 @@
           <p:cNvPr id="2" name="Заголовок 1">
             <a:extLst>
               <a:ext uri="{FF2B5EF4-FFF2-40B4-BE49-F238E27FC236}">
-                <a16:creationId xmlns:a16="http://schemas.microsoft.com/office/drawing/2014/main" xmlns="" id="{2E9213E6-749D-9992-D519-94F289222BF0}"/>
+                <a16:creationId xmlns="" xmlns:a16="http://schemas.microsoft.com/office/drawing/2014/main" id="{2E9213E6-749D-9992-D519-94F289222BF0}"/>
               </a:ext>
             </a:extLst>
           </p:cNvPr>
@@ -6762,7 +6770,7 @@
           <p:cNvPr id="5" name="Объект 4">
             <a:extLst>
               <a:ext uri="{FF2B5EF4-FFF2-40B4-BE49-F238E27FC236}">
-                <a16:creationId xmlns:a16="http://schemas.microsoft.com/office/drawing/2014/main" xmlns="" id="{7C76C821-45B2-DFFE-8A53-0CD78B84D34D}"/>
+                <a16:creationId xmlns="" xmlns:a16="http://schemas.microsoft.com/office/drawing/2014/main" id="{7C76C821-45B2-DFFE-8A53-0CD78B84D34D}"/>
               </a:ext>
             </a:extLst>
           </p:cNvPr>
@@ -6822,7 +6830,7 @@
           <p:cNvPr id="7" name="Заголовок 1">
             <a:extLst>
               <a:ext uri="{FF2B5EF4-FFF2-40B4-BE49-F238E27FC236}">
-                <a16:creationId xmlns:a16="http://schemas.microsoft.com/office/drawing/2014/main" xmlns="" id="{2E9213E6-749D-9992-D519-94F289222BF0}"/>
+                <a16:creationId xmlns="" xmlns:a16="http://schemas.microsoft.com/office/drawing/2014/main" id="{2E9213E6-749D-9992-D519-94F289222BF0}"/>
               </a:ext>
             </a:extLst>
           </p:cNvPr>
@@ -6951,7 +6959,7 @@
           <p:cNvPr id="11" name="Заголовок 1">
             <a:extLst>
               <a:ext uri="{FF2B5EF4-FFF2-40B4-BE49-F238E27FC236}">
-                <a16:creationId xmlns:a16="http://schemas.microsoft.com/office/drawing/2014/main" xmlns="" id="{2E9213E6-749D-9992-D519-94F289222BF0}"/>
+                <a16:creationId xmlns="" xmlns:a16="http://schemas.microsoft.com/office/drawing/2014/main" id="{2E9213E6-749D-9992-D519-94F289222BF0}"/>
               </a:ext>
             </a:extLst>
           </p:cNvPr>
@@ -7024,7 +7032,7 @@
           <p:cNvPr id="12" name="Заголовок 1">
             <a:extLst>
               <a:ext uri="{FF2B5EF4-FFF2-40B4-BE49-F238E27FC236}">
-                <a16:creationId xmlns:a16="http://schemas.microsoft.com/office/drawing/2014/main" xmlns="" id="{2E9213E6-749D-9992-D519-94F289222BF0}"/>
+                <a16:creationId xmlns="" xmlns:a16="http://schemas.microsoft.com/office/drawing/2014/main" id="{2E9213E6-749D-9992-D519-94F289222BF0}"/>
               </a:ext>
             </a:extLst>
           </p:cNvPr>
@@ -7117,7 +7125,7 @@
           <p:cNvPr id="9" name="Заголовок 1">
             <a:extLst>
               <a:ext uri="{FF2B5EF4-FFF2-40B4-BE49-F238E27FC236}">
-                <a16:creationId xmlns:a16="http://schemas.microsoft.com/office/drawing/2014/main" xmlns="" id="{2E9213E6-749D-9992-D519-94F289222BF0}"/>
+                <a16:creationId xmlns="" xmlns:a16="http://schemas.microsoft.com/office/drawing/2014/main" id="{2E9213E6-749D-9992-D519-94F289222BF0}"/>
               </a:ext>
             </a:extLst>
           </p:cNvPr>
@@ -7431,7 +7439,7 @@
     </p:spTree>
     <p:extLst>
       <p:ext uri="{BB962C8B-B14F-4D97-AF65-F5344CB8AC3E}">
-        <p14:creationId xmlns="" xmlns:p14="http://schemas.microsoft.com/office/powerpoint/2010/main" val="2209134722"/>
+        <p14:creationId xmlns:p14="http://schemas.microsoft.com/office/powerpoint/2010/main" xmlns="" val="2209134722"/>
       </p:ext>
     </p:extLst>
   </p:cSld>
@@ -7501,7 +7509,7 @@
           <p:cNvPr id="2" name="Заголовок 1">
             <a:extLst>
               <a:ext uri="{FF2B5EF4-FFF2-40B4-BE49-F238E27FC236}">
-                <a16:creationId xmlns:a16="http://schemas.microsoft.com/office/drawing/2014/main" xmlns="" id="{2E9213E6-749D-9992-D519-94F289222BF0}"/>
+                <a16:creationId xmlns="" xmlns:a16="http://schemas.microsoft.com/office/drawing/2014/main" id="{2E9213E6-749D-9992-D519-94F289222BF0}"/>
               </a:ext>
             </a:extLst>
           </p:cNvPr>
@@ -7553,7 +7561,7 @@
           <p:cNvPr id="5" name="Объект 4">
             <a:extLst>
               <a:ext uri="{FF2B5EF4-FFF2-40B4-BE49-F238E27FC236}">
-                <a16:creationId xmlns:a16="http://schemas.microsoft.com/office/drawing/2014/main" xmlns="" id="{7C76C821-45B2-DFFE-8A53-0CD78B84D34D}"/>
+                <a16:creationId xmlns="" xmlns:a16="http://schemas.microsoft.com/office/drawing/2014/main" id="{7C76C821-45B2-DFFE-8A53-0CD78B84D34D}"/>
               </a:ext>
             </a:extLst>
           </p:cNvPr>
@@ -7613,7 +7621,7 @@
           <p:cNvPr id="9" name="Заголовок 1">
             <a:extLst>
               <a:ext uri="{FF2B5EF4-FFF2-40B4-BE49-F238E27FC236}">
-                <a16:creationId xmlns:a16="http://schemas.microsoft.com/office/drawing/2014/main" xmlns="" id="{2E9213E6-749D-9992-D519-94F289222BF0}"/>
+                <a16:creationId xmlns="" xmlns:a16="http://schemas.microsoft.com/office/drawing/2014/main" id="{2E9213E6-749D-9992-D519-94F289222BF0}"/>
               </a:ext>
             </a:extLst>
           </p:cNvPr>
@@ -7768,7 +7776,7 @@
     </p:spTree>
     <p:extLst>
       <p:ext uri="{BB962C8B-B14F-4D97-AF65-F5344CB8AC3E}">
-        <p14:creationId xmlns="" xmlns:p14="http://schemas.microsoft.com/office/powerpoint/2010/main" val="1444225727"/>
+        <p14:creationId xmlns:p14="http://schemas.microsoft.com/office/powerpoint/2010/main" xmlns="" val="1444225727"/>
       </p:ext>
     </p:extLst>
   </p:cSld>
@@ -7838,7 +7846,7 @@
           <p:cNvPr id="2" name="Заголовок 1">
             <a:extLst>
               <a:ext uri="{FF2B5EF4-FFF2-40B4-BE49-F238E27FC236}">
-                <a16:creationId xmlns:a16="http://schemas.microsoft.com/office/drawing/2014/main" xmlns="" id="{2E9213E6-749D-9992-D519-94F289222BF0}"/>
+                <a16:creationId xmlns="" xmlns:a16="http://schemas.microsoft.com/office/drawing/2014/main" id="{2E9213E6-749D-9992-D519-94F289222BF0}"/>
               </a:ext>
             </a:extLst>
           </p:cNvPr>
@@ -7896,7 +7904,7 @@
           <p:cNvPr id="5" name="Объект 4">
             <a:extLst>
               <a:ext uri="{FF2B5EF4-FFF2-40B4-BE49-F238E27FC236}">
-                <a16:creationId xmlns:a16="http://schemas.microsoft.com/office/drawing/2014/main" xmlns="" id="{7C76C821-45B2-DFFE-8A53-0CD78B84D34D}"/>
+                <a16:creationId xmlns="" xmlns:a16="http://schemas.microsoft.com/office/drawing/2014/main" id="{7C76C821-45B2-DFFE-8A53-0CD78B84D34D}"/>
               </a:ext>
             </a:extLst>
           </p:cNvPr>
@@ -7956,7 +7964,7 @@
           <p:cNvPr id="9" name="Заголовок 1">
             <a:extLst>
               <a:ext uri="{FF2B5EF4-FFF2-40B4-BE49-F238E27FC236}">
-                <a16:creationId xmlns:a16="http://schemas.microsoft.com/office/drawing/2014/main" xmlns="" id="{2E9213E6-749D-9992-D519-94F289222BF0}"/>
+                <a16:creationId xmlns="" xmlns:a16="http://schemas.microsoft.com/office/drawing/2014/main" id="{2E9213E6-749D-9992-D519-94F289222BF0}"/>
               </a:ext>
             </a:extLst>
           </p:cNvPr>
@@ -8268,7 +8276,7 @@
     </p:spTree>
     <p:extLst>
       <p:ext uri="{BB962C8B-B14F-4D97-AF65-F5344CB8AC3E}">
-        <p14:creationId xmlns="" xmlns:p14="http://schemas.microsoft.com/office/powerpoint/2010/main" val="1444225727"/>
+        <p14:creationId xmlns:p14="http://schemas.microsoft.com/office/powerpoint/2010/main" xmlns="" val="1444225727"/>
       </p:ext>
     </p:extLst>
   </p:cSld>
@@ -8574,7 +8582,7 @@
   <a:extraClrSchemeLst/>
   <a:extLst>
     <a:ext uri="{05A4C25C-085E-4340-85A3-A5531E510DB2}">
-      <thm15:themeFamily xmlns="" xmlns:thm15="http://schemas.microsoft.com/office/thememl/2012/main" name="Office Theme" id="{62F939B6-93AF-4DB8-9C6B-D6C7DFDC589F}" vid="{4A3C46E8-61CC-4603-A589-7422A47A8E4A}"/>
+      <thm15:themeFamily xmlns:thm15="http://schemas.microsoft.com/office/thememl/2012/main" xmlns="" name="Office Theme" id="{62F939B6-93AF-4DB8-9C6B-D6C7DFDC589F}" vid="{4A3C46E8-61CC-4603-A589-7422A47A8E4A}"/>
     </a:ext>
   </a:extLst>
 </a:theme>
